--- a/researchQuestion.pptx
+++ b/researchQuestion.pptx
@@ -5,18 +5,19 @@
     <p:sldMasterId id="2147483648" r:id="rId4"/>
   </p:sldMasterIdLst>
   <p:notesMasterIdLst>
-    <p:notesMasterId r:id="rId11"/>
+    <p:notesMasterId r:id="rId12"/>
   </p:notesMasterIdLst>
   <p:handoutMasterIdLst>
-    <p:handoutMasterId r:id="rId12"/>
+    <p:handoutMasterId r:id="rId13"/>
   </p:handoutMasterIdLst>
   <p:sldIdLst>
     <p:sldId id="337" r:id="rId5"/>
     <p:sldId id="289" r:id="rId6"/>
     <p:sldId id="339" r:id="rId7"/>
-    <p:sldId id="329" r:id="rId8"/>
-    <p:sldId id="336" r:id="rId9"/>
-    <p:sldId id="338" r:id="rId10"/>
+    <p:sldId id="340" r:id="rId8"/>
+    <p:sldId id="329" r:id="rId9"/>
+    <p:sldId id="336" r:id="rId10"/>
+    <p:sldId id="338" r:id="rId11"/>
   </p:sldIdLst>
   <p:sldSz cx="12192000" cy="6858000"/>
   <p:notesSz cx="6858000" cy="9144000"/>
@@ -152,14 +153,6 @@
 </p:presentation>
 </file>
 
-<file path=ppt/revisionInfo.xml><?xml version="1.0" encoding="utf-8"?>
-<p1510:revInfo xmlns:a="http://schemas.openxmlformats.org/drawingml/2006/main" xmlns:r="http://schemas.openxmlformats.org/officeDocument/2006/relationships" xmlns:p1510="http://schemas.microsoft.com/office/powerpoint/2015/10/main">
-  <p1510:revLst>
-    <p1510:client id="{EC76CECB-D9C9-A537-033A-1B89524A291D}" v="364" dt="2024-10-17T19:31:15.610"/>
-  </p1510:revLst>
-</p1510:revInfo>
-</file>
-
 <file path=ppt/handoutMasters/handoutMaster1.xml><?xml version="1.0" encoding="utf-8"?>
 <p:handoutMaster xmlns:a="http://schemas.openxmlformats.org/drawingml/2006/main" xmlns:r="http://schemas.openxmlformats.org/officeDocument/2006/relationships" xmlns:p="http://schemas.openxmlformats.org/presentationml/2006/main">
   <p:cSld>
@@ -255,7 +248,7 @@
             <a:fld id="{93FAAC3A-BD1F-4A00-9099-74B95789FE00}" type="datetimeFigureOut">
               <a:rPr lang="en-GB" smtClean="0"/>
               <a:pPr/>
-              <a:t>13/11/2024</a:t>
+              <a:t>20/11/2024</a:t>
             </a:fld>
             <a:endParaRPr lang="en-GB"/>
           </a:p>
@@ -434,7 +427,7 @@
             <a:fld id="{8E359C8A-39F6-4045-9163-4042C4C26B15}" type="datetimeFigureOut">
               <a:rPr lang="en-GB" smtClean="0"/>
               <a:pPr/>
-              <a:t>13/11/2024</a:t>
+              <a:t>20/11/2024</a:t>
             </a:fld>
             <a:endParaRPr lang="en-GB"/>
           </a:p>
@@ -789,7 +782,7 @@
             <a:fld id="{30370952-48CC-46D7-9FCD-59FAD40CC025}" type="slidenum">
               <a:rPr lang="en-GB" smtClean="0"/>
               <a:pPr/>
-              <a:t>4</a:t>
+              <a:t>5</a:t>
             </a:fld>
             <a:endParaRPr lang="en-GB"/>
           </a:p>
@@ -874,7 +867,7 @@
             <a:fld id="{30370952-48CC-46D7-9FCD-59FAD40CC025}" type="slidenum">
               <a:rPr lang="en-GB" smtClean="0"/>
               <a:pPr/>
-              <a:t>5</a:t>
+              <a:t>6</a:t>
             </a:fld>
             <a:endParaRPr lang="en-GB"/>
           </a:p>
@@ -959,7 +952,7 @@
             <a:fld id="{30370952-48CC-46D7-9FCD-59FAD40CC025}" type="slidenum">
               <a:rPr lang="en-GB" smtClean="0"/>
               <a:pPr/>
-              <a:t>6</a:t>
+              <a:t>7</a:t>
             </a:fld>
             <a:endParaRPr lang="en-GB"/>
           </a:p>
@@ -5140,7 +5133,7 @@
         </p:nvSpPr>
         <p:spPr>
           <a:xfrm>
-            <a:off x="751779" y="4518900"/>
+            <a:off x="773550" y="1688614"/>
             <a:ext cx="7200000" cy="360000"/>
           </a:xfrm>
         </p:spPr>
@@ -5155,42 +5148,6 @@
           </a:p>
         </p:txBody>
       </p:sp>
-      <p:pic>
-        <p:nvPicPr>
-          <p:cNvPr id="3" name="Picture 2" descr="A screenshot of a computer&#10;&#10;Description automatically generated">
-            <a:extLst>
-              <a:ext uri="{FF2B5EF4-FFF2-40B4-BE49-F238E27FC236}">
-                <a16:creationId xmlns:a16="http://schemas.microsoft.com/office/drawing/2014/main" id="{8AC89E54-45F5-4CE2-A55D-FFD9809E9E5D}"/>
-              </a:ext>
-            </a:extLst>
-          </p:cNvPr>
-          <p:cNvPicPr>
-            <a:picLocks noChangeAspect="1"/>
-          </p:cNvPicPr>
-          <p:nvPr/>
-        </p:nvPicPr>
-        <p:blipFill>
-          <a:blip r:embed="rId2">
-            <a:extLst>
-              <a:ext uri="{28A0092B-C50C-407E-A947-70E740481C1C}">
-                <a14:useLocalDpi xmlns:a14="http://schemas.microsoft.com/office/drawing/2010/main" val="0"/>
-              </a:ext>
-            </a:extLst>
-          </a:blip>
-          <a:stretch>
-            <a:fillRect/>
-          </a:stretch>
-        </p:blipFill>
-        <p:spPr>
-          <a:xfrm>
-            <a:off x="132518" y="1021854"/>
-            <a:ext cx="11926964" cy="1733792"/>
-          </a:xfrm>
-          <a:prstGeom prst="rect">
-            <a:avLst/>
-          </a:prstGeom>
-        </p:spPr>
-      </p:pic>
     </p:spTree>
     <p:extLst>
       <p:ext uri="{BB962C8B-B14F-4D97-AF65-F5344CB8AC3E}">
@@ -5226,7 +5183,7 @@
           <p:cNvPr id="2" name="Subtitle 1">
             <a:extLst>
               <a:ext uri="{FF2B5EF4-FFF2-40B4-BE49-F238E27FC236}">
-                <a16:creationId xmlns:a16="http://schemas.microsoft.com/office/drawing/2014/main" id="{7D9D8228-727F-1E46-B5AD-91D158B8255E}"/>
+                <a16:creationId xmlns:a16="http://schemas.microsoft.com/office/drawing/2014/main" id="{CEC83CBA-09B2-4582-93D4-245FAF063B89}"/>
               </a:ext>
             </a:extLst>
           </p:cNvPr>
@@ -5239,43 +5196,17 @@
         </p:nvSpPr>
         <p:spPr>
           <a:xfrm>
-            <a:off x="965288" y="1285092"/>
-            <a:ext cx="10110240" cy="588024"/>
+            <a:off x="387943" y="1359598"/>
+            <a:ext cx="7200000" cy="360000"/>
           </a:xfrm>
         </p:spPr>
         <p:txBody>
-          <a:bodyPr vert="horz" lIns="0" tIns="0" rIns="0" bIns="0" rtlCol="0" anchor="t">
-            <a:noAutofit/>
-          </a:bodyPr>
+          <a:bodyPr/>
           <a:lstStyle/>
           <a:p>
             <a:r>
-              <a:rPr lang="en-US" dirty="0"/>
-              <a:t>Dataset </a:t>
-            </a:r>
-            <a:r>
-              <a:rPr lang="en-US" dirty="0">
-                <a:solidFill>
-                  <a:srgbClr val="203232"/>
-                </a:solidFill>
-              </a:rPr>
-              <a:t>ID</a:t>
-            </a:r>
-            <a:r>
-              <a:rPr lang="en-US" sz="1600" dirty="0">
-                <a:solidFill>
-                  <a:srgbClr val="FF0000"/>
-                </a:solidFill>
-              </a:rPr>
-              <a:t>:   </a:t>
-            </a:r>
-            <a:r>
-              <a:rPr lang="en-US" sz="2400" dirty="0">
-                <a:solidFill>
-                  <a:srgbClr val="FF0000"/>
-                </a:solidFill>
-              </a:rPr>
-              <a:t>(DS307 NCAA Men 538 team ratings)</a:t>
+              <a:rPr lang="en-GB" dirty="0"/>
+              <a:t>Dataset Snippet:</a:t>
             </a:r>
           </a:p>
         </p:txBody>
@@ -5285,7 +5216,7 @@
           <p:cNvPr id="3" name="Footer Placeholder 2">
             <a:extLst>
               <a:ext uri="{FF2B5EF4-FFF2-40B4-BE49-F238E27FC236}">
-                <a16:creationId xmlns:a16="http://schemas.microsoft.com/office/drawing/2014/main" id="{00EBC183-8AA5-EC44-9987-D65F5C1892A1}"/>
+                <a16:creationId xmlns:a16="http://schemas.microsoft.com/office/drawing/2014/main" id="{2F30EC65-7F1A-4522-B2B5-74EFC4EEE9BD}"/>
               </a:ext>
             </a:extLst>
           </p:cNvPr>
@@ -5296,254 +5227,114 @@
             <p:ph type="ftr" sz="quarter" idx="11"/>
           </p:nvPr>
         </p:nvSpPr>
+        <p:spPr/>
+        <p:txBody>
+          <a:bodyPr/>
+          <a:lstStyle/>
+          <a:p>
+            <a:r>
+              <a:rPr lang="en-GB"/>
+              <a:t>PRESENTATION TITLE (ADD VIA INSERT, HEADER &amp; FOOTER)</a:t>
+            </a:r>
+            <a:endParaRPr lang="en-GB" dirty="0"/>
+          </a:p>
+        </p:txBody>
+      </p:sp>
+      <p:sp>
+        <p:nvSpPr>
+          <p:cNvPr id="4" name="Slide Number Placeholder 3">
+            <a:extLst>
+              <a:ext uri="{FF2B5EF4-FFF2-40B4-BE49-F238E27FC236}">
+                <a16:creationId xmlns:a16="http://schemas.microsoft.com/office/drawing/2014/main" id="{345D6EA0-8E0A-4F05-91F8-C87364F97022}"/>
+              </a:ext>
+            </a:extLst>
+          </p:cNvPr>
+          <p:cNvSpPr>
+            <a:spLocks noGrp="1"/>
+          </p:cNvSpPr>
+          <p:nvPr>
+            <p:ph type="sldNum" sz="quarter" idx="12"/>
+          </p:nvPr>
+        </p:nvSpPr>
+        <p:spPr/>
+        <p:txBody>
+          <a:bodyPr/>
+          <a:lstStyle/>
+          <a:p>
+            <a:fld id="{E4D355CA-84B7-41B1-B164-8BB439CC7C6B}" type="slidenum">
+              <a:rPr lang="en-GB" smtClean="0"/>
+              <a:pPr/>
+              <a:t>4</a:t>
+            </a:fld>
+            <a:endParaRPr lang="en-GB" dirty="0"/>
+          </a:p>
+        </p:txBody>
+      </p:sp>
+      <p:sp>
+        <p:nvSpPr>
+          <p:cNvPr id="5" name="Title 4">
+            <a:extLst>
+              <a:ext uri="{FF2B5EF4-FFF2-40B4-BE49-F238E27FC236}">
+                <a16:creationId xmlns:a16="http://schemas.microsoft.com/office/drawing/2014/main" id="{95CC68B0-41A7-4FCB-B9ED-E73C84F59FED}"/>
+              </a:ext>
+            </a:extLst>
+          </p:cNvPr>
+          <p:cNvSpPr>
+            <a:spLocks noGrp="1"/>
+          </p:cNvSpPr>
+          <p:nvPr>
+            <p:ph type="ctrTitle"/>
+          </p:nvPr>
+        </p:nvSpPr>
+        <p:spPr/>
+        <p:txBody>
+          <a:bodyPr/>
+          <a:lstStyle/>
+          <a:p>
+            <a:endParaRPr lang="en-GB" dirty="0"/>
+          </a:p>
+        </p:txBody>
+      </p:sp>
+      <p:pic>
+        <p:nvPicPr>
+          <p:cNvPr id="7" name="Picture 6" descr="A screenshot of a computer&#10;&#10;Description automatically generated">
+            <a:extLst>
+              <a:ext uri="{FF2B5EF4-FFF2-40B4-BE49-F238E27FC236}">
+                <a16:creationId xmlns:a16="http://schemas.microsoft.com/office/drawing/2014/main" id="{A96772F1-C1E8-4E51-BEB2-943B7F6FE176}"/>
+              </a:ext>
+            </a:extLst>
+          </p:cNvPr>
+          <p:cNvPicPr>
+            <a:picLocks noChangeAspect="1"/>
+          </p:cNvPicPr>
+          <p:nvPr/>
+        </p:nvPicPr>
+        <p:blipFill>
+          <a:blip r:embed="rId2">
+            <a:extLst>
+              <a:ext uri="{28A0092B-C50C-407E-A947-70E740481C1C}">
+                <a14:useLocalDpi xmlns:a14="http://schemas.microsoft.com/office/drawing/2010/main" val="0"/>
+              </a:ext>
+            </a:extLst>
+          </a:blip>
+          <a:stretch>
+            <a:fillRect/>
+          </a:stretch>
+        </p:blipFill>
         <p:spPr>
           <a:xfrm>
-            <a:off x="965288" y="791022"/>
-            <a:ext cx="9129687" cy="230832"/>
-          </a:xfrm>
-        </p:spPr>
-        <p:txBody>
-          <a:bodyPr/>
-          <a:lstStyle/>
-          <a:p>
-            <a:r>
-              <a:rPr lang="en-GB" dirty="0"/>
-              <a:t>7COM1079-2024  Student Group No: A315</a:t>
-            </a:r>
-            <a:br>
-              <a:rPr lang="en-GB" dirty="0"/>
-            </a:br>
-            <a:endParaRPr lang="en-GB" dirty="0"/>
-          </a:p>
-        </p:txBody>
-      </p:sp>
-      <p:sp>
-        <p:nvSpPr>
-          <p:cNvPr id="4" name="Slide Number Placeholder 3">
-            <a:extLst>
-              <a:ext uri="{FF2B5EF4-FFF2-40B4-BE49-F238E27FC236}">
-                <a16:creationId xmlns:a16="http://schemas.microsoft.com/office/drawing/2014/main" id="{CC9D9611-42EE-7840-81EE-DD6B1A99CD7B}"/>
-              </a:ext>
-            </a:extLst>
-          </p:cNvPr>
-          <p:cNvSpPr>
-            <a:spLocks noGrp="1"/>
-          </p:cNvSpPr>
-          <p:nvPr>
-            <p:ph type="sldNum" sz="quarter" idx="12"/>
-          </p:nvPr>
-        </p:nvSpPr>
-        <p:spPr>
-          <a:xfrm>
-            <a:off x="10954512" y="555565"/>
-            <a:ext cx="622800" cy="230832"/>
-          </a:xfrm>
-        </p:spPr>
-        <p:txBody>
-          <a:bodyPr/>
-          <a:lstStyle/>
-          <a:p>
-            <a:r>
-              <a:rPr lang="en-US" dirty="0"/>
-              <a:t>2</a:t>
-            </a:r>
-            <a:endParaRPr lang="en-GB" dirty="0"/>
-          </a:p>
-        </p:txBody>
-      </p:sp>
-      <p:sp>
-        <p:nvSpPr>
-          <p:cNvPr id="5" name="Title 4">
-            <a:extLst>
-              <a:ext uri="{FF2B5EF4-FFF2-40B4-BE49-F238E27FC236}">
-                <a16:creationId xmlns:a16="http://schemas.microsoft.com/office/drawing/2014/main" id="{B3FA3829-F12C-214D-8FBA-7E1A740F65CA}"/>
-              </a:ext>
-            </a:extLst>
-          </p:cNvPr>
-          <p:cNvSpPr>
-            <a:spLocks noGrp="1"/>
-          </p:cNvSpPr>
-          <p:nvPr>
-            <p:ph type="ctrTitle"/>
-          </p:nvPr>
-        </p:nvSpPr>
-        <p:spPr>
-          <a:xfrm>
-            <a:off x="965288" y="1698305"/>
-            <a:ext cx="10974945" cy="2699181"/>
-          </a:xfrm>
-        </p:spPr>
-        <p:txBody>
-          <a:bodyPr>
-            <a:noAutofit/>
-          </a:bodyPr>
-          <a:lstStyle/>
-          <a:p>
-            <a:pPr>
-              <a:lnSpc>
-                <a:spcPct val="100000"/>
-              </a:lnSpc>
-            </a:pPr>
-            <a:r>
-              <a:rPr lang="en-US" sz="2400" b="0" dirty="0">
-                <a:latin typeface="Calibri"/>
-                <a:cs typeface="Calibri"/>
-              </a:rPr>
-              <a:t>This dataset is interesting to us because : </a:t>
-            </a:r>
-            <a:br>
-              <a:rPr lang="en-US" sz="2400" b="0" dirty="0">
-                <a:latin typeface="Calibri" panose="020F0502020204030204" pitchFamily="34" charset="0"/>
-                <a:cs typeface="Calibri" panose="020F0502020204030204" pitchFamily="34" charset="0"/>
-              </a:rPr>
-            </a:br>
-            <a:br>
-              <a:rPr lang="en-US" sz="2400" b="0" dirty="0">
-                <a:latin typeface="Calibri" panose="020F0502020204030204" pitchFamily="34" charset="0"/>
-                <a:cs typeface="Calibri" panose="020F0502020204030204" pitchFamily="34" charset="0"/>
-              </a:rPr>
-            </a:br>
-            <a:r>
-              <a:rPr lang="en-US" sz="2400" b="0" dirty="0">
-                <a:latin typeface="Calibri"/>
-                <a:cs typeface="Calibri"/>
-              </a:rPr>
-              <a:t>Our  Independent variable is: </a:t>
-            </a:r>
-            <a:r>
-              <a:rPr lang="en-US" sz="2400" b="0" dirty="0" err="1">
-                <a:latin typeface="Calibri"/>
-                <a:cs typeface="Calibri"/>
-              </a:rPr>
-              <a:t>TeamID</a:t>
-            </a:r>
-            <a:br>
-              <a:rPr lang="en-US" sz="2400" b="0" dirty="0">
-                <a:latin typeface="Calibri" panose="020F0502020204030204" pitchFamily="34" charset="0"/>
-                <a:cs typeface="Calibri" panose="020F0502020204030204" pitchFamily="34" charset="0"/>
-              </a:rPr>
-            </a:br>
-            <a:r>
-              <a:rPr lang="en-US" sz="2400" b="0" dirty="0">
-                <a:solidFill>
-                  <a:srgbClr val="FF0000"/>
-                </a:solidFill>
-                <a:latin typeface="Calibri"/>
-                <a:cs typeface="Calibri"/>
-              </a:rPr>
-              <a:t>                   </a:t>
-            </a:r>
-            <a:r>
-              <a:rPr lang="en-US" sz="2400" b="0" dirty="0">
-                <a:latin typeface="Calibri"/>
-                <a:cs typeface="Calibri"/>
-              </a:rPr>
-              <a:t>This  Independent variable datatype is (select one): Categorial  </a:t>
-            </a:r>
-            <a:br>
-              <a:rPr lang="en-US" sz="2400" b="0" dirty="0">
-                <a:solidFill>
-                  <a:srgbClr val="FF0000"/>
-                </a:solidFill>
-                <a:latin typeface="Calibri"/>
-                <a:cs typeface="Calibri"/>
-              </a:rPr>
-            </a:br>
-            <a:r>
-              <a:rPr lang="en-US" sz="2400" b="0" dirty="0">
-                <a:latin typeface="Calibri"/>
-                <a:cs typeface="Calibri"/>
-              </a:rPr>
-              <a:t>Our Dependent variable is: 538Rating</a:t>
-            </a:r>
-            <a:br>
-              <a:rPr lang="en-US" sz="2400" b="0" dirty="0">
-                <a:latin typeface="Calibri" panose="020F0502020204030204" pitchFamily="34" charset="0"/>
-                <a:cs typeface="Calibri" panose="020F0502020204030204" pitchFamily="34" charset="0"/>
-              </a:rPr>
-            </a:br>
-            <a:r>
-              <a:rPr lang="en-US" sz="2400" b="0" dirty="0">
-                <a:solidFill>
-                  <a:srgbClr val="FF0000"/>
-                </a:solidFill>
-                <a:latin typeface="Calibri"/>
-                <a:cs typeface="Calibri"/>
-              </a:rPr>
-              <a:t>                   </a:t>
-            </a:r>
-            <a:r>
-              <a:rPr lang="en-US" sz="2400" b="0" dirty="0">
-                <a:latin typeface="Calibri"/>
-                <a:cs typeface="Calibri"/>
-              </a:rPr>
-              <a:t>This Dependent variable datatype is  (select one): </a:t>
-            </a:r>
-            <a:r>
-              <a:rPr lang="en-US" sz="2400" b="0" dirty="0">
-                <a:solidFill>
-                  <a:srgbClr val="FF0000"/>
-                </a:solidFill>
-                <a:latin typeface="Calibri"/>
-                <a:cs typeface="Calibri"/>
-              </a:rPr>
-              <a:t> </a:t>
-            </a:r>
-            <a:r>
-              <a:rPr lang="en-US" sz="2400" b="0" dirty="0">
-                <a:latin typeface="Calibri"/>
-                <a:cs typeface="Calibri"/>
-              </a:rPr>
-              <a:t>Measurement data</a:t>
-            </a:r>
-          </a:p>
-        </p:txBody>
-      </p:sp>
-      <p:sp>
-        <p:nvSpPr>
-          <p:cNvPr id="6" name="TextBox 5">
-            <a:extLst>
-              <a:ext uri="{FF2B5EF4-FFF2-40B4-BE49-F238E27FC236}">
-                <a16:creationId xmlns:a16="http://schemas.microsoft.com/office/drawing/2014/main" id="{732D6C0D-D649-2AA9-7741-835F3E841A25}"/>
-              </a:ext>
-            </a:extLst>
-          </p:cNvPr>
-          <p:cNvSpPr txBox="1"/>
-          <p:nvPr/>
-        </p:nvSpPr>
-        <p:spPr>
-          <a:xfrm>
-            <a:off x="6766560" y="5385816"/>
-            <a:ext cx="4187952" cy="1200329"/>
+            <a:off x="89649" y="2061971"/>
+            <a:ext cx="12012701" cy="2734057"/>
           </a:xfrm>
           <a:prstGeom prst="rect">
             <a:avLst/>
           </a:prstGeom>
-          <a:noFill/>
         </p:spPr>
-        <p:txBody>
-          <a:bodyPr wrap="square" rtlCol="0">
-            <a:spAutoFit/>
-          </a:bodyPr>
-          <a:lstStyle/>
-          <a:p>
-            <a:r>
-              <a:rPr lang="en-GB" dirty="0">
-                <a:solidFill>
-                  <a:schemeClr val="accent2">
-                    <a:lumMod val="75000"/>
-                  </a:schemeClr>
-                </a:solidFill>
-              </a:rPr>
-              <a:t>*For comparison of two nominal variables and for comparison of proportions you use two (or more) independent variables (see next slide)</a:t>
-            </a:r>
-          </a:p>
-        </p:txBody>
-      </p:sp>
+      </p:pic>
     </p:spTree>
     <p:extLst>
       <p:ext uri="{BB962C8B-B14F-4D97-AF65-F5344CB8AC3E}">
-        <p14:creationId xmlns:p14="http://schemas.microsoft.com/office/powerpoint/2010/main" val="1718004908"/>
+        <p14:creationId xmlns:p14="http://schemas.microsoft.com/office/powerpoint/2010/main" val="594719692"/>
       </p:ext>
     </p:extLst>
   </p:cSld>
@@ -5575,6 +5366,355 @@
           <p:cNvPr id="2" name="Subtitle 1">
             <a:extLst>
               <a:ext uri="{FF2B5EF4-FFF2-40B4-BE49-F238E27FC236}">
+                <a16:creationId xmlns:a16="http://schemas.microsoft.com/office/drawing/2014/main" id="{7D9D8228-727F-1E46-B5AD-91D158B8255E}"/>
+              </a:ext>
+            </a:extLst>
+          </p:cNvPr>
+          <p:cNvSpPr>
+            <a:spLocks noGrp="1"/>
+          </p:cNvSpPr>
+          <p:nvPr>
+            <p:ph type="subTitle" idx="1"/>
+          </p:nvPr>
+        </p:nvSpPr>
+        <p:spPr>
+          <a:xfrm>
+            <a:off x="965288" y="1285092"/>
+            <a:ext cx="10110240" cy="588024"/>
+          </a:xfrm>
+        </p:spPr>
+        <p:txBody>
+          <a:bodyPr vert="horz" lIns="0" tIns="0" rIns="0" bIns="0" rtlCol="0" anchor="t">
+            <a:noAutofit/>
+          </a:bodyPr>
+          <a:lstStyle/>
+          <a:p>
+            <a:r>
+              <a:rPr lang="en-US" dirty="0"/>
+              <a:t>Dataset </a:t>
+            </a:r>
+            <a:r>
+              <a:rPr lang="en-US" dirty="0">
+                <a:solidFill>
+                  <a:srgbClr val="203232"/>
+                </a:solidFill>
+              </a:rPr>
+              <a:t>ID</a:t>
+            </a:r>
+            <a:r>
+              <a:rPr lang="en-US" sz="1600" dirty="0">
+                <a:solidFill>
+                  <a:srgbClr val="FF0000"/>
+                </a:solidFill>
+              </a:rPr>
+              <a:t>:   </a:t>
+            </a:r>
+            <a:r>
+              <a:rPr lang="en-US" sz="2400" dirty="0">
+                <a:solidFill>
+                  <a:srgbClr val="FF0000"/>
+                </a:solidFill>
+              </a:rPr>
+              <a:t>(DS307 NCAA Men 538 team ratings)</a:t>
+            </a:r>
+          </a:p>
+        </p:txBody>
+      </p:sp>
+      <p:sp>
+        <p:nvSpPr>
+          <p:cNvPr id="3" name="Footer Placeholder 2">
+            <a:extLst>
+              <a:ext uri="{FF2B5EF4-FFF2-40B4-BE49-F238E27FC236}">
+                <a16:creationId xmlns:a16="http://schemas.microsoft.com/office/drawing/2014/main" id="{00EBC183-8AA5-EC44-9987-D65F5C1892A1}"/>
+              </a:ext>
+            </a:extLst>
+          </p:cNvPr>
+          <p:cNvSpPr>
+            <a:spLocks noGrp="1"/>
+          </p:cNvSpPr>
+          <p:nvPr>
+            <p:ph type="ftr" sz="quarter" idx="11"/>
+          </p:nvPr>
+        </p:nvSpPr>
+        <p:spPr>
+          <a:xfrm>
+            <a:off x="965288" y="791022"/>
+            <a:ext cx="9129687" cy="230832"/>
+          </a:xfrm>
+        </p:spPr>
+        <p:txBody>
+          <a:bodyPr/>
+          <a:lstStyle/>
+          <a:p>
+            <a:r>
+              <a:rPr lang="en-GB" dirty="0"/>
+              <a:t>7COM1079-2024  Student Group No: A315</a:t>
+            </a:r>
+            <a:br>
+              <a:rPr lang="en-GB" dirty="0"/>
+            </a:br>
+            <a:endParaRPr lang="en-GB" dirty="0"/>
+          </a:p>
+        </p:txBody>
+      </p:sp>
+      <p:sp>
+        <p:nvSpPr>
+          <p:cNvPr id="4" name="Slide Number Placeholder 3">
+            <a:extLst>
+              <a:ext uri="{FF2B5EF4-FFF2-40B4-BE49-F238E27FC236}">
+                <a16:creationId xmlns:a16="http://schemas.microsoft.com/office/drawing/2014/main" id="{CC9D9611-42EE-7840-81EE-DD6B1A99CD7B}"/>
+              </a:ext>
+            </a:extLst>
+          </p:cNvPr>
+          <p:cNvSpPr>
+            <a:spLocks noGrp="1"/>
+          </p:cNvSpPr>
+          <p:nvPr>
+            <p:ph type="sldNum" sz="quarter" idx="12"/>
+          </p:nvPr>
+        </p:nvSpPr>
+        <p:spPr>
+          <a:xfrm>
+            <a:off x="10954512" y="555565"/>
+            <a:ext cx="622800" cy="230832"/>
+          </a:xfrm>
+        </p:spPr>
+        <p:txBody>
+          <a:bodyPr/>
+          <a:lstStyle/>
+          <a:p>
+            <a:r>
+              <a:rPr lang="en-US" dirty="0"/>
+              <a:t>2</a:t>
+            </a:r>
+            <a:endParaRPr lang="en-GB" dirty="0"/>
+          </a:p>
+        </p:txBody>
+      </p:sp>
+      <p:sp>
+        <p:nvSpPr>
+          <p:cNvPr id="5" name="Title 4">
+            <a:extLst>
+              <a:ext uri="{FF2B5EF4-FFF2-40B4-BE49-F238E27FC236}">
+                <a16:creationId xmlns:a16="http://schemas.microsoft.com/office/drawing/2014/main" id="{B3FA3829-F12C-214D-8FBA-7E1A740F65CA}"/>
+              </a:ext>
+            </a:extLst>
+          </p:cNvPr>
+          <p:cNvSpPr>
+            <a:spLocks noGrp="1"/>
+          </p:cNvSpPr>
+          <p:nvPr>
+            <p:ph type="ctrTitle"/>
+          </p:nvPr>
+        </p:nvSpPr>
+        <p:spPr>
+          <a:xfrm>
+            <a:off x="965288" y="1698305"/>
+            <a:ext cx="10974945" cy="2699181"/>
+          </a:xfrm>
+        </p:spPr>
+        <p:txBody>
+          <a:bodyPr>
+            <a:noAutofit/>
+          </a:bodyPr>
+          <a:lstStyle/>
+          <a:p>
+            <a:pPr>
+              <a:lnSpc>
+                <a:spcPct val="100000"/>
+              </a:lnSpc>
+            </a:pPr>
+            <a:r>
+              <a:rPr lang="en-US" sz="2400" b="0" dirty="0">
+                <a:latin typeface="Calibri"/>
+                <a:cs typeface="Calibri"/>
+              </a:rPr>
+              <a:t>This dataset is interesting to us because : </a:t>
+            </a:r>
+            <a:br>
+              <a:rPr lang="en-US" sz="2400" b="0" dirty="0">
+                <a:latin typeface="Calibri" panose="020F0502020204030204" pitchFamily="34" charset="0"/>
+                <a:cs typeface="Calibri" panose="020F0502020204030204" pitchFamily="34" charset="0"/>
+              </a:rPr>
+            </a:br>
+            <a:br>
+              <a:rPr lang="en-US" sz="2400" b="0" dirty="0">
+                <a:latin typeface="Calibri" panose="020F0502020204030204" pitchFamily="34" charset="0"/>
+                <a:cs typeface="Calibri" panose="020F0502020204030204" pitchFamily="34" charset="0"/>
+              </a:rPr>
+            </a:br>
+            <a:r>
+              <a:rPr lang="en-US" sz="2400" b="0" dirty="0">
+                <a:latin typeface="Calibri"/>
+                <a:cs typeface="Calibri"/>
+              </a:rPr>
+              <a:t>Our  Independent variable is: </a:t>
+            </a:r>
+            <a:r>
+              <a:rPr lang="en-US" sz="2400" b="0" dirty="0" err="1">
+                <a:latin typeface="Calibri"/>
+                <a:cs typeface="Calibri"/>
+              </a:rPr>
+              <a:t>TeamID</a:t>
+            </a:r>
+            <a:br>
+              <a:rPr lang="en-US" sz="2400" b="0" dirty="0">
+                <a:latin typeface="Calibri" panose="020F0502020204030204" pitchFamily="34" charset="0"/>
+                <a:cs typeface="Calibri" panose="020F0502020204030204" pitchFamily="34" charset="0"/>
+              </a:rPr>
+            </a:br>
+            <a:r>
+              <a:rPr lang="en-US" sz="2400" b="0" dirty="0">
+                <a:solidFill>
+                  <a:srgbClr val="FF0000"/>
+                </a:solidFill>
+                <a:latin typeface="Calibri"/>
+                <a:cs typeface="Calibri"/>
+              </a:rPr>
+              <a:t>                   </a:t>
+            </a:r>
+            <a:r>
+              <a:rPr lang="en-US" sz="2400" b="0" dirty="0">
+                <a:latin typeface="Calibri"/>
+                <a:cs typeface="Calibri"/>
+              </a:rPr>
+              <a:t>This  Independent variable datatype is (select one): Categorial  </a:t>
+            </a:r>
+            <a:br>
+              <a:rPr lang="en-US" sz="2400" b="0" dirty="0">
+                <a:solidFill>
+                  <a:srgbClr val="FF0000"/>
+                </a:solidFill>
+                <a:latin typeface="Calibri"/>
+                <a:cs typeface="Calibri"/>
+              </a:rPr>
+            </a:br>
+            <a:r>
+              <a:rPr lang="en-US" sz="2400" b="0" dirty="0">
+                <a:latin typeface="Calibri"/>
+                <a:cs typeface="Calibri"/>
+              </a:rPr>
+              <a:t>Our Dependent variable is: 538Rating</a:t>
+            </a:r>
+            <a:br>
+              <a:rPr lang="en-US" sz="2400" b="0" dirty="0">
+                <a:latin typeface="Calibri" panose="020F0502020204030204" pitchFamily="34" charset="0"/>
+                <a:cs typeface="Calibri" panose="020F0502020204030204" pitchFamily="34" charset="0"/>
+              </a:rPr>
+            </a:br>
+            <a:r>
+              <a:rPr lang="en-US" sz="2400" b="0" dirty="0">
+                <a:solidFill>
+                  <a:srgbClr val="FF0000"/>
+                </a:solidFill>
+                <a:latin typeface="Calibri"/>
+                <a:cs typeface="Calibri"/>
+              </a:rPr>
+              <a:t>                   </a:t>
+            </a:r>
+            <a:r>
+              <a:rPr lang="en-US" sz="2400" b="0" dirty="0">
+                <a:latin typeface="Calibri"/>
+                <a:cs typeface="Calibri"/>
+              </a:rPr>
+              <a:t>This Dependent variable datatype is  (select one): </a:t>
+            </a:r>
+            <a:r>
+              <a:rPr lang="en-US" sz="2400" b="0" dirty="0">
+                <a:solidFill>
+                  <a:srgbClr val="FF0000"/>
+                </a:solidFill>
+                <a:latin typeface="Calibri"/>
+                <a:cs typeface="Calibri"/>
+              </a:rPr>
+              <a:t> </a:t>
+            </a:r>
+            <a:r>
+              <a:rPr lang="en-US" sz="2400" b="0" dirty="0">
+                <a:latin typeface="Calibri"/>
+                <a:cs typeface="Calibri"/>
+              </a:rPr>
+              <a:t>Measurement data</a:t>
+            </a:r>
+          </a:p>
+        </p:txBody>
+      </p:sp>
+      <p:sp>
+        <p:nvSpPr>
+          <p:cNvPr id="6" name="TextBox 5">
+            <a:extLst>
+              <a:ext uri="{FF2B5EF4-FFF2-40B4-BE49-F238E27FC236}">
+                <a16:creationId xmlns:a16="http://schemas.microsoft.com/office/drawing/2014/main" id="{732D6C0D-D649-2AA9-7741-835F3E841A25}"/>
+              </a:ext>
+            </a:extLst>
+          </p:cNvPr>
+          <p:cNvSpPr txBox="1"/>
+          <p:nvPr/>
+        </p:nvSpPr>
+        <p:spPr>
+          <a:xfrm>
+            <a:off x="6766560" y="5385816"/>
+            <a:ext cx="4187952" cy="1200329"/>
+          </a:xfrm>
+          <a:prstGeom prst="rect">
+            <a:avLst/>
+          </a:prstGeom>
+          <a:noFill/>
+        </p:spPr>
+        <p:txBody>
+          <a:bodyPr wrap="square" rtlCol="0">
+            <a:spAutoFit/>
+          </a:bodyPr>
+          <a:lstStyle/>
+          <a:p>
+            <a:r>
+              <a:rPr lang="en-GB" dirty="0">
+                <a:solidFill>
+                  <a:schemeClr val="accent2">
+                    <a:lumMod val="75000"/>
+                  </a:schemeClr>
+                </a:solidFill>
+              </a:rPr>
+              <a:t>*For comparison of two nominal variables and for comparison of proportions you use two (or more) independent variables (see next slide)</a:t>
+            </a:r>
+          </a:p>
+        </p:txBody>
+      </p:sp>
+    </p:spTree>
+    <p:extLst>
+      <p:ext uri="{BB962C8B-B14F-4D97-AF65-F5344CB8AC3E}">
+        <p14:creationId xmlns:p14="http://schemas.microsoft.com/office/powerpoint/2010/main" val="1718004908"/>
+      </p:ext>
+    </p:extLst>
+  </p:cSld>
+  <p:clrMapOvr>
+    <a:masterClrMapping/>
+  </p:clrMapOvr>
+</p:sld>
+</file>
+
+<file path=ppt/slides/slide6.xml><?xml version="1.0" encoding="utf-8"?>
+<p:sld xmlns:a="http://schemas.openxmlformats.org/drawingml/2006/main" xmlns:r="http://schemas.openxmlformats.org/officeDocument/2006/relationships" xmlns:p="http://schemas.openxmlformats.org/presentationml/2006/main">
+  <p:cSld>
+    <p:spTree>
+      <p:nvGrpSpPr>
+        <p:cNvPr id="1" name=""/>
+        <p:cNvGrpSpPr/>
+        <p:nvPr/>
+      </p:nvGrpSpPr>
+      <p:grpSpPr>
+        <a:xfrm>
+          <a:off x="0" y="0"/>
+          <a:ext cx="0" cy="0"/>
+          <a:chOff x="0" y="0"/>
+          <a:chExt cx="0" cy="0"/>
+        </a:xfrm>
+      </p:grpSpPr>
+      <p:sp>
+        <p:nvSpPr>
+          <p:cNvPr id="2" name="Subtitle 1">
+            <a:extLst>
+              <a:ext uri="{FF2B5EF4-FFF2-40B4-BE49-F238E27FC236}">
                 <a16:creationId xmlns:a16="http://schemas.microsoft.com/office/drawing/2014/main" id="{8E3CD731-5ACF-B002-247D-243F6E2149EC}"/>
               </a:ext>
             </a:extLst>
@@ -6343,7 +6483,7 @@
 </p:sld>
 </file>
 
-<file path=ppt/slides/slide6.xml><?xml version="1.0" encoding="utf-8"?>
+<file path=ppt/slides/slide7.xml><?xml version="1.0" encoding="utf-8"?>
 <p:sld xmlns:a="http://schemas.openxmlformats.org/drawingml/2006/main" xmlns:r="http://schemas.openxmlformats.org/officeDocument/2006/relationships" xmlns:p="http://schemas.openxmlformats.org/presentationml/2006/main">
   <p:cSld>
     <p:spTree>
@@ -7763,6 +7903,23 @@
 </file>
 
 <file path=customXml/item1.xml><?xml version="1.0" encoding="utf-8"?>
+<?mso-contentType ?>
+<FormTemplates xmlns="http://schemas.microsoft.com/sharepoint/v3/contenttype/forms">
+  <Display>DocumentLibraryForm</Display>
+  <Edit>DocumentLibraryForm</Edit>
+  <New>DocumentLibraryForm</New>
+</FormTemplates>
+</file>
+
+<file path=customXml/item2.xml><?xml version="1.0" encoding="utf-8"?>
+<p:properties xmlns:p="http://schemas.microsoft.com/office/2006/metadata/properties" xmlns:xsi="http://www.w3.org/2001/XMLSchema-instance" xmlns:pc="http://schemas.microsoft.com/office/infopath/2007/PartnerControls">
+  <documentManagement>
+    <Information xmlns="4ad138b4-2b68-4b70-945d-07f8f18b1c9a" xsi:nil="true"/>
+  </documentManagement>
+</p:properties>
+</file>
+
+<file path=customXml/item3.xml><?xml version="1.0" encoding="utf-8"?>
 <ct:contentTypeSchema xmlns:ct="http://schemas.microsoft.com/office/2006/metadata/contentType" xmlns:ma="http://schemas.microsoft.com/office/2006/metadata/properties/metaAttributes" ct:_="" ma:_="" ma:contentTypeName="Document" ma:contentTypeID="0x01010026DBA85F447B164191BB36C258697B67" ma:contentTypeVersion="14" ma:contentTypeDescription="Create a new document." ma:contentTypeScope="" ma:versionID="ea511d05ca7f895fe9556935b5c9af34">
   <xsd:schema xmlns:xsd="http://www.w3.org/2001/XMLSchema" xmlns:xs="http://www.w3.org/2001/XMLSchema" xmlns:p="http://schemas.microsoft.com/office/2006/metadata/properties" xmlns:ns2="4ad138b4-2b68-4b70-945d-07f8f18b1c9a" xmlns:ns3="3c474641-ec36-472f-b125-6b1b0910eaa4" targetNamespace="http://schemas.microsoft.com/office/2006/metadata/properties" ma:root="true" ma:fieldsID="662270106d7a7e100bcac2c5f8d29899" ns2:_="" ns3:_="">
     <xsd:import namespace="4ad138b4-2b68-4b70-945d-07f8f18b1c9a"/>
@@ -7987,38 +8144,10 @@
 </ct:contentTypeSchema>
 </file>
 
-<file path=customXml/item2.xml><?xml version="1.0" encoding="utf-8"?>
-<p:properties xmlns:p="http://schemas.microsoft.com/office/2006/metadata/properties" xmlns:xsi="http://www.w3.org/2001/XMLSchema-instance" xmlns:pc="http://schemas.microsoft.com/office/infopath/2007/PartnerControls">
-  <documentManagement>
-    <Information xmlns="4ad138b4-2b68-4b70-945d-07f8f18b1c9a" xsi:nil="true"/>
-  </documentManagement>
-</p:properties>
-</file>
-
-<file path=customXml/item3.xml><?xml version="1.0" encoding="utf-8"?>
-<?mso-contentType ?>
-<FormTemplates xmlns="http://schemas.microsoft.com/sharepoint/v3/contenttype/forms">
-  <Display>DocumentLibraryForm</Display>
-  <Edit>DocumentLibraryForm</Edit>
-  <New>DocumentLibraryForm</New>
-</FormTemplates>
-</file>
-
 <file path=customXml/itemProps1.xml><?xml version="1.0" encoding="utf-8"?>
-<ds:datastoreItem xmlns:ds="http://schemas.openxmlformats.org/officeDocument/2006/customXml" ds:itemID="{421B8C57-903D-4D0E-8336-7B512F760CD1}">
+<ds:datastoreItem xmlns:ds="http://schemas.openxmlformats.org/officeDocument/2006/customXml" ds:itemID="{91C521DD-2673-4EE6-BB9B-DC5C3320FFBB}">
   <ds:schemaRefs>
-    <ds:schemaRef ds:uri="http://schemas.microsoft.com/office/2006/metadata/contentType"/>
-    <ds:schemaRef ds:uri="http://schemas.microsoft.com/office/2006/metadata/properties/metaAttributes"/>
-    <ds:schemaRef ds:uri="http://www.w3.org/2001/XMLSchema"/>
-    <ds:schemaRef ds:uri="http://schemas.microsoft.com/office/2006/metadata/properties"/>
-    <ds:schemaRef ds:uri="4ad138b4-2b68-4b70-945d-07f8f18b1c9a"/>
-    <ds:schemaRef ds:uri="3c474641-ec36-472f-b125-6b1b0910eaa4"/>
-    <ds:schemaRef ds:uri="http://schemas.microsoft.com/office/2006/documentManagement/types"/>
-    <ds:schemaRef ds:uri="http://schemas.microsoft.com/office/infopath/2007/PartnerControls"/>
-    <ds:schemaRef ds:uri="http://schemas.openxmlformats.org/package/2006/metadata/core-properties"/>
-    <ds:schemaRef ds:uri="http://purl.org/dc/elements/1.1/"/>
-    <ds:schemaRef ds:uri="http://purl.org/dc/terms/"/>
-    <ds:schemaRef ds:uri="http://schemas.microsoft.com/internal/obd"/>
+    <ds:schemaRef ds:uri="http://schemas.microsoft.com/sharepoint/v3/contenttype/forms"/>
   </ds:schemaRefs>
 </ds:datastoreItem>
 </file>
@@ -8041,9 +8170,20 @@
 </file>
 
 <file path=customXml/itemProps3.xml><?xml version="1.0" encoding="utf-8"?>
-<ds:datastoreItem xmlns:ds="http://schemas.openxmlformats.org/officeDocument/2006/customXml" ds:itemID="{91C521DD-2673-4EE6-BB9B-DC5C3320FFBB}">
+<ds:datastoreItem xmlns:ds="http://schemas.openxmlformats.org/officeDocument/2006/customXml" ds:itemID="{421B8C57-903D-4D0E-8336-7B512F760CD1}">
   <ds:schemaRefs>
-    <ds:schemaRef ds:uri="http://schemas.microsoft.com/sharepoint/v3/contenttype/forms"/>
+    <ds:schemaRef ds:uri="http://schemas.microsoft.com/office/2006/metadata/contentType"/>
+    <ds:schemaRef ds:uri="http://schemas.microsoft.com/office/2006/metadata/properties/metaAttributes"/>
+    <ds:schemaRef ds:uri="http://www.w3.org/2001/XMLSchema"/>
+    <ds:schemaRef ds:uri="http://schemas.microsoft.com/office/2006/metadata/properties"/>
+    <ds:schemaRef ds:uri="4ad138b4-2b68-4b70-945d-07f8f18b1c9a"/>
+    <ds:schemaRef ds:uri="3c474641-ec36-472f-b125-6b1b0910eaa4"/>
+    <ds:schemaRef ds:uri="http://schemas.microsoft.com/office/2006/documentManagement/types"/>
+    <ds:schemaRef ds:uri="http://schemas.microsoft.com/office/infopath/2007/PartnerControls"/>
+    <ds:schemaRef ds:uri="http://schemas.openxmlformats.org/package/2006/metadata/core-properties"/>
+    <ds:schemaRef ds:uri="http://purl.org/dc/elements/1.1/"/>
+    <ds:schemaRef ds:uri="http://purl.org/dc/terms/"/>
+    <ds:schemaRef ds:uri="http://schemas.microsoft.com/internal/obd"/>
   </ds:schemaRefs>
 </ds:datastoreItem>
 </file>
--- a/researchQuestion.pptx
+++ b/researchQuestion.pptx
@@ -5000,8 +5000,13 @@
           <a:p>
             <a:r>
               <a:rPr lang="en-US" sz="2000" dirty="0"/>
-              <a:t>Group Name:          A315                               Name of Student Presenting:</a:t>
-            </a:r>
+              <a:t>Group Name:          A315                               Name of Student Presenting: </a:t>
+            </a:r>
+            <a:r>
+              <a:rPr lang="en-GB" sz="2000" dirty="0"/>
+              <a:t>Mohammed Umar Shaikh </a:t>
+            </a:r>
+            <a:endParaRPr lang="en-US" sz="2000" dirty="0"/>
           </a:p>
         </p:txBody>
       </p:sp>
@@ -5041,8 +5046,11 @@
             </a:r>
             <a:r>
               <a:rPr lang="en-GB" dirty="0"/>
-              <a:t> (23027012)</a:t>
-            </a:r>
+              <a:t> (23027012) Mohammed Umar Shaikh (20027413)</a:t>
+            </a:r>
+          </a:p>
+          <a:p>
+            <a:endParaRPr lang="en-GB" b="1" dirty="0"/>
           </a:p>
           <a:p>
             <a:endParaRPr lang="en-GB" dirty="0"/>

--- a/researchQuestion.pptx
+++ b/researchQuestion.pptx
@@ -5,19 +5,20 @@
     <p:sldMasterId id="2147483648" r:id="rId4"/>
   </p:sldMasterIdLst>
   <p:notesMasterIdLst>
-    <p:notesMasterId r:id="rId12"/>
+    <p:notesMasterId r:id="rId13"/>
   </p:notesMasterIdLst>
   <p:handoutMasterIdLst>
-    <p:handoutMasterId r:id="rId13"/>
+    <p:handoutMasterId r:id="rId14"/>
   </p:handoutMasterIdLst>
   <p:sldIdLst>
     <p:sldId id="337" r:id="rId5"/>
     <p:sldId id="289" r:id="rId6"/>
     <p:sldId id="339" r:id="rId7"/>
-    <p:sldId id="340" r:id="rId8"/>
-    <p:sldId id="329" r:id="rId9"/>
-    <p:sldId id="336" r:id="rId10"/>
-    <p:sldId id="338" r:id="rId11"/>
+    <p:sldId id="341" r:id="rId8"/>
+    <p:sldId id="340" r:id="rId9"/>
+    <p:sldId id="329" r:id="rId10"/>
+    <p:sldId id="336" r:id="rId11"/>
+    <p:sldId id="338" r:id="rId12"/>
   </p:sldIdLst>
   <p:sldSz cx="12192000" cy="6858000"/>
   <p:notesSz cx="6858000" cy="9144000"/>
@@ -782,7 +783,7 @@
             <a:fld id="{30370952-48CC-46D7-9FCD-59FAD40CC025}" type="slidenum">
               <a:rPr lang="en-GB" smtClean="0"/>
               <a:pPr/>
-              <a:t>5</a:t>
+              <a:t>6</a:t>
             </a:fld>
             <a:endParaRPr lang="en-GB"/>
           </a:p>
@@ -867,7 +868,7 @@
             <a:fld id="{30370952-48CC-46D7-9FCD-59FAD40CC025}" type="slidenum">
               <a:rPr lang="en-GB" smtClean="0"/>
               <a:pPr/>
-              <a:t>6</a:t>
+              <a:t>7</a:t>
             </a:fld>
             <a:endParaRPr lang="en-GB"/>
           </a:p>
@@ -952,7 +953,7 @@
             <a:fld id="{30370952-48CC-46D7-9FCD-59FAD40CC025}" type="slidenum">
               <a:rPr lang="en-GB" smtClean="0"/>
               <a:pPr/>
-              <a:t>7</a:t>
+              <a:t>8</a:t>
             </a:fld>
             <a:endParaRPr lang="en-GB"/>
           </a:p>
@@ -5149,6 +5150,20 @@
           <a:bodyPr/>
           <a:lstStyle/>
           <a:p>
+            <a:pPr marL="514350" indent="-514350">
+              <a:buFont typeface="+mj-lt"/>
+              <a:buAutoNum type="arabicPeriod"/>
+            </a:pPr>
+            <a:r>
+              <a:rPr lang="en-GB" sz="2800" b="0" dirty="0"/>
+              <a:t>The columns we are using are Team Id, Rating, rd5_win and rd6_win.</a:t>
+            </a:r>
+          </a:p>
+          <a:p>
+            <a:pPr marL="514350" indent="-514350">
+              <a:buFont typeface="+mj-lt"/>
+              <a:buAutoNum type="arabicPeriod"/>
+            </a:pPr>
             <a:r>
               <a:rPr lang="en-GB" sz="2800" b="0" dirty="0"/>
               <a:t>Total rows of dataset = 1456</a:t>
@@ -5188,6 +5203,113 @@
       </p:grpSpPr>
       <p:sp>
         <p:nvSpPr>
+          <p:cNvPr id="4" name="Slide Number Placeholder 3">
+            <a:extLst>
+              <a:ext uri="{FF2B5EF4-FFF2-40B4-BE49-F238E27FC236}">
+                <a16:creationId xmlns:a16="http://schemas.microsoft.com/office/drawing/2014/main" id="{D1098E3C-BAB5-8478-26BA-5CDF4FAEFC64}"/>
+              </a:ext>
+            </a:extLst>
+          </p:cNvPr>
+          <p:cNvSpPr>
+            <a:spLocks noGrp="1"/>
+          </p:cNvSpPr>
+          <p:nvPr>
+            <p:ph type="sldNum" sz="quarter" idx="12"/>
+          </p:nvPr>
+        </p:nvSpPr>
+        <p:spPr/>
+        <p:txBody>
+          <a:bodyPr/>
+          <a:lstStyle/>
+          <a:p>
+            <a:fld id="{E4D355CA-84B7-41B1-B164-8BB439CC7C6B}" type="slidenum">
+              <a:rPr lang="en-GB" smtClean="0"/>
+              <a:pPr/>
+              <a:t>4</a:t>
+            </a:fld>
+            <a:endParaRPr lang="en-GB" dirty="0"/>
+          </a:p>
+        </p:txBody>
+      </p:sp>
+      <p:sp>
+        <p:nvSpPr>
+          <p:cNvPr id="9" name="Subtitle 7">
+            <a:extLst>
+              <a:ext uri="{FF2B5EF4-FFF2-40B4-BE49-F238E27FC236}">
+                <a16:creationId xmlns:a16="http://schemas.microsoft.com/office/drawing/2014/main" id="{8F905B79-5945-4C1E-BE34-4E3A16760D15}"/>
+              </a:ext>
+            </a:extLst>
+          </p:cNvPr>
+          <p:cNvSpPr>
+            <a:spLocks noGrp="1"/>
+          </p:cNvSpPr>
+          <p:nvPr>
+            <p:ph type="subTitle" idx="1"/>
+          </p:nvPr>
+        </p:nvSpPr>
+        <p:spPr>
+          <a:xfrm>
+            <a:off x="773550" y="1688614"/>
+            <a:ext cx="7200000" cy="360000"/>
+          </a:xfrm>
+        </p:spPr>
+        <p:txBody>
+          <a:bodyPr/>
+          <a:lstStyle/>
+          <a:p>
+            <a:pPr marL="514350" indent="-514350">
+              <a:buFont typeface="+mj-lt"/>
+              <a:buAutoNum type="arabicPeriod"/>
+            </a:pPr>
+            <a:r>
+              <a:rPr lang="en-GB" sz="2800" b="0" dirty="0"/>
+              <a:t>The columns we are using are Team Id, Rating, rd5_win and rd6_win.</a:t>
+            </a:r>
+          </a:p>
+          <a:p>
+            <a:pPr marL="514350" indent="-514350">
+              <a:buFont typeface="+mj-lt"/>
+              <a:buAutoNum type="arabicPeriod"/>
+            </a:pPr>
+            <a:r>
+              <a:rPr lang="en-GB" sz="2800" b="0" dirty="0"/>
+              <a:t>Total rows of dataset = 1456</a:t>
+            </a:r>
+          </a:p>
+        </p:txBody>
+      </p:sp>
+    </p:spTree>
+    <p:extLst>
+      <p:ext uri="{BB962C8B-B14F-4D97-AF65-F5344CB8AC3E}">
+        <p14:creationId xmlns:p14="http://schemas.microsoft.com/office/powerpoint/2010/main" val="790521066"/>
+      </p:ext>
+    </p:extLst>
+  </p:cSld>
+  <p:clrMapOvr>
+    <a:masterClrMapping/>
+  </p:clrMapOvr>
+</p:sld>
+</file>
+
+<file path=ppt/slides/slide5.xml><?xml version="1.0" encoding="utf-8"?>
+<p:sld xmlns:a="http://schemas.openxmlformats.org/drawingml/2006/main" xmlns:r="http://schemas.openxmlformats.org/officeDocument/2006/relationships" xmlns:p="http://schemas.openxmlformats.org/presentationml/2006/main">
+  <p:cSld>
+    <p:spTree>
+      <p:nvGrpSpPr>
+        <p:cNvPr id="1" name=""/>
+        <p:cNvGrpSpPr/>
+        <p:nvPr/>
+      </p:nvGrpSpPr>
+      <p:grpSpPr>
+        <a:xfrm>
+          <a:off x="0" y="0"/>
+          <a:ext cx="0" cy="0"/>
+          <a:chOff x="0" y="0"/>
+          <a:chExt cx="0" cy="0"/>
+        </a:xfrm>
+      </p:grpSpPr>
+      <p:sp>
+        <p:nvSpPr>
           <p:cNvPr id="2" name="Subtitle 1">
             <a:extLst>
               <a:ext uri="{FF2B5EF4-FFF2-40B4-BE49-F238E27FC236}">
@@ -5272,7 +5394,7 @@
             <a:fld id="{E4D355CA-84B7-41B1-B164-8BB439CC7C6B}" type="slidenum">
               <a:rPr lang="en-GB" smtClean="0"/>
               <a:pPr/>
-              <a:t>4</a:t>
+              <a:t>5</a:t>
             </a:fld>
             <a:endParaRPr lang="en-GB" dirty="0"/>
           </a:p>
@@ -5352,355 +5474,6 @@
 </p:sld>
 </file>
 
-<file path=ppt/slides/slide5.xml><?xml version="1.0" encoding="utf-8"?>
-<p:sld xmlns:a="http://schemas.openxmlformats.org/drawingml/2006/main" xmlns:r="http://schemas.openxmlformats.org/officeDocument/2006/relationships" xmlns:p="http://schemas.openxmlformats.org/presentationml/2006/main">
-  <p:cSld>
-    <p:spTree>
-      <p:nvGrpSpPr>
-        <p:cNvPr id="1" name=""/>
-        <p:cNvGrpSpPr/>
-        <p:nvPr/>
-      </p:nvGrpSpPr>
-      <p:grpSpPr>
-        <a:xfrm>
-          <a:off x="0" y="0"/>
-          <a:ext cx="0" cy="0"/>
-          <a:chOff x="0" y="0"/>
-          <a:chExt cx="0" cy="0"/>
-        </a:xfrm>
-      </p:grpSpPr>
-      <p:sp>
-        <p:nvSpPr>
-          <p:cNvPr id="2" name="Subtitle 1">
-            <a:extLst>
-              <a:ext uri="{FF2B5EF4-FFF2-40B4-BE49-F238E27FC236}">
-                <a16:creationId xmlns:a16="http://schemas.microsoft.com/office/drawing/2014/main" id="{7D9D8228-727F-1E46-B5AD-91D158B8255E}"/>
-              </a:ext>
-            </a:extLst>
-          </p:cNvPr>
-          <p:cNvSpPr>
-            <a:spLocks noGrp="1"/>
-          </p:cNvSpPr>
-          <p:nvPr>
-            <p:ph type="subTitle" idx="1"/>
-          </p:nvPr>
-        </p:nvSpPr>
-        <p:spPr>
-          <a:xfrm>
-            <a:off x="965288" y="1285092"/>
-            <a:ext cx="10110240" cy="588024"/>
-          </a:xfrm>
-        </p:spPr>
-        <p:txBody>
-          <a:bodyPr vert="horz" lIns="0" tIns="0" rIns="0" bIns="0" rtlCol="0" anchor="t">
-            <a:noAutofit/>
-          </a:bodyPr>
-          <a:lstStyle/>
-          <a:p>
-            <a:r>
-              <a:rPr lang="en-US" dirty="0"/>
-              <a:t>Dataset </a:t>
-            </a:r>
-            <a:r>
-              <a:rPr lang="en-US" dirty="0">
-                <a:solidFill>
-                  <a:srgbClr val="203232"/>
-                </a:solidFill>
-              </a:rPr>
-              <a:t>ID</a:t>
-            </a:r>
-            <a:r>
-              <a:rPr lang="en-US" sz="1600" dirty="0">
-                <a:solidFill>
-                  <a:srgbClr val="FF0000"/>
-                </a:solidFill>
-              </a:rPr>
-              <a:t>:   </a:t>
-            </a:r>
-            <a:r>
-              <a:rPr lang="en-US" sz="2400" dirty="0">
-                <a:solidFill>
-                  <a:srgbClr val="FF0000"/>
-                </a:solidFill>
-              </a:rPr>
-              <a:t>(DS307 NCAA Men 538 team ratings)</a:t>
-            </a:r>
-          </a:p>
-        </p:txBody>
-      </p:sp>
-      <p:sp>
-        <p:nvSpPr>
-          <p:cNvPr id="3" name="Footer Placeholder 2">
-            <a:extLst>
-              <a:ext uri="{FF2B5EF4-FFF2-40B4-BE49-F238E27FC236}">
-                <a16:creationId xmlns:a16="http://schemas.microsoft.com/office/drawing/2014/main" id="{00EBC183-8AA5-EC44-9987-D65F5C1892A1}"/>
-              </a:ext>
-            </a:extLst>
-          </p:cNvPr>
-          <p:cNvSpPr>
-            <a:spLocks noGrp="1"/>
-          </p:cNvSpPr>
-          <p:nvPr>
-            <p:ph type="ftr" sz="quarter" idx="11"/>
-          </p:nvPr>
-        </p:nvSpPr>
-        <p:spPr>
-          <a:xfrm>
-            <a:off x="965288" y="791022"/>
-            <a:ext cx="9129687" cy="230832"/>
-          </a:xfrm>
-        </p:spPr>
-        <p:txBody>
-          <a:bodyPr/>
-          <a:lstStyle/>
-          <a:p>
-            <a:r>
-              <a:rPr lang="en-GB" dirty="0"/>
-              <a:t>7COM1079-2024  Student Group No: A315</a:t>
-            </a:r>
-            <a:br>
-              <a:rPr lang="en-GB" dirty="0"/>
-            </a:br>
-            <a:endParaRPr lang="en-GB" dirty="0"/>
-          </a:p>
-        </p:txBody>
-      </p:sp>
-      <p:sp>
-        <p:nvSpPr>
-          <p:cNvPr id="4" name="Slide Number Placeholder 3">
-            <a:extLst>
-              <a:ext uri="{FF2B5EF4-FFF2-40B4-BE49-F238E27FC236}">
-                <a16:creationId xmlns:a16="http://schemas.microsoft.com/office/drawing/2014/main" id="{CC9D9611-42EE-7840-81EE-DD6B1A99CD7B}"/>
-              </a:ext>
-            </a:extLst>
-          </p:cNvPr>
-          <p:cNvSpPr>
-            <a:spLocks noGrp="1"/>
-          </p:cNvSpPr>
-          <p:nvPr>
-            <p:ph type="sldNum" sz="quarter" idx="12"/>
-          </p:nvPr>
-        </p:nvSpPr>
-        <p:spPr>
-          <a:xfrm>
-            <a:off x="10954512" y="555565"/>
-            <a:ext cx="622800" cy="230832"/>
-          </a:xfrm>
-        </p:spPr>
-        <p:txBody>
-          <a:bodyPr/>
-          <a:lstStyle/>
-          <a:p>
-            <a:r>
-              <a:rPr lang="en-US" dirty="0"/>
-              <a:t>2</a:t>
-            </a:r>
-            <a:endParaRPr lang="en-GB" dirty="0"/>
-          </a:p>
-        </p:txBody>
-      </p:sp>
-      <p:sp>
-        <p:nvSpPr>
-          <p:cNvPr id="5" name="Title 4">
-            <a:extLst>
-              <a:ext uri="{FF2B5EF4-FFF2-40B4-BE49-F238E27FC236}">
-                <a16:creationId xmlns:a16="http://schemas.microsoft.com/office/drawing/2014/main" id="{B3FA3829-F12C-214D-8FBA-7E1A740F65CA}"/>
-              </a:ext>
-            </a:extLst>
-          </p:cNvPr>
-          <p:cNvSpPr>
-            <a:spLocks noGrp="1"/>
-          </p:cNvSpPr>
-          <p:nvPr>
-            <p:ph type="ctrTitle"/>
-          </p:nvPr>
-        </p:nvSpPr>
-        <p:spPr>
-          <a:xfrm>
-            <a:off x="965288" y="1698305"/>
-            <a:ext cx="10974945" cy="2699181"/>
-          </a:xfrm>
-        </p:spPr>
-        <p:txBody>
-          <a:bodyPr>
-            <a:noAutofit/>
-          </a:bodyPr>
-          <a:lstStyle/>
-          <a:p>
-            <a:pPr>
-              <a:lnSpc>
-                <a:spcPct val="100000"/>
-              </a:lnSpc>
-            </a:pPr>
-            <a:r>
-              <a:rPr lang="en-US" sz="2400" b="0" dirty="0">
-                <a:latin typeface="Calibri"/>
-                <a:cs typeface="Calibri"/>
-              </a:rPr>
-              <a:t>This dataset is interesting to us because : </a:t>
-            </a:r>
-            <a:br>
-              <a:rPr lang="en-US" sz="2400" b="0" dirty="0">
-                <a:latin typeface="Calibri" panose="020F0502020204030204" pitchFamily="34" charset="0"/>
-                <a:cs typeface="Calibri" panose="020F0502020204030204" pitchFamily="34" charset="0"/>
-              </a:rPr>
-            </a:br>
-            <a:br>
-              <a:rPr lang="en-US" sz="2400" b="0" dirty="0">
-                <a:latin typeface="Calibri" panose="020F0502020204030204" pitchFamily="34" charset="0"/>
-                <a:cs typeface="Calibri" panose="020F0502020204030204" pitchFamily="34" charset="0"/>
-              </a:rPr>
-            </a:br>
-            <a:r>
-              <a:rPr lang="en-US" sz="2400" b="0" dirty="0">
-                <a:latin typeface="Calibri"/>
-                <a:cs typeface="Calibri"/>
-              </a:rPr>
-              <a:t>Our  Independent variable is: </a:t>
-            </a:r>
-            <a:r>
-              <a:rPr lang="en-US" sz="2400" b="0" dirty="0" err="1">
-                <a:latin typeface="Calibri"/>
-                <a:cs typeface="Calibri"/>
-              </a:rPr>
-              <a:t>TeamID</a:t>
-            </a:r>
-            <a:br>
-              <a:rPr lang="en-US" sz="2400" b="0" dirty="0">
-                <a:latin typeface="Calibri" panose="020F0502020204030204" pitchFamily="34" charset="0"/>
-                <a:cs typeface="Calibri" panose="020F0502020204030204" pitchFamily="34" charset="0"/>
-              </a:rPr>
-            </a:br>
-            <a:r>
-              <a:rPr lang="en-US" sz="2400" b="0" dirty="0">
-                <a:solidFill>
-                  <a:srgbClr val="FF0000"/>
-                </a:solidFill>
-                <a:latin typeface="Calibri"/>
-                <a:cs typeface="Calibri"/>
-              </a:rPr>
-              <a:t>                   </a:t>
-            </a:r>
-            <a:r>
-              <a:rPr lang="en-US" sz="2400" b="0" dirty="0">
-                <a:latin typeface="Calibri"/>
-                <a:cs typeface="Calibri"/>
-              </a:rPr>
-              <a:t>This  Independent variable datatype is (select one): Categorial  </a:t>
-            </a:r>
-            <a:br>
-              <a:rPr lang="en-US" sz="2400" b="0" dirty="0">
-                <a:solidFill>
-                  <a:srgbClr val="FF0000"/>
-                </a:solidFill>
-                <a:latin typeface="Calibri"/>
-                <a:cs typeface="Calibri"/>
-              </a:rPr>
-            </a:br>
-            <a:r>
-              <a:rPr lang="en-US" sz="2400" b="0" dirty="0">
-                <a:latin typeface="Calibri"/>
-                <a:cs typeface="Calibri"/>
-              </a:rPr>
-              <a:t>Our Dependent variable is: 538Rating</a:t>
-            </a:r>
-            <a:br>
-              <a:rPr lang="en-US" sz="2400" b="0" dirty="0">
-                <a:latin typeface="Calibri" panose="020F0502020204030204" pitchFamily="34" charset="0"/>
-                <a:cs typeface="Calibri" panose="020F0502020204030204" pitchFamily="34" charset="0"/>
-              </a:rPr>
-            </a:br>
-            <a:r>
-              <a:rPr lang="en-US" sz="2400" b="0" dirty="0">
-                <a:solidFill>
-                  <a:srgbClr val="FF0000"/>
-                </a:solidFill>
-                <a:latin typeface="Calibri"/>
-                <a:cs typeface="Calibri"/>
-              </a:rPr>
-              <a:t>                   </a:t>
-            </a:r>
-            <a:r>
-              <a:rPr lang="en-US" sz="2400" b="0" dirty="0">
-                <a:latin typeface="Calibri"/>
-                <a:cs typeface="Calibri"/>
-              </a:rPr>
-              <a:t>This Dependent variable datatype is  (select one): </a:t>
-            </a:r>
-            <a:r>
-              <a:rPr lang="en-US" sz="2400" b="0" dirty="0">
-                <a:solidFill>
-                  <a:srgbClr val="FF0000"/>
-                </a:solidFill>
-                <a:latin typeface="Calibri"/>
-                <a:cs typeface="Calibri"/>
-              </a:rPr>
-              <a:t> </a:t>
-            </a:r>
-            <a:r>
-              <a:rPr lang="en-US" sz="2400" b="0" dirty="0">
-                <a:latin typeface="Calibri"/>
-                <a:cs typeface="Calibri"/>
-              </a:rPr>
-              <a:t>Measurement data</a:t>
-            </a:r>
-          </a:p>
-        </p:txBody>
-      </p:sp>
-      <p:sp>
-        <p:nvSpPr>
-          <p:cNvPr id="6" name="TextBox 5">
-            <a:extLst>
-              <a:ext uri="{FF2B5EF4-FFF2-40B4-BE49-F238E27FC236}">
-                <a16:creationId xmlns:a16="http://schemas.microsoft.com/office/drawing/2014/main" id="{732D6C0D-D649-2AA9-7741-835F3E841A25}"/>
-              </a:ext>
-            </a:extLst>
-          </p:cNvPr>
-          <p:cNvSpPr txBox="1"/>
-          <p:nvPr/>
-        </p:nvSpPr>
-        <p:spPr>
-          <a:xfrm>
-            <a:off x="6766560" y="5385816"/>
-            <a:ext cx="4187952" cy="1200329"/>
-          </a:xfrm>
-          <a:prstGeom prst="rect">
-            <a:avLst/>
-          </a:prstGeom>
-          <a:noFill/>
-        </p:spPr>
-        <p:txBody>
-          <a:bodyPr wrap="square" rtlCol="0">
-            <a:spAutoFit/>
-          </a:bodyPr>
-          <a:lstStyle/>
-          <a:p>
-            <a:r>
-              <a:rPr lang="en-GB" dirty="0">
-                <a:solidFill>
-                  <a:schemeClr val="accent2">
-                    <a:lumMod val="75000"/>
-                  </a:schemeClr>
-                </a:solidFill>
-              </a:rPr>
-              <a:t>*For comparison of two nominal variables and for comparison of proportions you use two (or more) independent variables (see next slide)</a:t>
-            </a:r>
-          </a:p>
-        </p:txBody>
-      </p:sp>
-    </p:spTree>
-    <p:extLst>
-      <p:ext uri="{BB962C8B-B14F-4D97-AF65-F5344CB8AC3E}">
-        <p14:creationId xmlns:p14="http://schemas.microsoft.com/office/powerpoint/2010/main" val="1718004908"/>
-      </p:ext>
-    </p:extLst>
-  </p:cSld>
-  <p:clrMapOvr>
-    <a:masterClrMapping/>
-  </p:clrMapOvr>
-</p:sld>
-</file>
-
 <file path=ppt/slides/slide6.xml><?xml version="1.0" encoding="utf-8"?>
 <p:sld xmlns:a="http://schemas.openxmlformats.org/drawingml/2006/main" xmlns:r="http://schemas.openxmlformats.org/officeDocument/2006/relationships" xmlns:p="http://schemas.openxmlformats.org/presentationml/2006/main">
   <p:cSld>
@@ -5723,6 +5496,355 @@
           <p:cNvPr id="2" name="Subtitle 1">
             <a:extLst>
               <a:ext uri="{FF2B5EF4-FFF2-40B4-BE49-F238E27FC236}">
+                <a16:creationId xmlns:a16="http://schemas.microsoft.com/office/drawing/2014/main" id="{7D9D8228-727F-1E46-B5AD-91D158B8255E}"/>
+              </a:ext>
+            </a:extLst>
+          </p:cNvPr>
+          <p:cNvSpPr>
+            <a:spLocks noGrp="1"/>
+          </p:cNvSpPr>
+          <p:nvPr>
+            <p:ph type="subTitle" idx="1"/>
+          </p:nvPr>
+        </p:nvSpPr>
+        <p:spPr>
+          <a:xfrm>
+            <a:off x="965288" y="1285092"/>
+            <a:ext cx="10110240" cy="588024"/>
+          </a:xfrm>
+        </p:spPr>
+        <p:txBody>
+          <a:bodyPr vert="horz" lIns="0" tIns="0" rIns="0" bIns="0" rtlCol="0" anchor="t">
+            <a:noAutofit/>
+          </a:bodyPr>
+          <a:lstStyle/>
+          <a:p>
+            <a:r>
+              <a:rPr lang="en-US" dirty="0"/>
+              <a:t>Dataset </a:t>
+            </a:r>
+            <a:r>
+              <a:rPr lang="en-US" dirty="0">
+                <a:solidFill>
+                  <a:srgbClr val="203232"/>
+                </a:solidFill>
+              </a:rPr>
+              <a:t>ID</a:t>
+            </a:r>
+            <a:r>
+              <a:rPr lang="en-US" sz="1600" dirty="0">
+                <a:solidFill>
+                  <a:srgbClr val="FF0000"/>
+                </a:solidFill>
+              </a:rPr>
+              <a:t>:   </a:t>
+            </a:r>
+            <a:r>
+              <a:rPr lang="en-US" sz="2400" dirty="0">
+                <a:solidFill>
+                  <a:srgbClr val="FF0000"/>
+                </a:solidFill>
+              </a:rPr>
+              <a:t>(DS307 NCAA Men 538 team ratings)</a:t>
+            </a:r>
+          </a:p>
+        </p:txBody>
+      </p:sp>
+      <p:sp>
+        <p:nvSpPr>
+          <p:cNvPr id="3" name="Footer Placeholder 2">
+            <a:extLst>
+              <a:ext uri="{FF2B5EF4-FFF2-40B4-BE49-F238E27FC236}">
+                <a16:creationId xmlns:a16="http://schemas.microsoft.com/office/drawing/2014/main" id="{00EBC183-8AA5-EC44-9987-D65F5C1892A1}"/>
+              </a:ext>
+            </a:extLst>
+          </p:cNvPr>
+          <p:cNvSpPr>
+            <a:spLocks noGrp="1"/>
+          </p:cNvSpPr>
+          <p:nvPr>
+            <p:ph type="ftr" sz="quarter" idx="11"/>
+          </p:nvPr>
+        </p:nvSpPr>
+        <p:spPr>
+          <a:xfrm>
+            <a:off x="965288" y="791022"/>
+            <a:ext cx="9129687" cy="230832"/>
+          </a:xfrm>
+        </p:spPr>
+        <p:txBody>
+          <a:bodyPr/>
+          <a:lstStyle/>
+          <a:p>
+            <a:r>
+              <a:rPr lang="en-GB" dirty="0"/>
+              <a:t>7COM1079-2024  Student Group No: A315</a:t>
+            </a:r>
+            <a:br>
+              <a:rPr lang="en-GB" dirty="0"/>
+            </a:br>
+            <a:endParaRPr lang="en-GB" dirty="0"/>
+          </a:p>
+        </p:txBody>
+      </p:sp>
+      <p:sp>
+        <p:nvSpPr>
+          <p:cNvPr id="4" name="Slide Number Placeholder 3">
+            <a:extLst>
+              <a:ext uri="{FF2B5EF4-FFF2-40B4-BE49-F238E27FC236}">
+                <a16:creationId xmlns:a16="http://schemas.microsoft.com/office/drawing/2014/main" id="{CC9D9611-42EE-7840-81EE-DD6B1A99CD7B}"/>
+              </a:ext>
+            </a:extLst>
+          </p:cNvPr>
+          <p:cNvSpPr>
+            <a:spLocks noGrp="1"/>
+          </p:cNvSpPr>
+          <p:nvPr>
+            <p:ph type="sldNum" sz="quarter" idx="12"/>
+          </p:nvPr>
+        </p:nvSpPr>
+        <p:spPr>
+          <a:xfrm>
+            <a:off x="10954512" y="555565"/>
+            <a:ext cx="622800" cy="230832"/>
+          </a:xfrm>
+        </p:spPr>
+        <p:txBody>
+          <a:bodyPr/>
+          <a:lstStyle/>
+          <a:p>
+            <a:r>
+              <a:rPr lang="en-US" dirty="0"/>
+              <a:t>2</a:t>
+            </a:r>
+            <a:endParaRPr lang="en-GB" dirty="0"/>
+          </a:p>
+        </p:txBody>
+      </p:sp>
+      <p:sp>
+        <p:nvSpPr>
+          <p:cNvPr id="5" name="Title 4">
+            <a:extLst>
+              <a:ext uri="{FF2B5EF4-FFF2-40B4-BE49-F238E27FC236}">
+                <a16:creationId xmlns:a16="http://schemas.microsoft.com/office/drawing/2014/main" id="{B3FA3829-F12C-214D-8FBA-7E1A740F65CA}"/>
+              </a:ext>
+            </a:extLst>
+          </p:cNvPr>
+          <p:cNvSpPr>
+            <a:spLocks noGrp="1"/>
+          </p:cNvSpPr>
+          <p:nvPr>
+            <p:ph type="ctrTitle"/>
+          </p:nvPr>
+        </p:nvSpPr>
+        <p:spPr>
+          <a:xfrm>
+            <a:off x="965288" y="1698305"/>
+            <a:ext cx="10974945" cy="2699181"/>
+          </a:xfrm>
+        </p:spPr>
+        <p:txBody>
+          <a:bodyPr>
+            <a:noAutofit/>
+          </a:bodyPr>
+          <a:lstStyle/>
+          <a:p>
+            <a:pPr>
+              <a:lnSpc>
+                <a:spcPct val="100000"/>
+              </a:lnSpc>
+            </a:pPr>
+            <a:r>
+              <a:rPr lang="en-US" sz="2400" b="0" dirty="0">
+                <a:latin typeface="Calibri"/>
+                <a:cs typeface="Calibri"/>
+              </a:rPr>
+              <a:t>This dataset is interesting to us because : </a:t>
+            </a:r>
+            <a:br>
+              <a:rPr lang="en-US" sz="2400" b="0" dirty="0">
+                <a:latin typeface="Calibri" panose="020F0502020204030204" pitchFamily="34" charset="0"/>
+                <a:cs typeface="Calibri" panose="020F0502020204030204" pitchFamily="34" charset="0"/>
+              </a:rPr>
+            </a:br>
+            <a:br>
+              <a:rPr lang="en-US" sz="2400" b="0" dirty="0">
+                <a:latin typeface="Calibri" panose="020F0502020204030204" pitchFamily="34" charset="0"/>
+                <a:cs typeface="Calibri" panose="020F0502020204030204" pitchFamily="34" charset="0"/>
+              </a:rPr>
+            </a:br>
+            <a:r>
+              <a:rPr lang="en-US" sz="2400" b="0" dirty="0">
+                <a:latin typeface="Calibri"/>
+                <a:cs typeface="Calibri"/>
+              </a:rPr>
+              <a:t>Our  Independent variable is: </a:t>
+            </a:r>
+            <a:r>
+              <a:rPr lang="en-US" sz="2400" b="0" dirty="0" err="1">
+                <a:latin typeface="Calibri"/>
+                <a:cs typeface="Calibri"/>
+              </a:rPr>
+              <a:t>TeamID</a:t>
+            </a:r>
+            <a:br>
+              <a:rPr lang="en-US" sz="2400" b="0" dirty="0">
+                <a:latin typeface="Calibri" panose="020F0502020204030204" pitchFamily="34" charset="0"/>
+                <a:cs typeface="Calibri" panose="020F0502020204030204" pitchFamily="34" charset="0"/>
+              </a:rPr>
+            </a:br>
+            <a:r>
+              <a:rPr lang="en-US" sz="2400" b="0" dirty="0">
+                <a:solidFill>
+                  <a:srgbClr val="FF0000"/>
+                </a:solidFill>
+                <a:latin typeface="Calibri"/>
+                <a:cs typeface="Calibri"/>
+              </a:rPr>
+              <a:t>                   </a:t>
+            </a:r>
+            <a:r>
+              <a:rPr lang="en-US" sz="2400" b="0" dirty="0">
+                <a:latin typeface="Calibri"/>
+                <a:cs typeface="Calibri"/>
+              </a:rPr>
+              <a:t>This  Independent variable datatype is (select one): Categorial  </a:t>
+            </a:r>
+            <a:br>
+              <a:rPr lang="en-US" sz="2400" b="0" dirty="0">
+                <a:solidFill>
+                  <a:srgbClr val="FF0000"/>
+                </a:solidFill>
+                <a:latin typeface="Calibri"/>
+                <a:cs typeface="Calibri"/>
+              </a:rPr>
+            </a:br>
+            <a:r>
+              <a:rPr lang="en-US" sz="2400" b="0" dirty="0">
+                <a:latin typeface="Calibri"/>
+                <a:cs typeface="Calibri"/>
+              </a:rPr>
+              <a:t>Our Dependent variable is: 538Rating</a:t>
+            </a:r>
+            <a:br>
+              <a:rPr lang="en-US" sz="2400" b="0" dirty="0">
+                <a:latin typeface="Calibri" panose="020F0502020204030204" pitchFamily="34" charset="0"/>
+                <a:cs typeface="Calibri" panose="020F0502020204030204" pitchFamily="34" charset="0"/>
+              </a:rPr>
+            </a:br>
+            <a:r>
+              <a:rPr lang="en-US" sz="2400" b="0" dirty="0">
+                <a:solidFill>
+                  <a:srgbClr val="FF0000"/>
+                </a:solidFill>
+                <a:latin typeface="Calibri"/>
+                <a:cs typeface="Calibri"/>
+              </a:rPr>
+              <a:t>                   </a:t>
+            </a:r>
+            <a:r>
+              <a:rPr lang="en-US" sz="2400" b="0" dirty="0">
+                <a:latin typeface="Calibri"/>
+                <a:cs typeface="Calibri"/>
+              </a:rPr>
+              <a:t>This Dependent variable datatype is  (select one): </a:t>
+            </a:r>
+            <a:r>
+              <a:rPr lang="en-US" sz="2400" b="0" dirty="0">
+                <a:solidFill>
+                  <a:srgbClr val="FF0000"/>
+                </a:solidFill>
+                <a:latin typeface="Calibri"/>
+                <a:cs typeface="Calibri"/>
+              </a:rPr>
+              <a:t> </a:t>
+            </a:r>
+            <a:r>
+              <a:rPr lang="en-US" sz="2400" b="0" dirty="0">
+                <a:latin typeface="Calibri"/>
+                <a:cs typeface="Calibri"/>
+              </a:rPr>
+              <a:t>Measurement data</a:t>
+            </a:r>
+          </a:p>
+        </p:txBody>
+      </p:sp>
+      <p:sp>
+        <p:nvSpPr>
+          <p:cNvPr id="6" name="TextBox 5">
+            <a:extLst>
+              <a:ext uri="{FF2B5EF4-FFF2-40B4-BE49-F238E27FC236}">
+                <a16:creationId xmlns:a16="http://schemas.microsoft.com/office/drawing/2014/main" id="{732D6C0D-D649-2AA9-7741-835F3E841A25}"/>
+              </a:ext>
+            </a:extLst>
+          </p:cNvPr>
+          <p:cNvSpPr txBox="1"/>
+          <p:nvPr/>
+        </p:nvSpPr>
+        <p:spPr>
+          <a:xfrm>
+            <a:off x="6766560" y="5385816"/>
+            <a:ext cx="4187952" cy="1200329"/>
+          </a:xfrm>
+          <a:prstGeom prst="rect">
+            <a:avLst/>
+          </a:prstGeom>
+          <a:noFill/>
+        </p:spPr>
+        <p:txBody>
+          <a:bodyPr wrap="square" rtlCol="0">
+            <a:spAutoFit/>
+          </a:bodyPr>
+          <a:lstStyle/>
+          <a:p>
+            <a:r>
+              <a:rPr lang="en-GB" dirty="0">
+                <a:solidFill>
+                  <a:schemeClr val="accent2">
+                    <a:lumMod val="75000"/>
+                  </a:schemeClr>
+                </a:solidFill>
+              </a:rPr>
+              <a:t>*For comparison of two nominal variables and for comparison of proportions you use two (or more) independent variables (see next slide)</a:t>
+            </a:r>
+          </a:p>
+        </p:txBody>
+      </p:sp>
+    </p:spTree>
+    <p:extLst>
+      <p:ext uri="{BB962C8B-B14F-4D97-AF65-F5344CB8AC3E}">
+        <p14:creationId xmlns:p14="http://schemas.microsoft.com/office/powerpoint/2010/main" val="1718004908"/>
+      </p:ext>
+    </p:extLst>
+  </p:cSld>
+  <p:clrMapOvr>
+    <a:masterClrMapping/>
+  </p:clrMapOvr>
+</p:sld>
+</file>
+
+<file path=ppt/slides/slide7.xml><?xml version="1.0" encoding="utf-8"?>
+<p:sld xmlns:a="http://schemas.openxmlformats.org/drawingml/2006/main" xmlns:r="http://schemas.openxmlformats.org/officeDocument/2006/relationships" xmlns:p="http://schemas.openxmlformats.org/presentationml/2006/main">
+  <p:cSld>
+    <p:spTree>
+      <p:nvGrpSpPr>
+        <p:cNvPr id="1" name=""/>
+        <p:cNvGrpSpPr/>
+        <p:nvPr/>
+      </p:nvGrpSpPr>
+      <p:grpSpPr>
+        <a:xfrm>
+          <a:off x="0" y="0"/>
+          <a:ext cx="0" cy="0"/>
+          <a:chOff x="0" y="0"/>
+          <a:chExt cx="0" cy="0"/>
+        </a:xfrm>
+      </p:grpSpPr>
+      <p:sp>
+        <p:nvSpPr>
+          <p:cNvPr id="2" name="Subtitle 1">
+            <a:extLst>
+              <a:ext uri="{FF2B5EF4-FFF2-40B4-BE49-F238E27FC236}">
                 <a16:creationId xmlns:a16="http://schemas.microsoft.com/office/drawing/2014/main" id="{8E3CD731-5ACF-B002-247D-243F6E2149EC}"/>
               </a:ext>
             </a:extLst>
@@ -6491,7 +6613,7 @@
 </p:sld>
 </file>
 
-<file path=ppt/slides/slide7.xml><?xml version="1.0" encoding="utf-8"?>
+<file path=ppt/slides/slide8.xml><?xml version="1.0" encoding="utf-8"?>
 <p:sld xmlns:a="http://schemas.openxmlformats.org/drawingml/2006/main" xmlns:r="http://schemas.openxmlformats.org/officeDocument/2006/relationships" xmlns:p="http://schemas.openxmlformats.org/presentationml/2006/main">
   <p:cSld>
     <p:spTree>
@@ -7911,23 +8033,6 @@
 </file>
 
 <file path=customXml/item1.xml><?xml version="1.0" encoding="utf-8"?>
-<?mso-contentType ?>
-<FormTemplates xmlns="http://schemas.microsoft.com/sharepoint/v3/contenttype/forms">
-  <Display>DocumentLibraryForm</Display>
-  <Edit>DocumentLibraryForm</Edit>
-  <New>DocumentLibraryForm</New>
-</FormTemplates>
-</file>
-
-<file path=customXml/item2.xml><?xml version="1.0" encoding="utf-8"?>
-<p:properties xmlns:p="http://schemas.microsoft.com/office/2006/metadata/properties" xmlns:xsi="http://www.w3.org/2001/XMLSchema-instance" xmlns:pc="http://schemas.microsoft.com/office/infopath/2007/PartnerControls">
-  <documentManagement>
-    <Information xmlns="4ad138b4-2b68-4b70-945d-07f8f18b1c9a" xsi:nil="true"/>
-  </documentManagement>
-</p:properties>
-</file>
-
-<file path=customXml/item3.xml><?xml version="1.0" encoding="utf-8"?>
 <ct:contentTypeSchema xmlns:ct="http://schemas.microsoft.com/office/2006/metadata/contentType" xmlns:ma="http://schemas.microsoft.com/office/2006/metadata/properties/metaAttributes" ct:_="" ma:_="" ma:contentTypeName="Document" ma:contentTypeID="0x01010026DBA85F447B164191BB36C258697B67" ma:contentTypeVersion="14" ma:contentTypeDescription="Create a new document." ma:contentTypeScope="" ma:versionID="ea511d05ca7f895fe9556935b5c9af34">
   <xsd:schema xmlns:xsd="http://www.w3.org/2001/XMLSchema" xmlns:xs="http://www.w3.org/2001/XMLSchema" xmlns:p="http://schemas.microsoft.com/office/2006/metadata/properties" xmlns:ns2="4ad138b4-2b68-4b70-945d-07f8f18b1c9a" xmlns:ns3="3c474641-ec36-472f-b125-6b1b0910eaa4" targetNamespace="http://schemas.microsoft.com/office/2006/metadata/properties" ma:root="true" ma:fieldsID="662270106d7a7e100bcac2c5f8d29899" ns2:_="" ns3:_="">
     <xsd:import namespace="4ad138b4-2b68-4b70-945d-07f8f18b1c9a"/>
@@ -8152,10 +8257,38 @@
 </ct:contentTypeSchema>
 </file>
 
+<file path=customXml/item2.xml><?xml version="1.0" encoding="utf-8"?>
+<p:properties xmlns:p="http://schemas.microsoft.com/office/2006/metadata/properties" xmlns:xsi="http://www.w3.org/2001/XMLSchema-instance" xmlns:pc="http://schemas.microsoft.com/office/infopath/2007/PartnerControls">
+  <documentManagement>
+    <Information xmlns="4ad138b4-2b68-4b70-945d-07f8f18b1c9a" xsi:nil="true"/>
+  </documentManagement>
+</p:properties>
+</file>
+
+<file path=customXml/item3.xml><?xml version="1.0" encoding="utf-8"?>
+<?mso-contentType ?>
+<FormTemplates xmlns="http://schemas.microsoft.com/sharepoint/v3/contenttype/forms">
+  <Display>DocumentLibraryForm</Display>
+  <Edit>DocumentLibraryForm</Edit>
+  <New>DocumentLibraryForm</New>
+</FormTemplates>
+</file>
+
 <file path=customXml/itemProps1.xml><?xml version="1.0" encoding="utf-8"?>
-<ds:datastoreItem xmlns:ds="http://schemas.openxmlformats.org/officeDocument/2006/customXml" ds:itemID="{91C521DD-2673-4EE6-BB9B-DC5C3320FFBB}">
+<ds:datastoreItem xmlns:ds="http://schemas.openxmlformats.org/officeDocument/2006/customXml" ds:itemID="{421B8C57-903D-4D0E-8336-7B512F760CD1}">
   <ds:schemaRefs>
-    <ds:schemaRef ds:uri="http://schemas.microsoft.com/sharepoint/v3/contenttype/forms"/>
+    <ds:schemaRef ds:uri="http://schemas.microsoft.com/office/2006/metadata/contentType"/>
+    <ds:schemaRef ds:uri="http://schemas.microsoft.com/office/2006/metadata/properties/metaAttributes"/>
+    <ds:schemaRef ds:uri="http://www.w3.org/2001/XMLSchema"/>
+    <ds:schemaRef ds:uri="http://schemas.microsoft.com/office/2006/metadata/properties"/>
+    <ds:schemaRef ds:uri="4ad138b4-2b68-4b70-945d-07f8f18b1c9a"/>
+    <ds:schemaRef ds:uri="3c474641-ec36-472f-b125-6b1b0910eaa4"/>
+    <ds:schemaRef ds:uri="http://schemas.microsoft.com/office/2006/documentManagement/types"/>
+    <ds:schemaRef ds:uri="http://schemas.microsoft.com/office/infopath/2007/PartnerControls"/>
+    <ds:schemaRef ds:uri="http://schemas.openxmlformats.org/package/2006/metadata/core-properties"/>
+    <ds:schemaRef ds:uri="http://purl.org/dc/elements/1.1/"/>
+    <ds:schemaRef ds:uri="http://purl.org/dc/terms/"/>
+    <ds:schemaRef ds:uri="http://schemas.microsoft.com/internal/obd"/>
   </ds:schemaRefs>
 </ds:datastoreItem>
 </file>
@@ -8178,20 +8311,9 @@
 </file>
 
 <file path=customXml/itemProps3.xml><?xml version="1.0" encoding="utf-8"?>
-<ds:datastoreItem xmlns:ds="http://schemas.openxmlformats.org/officeDocument/2006/customXml" ds:itemID="{421B8C57-903D-4D0E-8336-7B512F760CD1}">
+<ds:datastoreItem xmlns:ds="http://schemas.openxmlformats.org/officeDocument/2006/customXml" ds:itemID="{91C521DD-2673-4EE6-BB9B-DC5C3320FFBB}">
   <ds:schemaRefs>
-    <ds:schemaRef ds:uri="http://schemas.microsoft.com/office/2006/metadata/contentType"/>
-    <ds:schemaRef ds:uri="http://schemas.microsoft.com/office/2006/metadata/properties/metaAttributes"/>
-    <ds:schemaRef ds:uri="http://www.w3.org/2001/XMLSchema"/>
-    <ds:schemaRef ds:uri="http://schemas.microsoft.com/office/2006/metadata/properties"/>
-    <ds:schemaRef ds:uri="4ad138b4-2b68-4b70-945d-07f8f18b1c9a"/>
-    <ds:schemaRef ds:uri="3c474641-ec36-472f-b125-6b1b0910eaa4"/>
-    <ds:schemaRef ds:uri="http://schemas.microsoft.com/office/2006/documentManagement/types"/>
-    <ds:schemaRef ds:uri="http://schemas.microsoft.com/office/infopath/2007/PartnerControls"/>
-    <ds:schemaRef ds:uri="http://schemas.openxmlformats.org/package/2006/metadata/core-properties"/>
-    <ds:schemaRef ds:uri="http://purl.org/dc/elements/1.1/"/>
-    <ds:schemaRef ds:uri="http://purl.org/dc/terms/"/>
-    <ds:schemaRef ds:uri="http://schemas.microsoft.com/internal/obd"/>
+    <ds:schemaRef ds:uri="http://schemas.microsoft.com/sharepoint/v3/contenttype/forms"/>
   </ds:schemaRefs>
 </ds:datastoreItem>
 </file>
--- a/researchQuestion.pptx
+++ b/researchQuestion.pptx
@@ -5,20 +5,18 @@
     <p:sldMasterId id="2147483648" r:id="rId4"/>
   </p:sldMasterIdLst>
   <p:notesMasterIdLst>
-    <p:notesMasterId r:id="rId13"/>
+    <p:notesMasterId r:id="rId11"/>
   </p:notesMasterIdLst>
   <p:handoutMasterIdLst>
-    <p:handoutMasterId r:id="rId14"/>
+    <p:handoutMasterId r:id="rId12"/>
   </p:handoutMasterIdLst>
   <p:sldIdLst>
-    <p:sldId id="337" r:id="rId5"/>
-    <p:sldId id="289" r:id="rId6"/>
-    <p:sldId id="339" r:id="rId7"/>
-    <p:sldId id="341" r:id="rId8"/>
-    <p:sldId id="340" r:id="rId9"/>
-    <p:sldId id="329" r:id="rId10"/>
-    <p:sldId id="336" r:id="rId11"/>
-    <p:sldId id="338" r:id="rId12"/>
+    <p:sldId id="289" r:id="rId5"/>
+    <p:sldId id="339" r:id="rId6"/>
+    <p:sldId id="329" r:id="rId7"/>
+    <p:sldId id="336" r:id="rId8"/>
+    <p:sldId id="341" r:id="rId9"/>
+    <p:sldId id="338" r:id="rId10"/>
   </p:sldIdLst>
   <p:sldSz cx="12192000" cy="6858000"/>
   <p:notesSz cx="6858000" cy="9144000"/>
@@ -249,7 +247,7 @@
             <a:fld id="{93FAAC3A-BD1F-4A00-9099-74B95789FE00}" type="datetimeFigureOut">
               <a:rPr lang="en-GB" smtClean="0"/>
               <a:pPr/>
-              <a:t>20/11/2024</a:t>
+              <a:t>22/11/2024</a:t>
             </a:fld>
             <a:endParaRPr lang="en-GB"/>
           </a:p>
@@ -428,7 +426,7 @@
             <a:fld id="{8E359C8A-39F6-4045-9163-4042C4C26B15}" type="datetimeFigureOut">
               <a:rPr lang="en-GB" smtClean="0"/>
               <a:pPr/>
-              <a:t>20/11/2024</a:t>
+              <a:t>22/11/2024</a:t>
             </a:fld>
             <a:endParaRPr lang="en-GB"/>
           </a:p>
@@ -783,7 +781,7 @@
             <a:fld id="{30370952-48CC-46D7-9FCD-59FAD40CC025}" type="slidenum">
               <a:rPr lang="en-GB" smtClean="0"/>
               <a:pPr/>
-              <a:t>6</a:t>
+              <a:t>3</a:t>
             </a:fld>
             <a:endParaRPr lang="en-GB"/>
           </a:p>
@@ -868,7 +866,7 @@
             <a:fld id="{30370952-48CC-46D7-9FCD-59FAD40CC025}" type="slidenum">
               <a:rPr lang="en-GB" smtClean="0"/>
               <a:pPr/>
-              <a:t>7</a:t>
+              <a:t>4</a:t>
             </a:fld>
             <a:endParaRPr lang="en-GB"/>
           </a:p>
@@ -953,7 +951,7 @@
             <a:fld id="{30370952-48CC-46D7-9FCD-59FAD40CC025}" type="slidenum">
               <a:rPr lang="en-GB" smtClean="0"/>
               <a:pPr/>
-              <a:t>8</a:t>
+              <a:t>6</a:t>
             </a:fld>
             <a:endParaRPr lang="en-GB"/>
           </a:p>
@@ -4734,174 +4732,6 @@
 <file path=ppt/slides/slide1.xml><?xml version="1.0" encoding="utf-8"?>
 <p:sld xmlns:a="http://schemas.openxmlformats.org/drawingml/2006/main" xmlns:r="http://schemas.openxmlformats.org/officeDocument/2006/relationships" xmlns:p="http://schemas.openxmlformats.org/presentationml/2006/main">
   <p:cSld>
-    <p:spTree>
-      <p:nvGrpSpPr>
-        <p:cNvPr id="1" name=""/>
-        <p:cNvGrpSpPr/>
-        <p:nvPr/>
-      </p:nvGrpSpPr>
-      <p:grpSpPr>
-        <a:xfrm>
-          <a:off x="0" y="0"/>
-          <a:ext cx="0" cy="0"/>
-          <a:chOff x="0" y="0"/>
-          <a:chExt cx="0" cy="0"/>
-        </a:xfrm>
-      </p:grpSpPr>
-      <p:sp>
-        <p:nvSpPr>
-          <p:cNvPr id="2" name="Subtitle 1">
-            <a:extLst>
-              <a:ext uri="{FF2B5EF4-FFF2-40B4-BE49-F238E27FC236}">
-                <a16:creationId xmlns:a16="http://schemas.microsoft.com/office/drawing/2014/main" id="{6A29D8FC-E32A-5566-0930-02B99F5763A6}"/>
-              </a:ext>
-            </a:extLst>
-          </p:cNvPr>
-          <p:cNvSpPr>
-            <a:spLocks noGrp="1"/>
-          </p:cNvSpPr>
-          <p:nvPr>
-            <p:ph type="subTitle" idx="1"/>
-          </p:nvPr>
-        </p:nvSpPr>
-        <p:spPr>
-          <a:xfrm>
-            <a:off x="952800" y="699736"/>
-            <a:ext cx="10273911" cy="533111"/>
-          </a:xfrm>
-        </p:spPr>
-        <p:txBody>
-          <a:bodyPr/>
-          <a:lstStyle/>
-          <a:p>
-            <a:r>
-              <a:rPr lang="en-GB" dirty="0"/>
-              <a:t>Instructions for the Research Question Demos</a:t>
-            </a:r>
-          </a:p>
-        </p:txBody>
-      </p:sp>
-      <p:sp>
-        <p:nvSpPr>
-          <p:cNvPr id="4" name="Slide Number Placeholder 3">
-            <a:extLst>
-              <a:ext uri="{FF2B5EF4-FFF2-40B4-BE49-F238E27FC236}">
-                <a16:creationId xmlns:a16="http://schemas.microsoft.com/office/drawing/2014/main" id="{E143B824-C7FA-8427-0A8B-E8B5D7787B83}"/>
-              </a:ext>
-            </a:extLst>
-          </p:cNvPr>
-          <p:cNvSpPr>
-            <a:spLocks noGrp="1"/>
-          </p:cNvSpPr>
-          <p:nvPr>
-            <p:ph type="sldNum" sz="quarter" idx="12"/>
-          </p:nvPr>
-        </p:nvSpPr>
-        <p:spPr/>
-        <p:txBody>
-          <a:bodyPr/>
-          <a:lstStyle/>
-          <a:p>
-            <a:fld id="{E4D355CA-84B7-41B1-B164-8BB439CC7C6B}" type="slidenum">
-              <a:rPr lang="en-GB" smtClean="0"/>
-              <a:pPr/>
-              <a:t>1</a:t>
-            </a:fld>
-            <a:endParaRPr lang="en-GB" dirty="0"/>
-          </a:p>
-        </p:txBody>
-      </p:sp>
-      <p:sp>
-        <p:nvSpPr>
-          <p:cNvPr id="6" name="TextBox 5">
-            <a:extLst>
-              <a:ext uri="{FF2B5EF4-FFF2-40B4-BE49-F238E27FC236}">
-                <a16:creationId xmlns:a16="http://schemas.microsoft.com/office/drawing/2014/main" id="{6DD9461E-8553-F8C3-E23F-FB71330E931F}"/>
-              </a:ext>
-            </a:extLst>
-          </p:cNvPr>
-          <p:cNvSpPr txBox="1"/>
-          <p:nvPr/>
-        </p:nvSpPr>
-        <p:spPr>
-          <a:xfrm>
-            <a:off x="388578" y="1310979"/>
-            <a:ext cx="11486747" cy="4801314"/>
-          </a:xfrm>
-          <a:prstGeom prst="rect">
-            <a:avLst/>
-          </a:prstGeom>
-          <a:solidFill>
-            <a:schemeClr val="bg1"/>
-          </a:solidFill>
-        </p:spPr>
-        <p:txBody>
-          <a:bodyPr wrap="square" rtlCol="0">
-            <a:spAutoFit/>
-          </a:bodyPr>
-          <a:lstStyle/>
-          <a:p>
-            <a:r>
-              <a:rPr lang="en-GB" dirty="0"/>
-              <a:t>You have 3 minutes to present – be ready to share your screen, practice first. We can only offer you one opportunity to present so please make the most of it.</a:t>
-            </a:r>
-          </a:p>
-          <a:p>
-            <a:endParaRPr lang="en-GB" dirty="0"/>
-          </a:p>
-          <a:p>
-            <a:r>
-              <a:rPr lang="en-GB" dirty="0">
-                <a:solidFill>
-                  <a:srgbClr val="FF0000"/>
-                </a:solidFill>
-              </a:rPr>
-              <a:t>Research Questions are dependent on the variables and datatypes you have in your chosen dataset. Before going ahead with defining your Research Question, your dataset DSXXXX must match your assigned Dataset, I.e., did you check the dataset assignment list on Slack (Announcements)? Your group number must be assigned to the dataset you are referencing here.</a:t>
-            </a:r>
-          </a:p>
-          <a:p>
-            <a:endParaRPr lang="en-GB" dirty="0"/>
-          </a:p>
-          <a:p>
-            <a:r>
-              <a:rPr lang="en-GB" dirty="0"/>
-              <a:t>The next few slides give you three alternatives for how to define your research question and hypotheses.  You will select only one type of research question. Before presenting DELETE all the texts that are either instructions or options you do not use (including this slide).   You can then enlarge your selection.</a:t>
-            </a:r>
-          </a:p>
-          <a:p>
-            <a:r>
-              <a:rPr lang="en-GB" dirty="0"/>
-              <a:t>We will send you instructions as to how to sign up.  Sign up early. When the space runs out, we cannot issue any further. DO NOT SIGN UP unless you can attend.  All the group members should attend but select one person to present.</a:t>
-            </a:r>
-          </a:p>
-          <a:p>
-            <a:r>
-              <a:rPr lang="en-GB" b="1" i="1" dirty="0"/>
-              <a:t>We look forward to giving you feedback.  You will not be graded on this presentation but if you do not attend and you booked a space you are preventing someone else presenting and are going against our module values</a:t>
-            </a:r>
-            <a:r>
-              <a:rPr lang="en-GB" dirty="0"/>
-              <a:t>.  This will be reflected in your peer evaluation.</a:t>
-            </a:r>
-          </a:p>
-        </p:txBody>
-      </p:sp>
-    </p:spTree>
-    <p:extLst>
-      <p:ext uri="{BB962C8B-B14F-4D97-AF65-F5344CB8AC3E}">
-        <p14:creationId xmlns:p14="http://schemas.microsoft.com/office/powerpoint/2010/main" val="384748354"/>
-      </p:ext>
-    </p:extLst>
-  </p:cSld>
-  <p:clrMapOvr>
-    <a:masterClrMapping/>
-  </p:clrMapOvr>
-</p:sld>
-</file>
-
-<file path=ppt/slides/slide2.xml><?xml version="1.0" encoding="utf-8"?>
-<p:sld xmlns:a="http://schemas.openxmlformats.org/drawingml/2006/main" xmlns:r="http://schemas.openxmlformats.org/officeDocument/2006/relationships" xmlns:p="http://schemas.openxmlformats.org/presentationml/2006/main">
-  <p:cSld>
     <p:bg>
       <p:bgPr>
         <a:blipFill dpi="0" rotWithShape="1">
@@ -5037,6 +4867,7 @@
           <a:bodyPr/>
           <a:lstStyle/>
           <a:p>
+            <a:pPr algn="r"/>
             <a:r>
               <a:rPr lang="en-GB" dirty="0"/>
               <a:t>7COM1079-2024  Student Group No:   A315                 Names of Student Attendees  : Muhammad Ibrahim (23065459)    Emmanuel </a:t>
@@ -5047,19 +4878,30 @@
             </a:r>
             <a:r>
               <a:rPr lang="en-GB" dirty="0"/>
-              <a:t> (23027012) Mohammed Umar Shaikh (20027413)</a:t>
-            </a:r>
-          </a:p>
-          <a:p>
+              <a:t> (23027012) </a:t>
+            </a:r>
+          </a:p>
+          <a:p>
+            <a:pPr algn="r"/>
+            <a:r>
+              <a:rPr lang="en-GB" dirty="0"/>
+              <a:t>Mohammed Umar Shaikh (20027413)</a:t>
+            </a:r>
+          </a:p>
+          <a:p>
+            <a:pPr algn="r"/>
             <a:endParaRPr lang="en-GB" b="1" dirty="0"/>
           </a:p>
           <a:p>
+            <a:pPr algn="r"/>
             <a:endParaRPr lang="en-GB" dirty="0"/>
           </a:p>
           <a:p>
+            <a:pPr algn="r"/>
             <a:endParaRPr lang="en-GB" dirty="0"/>
           </a:p>
           <a:p>
+            <a:pPr algn="r"/>
             <a:endParaRPr lang="en-GB" dirty="0"/>
           </a:p>
         </p:txBody>
@@ -5068,6 +4910,164 @@
     <p:extLst>
       <p:ext uri="{BB962C8B-B14F-4D97-AF65-F5344CB8AC3E}">
         <p14:creationId xmlns:p14="http://schemas.microsoft.com/office/powerpoint/2010/main" val="4148532546"/>
+      </p:ext>
+    </p:extLst>
+  </p:cSld>
+  <p:clrMapOvr>
+    <a:masterClrMapping/>
+  </p:clrMapOvr>
+</p:sld>
+</file>
+
+<file path=ppt/slides/slide2.xml><?xml version="1.0" encoding="utf-8"?>
+<p:sld xmlns:a="http://schemas.openxmlformats.org/drawingml/2006/main" xmlns:r="http://schemas.openxmlformats.org/officeDocument/2006/relationships" xmlns:p="http://schemas.openxmlformats.org/presentationml/2006/main">
+  <p:cSld>
+    <p:spTree>
+      <p:nvGrpSpPr>
+        <p:cNvPr id="1" name=""/>
+        <p:cNvGrpSpPr/>
+        <p:nvPr/>
+      </p:nvGrpSpPr>
+      <p:grpSpPr>
+        <a:xfrm>
+          <a:off x="0" y="0"/>
+          <a:ext cx="0" cy="0"/>
+          <a:chOff x="0" y="0"/>
+          <a:chExt cx="0" cy="0"/>
+        </a:xfrm>
+      </p:grpSpPr>
+      <p:sp>
+        <p:nvSpPr>
+          <p:cNvPr id="4" name="Slide Number Placeholder 3">
+            <a:extLst>
+              <a:ext uri="{FF2B5EF4-FFF2-40B4-BE49-F238E27FC236}">
+                <a16:creationId xmlns:a16="http://schemas.microsoft.com/office/drawing/2014/main" id="{D1098E3C-BAB5-8478-26BA-5CDF4FAEFC64}"/>
+              </a:ext>
+            </a:extLst>
+          </p:cNvPr>
+          <p:cNvSpPr>
+            <a:spLocks noGrp="1"/>
+          </p:cNvSpPr>
+          <p:nvPr>
+            <p:ph type="sldNum" sz="quarter" idx="12"/>
+          </p:nvPr>
+        </p:nvSpPr>
+        <p:spPr/>
+        <p:txBody>
+          <a:bodyPr/>
+          <a:lstStyle/>
+          <a:p>
+            <a:fld id="{E4D355CA-84B7-41B1-B164-8BB439CC7C6B}" type="slidenum">
+              <a:rPr lang="en-GB" smtClean="0"/>
+              <a:pPr/>
+              <a:t>2</a:t>
+            </a:fld>
+            <a:endParaRPr lang="en-GB" dirty="0"/>
+          </a:p>
+        </p:txBody>
+      </p:sp>
+      <p:sp>
+        <p:nvSpPr>
+          <p:cNvPr id="9" name="Subtitle 7">
+            <a:extLst>
+              <a:ext uri="{FF2B5EF4-FFF2-40B4-BE49-F238E27FC236}">
+                <a16:creationId xmlns:a16="http://schemas.microsoft.com/office/drawing/2014/main" id="{8F905B79-5945-4C1E-BE34-4E3A16760D15}"/>
+              </a:ext>
+            </a:extLst>
+          </p:cNvPr>
+          <p:cNvSpPr>
+            <a:spLocks noGrp="1"/>
+          </p:cNvSpPr>
+          <p:nvPr>
+            <p:ph type="subTitle" idx="1"/>
+          </p:nvPr>
+        </p:nvSpPr>
+        <p:spPr>
+          <a:xfrm>
+            <a:off x="79130" y="791022"/>
+            <a:ext cx="7217412" cy="1345229"/>
+          </a:xfrm>
+        </p:spPr>
+        <p:txBody>
+          <a:bodyPr/>
+          <a:lstStyle/>
+          <a:p>
+            <a:pPr marL="514350" indent="-514350">
+              <a:buFont typeface="+mj-lt"/>
+              <a:buAutoNum type="arabicPeriod"/>
+            </a:pPr>
+            <a:r>
+              <a:rPr lang="en-GB" sz="2000" b="0" dirty="0"/>
+              <a:t>The columns we are using are Team Id, Rating.</a:t>
+            </a:r>
+          </a:p>
+          <a:p>
+            <a:pPr marL="514350" indent="-514350">
+              <a:buFont typeface="+mj-lt"/>
+              <a:buAutoNum type="arabicPeriod"/>
+            </a:pPr>
+            <a:r>
+              <a:rPr lang="en-GB" sz="2000" b="0" dirty="0"/>
+              <a:t>Total rows of dataset = 1456</a:t>
+            </a:r>
+          </a:p>
+          <a:p>
+            <a:r>
+              <a:rPr lang="en-GB" sz="2800" dirty="0"/>
+              <a:t>Dataset Snippet:</a:t>
+            </a:r>
+          </a:p>
+          <a:p>
+            <a:br>
+              <a:rPr lang="en-GB" sz="2800" b="0" dirty="0"/>
+            </a:br>
+            <a:br>
+              <a:rPr lang="en-GB" sz="2800" b="0" dirty="0"/>
+            </a:br>
+            <a:endParaRPr lang="en-GB" sz="2800" b="0" dirty="0"/>
+          </a:p>
+        </p:txBody>
+      </p:sp>
+      <p:pic>
+        <p:nvPicPr>
+          <p:cNvPr id="5" name="Picture 4" descr="A screenshot of a computer&#10;&#10;Description automatically generated">
+            <a:extLst>
+              <a:ext uri="{FF2B5EF4-FFF2-40B4-BE49-F238E27FC236}">
+                <a16:creationId xmlns:a16="http://schemas.microsoft.com/office/drawing/2014/main" id="{8865E266-D486-41D1-8D76-2B8FD8489DA1}"/>
+              </a:ext>
+            </a:extLst>
+          </p:cNvPr>
+          <p:cNvPicPr>
+            <a:picLocks noChangeAspect="1"/>
+          </p:cNvPicPr>
+          <p:nvPr/>
+        </p:nvPicPr>
+        <p:blipFill>
+          <a:blip r:embed="rId2">
+            <a:extLst>
+              <a:ext uri="{28A0092B-C50C-407E-A947-70E740481C1C}">
+                <a14:useLocalDpi xmlns:a14="http://schemas.microsoft.com/office/drawing/2010/main" val="0"/>
+              </a:ext>
+            </a:extLst>
+          </a:blip>
+          <a:stretch>
+            <a:fillRect/>
+          </a:stretch>
+        </p:blipFill>
+        <p:spPr>
+          <a:xfrm>
+            <a:off x="-33946" y="2387814"/>
+            <a:ext cx="12225946" cy="2782591"/>
+          </a:xfrm>
+          <a:prstGeom prst="rect">
+            <a:avLst/>
+          </a:prstGeom>
+        </p:spPr>
+      </p:pic>
+    </p:spTree>
+    <p:extLst>
+      <p:ext uri="{BB962C8B-B14F-4D97-AF65-F5344CB8AC3E}">
+        <p14:creationId xmlns:p14="http://schemas.microsoft.com/office/powerpoint/2010/main" val="849753773"/>
       </p:ext>
     </p:extLst>
   </p:cSld>
@@ -5096,77 +5096,320 @@
       </p:grpSpPr>
       <p:sp>
         <p:nvSpPr>
-          <p:cNvPr id="4" name="Slide Number Placeholder 3">
-            <a:extLst>
-              <a:ext uri="{FF2B5EF4-FFF2-40B4-BE49-F238E27FC236}">
-                <a16:creationId xmlns:a16="http://schemas.microsoft.com/office/drawing/2014/main" id="{D1098E3C-BAB5-8478-26BA-5CDF4FAEFC64}"/>
-              </a:ext>
-            </a:extLst>
-          </p:cNvPr>
-          <p:cNvSpPr>
-            <a:spLocks noGrp="1"/>
-          </p:cNvSpPr>
-          <p:nvPr>
-            <p:ph type="sldNum" sz="quarter" idx="12"/>
-          </p:nvPr>
-        </p:nvSpPr>
-        <p:spPr/>
+          <p:cNvPr id="2" name="Subtitle 1">
+            <a:extLst>
+              <a:ext uri="{FF2B5EF4-FFF2-40B4-BE49-F238E27FC236}">
+                <a16:creationId xmlns:a16="http://schemas.microsoft.com/office/drawing/2014/main" id="{7D9D8228-727F-1E46-B5AD-91D158B8255E}"/>
+              </a:ext>
+            </a:extLst>
+          </p:cNvPr>
+          <p:cNvSpPr>
+            <a:spLocks noGrp="1"/>
+          </p:cNvSpPr>
+          <p:nvPr>
+            <p:ph type="subTitle" idx="1"/>
+          </p:nvPr>
+        </p:nvSpPr>
+        <p:spPr>
+          <a:xfrm>
+            <a:off x="965288" y="1285092"/>
+            <a:ext cx="10110240" cy="588024"/>
+          </a:xfrm>
+        </p:spPr>
+        <p:txBody>
+          <a:bodyPr vert="horz" lIns="0" tIns="0" rIns="0" bIns="0" rtlCol="0" anchor="t">
+            <a:noAutofit/>
+          </a:bodyPr>
+          <a:lstStyle/>
+          <a:p>
+            <a:r>
+              <a:rPr lang="en-US" dirty="0"/>
+              <a:t>Dataset </a:t>
+            </a:r>
+            <a:r>
+              <a:rPr lang="en-US" dirty="0">
+                <a:solidFill>
+                  <a:srgbClr val="203232"/>
+                </a:solidFill>
+              </a:rPr>
+              <a:t>ID</a:t>
+            </a:r>
+            <a:r>
+              <a:rPr lang="en-US" sz="1600" dirty="0">
+                <a:solidFill>
+                  <a:srgbClr val="FF0000"/>
+                </a:solidFill>
+              </a:rPr>
+              <a:t>:   </a:t>
+            </a:r>
+            <a:r>
+              <a:rPr lang="en-US" sz="2400" dirty="0">
+                <a:solidFill>
+                  <a:srgbClr val="FF0000"/>
+                </a:solidFill>
+              </a:rPr>
+              <a:t>(DS307 NCAA Men 538 team ratings)</a:t>
+            </a:r>
+          </a:p>
+        </p:txBody>
+      </p:sp>
+      <p:sp>
+        <p:nvSpPr>
+          <p:cNvPr id="3" name="Footer Placeholder 2">
+            <a:extLst>
+              <a:ext uri="{FF2B5EF4-FFF2-40B4-BE49-F238E27FC236}">
+                <a16:creationId xmlns:a16="http://schemas.microsoft.com/office/drawing/2014/main" id="{00EBC183-8AA5-EC44-9987-D65F5C1892A1}"/>
+              </a:ext>
+            </a:extLst>
+          </p:cNvPr>
+          <p:cNvSpPr>
+            <a:spLocks noGrp="1"/>
+          </p:cNvSpPr>
+          <p:nvPr>
+            <p:ph type="ftr" sz="quarter" idx="11"/>
+          </p:nvPr>
+        </p:nvSpPr>
+        <p:spPr>
+          <a:xfrm>
+            <a:off x="965288" y="791022"/>
+            <a:ext cx="9129687" cy="230832"/>
+          </a:xfrm>
+        </p:spPr>
         <p:txBody>
           <a:bodyPr/>
           <a:lstStyle/>
           <a:p>
-            <a:fld id="{E4D355CA-84B7-41B1-B164-8BB439CC7C6B}" type="slidenum">
-              <a:rPr lang="en-GB" smtClean="0"/>
-              <a:pPr/>
-              <a:t>3</a:t>
-            </a:fld>
+            <a:r>
+              <a:rPr lang="en-GB" dirty="0"/>
+              <a:t>7COM1079-2024  Student Group No: A315</a:t>
+            </a:r>
+            <a:br>
+              <a:rPr lang="en-GB" dirty="0"/>
+            </a:br>
             <a:endParaRPr lang="en-GB" dirty="0"/>
           </a:p>
         </p:txBody>
       </p:sp>
       <p:sp>
         <p:nvSpPr>
-          <p:cNvPr id="9" name="Subtitle 7">
-            <a:extLst>
-              <a:ext uri="{FF2B5EF4-FFF2-40B4-BE49-F238E27FC236}">
-                <a16:creationId xmlns:a16="http://schemas.microsoft.com/office/drawing/2014/main" id="{8F905B79-5945-4C1E-BE34-4E3A16760D15}"/>
-              </a:ext>
-            </a:extLst>
-          </p:cNvPr>
-          <p:cNvSpPr>
-            <a:spLocks noGrp="1"/>
-          </p:cNvSpPr>
-          <p:nvPr>
-            <p:ph type="subTitle" idx="1"/>
+          <p:cNvPr id="4" name="Slide Number Placeholder 3">
+            <a:extLst>
+              <a:ext uri="{FF2B5EF4-FFF2-40B4-BE49-F238E27FC236}">
+                <a16:creationId xmlns:a16="http://schemas.microsoft.com/office/drawing/2014/main" id="{CC9D9611-42EE-7840-81EE-DD6B1A99CD7B}"/>
+              </a:ext>
+            </a:extLst>
+          </p:cNvPr>
+          <p:cNvSpPr>
+            <a:spLocks noGrp="1"/>
+          </p:cNvSpPr>
+          <p:nvPr>
+            <p:ph type="sldNum" sz="quarter" idx="12"/>
           </p:nvPr>
         </p:nvSpPr>
         <p:spPr>
           <a:xfrm>
-            <a:off x="773550" y="1688614"/>
-            <a:ext cx="7200000" cy="360000"/>
+            <a:off x="10954512" y="555565"/>
+            <a:ext cx="622800" cy="230832"/>
           </a:xfrm>
         </p:spPr>
         <p:txBody>
           <a:bodyPr/>
           <a:lstStyle/>
           <a:p>
-            <a:pPr marL="514350" indent="-514350">
-              <a:buFont typeface="+mj-lt"/>
-              <a:buAutoNum type="arabicPeriod"/>
+            <a:r>
+              <a:rPr lang="en-US" dirty="0"/>
+              <a:t>2</a:t>
+            </a:r>
+            <a:endParaRPr lang="en-GB" dirty="0"/>
+          </a:p>
+        </p:txBody>
+      </p:sp>
+      <p:sp>
+        <p:nvSpPr>
+          <p:cNvPr id="5" name="Title 4">
+            <a:extLst>
+              <a:ext uri="{FF2B5EF4-FFF2-40B4-BE49-F238E27FC236}">
+                <a16:creationId xmlns:a16="http://schemas.microsoft.com/office/drawing/2014/main" id="{B3FA3829-F12C-214D-8FBA-7E1A740F65CA}"/>
+              </a:ext>
+            </a:extLst>
+          </p:cNvPr>
+          <p:cNvSpPr>
+            <a:spLocks noGrp="1"/>
+          </p:cNvSpPr>
+          <p:nvPr>
+            <p:ph type="ctrTitle"/>
+          </p:nvPr>
+        </p:nvSpPr>
+        <p:spPr>
+          <a:xfrm>
+            <a:off x="965288" y="1698305"/>
+            <a:ext cx="10974945" cy="2699181"/>
+          </a:xfrm>
+        </p:spPr>
+        <p:txBody>
+          <a:bodyPr>
+            <a:noAutofit/>
+          </a:bodyPr>
+          <a:lstStyle/>
+          <a:p>
+            <a:pPr>
+              <a:lnSpc>
+                <a:spcPct val="100000"/>
+              </a:lnSpc>
             </a:pPr>
             <a:r>
-              <a:rPr lang="en-GB" sz="2800" b="0" dirty="0"/>
-              <a:t>The columns we are using are Team Id, Rating, rd5_win and rd6_win.</a:t>
-            </a:r>
-          </a:p>
-          <a:p>
-            <a:pPr marL="514350" indent="-514350">
-              <a:buFont typeface="+mj-lt"/>
-              <a:buAutoNum type="arabicPeriod"/>
-            </a:pPr>
-            <a:r>
-              <a:rPr lang="en-GB" sz="2800" b="0" dirty="0"/>
-              <a:t>Total rows of dataset = 1456</a:t>
+              <a:rPr lang="en-US" sz="2400" b="0" dirty="0">
+                <a:latin typeface="Calibri"/>
+                <a:cs typeface="Calibri"/>
+              </a:rPr>
+              <a:t>This dataset is interesting to us because :  This is interesting to us because we are into  basketball and this dataset </a:t>
+            </a:r>
+            <a:r>
+              <a:rPr lang="en-GB" sz="2400" b="0" dirty="0">
+                <a:latin typeface="Calibri"/>
+                <a:cs typeface="Calibri"/>
+              </a:rPr>
+              <a:t>gives us a deeper, more data-driven look, helping us make better predictions.</a:t>
+            </a:r>
+            <a:br>
+              <a:rPr lang="en-US" sz="2400" b="0" dirty="0">
+                <a:latin typeface="Calibri" panose="020F0502020204030204" pitchFamily="34" charset="0"/>
+                <a:cs typeface="Calibri" panose="020F0502020204030204" pitchFamily="34" charset="0"/>
+              </a:rPr>
+            </a:br>
+            <a:r>
+              <a:rPr lang="en-US" sz="2400" b="0" dirty="0">
+                <a:latin typeface="Calibri"/>
+                <a:cs typeface="Calibri"/>
+              </a:rPr>
+              <a:t>Our  Independent variable is: </a:t>
+            </a:r>
+            <a:r>
+              <a:rPr lang="en-US" sz="2400" b="0" dirty="0" err="1">
+                <a:latin typeface="Calibri"/>
+                <a:cs typeface="Calibri"/>
+              </a:rPr>
+              <a:t>TeamID</a:t>
+            </a:r>
+            <a:br>
+              <a:rPr lang="en-US" sz="2400" b="0" dirty="0">
+                <a:latin typeface="Calibri" panose="020F0502020204030204" pitchFamily="34" charset="0"/>
+                <a:cs typeface="Calibri" panose="020F0502020204030204" pitchFamily="34" charset="0"/>
+              </a:rPr>
+            </a:br>
+            <a:r>
+              <a:rPr lang="en-US" sz="2400" b="0" dirty="0">
+                <a:solidFill>
+                  <a:srgbClr val="FF0000"/>
+                </a:solidFill>
+                <a:latin typeface="Calibri"/>
+                <a:cs typeface="Calibri"/>
+              </a:rPr>
+              <a:t>                   </a:t>
+            </a:r>
+            <a:r>
+              <a:rPr lang="en-US" sz="2400" b="0" dirty="0">
+                <a:latin typeface="Calibri"/>
+                <a:cs typeface="Calibri"/>
+              </a:rPr>
+              <a:t>This  Independent variable datatype is (select one): Categorial  </a:t>
+            </a:r>
+            <a:br>
+              <a:rPr lang="en-US" sz="2400" b="0" dirty="0">
+                <a:solidFill>
+                  <a:srgbClr val="FF0000"/>
+                </a:solidFill>
+                <a:latin typeface="Calibri"/>
+                <a:cs typeface="Calibri"/>
+              </a:rPr>
+            </a:br>
+            <a:r>
+              <a:rPr lang="en-US" sz="2400" b="0" dirty="0">
+                <a:latin typeface="Calibri"/>
+                <a:cs typeface="Calibri"/>
+              </a:rPr>
+              <a:t>Our Dependent variable is: 538Rating</a:t>
+            </a:r>
+            <a:br>
+              <a:rPr lang="en-US" sz="2400" b="0" dirty="0">
+                <a:latin typeface="Calibri" panose="020F0502020204030204" pitchFamily="34" charset="0"/>
+                <a:cs typeface="Calibri" panose="020F0502020204030204" pitchFamily="34" charset="0"/>
+              </a:rPr>
+            </a:br>
+            <a:r>
+              <a:rPr lang="en-US" sz="2400" b="0" dirty="0">
+                <a:solidFill>
+                  <a:srgbClr val="FF0000"/>
+                </a:solidFill>
+                <a:latin typeface="Calibri"/>
+                <a:cs typeface="Calibri"/>
+              </a:rPr>
+              <a:t>                   </a:t>
+            </a:r>
+            <a:r>
+              <a:rPr lang="en-US" sz="2400" b="0" dirty="0">
+                <a:latin typeface="Calibri"/>
+                <a:cs typeface="Calibri"/>
+              </a:rPr>
+              <a:t>This Dependent variable datatype is  (select one): </a:t>
+            </a:r>
+            <a:r>
+              <a:rPr lang="en-US" sz="2400" b="0" dirty="0">
+                <a:solidFill>
+                  <a:srgbClr val="FF0000"/>
+                </a:solidFill>
+                <a:latin typeface="Calibri"/>
+                <a:cs typeface="Calibri"/>
+              </a:rPr>
+              <a:t> </a:t>
+            </a:r>
+            <a:r>
+              <a:rPr lang="en-US" sz="2400" b="0" dirty="0">
+                <a:latin typeface="Calibri"/>
+                <a:cs typeface="Calibri"/>
+              </a:rPr>
+              <a:t>Measurement data</a:t>
+            </a:r>
+          </a:p>
+        </p:txBody>
+      </p:sp>
+      <p:sp>
+        <p:nvSpPr>
+          <p:cNvPr id="6" name="TextBox 5">
+            <a:extLst>
+              <a:ext uri="{FF2B5EF4-FFF2-40B4-BE49-F238E27FC236}">
+                <a16:creationId xmlns:a16="http://schemas.microsoft.com/office/drawing/2014/main" id="{732D6C0D-D649-2AA9-7741-835F3E841A25}"/>
+              </a:ext>
+            </a:extLst>
+          </p:cNvPr>
+          <p:cNvSpPr txBox="1"/>
+          <p:nvPr/>
+        </p:nvSpPr>
+        <p:spPr>
+          <a:xfrm>
+            <a:off x="6766560" y="5385816"/>
+            <a:ext cx="4187952" cy="1200329"/>
+          </a:xfrm>
+          <a:prstGeom prst="rect">
+            <a:avLst/>
+          </a:prstGeom>
+          <a:noFill/>
+        </p:spPr>
+        <p:txBody>
+          <a:bodyPr wrap="square" rtlCol="0">
+            <a:spAutoFit/>
+          </a:bodyPr>
+          <a:lstStyle/>
+          <a:p>
+            <a:r>
+              <a:rPr lang="en-GB" dirty="0">
+                <a:solidFill>
+                  <a:schemeClr val="accent2">
+                    <a:lumMod val="75000"/>
+                  </a:schemeClr>
+                </a:solidFill>
+              </a:rPr>
+              <a:t>*For comparison of two nominal variables and for comparison of proportions you use two (or more) independent variables (see next slide)</a:t>
             </a:r>
           </a:p>
         </p:txBody>
@@ -5174,7 +5417,7 @@
     </p:spTree>
     <p:extLst>
       <p:ext uri="{BB962C8B-B14F-4D97-AF65-F5344CB8AC3E}">
-        <p14:creationId xmlns:p14="http://schemas.microsoft.com/office/powerpoint/2010/main" val="849753773"/>
+        <p14:creationId xmlns:p14="http://schemas.microsoft.com/office/powerpoint/2010/main" val="1718004908"/>
       </p:ext>
     </p:extLst>
   </p:cSld>
@@ -5203,85 +5446,768 @@
       </p:grpSpPr>
       <p:sp>
         <p:nvSpPr>
-          <p:cNvPr id="4" name="Slide Number Placeholder 3">
-            <a:extLst>
-              <a:ext uri="{FF2B5EF4-FFF2-40B4-BE49-F238E27FC236}">
-                <a16:creationId xmlns:a16="http://schemas.microsoft.com/office/drawing/2014/main" id="{D1098E3C-BAB5-8478-26BA-5CDF4FAEFC64}"/>
-              </a:ext>
-            </a:extLst>
-          </p:cNvPr>
-          <p:cNvSpPr>
-            <a:spLocks noGrp="1"/>
-          </p:cNvSpPr>
-          <p:nvPr>
-            <p:ph type="sldNum" sz="quarter" idx="12"/>
-          </p:nvPr>
-        </p:nvSpPr>
-        <p:spPr/>
+          <p:cNvPr id="2" name="Subtitle 1">
+            <a:extLst>
+              <a:ext uri="{FF2B5EF4-FFF2-40B4-BE49-F238E27FC236}">
+                <a16:creationId xmlns:a16="http://schemas.microsoft.com/office/drawing/2014/main" id="{8E3CD731-5ACF-B002-247D-243F6E2149EC}"/>
+              </a:ext>
+            </a:extLst>
+          </p:cNvPr>
+          <p:cNvSpPr>
+            <a:spLocks noGrp="1"/>
+          </p:cNvSpPr>
+          <p:nvPr>
+            <p:ph type="subTitle" idx="1"/>
+          </p:nvPr>
+        </p:nvSpPr>
+        <p:spPr>
+          <a:xfrm>
+            <a:off x="965289" y="1147638"/>
+            <a:ext cx="9753625" cy="230832"/>
+          </a:xfrm>
+        </p:spPr>
         <p:txBody>
           <a:bodyPr/>
           <a:lstStyle/>
           <a:p>
-            <a:fld id="{E4D355CA-84B7-41B1-B164-8BB439CC7C6B}" type="slidenum">
-              <a:rPr lang="en-GB" smtClean="0"/>
-              <a:pPr/>
-              <a:t>4</a:t>
-            </a:fld>
-            <a:endParaRPr lang="en-GB" dirty="0"/>
-          </a:p>
-        </p:txBody>
-      </p:sp>
-      <p:sp>
-        <p:nvSpPr>
-          <p:cNvPr id="9" name="Subtitle 7">
-            <a:extLst>
-              <a:ext uri="{FF2B5EF4-FFF2-40B4-BE49-F238E27FC236}">
-                <a16:creationId xmlns:a16="http://schemas.microsoft.com/office/drawing/2014/main" id="{8F905B79-5945-4C1E-BE34-4E3A16760D15}"/>
-              </a:ext>
-            </a:extLst>
-          </p:cNvPr>
-          <p:cNvSpPr>
-            <a:spLocks noGrp="1"/>
-          </p:cNvSpPr>
-          <p:nvPr>
-            <p:ph type="subTitle" idx="1"/>
+            <a:pPr>
+              <a:spcAft>
+                <a:spcPts val="0"/>
+              </a:spcAft>
+            </a:pPr>
+            <a:r>
+              <a:rPr lang="en-GB" dirty="0"/>
+              <a:t>Our Research Question is </a:t>
+            </a:r>
+            <a:r>
+              <a:rPr lang="en-GB" sz="1800" dirty="0">
+                <a:solidFill>
+                  <a:srgbClr val="FF0000"/>
+                </a:solidFill>
+              </a:rPr>
+              <a:t>Choose ONE of the three templates below replacing the blue text with your variables – then add hypotheses as shown in next slide:</a:t>
+            </a:r>
+          </a:p>
+        </p:txBody>
+      </p:sp>
+      <p:sp>
+        <p:nvSpPr>
+          <p:cNvPr id="3" name="Footer Placeholder 2">
+            <a:extLst>
+              <a:ext uri="{FF2B5EF4-FFF2-40B4-BE49-F238E27FC236}">
+                <a16:creationId xmlns:a16="http://schemas.microsoft.com/office/drawing/2014/main" id="{3C4D431B-7665-75B0-2D73-5BD588DCB766}"/>
+              </a:ext>
+            </a:extLst>
+          </p:cNvPr>
+          <p:cNvSpPr>
+            <a:spLocks noGrp="1"/>
+          </p:cNvSpPr>
+          <p:nvPr>
+            <p:ph type="ftr" sz="quarter" idx="11"/>
+          </p:nvPr>
+        </p:nvSpPr>
+        <p:spPr/>
+        <p:txBody>
+          <a:bodyPr/>
+          <a:lstStyle/>
+          <a:p>
+            <a:r>
+              <a:rPr lang="en-GB" dirty="0"/>
+              <a:t>PRE 7COM1079-2024  Student Group No:  A315</a:t>
+            </a:r>
+          </a:p>
+        </p:txBody>
+      </p:sp>
+      <p:sp>
+        <p:nvSpPr>
+          <p:cNvPr id="4" name="Slide Number Placeholder 3">
+            <a:extLst>
+              <a:ext uri="{FF2B5EF4-FFF2-40B4-BE49-F238E27FC236}">
+                <a16:creationId xmlns:a16="http://schemas.microsoft.com/office/drawing/2014/main" id="{1625FA15-B17F-387B-E383-5505647ABB89}"/>
+              </a:ext>
+            </a:extLst>
+          </p:cNvPr>
+          <p:cNvSpPr>
+            <a:spLocks noGrp="1"/>
+          </p:cNvSpPr>
+          <p:nvPr>
+            <p:ph type="sldNum" sz="quarter" idx="12"/>
           </p:nvPr>
         </p:nvSpPr>
         <p:spPr>
           <a:xfrm>
-            <a:off x="773550" y="1688614"/>
-            <a:ext cx="7200000" cy="360000"/>
+            <a:off x="10616400" y="791022"/>
+            <a:ext cx="622800" cy="230832"/>
           </a:xfrm>
         </p:spPr>
         <p:txBody>
           <a:bodyPr/>
           <a:lstStyle/>
           <a:p>
-            <a:pPr marL="514350" indent="-514350">
-              <a:buFont typeface="+mj-lt"/>
-              <a:buAutoNum type="arabicPeriod"/>
+            <a:r>
+              <a:rPr lang="en-US" dirty="0"/>
+              <a:t>3</a:t>
+            </a:r>
+            <a:endParaRPr lang="en-GB" dirty="0"/>
+          </a:p>
+        </p:txBody>
+      </p:sp>
+      <p:sp>
+        <p:nvSpPr>
+          <p:cNvPr id="5" name="Title 4">
+            <a:extLst>
+              <a:ext uri="{FF2B5EF4-FFF2-40B4-BE49-F238E27FC236}">
+                <a16:creationId xmlns:a16="http://schemas.microsoft.com/office/drawing/2014/main" id="{3440DA25-F620-152B-DE9E-776F7B74DFF0}"/>
+              </a:ext>
+            </a:extLst>
+          </p:cNvPr>
+          <p:cNvSpPr>
+            <a:spLocks noGrp="1"/>
+          </p:cNvSpPr>
+          <p:nvPr>
+            <p:ph type="ctrTitle"/>
+          </p:nvPr>
+        </p:nvSpPr>
+        <p:spPr>
+          <a:xfrm>
+            <a:off x="965289" y="1893914"/>
+            <a:ext cx="10640594" cy="2678085"/>
+          </a:xfrm>
+        </p:spPr>
+        <p:txBody>
+          <a:bodyPr>
+            <a:noAutofit/>
+          </a:bodyPr>
+          <a:lstStyle/>
+          <a:p>
+            <a:pPr>
+              <a:lnSpc>
+                <a:spcPct val="100000"/>
+              </a:lnSpc>
             </a:pPr>
             <a:r>
-              <a:rPr lang="en-GB" sz="2800" b="0" dirty="0"/>
-              <a:t>The columns we are using are Team Id, Rating, rd5_win and rd6_win.</a:t>
-            </a:r>
-          </a:p>
-          <a:p>
-            <a:pPr marL="514350" indent="-514350">
-              <a:buFont typeface="+mj-lt"/>
-              <a:buAutoNum type="arabicPeriod"/>
-            </a:pPr>
-            <a:r>
-              <a:rPr lang="en-GB" sz="2800" b="0" dirty="0"/>
-              <a:t>Total rows of dataset = 1456</a:t>
-            </a:r>
+              <a:rPr lang="en-IE" sz="2400" dirty="0">
+                <a:effectLst/>
+                <a:latin typeface="Calibri" panose="020F0502020204030204" pitchFamily="34" charset="0"/>
+                <a:ea typeface="Calibri" panose="020F0502020204030204" pitchFamily="34" charset="0"/>
+                <a:cs typeface="Times New Roman" panose="02020603050405020304" pitchFamily="18" charset="0"/>
+              </a:rPr>
+              <a:t>Template </a:t>
+            </a:r>
+            <a:r>
+              <a:rPr lang="en-IE" sz="2400" baseline="30000" dirty="0">
+                <a:effectLst/>
+                <a:latin typeface="Calibri" panose="020F0502020204030204" pitchFamily="34" charset="0"/>
+                <a:ea typeface="Calibri" panose="020F0502020204030204" pitchFamily="34" charset="0"/>
+                <a:cs typeface="Times New Roman" panose="02020603050405020304" pitchFamily="18" charset="0"/>
+              </a:rPr>
+              <a:t>1</a:t>
+            </a:r>
+            <a:r>
+              <a:rPr lang="en-IE" sz="2400" dirty="0">
+                <a:effectLst/>
+                <a:latin typeface="Calibri" panose="020F0502020204030204" pitchFamily="34" charset="0"/>
+                <a:ea typeface="Calibri" panose="020F0502020204030204" pitchFamily="34" charset="0"/>
+                <a:cs typeface="Times New Roman" panose="02020603050405020304" pitchFamily="18" charset="0"/>
+              </a:rPr>
+              <a:t>: </a:t>
+            </a:r>
+            <a:r>
+              <a:rPr lang="en-IE" sz="2400" b="0" dirty="0">
+                <a:effectLst/>
+                <a:latin typeface="Calibri" panose="020F0502020204030204" pitchFamily="34" charset="0"/>
+                <a:ea typeface="Calibri" panose="020F0502020204030204" pitchFamily="34" charset="0"/>
+                <a:cs typeface="Times New Roman" panose="02020603050405020304" pitchFamily="18" charset="0"/>
+              </a:rPr>
+              <a:t>Interval/Ordinal vs Interval/Ordinal: “Is there a correlation between </a:t>
+            </a:r>
+            <a:r>
+              <a:rPr lang="en-IE" sz="2400" b="0" dirty="0">
+                <a:solidFill>
+                  <a:srgbClr val="0070C0"/>
+                </a:solidFill>
+                <a:effectLst/>
+                <a:latin typeface="Calibri" panose="020F0502020204030204" pitchFamily="34" charset="0"/>
+                <a:ea typeface="Calibri" panose="020F0502020204030204" pitchFamily="34" charset="0"/>
+                <a:cs typeface="Times New Roman" panose="02020603050405020304" pitchFamily="18" charset="0"/>
+              </a:rPr>
+              <a:t>[dependent interval </a:t>
+            </a:r>
+            <a:r>
+              <a:rPr lang="en-IE" sz="2400" b="0" dirty="0">
+                <a:effectLst/>
+                <a:latin typeface="Calibri" panose="020F0502020204030204" pitchFamily="34" charset="0"/>
+                <a:ea typeface="Calibri" panose="020F0502020204030204" pitchFamily="34" charset="0"/>
+                <a:cs typeface="Times New Roman" panose="02020603050405020304" pitchFamily="18" charset="0"/>
+              </a:rPr>
+              <a:t>or</a:t>
+            </a:r>
+            <a:r>
+              <a:rPr lang="en-IE" sz="2400" b="0" dirty="0">
+                <a:solidFill>
+                  <a:srgbClr val="0070C0"/>
+                </a:solidFill>
+                <a:effectLst/>
+                <a:latin typeface="Calibri" panose="020F0502020204030204" pitchFamily="34" charset="0"/>
+                <a:ea typeface="Calibri" panose="020F0502020204030204" pitchFamily="34" charset="0"/>
+                <a:cs typeface="Times New Roman" panose="02020603050405020304" pitchFamily="18" charset="0"/>
+              </a:rPr>
+              <a:t> ordinal variable] </a:t>
+            </a:r>
+            <a:r>
+              <a:rPr lang="en-IE" sz="2400" b="0" dirty="0">
+                <a:effectLst/>
+                <a:latin typeface="Calibri" panose="020F0502020204030204" pitchFamily="34" charset="0"/>
+                <a:ea typeface="Calibri" panose="020F0502020204030204" pitchFamily="34" charset="0"/>
+                <a:cs typeface="Times New Roman" panose="02020603050405020304" pitchFamily="18" charset="0"/>
+              </a:rPr>
+              <a:t>and </a:t>
+            </a:r>
+            <a:r>
+              <a:rPr lang="en-IE" sz="2400" b="0" dirty="0">
+                <a:solidFill>
+                  <a:srgbClr val="0070C0"/>
+                </a:solidFill>
+                <a:effectLst/>
+                <a:latin typeface="Calibri" panose="020F0502020204030204" pitchFamily="34" charset="0"/>
+                <a:ea typeface="Calibri" panose="020F0502020204030204" pitchFamily="34" charset="0"/>
+                <a:cs typeface="Times New Roman" panose="02020603050405020304" pitchFamily="18" charset="0"/>
+              </a:rPr>
+              <a:t>[independent interval </a:t>
+            </a:r>
+            <a:r>
+              <a:rPr lang="en-IE" sz="2400" b="0" dirty="0">
+                <a:effectLst/>
+                <a:latin typeface="Calibri" panose="020F0502020204030204" pitchFamily="34" charset="0"/>
+                <a:ea typeface="Calibri" panose="020F0502020204030204" pitchFamily="34" charset="0"/>
+                <a:cs typeface="Times New Roman" panose="02020603050405020304" pitchFamily="18" charset="0"/>
+              </a:rPr>
+              <a:t>or</a:t>
+            </a:r>
+            <a:r>
+              <a:rPr lang="en-IE" sz="2400" b="0" dirty="0">
+                <a:solidFill>
+                  <a:srgbClr val="0070C0"/>
+                </a:solidFill>
+                <a:effectLst/>
+                <a:latin typeface="Calibri" panose="020F0502020204030204" pitchFamily="34" charset="0"/>
+                <a:ea typeface="Calibri" panose="020F0502020204030204" pitchFamily="34" charset="0"/>
+                <a:cs typeface="Times New Roman" panose="02020603050405020304" pitchFamily="18" charset="0"/>
+              </a:rPr>
+              <a:t> ordinal variable?]”</a:t>
+            </a:r>
+            <a:r>
+              <a:rPr lang="en-IE" sz="2400" b="0" dirty="0">
+                <a:effectLst/>
+                <a:latin typeface="Calibri" panose="020F0502020204030204" pitchFamily="34" charset="0"/>
+                <a:ea typeface="Calibri" panose="020F0502020204030204" pitchFamily="34" charset="0"/>
+                <a:cs typeface="Times New Roman" panose="02020603050405020304" pitchFamily="18" charset="0"/>
+              </a:rPr>
+              <a:t>. </a:t>
+            </a:r>
+            <a:br>
+              <a:rPr lang="en-IE" sz="2400" dirty="0">
+                <a:effectLst/>
+                <a:latin typeface="Calibri" panose="020F0502020204030204" pitchFamily="34" charset="0"/>
+                <a:ea typeface="Calibri" panose="020F0502020204030204" pitchFamily="34" charset="0"/>
+                <a:cs typeface="Times New Roman" panose="02020603050405020304" pitchFamily="18" charset="0"/>
+              </a:rPr>
+            </a:br>
+            <a:br>
+              <a:rPr lang="en-IE" sz="2400" dirty="0">
+                <a:effectLst/>
+                <a:latin typeface="Calibri" panose="020F0502020204030204" pitchFamily="34" charset="0"/>
+                <a:ea typeface="Calibri" panose="020F0502020204030204" pitchFamily="34" charset="0"/>
+                <a:cs typeface="Times New Roman" panose="02020603050405020304" pitchFamily="18" charset="0"/>
+              </a:rPr>
+            </a:br>
+            <a:r>
+              <a:rPr lang="en-IE" sz="2400" dirty="0">
+                <a:effectLst/>
+                <a:latin typeface="Calibri" panose="020F0502020204030204" pitchFamily="34" charset="0"/>
+                <a:ea typeface="Calibri" panose="020F0502020204030204" pitchFamily="34" charset="0"/>
+                <a:cs typeface="Times New Roman" panose="02020603050405020304" pitchFamily="18" charset="0"/>
+              </a:rPr>
+              <a:t>Template</a:t>
+            </a:r>
+            <a:r>
+              <a:rPr lang="en-IE" sz="2400" baseline="30000" dirty="0">
+                <a:effectLst/>
+                <a:latin typeface="Calibri" panose="020F0502020204030204" pitchFamily="34" charset="0"/>
+                <a:ea typeface="Calibri" panose="020F0502020204030204" pitchFamily="34" charset="0"/>
+                <a:cs typeface="Times New Roman" panose="02020603050405020304" pitchFamily="18" charset="0"/>
+              </a:rPr>
+              <a:t>2</a:t>
+            </a:r>
+            <a:r>
+              <a:rPr lang="en-IE" sz="2400" dirty="0">
+                <a:effectLst/>
+                <a:latin typeface="Calibri" panose="020F0502020204030204" pitchFamily="34" charset="0"/>
+                <a:ea typeface="Calibri" panose="020F0502020204030204" pitchFamily="34" charset="0"/>
+                <a:cs typeface="Times New Roman" panose="02020603050405020304" pitchFamily="18" charset="0"/>
+              </a:rPr>
+              <a:t> :</a:t>
+            </a:r>
+            <a:r>
+              <a:rPr lang="en-IE" sz="2400" b="0" dirty="0">
+                <a:effectLst/>
+                <a:latin typeface="Calibri" panose="020F0502020204030204" pitchFamily="34" charset="0"/>
+                <a:ea typeface="Calibri" panose="020F0502020204030204" pitchFamily="34" charset="0"/>
+                <a:cs typeface="Times New Roman" panose="02020603050405020304" pitchFamily="18" charset="0"/>
+              </a:rPr>
+              <a:t>Interval/Ordinal vs Nominal. data “Is there a difference in the mean of </a:t>
+            </a:r>
+            <a:r>
+              <a:rPr lang="en-IE" sz="2400" b="0" dirty="0">
+                <a:solidFill>
+                  <a:srgbClr val="0070C0"/>
+                </a:solidFill>
+                <a:effectLst/>
+                <a:latin typeface="Calibri" panose="020F0502020204030204" pitchFamily="34" charset="0"/>
+                <a:ea typeface="Calibri" panose="020F0502020204030204" pitchFamily="34" charset="0"/>
+                <a:cs typeface="Times New Roman" panose="02020603050405020304" pitchFamily="18" charset="0"/>
+              </a:rPr>
+              <a:t>[dependent interval variable </a:t>
+            </a:r>
+            <a:r>
+              <a:rPr lang="en-IE" sz="2400" b="0" dirty="0">
+                <a:solidFill>
+                  <a:srgbClr val="0070C0"/>
+                </a:solidFill>
+                <a:latin typeface="Calibri" panose="020F0502020204030204" pitchFamily="34" charset="0"/>
+                <a:ea typeface="Calibri" panose="020F0502020204030204" pitchFamily="34" charset="0"/>
+                <a:cs typeface="Times New Roman" panose="02020603050405020304" pitchFamily="18" charset="0"/>
+              </a:rPr>
+              <a:t> </a:t>
+            </a:r>
+            <a:r>
+              <a:rPr lang="en-IE" sz="2400" b="0" dirty="0">
+                <a:latin typeface="Calibri" panose="020F0502020204030204" pitchFamily="34" charset="0"/>
+                <a:ea typeface="Calibri" panose="020F0502020204030204" pitchFamily="34" charset="0"/>
+                <a:cs typeface="Times New Roman" panose="02020603050405020304" pitchFamily="18" charset="0"/>
+              </a:rPr>
+              <a:t>or</a:t>
+            </a:r>
+            <a:r>
+              <a:rPr lang="en-IE" sz="2400" b="0" dirty="0">
+                <a:effectLst/>
+                <a:latin typeface="Calibri" panose="020F0502020204030204" pitchFamily="34" charset="0"/>
+                <a:ea typeface="Calibri" panose="020F0502020204030204" pitchFamily="34" charset="0"/>
+                <a:cs typeface="Times New Roman" panose="02020603050405020304" pitchFamily="18" charset="0"/>
+              </a:rPr>
+              <a:t> </a:t>
+            </a:r>
+            <a:r>
+              <a:rPr lang="en-IE" sz="2400" b="0" dirty="0">
+                <a:solidFill>
+                  <a:srgbClr val="0070C0"/>
+                </a:solidFill>
+                <a:effectLst/>
+                <a:latin typeface="Calibri" panose="020F0502020204030204" pitchFamily="34" charset="0"/>
+                <a:ea typeface="Calibri" panose="020F0502020204030204" pitchFamily="34" charset="0"/>
+                <a:cs typeface="Times New Roman" panose="02020603050405020304" pitchFamily="18" charset="0"/>
+              </a:rPr>
+              <a:t> dependent ordinal variable] </a:t>
+            </a:r>
+            <a:r>
+              <a:rPr lang="en-IE" sz="2400" b="0" dirty="0">
+                <a:effectLst/>
+                <a:latin typeface="Calibri" panose="020F0502020204030204" pitchFamily="34" charset="0"/>
+                <a:ea typeface="Calibri" panose="020F0502020204030204" pitchFamily="34" charset="0"/>
+                <a:cs typeface="Times New Roman" panose="02020603050405020304" pitchFamily="18" charset="0"/>
+              </a:rPr>
+              <a:t>between </a:t>
+            </a:r>
+            <a:r>
+              <a:rPr lang="en-IE" sz="2400" b="0" dirty="0">
+                <a:solidFill>
+                  <a:srgbClr val="0070C0"/>
+                </a:solidFill>
+                <a:effectLst/>
+                <a:latin typeface="Calibri" panose="020F0502020204030204" pitchFamily="34" charset="0"/>
+                <a:ea typeface="Calibri" panose="020F0502020204030204" pitchFamily="34" charset="0"/>
+                <a:cs typeface="Times New Roman" panose="02020603050405020304" pitchFamily="18" charset="0"/>
+              </a:rPr>
+              <a:t>[independent nominal variable] and [independent nominal variable?]</a:t>
+            </a:r>
+            <a:r>
+              <a:rPr lang="en-IE" sz="2400" b="0" dirty="0">
+                <a:effectLst/>
+                <a:latin typeface="Calibri" panose="020F0502020204030204" pitchFamily="34" charset="0"/>
+                <a:ea typeface="Calibri" panose="020F0502020204030204" pitchFamily="34" charset="0"/>
+                <a:cs typeface="Times New Roman" panose="02020603050405020304" pitchFamily="18" charset="0"/>
+              </a:rPr>
+              <a:t>”.</a:t>
+            </a:r>
+            <a:br>
+              <a:rPr lang="en-GB" sz="2400" b="0" dirty="0">
+                <a:effectLst/>
+                <a:latin typeface="Calibri" panose="020F0502020204030204" pitchFamily="34" charset="0"/>
+                <a:ea typeface="Calibri" panose="020F0502020204030204" pitchFamily="34" charset="0"/>
+                <a:cs typeface="Times New Roman" panose="02020603050405020304" pitchFamily="18" charset="0"/>
+              </a:rPr>
+            </a:br>
+            <a:br>
+              <a:rPr lang="en-IE" sz="2400" dirty="0">
+                <a:solidFill>
+                  <a:srgbClr val="000000"/>
+                </a:solidFill>
+                <a:effectLst/>
+                <a:latin typeface="Calibri" panose="020F0502020204030204" pitchFamily="34" charset="0"/>
+                <a:ea typeface="Calibri" panose="020F0502020204030204" pitchFamily="34" charset="0"/>
+                <a:cs typeface="Times New Roman" panose="02020603050405020304" pitchFamily="18" charset="0"/>
+              </a:rPr>
+            </a:br>
+            <a:r>
+              <a:rPr lang="en-IE" sz="2400" dirty="0">
+                <a:solidFill>
+                  <a:srgbClr val="000000"/>
+                </a:solidFill>
+                <a:effectLst/>
+                <a:latin typeface="Calibri" panose="020F0502020204030204" pitchFamily="34" charset="0"/>
+                <a:ea typeface="Calibri" panose="020F0502020204030204" pitchFamily="34" charset="0"/>
+                <a:cs typeface="Times New Roman" panose="02020603050405020304" pitchFamily="18" charset="0"/>
+              </a:rPr>
+              <a:t>Template </a:t>
+            </a:r>
+            <a:r>
+              <a:rPr lang="en-IE" sz="2400" baseline="30000" dirty="0">
+                <a:solidFill>
+                  <a:srgbClr val="000000"/>
+                </a:solidFill>
+                <a:effectLst/>
+                <a:latin typeface="Calibri" panose="020F0502020204030204" pitchFamily="34" charset="0"/>
+                <a:ea typeface="Calibri" panose="020F0502020204030204" pitchFamily="34" charset="0"/>
+                <a:cs typeface="Times New Roman" panose="02020603050405020304" pitchFamily="18" charset="0"/>
+              </a:rPr>
+              <a:t>3</a:t>
+            </a:r>
+            <a:r>
+              <a:rPr lang="en-IE" sz="2400" dirty="0">
+                <a:solidFill>
+                  <a:srgbClr val="000000"/>
+                </a:solidFill>
+                <a:effectLst/>
+                <a:latin typeface="Calibri" panose="020F0502020204030204" pitchFamily="34" charset="0"/>
+                <a:ea typeface="Calibri" panose="020F0502020204030204" pitchFamily="34" charset="0"/>
+                <a:cs typeface="Times New Roman" panose="02020603050405020304" pitchFamily="18" charset="0"/>
+              </a:rPr>
+              <a:t>:  </a:t>
+            </a:r>
+            <a:r>
+              <a:rPr lang="en-IE" sz="2400" b="0" dirty="0">
+                <a:solidFill>
+                  <a:srgbClr val="000000"/>
+                </a:solidFill>
+                <a:effectLst/>
+                <a:latin typeface="Calibri" panose="020F0502020204030204" pitchFamily="34" charset="0"/>
+                <a:ea typeface="Calibri" panose="020F0502020204030204" pitchFamily="34" charset="0"/>
+                <a:cs typeface="Times New Roman" panose="02020603050405020304" pitchFamily="18" charset="0"/>
+              </a:rPr>
+              <a:t>Nominal vs Nominal  data (frequencies): “</a:t>
+            </a:r>
+            <a:r>
+              <a:rPr lang="en-IE" sz="2400" b="0" dirty="0">
+                <a:effectLst/>
+                <a:latin typeface="Calibri" panose="020F0502020204030204" pitchFamily="34" charset="0"/>
+                <a:ea typeface="Calibri" panose="020F0502020204030204" pitchFamily="34" charset="0"/>
+                <a:cs typeface="Times New Roman" panose="02020603050405020304" pitchFamily="18" charset="0"/>
+              </a:rPr>
+              <a:t>Is there a difference in proportions of </a:t>
+            </a:r>
+            <a:r>
+              <a:rPr lang="en-IE" sz="2400" b="0" dirty="0">
+                <a:solidFill>
+                  <a:srgbClr val="0070C0"/>
+                </a:solidFill>
+                <a:effectLst/>
+                <a:latin typeface="Calibri" panose="020F0502020204030204" pitchFamily="34" charset="0"/>
+                <a:ea typeface="Calibri" panose="020F0502020204030204" pitchFamily="34" charset="0"/>
+                <a:cs typeface="Times New Roman" panose="02020603050405020304" pitchFamily="18" charset="0"/>
+              </a:rPr>
+              <a:t>[dependent nominal variable] </a:t>
+            </a:r>
+            <a:r>
+              <a:rPr lang="en-IE" sz="2400" b="0" dirty="0">
+                <a:effectLst/>
+                <a:latin typeface="Calibri" panose="020F0502020204030204" pitchFamily="34" charset="0"/>
+                <a:ea typeface="Calibri" panose="020F0502020204030204" pitchFamily="34" charset="0"/>
+                <a:cs typeface="Times New Roman" panose="02020603050405020304" pitchFamily="18" charset="0"/>
+              </a:rPr>
+              <a:t>between </a:t>
+            </a:r>
+            <a:r>
+              <a:rPr lang="en-IE" sz="2400" b="0" dirty="0">
+                <a:solidFill>
+                  <a:srgbClr val="0070C0"/>
+                </a:solidFill>
+                <a:effectLst/>
+                <a:latin typeface="Calibri" panose="020F0502020204030204" pitchFamily="34" charset="0"/>
+                <a:ea typeface="Calibri" panose="020F0502020204030204" pitchFamily="34" charset="0"/>
+                <a:cs typeface="Times New Roman" panose="02020603050405020304" pitchFamily="18" charset="0"/>
+              </a:rPr>
+              <a:t>[independent nominal variable] </a:t>
+            </a:r>
+            <a:r>
+              <a:rPr lang="en-IE" sz="2400" b="0" dirty="0">
+                <a:effectLst/>
+                <a:latin typeface="Calibri" panose="020F0502020204030204" pitchFamily="34" charset="0"/>
+                <a:ea typeface="Calibri" panose="020F0502020204030204" pitchFamily="34" charset="0"/>
+                <a:cs typeface="Times New Roman" panose="02020603050405020304" pitchFamily="18" charset="0"/>
+              </a:rPr>
+              <a:t>and </a:t>
+            </a:r>
+            <a:r>
+              <a:rPr lang="en-IE" sz="2400" b="0" dirty="0">
+                <a:solidFill>
+                  <a:srgbClr val="0070C0"/>
+                </a:solidFill>
+                <a:effectLst/>
+                <a:latin typeface="Calibri" panose="020F0502020204030204" pitchFamily="34" charset="0"/>
+                <a:ea typeface="Calibri" panose="020F0502020204030204" pitchFamily="34" charset="0"/>
+                <a:cs typeface="Times New Roman" panose="02020603050405020304" pitchFamily="18" charset="0"/>
+              </a:rPr>
+              <a:t>[independent nominal variable]?”</a:t>
+            </a:r>
+            <a:br>
+              <a:rPr lang="en-GB" sz="2400" dirty="0">
+                <a:effectLst/>
+                <a:latin typeface="Calibri" panose="020F0502020204030204" pitchFamily="34" charset="0"/>
+                <a:ea typeface="Calibri" panose="020F0502020204030204" pitchFamily="34" charset="0"/>
+                <a:cs typeface="Times New Roman" panose="02020603050405020304" pitchFamily="18" charset="0"/>
+              </a:rPr>
+            </a:br>
+            <a:endParaRPr lang="en-GB" sz="2400" dirty="0">
+              <a:solidFill>
+                <a:srgbClr val="FF0000"/>
+              </a:solidFill>
+            </a:endParaRPr>
+          </a:p>
+        </p:txBody>
+      </p:sp>
+      <p:sp>
+        <p:nvSpPr>
+          <p:cNvPr id="7" name="TextBox 6">
+            <a:extLst>
+              <a:ext uri="{FF2B5EF4-FFF2-40B4-BE49-F238E27FC236}">
+                <a16:creationId xmlns:a16="http://schemas.microsoft.com/office/drawing/2014/main" id="{F7FEA660-7B39-BC91-3B96-7298CCF66DE1}"/>
+              </a:ext>
+            </a:extLst>
+          </p:cNvPr>
+          <p:cNvSpPr txBox="1"/>
+          <p:nvPr/>
+        </p:nvSpPr>
+        <p:spPr>
+          <a:xfrm>
+            <a:off x="623945" y="5297755"/>
+            <a:ext cx="11440040" cy="1477328"/>
+          </a:xfrm>
+          <a:prstGeom prst="rect">
+            <a:avLst/>
+          </a:prstGeom>
+          <a:solidFill>
+            <a:schemeClr val="bg1">
+              <a:lumMod val="95000"/>
+            </a:schemeClr>
+          </a:solidFill>
+        </p:spPr>
+        <p:txBody>
+          <a:bodyPr wrap="square" lIns="91440" tIns="45720" rIns="91440" bIns="45720" rtlCol="0" anchor="t">
+            <a:spAutoFit/>
+          </a:bodyPr>
+          <a:lstStyle/>
+          <a:p>
+            <a:r>
+              <a:rPr lang="en-GB" baseline="30000" dirty="0"/>
+              <a:t>1</a:t>
+            </a:r>
+            <a:r>
+              <a:rPr lang="en-GB" b="1" dirty="0">
+                <a:latin typeface="Calibri"/>
+                <a:cs typeface="Calibri"/>
+              </a:rPr>
+              <a:t>Correlation</a:t>
+            </a:r>
+            <a:r>
+              <a:rPr lang="en-GB" dirty="0"/>
+              <a:t> (</a:t>
+            </a:r>
+            <a:r>
+              <a:rPr lang="en-IE" sz="1800" dirty="0">
+                <a:effectLst/>
+                <a:latin typeface="Calibri"/>
+                <a:ea typeface="Calibri" panose="020F0502020204030204" pitchFamily="34" charset="0"/>
+                <a:cs typeface="Times New Roman"/>
+              </a:rPr>
+              <a:t>Analysis of how </a:t>
+            </a:r>
+            <a:r>
+              <a:rPr lang="en-IE" sz="1800" dirty="0">
+                <a:solidFill>
+                  <a:srgbClr val="FF0000"/>
+                </a:solidFill>
+                <a:effectLst/>
+                <a:latin typeface="Calibri"/>
+                <a:ea typeface="Calibri" panose="020F0502020204030204" pitchFamily="34" charset="0"/>
+                <a:cs typeface="Times New Roman"/>
+              </a:rPr>
+              <a:t>ordinal</a:t>
+            </a:r>
+            <a:r>
+              <a:rPr lang="en-IE" dirty="0">
+                <a:solidFill>
+                  <a:srgbClr val="FF0000"/>
+                </a:solidFill>
+                <a:latin typeface="Calibri"/>
+                <a:ea typeface="Calibri" panose="020F0502020204030204" pitchFamily="34" charset="0"/>
+                <a:cs typeface="Times New Roman"/>
+              </a:rPr>
+              <a:t>/</a:t>
+            </a:r>
+            <a:r>
+              <a:rPr lang="en-IE" sz="1800" dirty="0">
+                <a:solidFill>
+                  <a:srgbClr val="FF0000"/>
+                </a:solidFill>
+                <a:effectLst/>
+                <a:latin typeface="Calibri"/>
+                <a:ea typeface="Calibri" panose="020F0502020204030204" pitchFamily="34" charset="0"/>
+                <a:cs typeface="Times New Roman"/>
+              </a:rPr>
+              <a:t>interval </a:t>
+            </a:r>
+            <a:r>
+              <a:rPr lang="en-IE" sz="1800" dirty="0">
+                <a:solidFill>
+                  <a:srgbClr val="00B050"/>
+                </a:solidFill>
+                <a:effectLst/>
+                <a:latin typeface="Calibri"/>
+                <a:ea typeface="Calibri" panose="020F0502020204030204" pitchFamily="34" charset="0"/>
+                <a:cs typeface="Times New Roman"/>
+              </a:rPr>
+              <a:t>dependent var</a:t>
+            </a:r>
+            <a:r>
+              <a:rPr lang="en-IE" sz="1800" dirty="0">
+                <a:effectLst/>
+                <a:latin typeface="Calibri"/>
+                <a:ea typeface="Calibri" panose="020F0502020204030204" pitchFamily="34" charset="0"/>
+                <a:cs typeface="Times New Roman"/>
+              </a:rPr>
+              <a:t> </a:t>
+            </a:r>
+            <a:r>
+              <a:rPr lang="en-IE" dirty="0">
+                <a:latin typeface="Calibri"/>
+                <a:ea typeface="Calibri" panose="020F0502020204030204" pitchFamily="34" charset="0"/>
+                <a:cs typeface="Times New Roman"/>
+              </a:rPr>
+              <a:t>correlates </a:t>
+            </a:r>
+            <a:r>
+              <a:rPr lang="en-IE" sz="1800" dirty="0">
+                <a:effectLst/>
+                <a:latin typeface="Calibri"/>
+                <a:ea typeface="Calibri" panose="020F0502020204030204" pitchFamily="34" charset="0"/>
+                <a:cs typeface="Times New Roman"/>
+              </a:rPr>
+              <a:t>to an </a:t>
+            </a:r>
+            <a:r>
+              <a:rPr lang="en-IE" sz="1800" dirty="0">
+                <a:solidFill>
+                  <a:srgbClr val="FF0000"/>
+                </a:solidFill>
+                <a:effectLst/>
+                <a:latin typeface="Calibri"/>
+                <a:ea typeface="Calibri" panose="020F0502020204030204" pitchFamily="34" charset="0"/>
+                <a:cs typeface="Times New Roman"/>
+              </a:rPr>
+              <a:t>ordinal/interval </a:t>
+            </a:r>
+            <a:r>
+              <a:rPr lang="en-IE" sz="1800" dirty="0">
+                <a:solidFill>
+                  <a:srgbClr val="00B050"/>
+                </a:solidFill>
+                <a:effectLst/>
+                <a:latin typeface="Calibri"/>
+                <a:ea typeface="Calibri" panose="020F0502020204030204" pitchFamily="34" charset="0"/>
+                <a:cs typeface="Times New Roman"/>
+              </a:rPr>
+              <a:t>independent variable)</a:t>
+            </a:r>
+            <a:endParaRPr lang="en-GB" dirty="0">
+              <a:latin typeface="Calibri"/>
+              <a:cs typeface="Times New Roman"/>
+            </a:endParaRPr>
+          </a:p>
+          <a:p>
+            <a:r>
+              <a:rPr lang="en-IE" sz="1800" b="1" baseline="30000" dirty="0">
+                <a:effectLst/>
+                <a:latin typeface="Calibri" panose="020F0502020204030204" pitchFamily="34" charset="0"/>
+                <a:ea typeface="Calibri" panose="020F0502020204030204" pitchFamily="34" charset="0"/>
+                <a:cs typeface="Times New Roman" panose="02020603050405020304" pitchFamily="18" charset="0"/>
+              </a:rPr>
+              <a:t>2</a:t>
+            </a:r>
+            <a:r>
+              <a:rPr lang="en-IE" sz="1800" b="1" dirty="0">
+                <a:effectLst/>
+                <a:latin typeface="Calibri" panose="020F0502020204030204" pitchFamily="34" charset="0"/>
+                <a:ea typeface="Calibri" panose="020F0502020204030204" pitchFamily="34" charset="0"/>
+                <a:cs typeface="Times New Roman" panose="02020603050405020304" pitchFamily="18" charset="0"/>
+              </a:rPr>
+              <a:t>Comparison of means</a:t>
+            </a:r>
+            <a:r>
+              <a:rPr lang="en-IE" sz="1800" dirty="0">
+                <a:effectLst/>
+                <a:latin typeface="Calibri" panose="020F0502020204030204" pitchFamily="34" charset="0"/>
+                <a:ea typeface="Calibri" panose="020F0502020204030204" pitchFamily="34" charset="0"/>
+                <a:cs typeface="Times New Roman" panose="02020603050405020304" pitchFamily="18" charset="0"/>
+              </a:rPr>
+              <a:t> (or medians): Analysis of the difference between the mean (or median) value of a characteristic shared by members of two different populations.</a:t>
+            </a:r>
+          </a:p>
+          <a:p>
+            <a:r>
+              <a:rPr lang="en-IE" sz="1800" b="1" baseline="30000" dirty="0">
+                <a:effectLst/>
+                <a:latin typeface="Calibri" panose="020F0502020204030204" pitchFamily="34" charset="0"/>
+                <a:ea typeface="Calibri" panose="020F0502020204030204" pitchFamily="34" charset="0"/>
+                <a:cs typeface="Times New Roman" panose="02020603050405020304" pitchFamily="18" charset="0"/>
+              </a:rPr>
+              <a:t>3</a:t>
+            </a:r>
+            <a:r>
+              <a:rPr lang="en-IE" sz="1800" b="1" dirty="0">
+                <a:effectLst/>
+                <a:latin typeface="Calibri" panose="020F0502020204030204" pitchFamily="34" charset="0"/>
+                <a:ea typeface="Calibri" panose="020F0502020204030204" pitchFamily="34" charset="0"/>
+                <a:cs typeface="Times New Roman" panose="02020603050405020304" pitchFamily="18" charset="0"/>
+              </a:rPr>
+              <a:t>Comparison of proportions:</a:t>
+            </a:r>
+            <a:r>
+              <a:rPr lang="en-IE" sz="1800" dirty="0">
+                <a:effectLst/>
+                <a:latin typeface="Calibri" panose="020F0502020204030204" pitchFamily="34" charset="0"/>
+                <a:ea typeface="Calibri" panose="020F0502020204030204" pitchFamily="34" charset="0"/>
+                <a:cs typeface="Times New Roman" panose="02020603050405020304" pitchFamily="18" charset="0"/>
+              </a:rPr>
+              <a:t> Analysis of the difference in proportions of a characteristic shared by members of two different populations. </a:t>
+            </a:r>
+            <a:endParaRPr lang="en-GB" dirty="0"/>
           </a:p>
         </p:txBody>
       </p:sp>
     </p:spTree>
     <p:extLst>
       <p:ext uri="{BB962C8B-B14F-4D97-AF65-F5344CB8AC3E}">
-        <p14:creationId xmlns:p14="http://schemas.microsoft.com/office/powerpoint/2010/main" val="790521066"/>
+        <p14:creationId xmlns:p14="http://schemas.microsoft.com/office/powerpoint/2010/main" val="32494612"/>
       </p:ext>
     </p:extLst>
   </p:cSld>
@@ -5313,7 +6239,7 @@
           <p:cNvPr id="2" name="Subtitle 1">
             <a:extLst>
               <a:ext uri="{FF2B5EF4-FFF2-40B4-BE49-F238E27FC236}">
-                <a16:creationId xmlns:a16="http://schemas.microsoft.com/office/drawing/2014/main" id="{CEC83CBA-09B2-4582-93D4-245FAF063B89}"/>
+                <a16:creationId xmlns:a16="http://schemas.microsoft.com/office/drawing/2014/main" id="{DADAB720-117B-482A-8DB4-A7D665A25175}"/>
               </a:ext>
             </a:extLst>
           </p:cNvPr>
@@ -5324,19 +6250,14 @@
             <p:ph type="subTitle" idx="1"/>
           </p:nvPr>
         </p:nvSpPr>
-        <p:spPr>
-          <a:xfrm>
-            <a:off x="387943" y="1359598"/>
-            <a:ext cx="7200000" cy="360000"/>
-          </a:xfrm>
-        </p:spPr>
+        <p:spPr/>
         <p:txBody>
           <a:bodyPr/>
           <a:lstStyle/>
           <a:p>
             <a:r>
               <a:rPr lang="en-GB" dirty="0"/>
-              <a:t>Dataset Snippet:</a:t>
+              <a:t>Our Research Question is:</a:t>
             </a:r>
           </a:p>
         </p:txBody>
@@ -5346,7 +6267,7 @@
           <p:cNvPr id="3" name="Footer Placeholder 2">
             <a:extLst>
               <a:ext uri="{FF2B5EF4-FFF2-40B4-BE49-F238E27FC236}">
-                <a16:creationId xmlns:a16="http://schemas.microsoft.com/office/drawing/2014/main" id="{2F30EC65-7F1A-4522-B2B5-74EFC4EEE9BD}"/>
+                <a16:creationId xmlns:a16="http://schemas.microsoft.com/office/drawing/2014/main" id="{D2FFFBBC-8447-4D06-968C-5E4627FBED90}"/>
               </a:ext>
             </a:extLst>
           </p:cNvPr>
@@ -5375,7 +6296,7 @@
           <p:cNvPr id="4" name="Slide Number Placeholder 3">
             <a:extLst>
               <a:ext uri="{FF2B5EF4-FFF2-40B4-BE49-F238E27FC236}">
-                <a16:creationId xmlns:a16="http://schemas.microsoft.com/office/drawing/2014/main" id="{345D6EA0-8E0A-4F05-91F8-C87364F97022}"/>
+                <a16:creationId xmlns:a16="http://schemas.microsoft.com/office/drawing/2014/main" id="{44672B0E-77BB-47B8-9666-BD59D7BAB3B8}"/>
               </a:ext>
             </a:extLst>
           </p:cNvPr>
@@ -5405,7 +6326,7 @@
           <p:cNvPr id="5" name="Title 4">
             <a:extLst>
               <a:ext uri="{FF2B5EF4-FFF2-40B4-BE49-F238E27FC236}">
-                <a16:creationId xmlns:a16="http://schemas.microsoft.com/office/drawing/2014/main" id="{95CC68B0-41A7-4FCB-B9ED-E73C84F59FED}"/>
+                <a16:creationId xmlns:a16="http://schemas.microsoft.com/office/drawing/2014/main" id="{F355DC64-F4B7-423B-90D1-A286C35E7CA6}"/>
               </a:ext>
             </a:extLst>
           </p:cNvPr>
@@ -5421,50 +6342,14 @@
           <a:bodyPr/>
           <a:lstStyle/>
           <a:p>
-            <a:endParaRPr lang="en-GB" dirty="0"/>
-          </a:p>
-        </p:txBody>
-      </p:sp>
-      <p:pic>
-        <p:nvPicPr>
-          <p:cNvPr id="7" name="Picture 6" descr="A screenshot of a computer&#10;&#10;Description automatically generated">
-            <a:extLst>
-              <a:ext uri="{FF2B5EF4-FFF2-40B4-BE49-F238E27FC236}">
-                <a16:creationId xmlns:a16="http://schemas.microsoft.com/office/drawing/2014/main" id="{A96772F1-C1E8-4E51-BEB2-943B7F6FE176}"/>
-              </a:ext>
-            </a:extLst>
-          </p:cNvPr>
-          <p:cNvPicPr>
-            <a:picLocks noChangeAspect="1"/>
-          </p:cNvPicPr>
-          <p:nvPr/>
-        </p:nvPicPr>
-        <p:blipFill>
-          <a:blip r:embed="rId2">
-            <a:extLst>
-              <a:ext uri="{28A0092B-C50C-407E-A947-70E740481C1C}">
-                <a14:useLocalDpi xmlns:a14="http://schemas.microsoft.com/office/drawing/2010/main" val="0"/>
-              </a:ext>
-            </a:extLst>
-          </a:blip>
-          <a:stretch>
-            <a:fillRect/>
-          </a:stretch>
-        </p:blipFill>
-        <p:spPr>
-          <a:xfrm>
-            <a:off x="89649" y="2061971"/>
-            <a:ext cx="12012701" cy="2734057"/>
-          </a:xfrm>
-          <a:prstGeom prst="rect">
-            <a:avLst/>
-          </a:prstGeom>
-        </p:spPr>
-      </p:pic>
+            <a:endParaRPr lang="en-GB"/>
+          </a:p>
+        </p:txBody>
+      </p:sp>
     </p:spTree>
     <p:extLst>
       <p:ext uri="{BB962C8B-B14F-4D97-AF65-F5344CB8AC3E}">
-        <p14:creationId xmlns:p14="http://schemas.microsoft.com/office/powerpoint/2010/main" val="594719692"/>
+        <p14:creationId xmlns:p14="http://schemas.microsoft.com/office/powerpoint/2010/main" val="644063045"/>
       </p:ext>
     </p:extLst>
   </p:cSld>
@@ -5475,1145 +6360,6 @@
 </file>
 
 <file path=ppt/slides/slide6.xml><?xml version="1.0" encoding="utf-8"?>
-<p:sld xmlns:a="http://schemas.openxmlformats.org/drawingml/2006/main" xmlns:r="http://schemas.openxmlformats.org/officeDocument/2006/relationships" xmlns:p="http://schemas.openxmlformats.org/presentationml/2006/main">
-  <p:cSld>
-    <p:spTree>
-      <p:nvGrpSpPr>
-        <p:cNvPr id="1" name=""/>
-        <p:cNvGrpSpPr/>
-        <p:nvPr/>
-      </p:nvGrpSpPr>
-      <p:grpSpPr>
-        <a:xfrm>
-          <a:off x="0" y="0"/>
-          <a:ext cx="0" cy="0"/>
-          <a:chOff x="0" y="0"/>
-          <a:chExt cx="0" cy="0"/>
-        </a:xfrm>
-      </p:grpSpPr>
-      <p:sp>
-        <p:nvSpPr>
-          <p:cNvPr id="2" name="Subtitle 1">
-            <a:extLst>
-              <a:ext uri="{FF2B5EF4-FFF2-40B4-BE49-F238E27FC236}">
-                <a16:creationId xmlns:a16="http://schemas.microsoft.com/office/drawing/2014/main" id="{7D9D8228-727F-1E46-B5AD-91D158B8255E}"/>
-              </a:ext>
-            </a:extLst>
-          </p:cNvPr>
-          <p:cNvSpPr>
-            <a:spLocks noGrp="1"/>
-          </p:cNvSpPr>
-          <p:nvPr>
-            <p:ph type="subTitle" idx="1"/>
-          </p:nvPr>
-        </p:nvSpPr>
-        <p:spPr>
-          <a:xfrm>
-            <a:off x="965288" y="1285092"/>
-            <a:ext cx="10110240" cy="588024"/>
-          </a:xfrm>
-        </p:spPr>
-        <p:txBody>
-          <a:bodyPr vert="horz" lIns="0" tIns="0" rIns="0" bIns="0" rtlCol="0" anchor="t">
-            <a:noAutofit/>
-          </a:bodyPr>
-          <a:lstStyle/>
-          <a:p>
-            <a:r>
-              <a:rPr lang="en-US" dirty="0"/>
-              <a:t>Dataset </a:t>
-            </a:r>
-            <a:r>
-              <a:rPr lang="en-US" dirty="0">
-                <a:solidFill>
-                  <a:srgbClr val="203232"/>
-                </a:solidFill>
-              </a:rPr>
-              <a:t>ID</a:t>
-            </a:r>
-            <a:r>
-              <a:rPr lang="en-US" sz="1600" dirty="0">
-                <a:solidFill>
-                  <a:srgbClr val="FF0000"/>
-                </a:solidFill>
-              </a:rPr>
-              <a:t>:   </a:t>
-            </a:r>
-            <a:r>
-              <a:rPr lang="en-US" sz="2400" dirty="0">
-                <a:solidFill>
-                  <a:srgbClr val="FF0000"/>
-                </a:solidFill>
-              </a:rPr>
-              <a:t>(DS307 NCAA Men 538 team ratings)</a:t>
-            </a:r>
-          </a:p>
-        </p:txBody>
-      </p:sp>
-      <p:sp>
-        <p:nvSpPr>
-          <p:cNvPr id="3" name="Footer Placeholder 2">
-            <a:extLst>
-              <a:ext uri="{FF2B5EF4-FFF2-40B4-BE49-F238E27FC236}">
-                <a16:creationId xmlns:a16="http://schemas.microsoft.com/office/drawing/2014/main" id="{00EBC183-8AA5-EC44-9987-D65F5C1892A1}"/>
-              </a:ext>
-            </a:extLst>
-          </p:cNvPr>
-          <p:cNvSpPr>
-            <a:spLocks noGrp="1"/>
-          </p:cNvSpPr>
-          <p:nvPr>
-            <p:ph type="ftr" sz="quarter" idx="11"/>
-          </p:nvPr>
-        </p:nvSpPr>
-        <p:spPr>
-          <a:xfrm>
-            <a:off x="965288" y="791022"/>
-            <a:ext cx="9129687" cy="230832"/>
-          </a:xfrm>
-        </p:spPr>
-        <p:txBody>
-          <a:bodyPr/>
-          <a:lstStyle/>
-          <a:p>
-            <a:r>
-              <a:rPr lang="en-GB" dirty="0"/>
-              <a:t>7COM1079-2024  Student Group No: A315</a:t>
-            </a:r>
-            <a:br>
-              <a:rPr lang="en-GB" dirty="0"/>
-            </a:br>
-            <a:endParaRPr lang="en-GB" dirty="0"/>
-          </a:p>
-        </p:txBody>
-      </p:sp>
-      <p:sp>
-        <p:nvSpPr>
-          <p:cNvPr id="4" name="Slide Number Placeholder 3">
-            <a:extLst>
-              <a:ext uri="{FF2B5EF4-FFF2-40B4-BE49-F238E27FC236}">
-                <a16:creationId xmlns:a16="http://schemas.microsoft.com/office/drawing/2014/main" id="{CC9D9611-42EE-7840-81EE-DD6B1A99CD7B}"/>
-              </a:ext>
-            </a:extLst>
-          </p:cNvPr>
-          <p:cNvSpPr>
-            <a:spLocks noGrp="1"/>
-          </p:cNvSpPr>
-          <p:nvPr>
-            <p:ph type="sldNum" sz="quarter" idx="12"/>
-          </p:nvPr>
-        </p:nvSpPr>
-        <p:spPr>
-          <a:xfrm>
-            <a:off x="10954512" y="555565"/>
-            <a:ext cx="622800" cy="230832"/>
-          </a:xfrm>
-        </p:spPr>
-        <p:txBody>
-          <a:bodyPr/>
-          <a:lstStyle/>
-          <a:p>
-            <a:r>
-              <a:rPr lang="en-US" dirty="0"/>
-              <a:t>2</a:t>
-            </a:r>
-            <a:endParaRPr lang="en-GB" dirty="0"/>
-          </a:p>
-        </p:txBody>
-      </p:sp>
-      <p:sp>
-        <p:nvSpPr>
-          <p:cNvPr id="5" name="Title 4">
-            <a:extLst>
-              <a:ext uri="{FF2B5EF4-FFF2-40B4-BE49-F238E27FC236}">
-                <a16:creationId xmlns:a16="http://schemas.microsoft.com/office/drawing/2014/main" id="{B3FA3829-F12C-214D-8FBA-7E1A740F65CA}"/>
-              </a:ext>
-            </a:extLst>
-          </p:cNvPr>
-          <p:cNvSpPr>
-            <a:spLocks noGrp="1"/>
-          </p:cNvSpPr>
-          <p:nvPr>
-            <p:ph type="ctrTitle"/>
-          </p:nvPr>
-        </p:nvSpPr>
-        <p:spPr>
-          <a:xfrm>
-            <a:off x="965288" y="1698305"/>
-            <a:ext cx="10974945" cy="2699181"/>
-          </a:xfrm>
-        </p:spPr>
-        <p:txBody>
-          <a:bodyPr>
-            <a:noAutofit/>
-          </a:bodyPr>
-          <a:lstStyle/>
-          <a:p>
-            <a:pPr>
-              <a:lnSpc>
-                <a:spcPct val="100000"/>
-              </a:lnSpc>
-            </a:pPr>
-            <a:r>
-              <a:rPr lang="en-US" sz="2400" b="0" dirty="0">
-                <a:latin typeface="Calibri"/>
-                <a:cs typeface="Calibri"/>
-              </a:rPr>
-              <a:t>This dataset is interesting to us because : </a:t>
-            </a:r>
-            <a:br>
-              <a:rPr lang="en-US" sz="2400" b="0" dirty="0">
-                <a:latin typeface="Calibri" panose="020F0502020204030204" pitchFamily="34" charset="0"/>
-                <a:cs typeface="Calibri" panose="020F0502020204030204" pitchFamily="34" charset="0"/>
-              </a:rPr>
-            </a:br>
-            <a:br>
-              <a:rPr lang="en-US" sz="2400" b="0" dirty="0">
-                <a:latin typeface="Calibri" panose="020F0502020204030204" pitchFamily="34" charset="0"/>
-                <a:cs typeface="Calibri" panose="020F0502020204030204" pitchFamily="34" charset="0"/>
-              </a:rPr>
-            </a:br>
-            <a:r>
-              <a:rPr lang="en-US" sz="2400" b="0" dirty="0">
-                <a:latin typeface="Calibri"/>
-                <a:cs typeface="Calibri"/>
-              </a:rPr>
-              <a:t>Our  Independent variable is: </a:t>
-            </a:r>
-            <a:r>
-              <a:rPr lang="en-US" sz="2400" b="0" dirty="0" err="1">
-                <a:latin typeface="Calibri"/>
-                <a:cs typeface="Calibri"/>
-              </a:rPr>
-              <a:t>TeamID</a:t>
-            </a:r>
-            <a:br>
-              <a:rPr lang="en-US" sz="2400" b="0" dirty="0">
-                <a:latin typeface="Calibri" panose="020F0502020204030204" pitchFamily="34" charset="0"/>
-                <a:cs typeface="Calibri" panose="020F0502020204030204" pitchFamily="34" charset="0"/>
-              </a:rPr>
-            </a:br>
-            <a:r>
-              <a:rPr lang="en-US" sz="2400" b="0" dirty="0">
-                <a:solidFill>
-                  <a:srgbClr val="FF0000"/>
-                </a:solidFill>
-                <a:latin typeface="Calibri"/>
-                <a:cs typeface="Calibri"/>
-              </a:rPr>
-              <a:t>                   </a:t>
-            </a:r>
-            <a:r>
-              <a:rPr lang="en-US" sz="2400" b="0" dirty="0">
-                <a:latin typeface="Calibri"/>
-                <a:cs typeface="Calibri"/>
-              </a:rPr>
-              <a:t>This  Independent variable datatype is (select one): Categorial  </a:t>
-            </a:r>
-            <a:br>
-              <a:rPr lang="en-US" sz="2400" b="0" dirty="0">
-                <a:solidFill>
-                  <a:srgbClr val="FF0000"/>
-                </a:solidFill>
-                <a:latin typeface="Calibri"/>
-                <a:cs typeface="Calibri"/>
-              </a:rPr>
-            </a:br>
-            <a:r>
-              <a:rPr lang="en-US" sz="2400" b="0" dirty="0">
-                <a:latin typeface="Calibri"/>
-                <a:cs typeface="Calibri"/>
-              </a:rPr>
-              <a:t>Our Dependent variable is: 538Rating</a:t>
-            </a:r>
-            <a:br>
-              <a:rPr lang="en-US" sz="2400" b="0" dirty="0">
-                <a:latin typeface="Calibri" panose="020F0502020204030204" pitchFamily="34" charset="0"/>
-                <a:cs typeface="Calibri" panose="020F0502020204030204" pitchFamily="34" charset="0"/>
-              </a:rPr>
-            </a:br>
-            <a:r>
-              <a:rPr lang="en-US" sz="2400" b="0" dirty="0">
-                <a:solidFill>
-                  <a:srgbClr val="FF0000"/>
-                </a:solidFill>
-                <a:latin typeface="Calibri"/>
-                <a:cs typeface="Calibri"/>
-              </a:rPr>
-              <a:t>                   </a:t>
-            </a:r>
-            <a:r>
-              <a:rPr lang="en-US" sz="2400" b="0" dirty="0">
-                <a:latin typeface="Calibri"/>
-                <a:cs typeface="Calibri"/>
-              </a:rPr>
-              <a:t>This Dependent variable datatype is  (select one): </a:t>
-            </a:r>
-            <a:r>
-              <a:rPr lang="en-US" sz="2400" b="0" dirty="0">
-                <a:solidFill>
-                  <a:srgbClr val="FF0000"/>
-                </a:solidFill>
-                <a:latin typeface="Calibri"/>
-                <a:cs typeface="Calibri"/>
-              </a:rPr>
-              <a:t> </a:t>
-            </a:r>
-            <a:r>
-              <a:rPr lang="en-US" sz="2400" b="0" dirty="0">
-                <a:latin typeface="Calibri"/>
-                <a:cs typeface="Calibri"/>
-              </a:rPr>
-              <a:t>Measurement data</a:t>
-            </a:r>
-          </a:p>
-        </p:txBody>
-      </p:sp>
-      <p:sp>
-        <p:nvSpPr>
-          <p:cNvPr id="6" name="TextBox 5">
-            <a:extLst>
-              <a:ext uri="{FF2B5EF4-FFF2-40B4-BE49-F238E27FC236}">
-                <a16:creationId xmlns:a16="http://schemas.microsoft.com/office/drawing/2014/main" id="{732D6C0D-D649-2AA9-7741-835F3E841A25}"/>
-              </a:ext>
-            </a:extLst>
-          </p:cNvPr>
-          <p:cNvSpPr txBox="1"/>
-          <p:nvPr/>
-        </p:nvSpPr>
-        <p:spPr>
-          <a:xfrm>
-            <a:off x="6766560" y="5385816"/>
-            <a:ext cx="4187952" cy="1200329"/>
-          </a:xfrm>
-          <a:prstGeom prst="rect">
-            <a:avLst/>
-          </a:prstGeom>
-          <a:noFill/>
-        </p:spPr>
-        <p:txBody>
-          <a:bodyPr wrap="square" rtlCol="0">
-            <a:spAutoFit/>
-          </a:bodyPr>
-          <a:lstStyle/>
-          <a:p>
-            <a:r>
-              <a:rPr lang="en-GB" dirty="0">
-                <a:solidFill>
-                  <a:schemeClr val="accent2">
-                    <a:lumMod val="75000"/>
-                  </a:schemeClr>
-                </a:solidFill>
-              </a:rPr>
-              <a:t>*For comparison of two nominal variables and for comparison of proportions you use two (or more) independent variables (see next slide)</a:t>
-            </a:r>
-          </a:p>
-        </p:txBody>
-      </p:sp>
-    </p:spTree>
-    <p:extLst>
-      <p:ext uri="{BB962C8B-B14F-4D97-AF65-F5344CB8AC3E}">
-        <p14:creationId xmlns:p14="http://schemas.microsoft.com/office/powerpoint/2010/main" val="1718004908"/>
-      </p:ext>
-    </p:extLst>
-  </p:cSld>
-  <p:clrMapOvr>
-    <a:masterClrMapping/>
-  </p:clrMapOvr>
-</p:sld>
-</file>
-
-<file path=ppt/slides/slide7.xml><?xml version="1.0" encoding="utf-8"?>
-<p:sld xmlns:a="http://schemas.openxmlformats.org/drawingml/2006/main" xmlns:r="http://schemas.openxmlformats.org/officeDocument/2006/relationships" xmlns:p="http://schemas.openxmlformats.org/presentationml/2006/main">
-  <p:cSld>
-    <p:spTree>
-      <p:nvGrpSpPr>
-        <p:cNvPr id="1" name=""/>
-        <p:cNvGrpSpPr/>
-        <p:nvPr/>
-      </p:nvGrpSpPr>
-      <p:grpSpPr>
-        <a:xfrm>
-          <a:off x="0" y="0"/>
-          <a:ext cx="0" cy="0"/>
-          <a:chOff x="0" y="0"/>
-          <a:chExt cx="0" cy="0"/>
-        </a:xfrm>
-      </p:grpSpPr>
-      <p:sp>
-        <p:nvSpPr>
-          <p:cNvPr id="2" name="Subtitle 1">
-            <a:extLst>
-              <a:ext uri="{FF2B5EF4-FFF2-40B4-BE49-F238E27FC236}">
-                <a16:creationId xmlns:a16="http://schemas.microsoft.com/office/drawing/2014/main" id="{8E3CD731-5ACF-B002-247D-243F6E2149EC}"/>
-              </a:ext>
-            </a:extLst>
-          </p:cNvPr>
-          <p:cNvSpPr>
-            <a:spLocks noGrp="1"/>
-          </p:cNvSpPr>
-          <p:nvPr>
-            <p:ph type="subTitle" idx="1"/>
-          </p:nvPr>
-        </p:nvSpPr>
-        <p:spPr>
-          <a:xfrm>
-            <a:off x="965289" y="1147638"/>
-            <a:ext cx="9753625" cy="230832"/>
-          </a:xfrm>
-        </p:spPr>
-        <p:txBody>
-          <a:bodyPr/>
-          <a:lstStyle/>
-          <a:p>
-            <a:pPr>
-              <a:spcAft>
-                <a:spcPts val="0"/>
-              </a:spcAft>
-            </a:pPr>
-            <a:r>
-              <a:rPr lang="en-GB" dirty="0"/>
-              <a:t>Our Research Question is </a:t>
-            </a:r>
-            <a:r>
-              <a:rPr lang="en-GB" sz="1800" dirty="0">
-                <a:solidFill>
-                  <a:srgbClr val="FF0000"/>
-                </a:solidFill>
-              </a:rPr>
-              <a:t>Choose ONE of the three templates below replacing the blue text with your variables – then add hypotheses as shown in next slide:</a:t>
-            </a:r>
-          </a:p>
-        </p:txBody>
-      </p:sp>
-      <p:sp>
-        <p:nvSpPr>
-          <p:cNvPr id="3" name="Footer Placeholder 2">
-            <a:extLst>
-              <a:ext uri="{FF2B5EF4-FFF2-40B4-BE49-F238E27FC236}">
-                <a16:creationId xmlns:a16="http://schemas.microsoft.com/office/drawing/2014/main" id="{3C4D431B-7665-75B0-2D73-5BD588DCB766}"/>
-              </a:ext>
-            </a:extLst>
-          </p:cNvPr>
-          <p:cNvSpPr>
-            <a:spLocks noGrp="1"/>
-          </p:cNvSpPr>
-          <p:nvPr>
-            <p:ph type="ftr" sz="quarter" idx="11"/>
-          </p:nvPr>
-        </p:nvSpPr>
-        <p:spPr/>
-        <p:txBody>
-          <a:bodyPr/>
-          <a:lstStyle/>
-          <a:p>
-            <a:r>
-              <a:rPr lang="en-GB" dirty="0"/>
-              <a:t>PRE 7COM1079-2024  Student Group No:  A315</a:t>
-            </a:r>
-          </a:p>
-        </p:txBody>
-      </p:sp>
-      <p:sp>
-        <p:nvSpPr>
-          <p:cNvPr id="4" name="Slide Number Placeholder 3">
-            <a:extLst>
-              <a:ext uri="{FF2B5EF4-FFF2-40B4-BE49-F238E27FC236}">
-                <a16:creationId xmlns:a16="http://schemas.microsoft.com/office/drawing/2014/main" id="{1625FA15-B17F-387B-E383-5505647ABB89}"/>
-              </a:ext>
-            </a:extLst>
-          </p:cNvPr>
-          <p:cNvSpPr>
-            <a:spLocks noGrp="1"/>
-          </p:cNvSpPr>
-          <p:nvPr>
-            <p:ph type="sldNum" sz="quarter" idx="12"/>
-          </p:nvPr>
-        </p:nvSpPr>
-        <p:spPr>
-          <a:xfrm>
-            <a:off x="10616400" y="791022"/>
-            <a:ext cx="622800" cy="230832"/>
-          </a:xfrm>
-        </p:spPr>
-        <p:txBody>
-          <a:bodyPr/>
-          <a:lstStyle/>
-          <a:p>
-            <a:r>
-              <a:rPr lang="en-US" dirty="0"/>
-              <a:t>3</a:t>
-            </a:r>
-            <a:endParaRPr lang="en-GB" dirty="0"/>
-          </a:p>
-        </p:txBody>
-      </p:sp>
-      <p:sp>
-        <p:nvSpPr>
-          <p:cNvPr id="5" name="Title 4">
-            <a:extLst>
-              <a:ext uri="{FF2B5EF4-FFF2-40B4-BE49-F238E27FC236}">
-                <a16:creationId xmlns:a16="http://schemas.microsoft.com/office/drawing/2014/main" id="{3440DA25-F620-152B-DE9E-776F7B74DFF0}"/>
-              </a:ext>
-            </a:extLst>
-          </p:cNvPr>
-          <p:cNvSpPr>
-            <a:spLocks noGrp="1"/>
-          </p:cNvSpPr>
-          <p:nvPr>
-            <p:ph type="ctrTitle"/>
-          </p:nvPr>
-        </p:nvSpPr>
-        <p:spPr>
-          <a:xfrm>
-            <a:off x="965289" y="1893914"/>
-            <a:ext cx="10640594" cy="2678085"/>
-          </a:xfrm>
-        </p:spPr>
-        <p:txBody>
-          <a:bodyPr>
-            <a:noAutofit/>
-          </a:bodyPr>
-          <a:lstStyle/>
-          <a:p>
-            <a:pPr>
-              <a:lnSpc>
-                <a:spcPct val="100000"/>
-              </a:lnSpc>
-            </a:pPr>
-            <a:r>
-              <a:rPr lang="en-IE" sz="2400" dirty="0">
-                <a:effectLst/>
-                <a:latin typeface="Calibri" panose="020F0502020204030204" pitchFamily="34" charset="0"/>
-                <a:ea typeface="Calibri" panose="020F0502020204030204" pitchFamily="34" charset="0"/>
-                <a:cs typeface="Times New Roman" panose="02020603050405020304" pitchFamily="18" charset="0"/>
-              </a:rPr>
-              <a:t>Template </a:t>
-            </a:r>
-            <a:r>
-              <a:rPr lang="en-IE" sz="2400" baseline="30000" dirty="0">
-                <a:effectLst/>
-                <a:latin typeface="Calibri" panose="020F0502020204030204" pitchFamily="34" charset="0"/>
-                <a:ea typeface="Calibri" panose="020F0502020204030204" pitchFamily="34" charset="0"/>
-                <a:cs typeface="Times New Roman" panose="02020603050405020304" pitchFamily="18" charset="0"/>
-              </a:rPr>
-              <a:t>1</a:t>
-            </a:r>
-            <a:r>
-              <a:rPr lang="en-IE" sz="2400" dirty="0">
-                <a:effectLst/>
-                <a:latin typeface="Calibri" panose="020F0502020204030204" pitchFamily="34" charset="0"/>
-                <a:ea typeface="Calibri" panose="020F0502020204030204" pitchFamily="34" charset="0"/>
-                <a:cs typeface="Times New Roman" panose="02020603050405020304" pitchFamily="18" charset="0"/>
-              </a:rPr>
-              <a:t>: </a:t>
-            </a:r>
-            <a:r>
-              <a:rPr lang="en-IE" sz="2400" b="0" dirty="0">
-                <a:effectLst/>
-                <a:latin typeface="Calibri" panose="020F0502020204030204" pitchFamily="34" charset="0"/>
-                <a:ea typeface="Calibri" panose="020F0502020204030204" pitchFamily="34" charset="0"/>
-                <a:cs typeface="Times New Roman" panose="02020603050405020304" pitchFamily="18" charset="0"/>
-              </a:rPr>
-              <a:t>Interval/Ordinal vs Interval/Ordinal: “Is there a correlation between </a:t>
-            </a:r>
-            <a:r>
-              <a:rPr lang="en-IE" sz="2400" b="0" dirty="0">
-                <a:solidFill>
-                  <a:srgbClr val="0070C0"/>
-                </a:solidFill>
-                <a:effectLst/>
-                <a:latin typeface="Calibri" panose="020F0502020204030204" pitchFamily="34" charset="0"/>
-                <a:ea typeface="Calibri" panose="020F0502020204030204" pitchFamily="34" charset="0"/>
-                <a:cs typeface="Times New Roman" panose="02020603050405020304" pitchFamily="18" charset="0"/>
-              </a:rPr>
-              <a:t>[dependent interval </a:t>
-            </a:r>
-            <a:r>
-              <a:rPr lang="en-IE" sz="2400" b="0" dirty="0">
-                <a:effectLst/>
-                <a:latin typeface="Calibri" panose="020F0502020204030204" pitchFamily="34" charset="0"/>
-                <a:ea typeface="Calibri" panose="020F0502020204030204" pitchFamily="34" charset="0"/>
-                <a:cs typeface="Times New Roman" panose="02020603050405020304" pitchFamily="18" charset="0"/>
-              </a:rPr>
-              <a:t>or</a:t>
-            </a:r>
-            <a:r>
-              <a:rPr lang="en-IE" sz="2400" b="0" dirty="0">
-                <a:solidFill>
-                  <a:srgbClr val="0070C0"/>
-                </a:solidFill>
-                <a:effectLst/>
-                <a:latin typeface="Calibri" panose="020F0502020204030204" pitchFamily="34" charset="0"/>
-                <a:ea typeface="Calibri" panose="020F0502020204030204" pitchFamily="34" charset="0"/>
-                <a:cs typeface="Times New Roman" panose="02020603050405020304" pitchFamily="18" charset="0"/>
-              </a:rPr>
-              <a:t> ordinal variable] </a:t>
-            </a:r>
-            <a:r>
-              <a:rPr lang="en-IE" sz="2400" b="0" dirty="0">
-                <a:effectLst/>
-                <a:latin typeface="Calibri" panose="020F0502020204030204" pitchFamily="34" charset="0"/>
-                <a:ea typeface="Calibri" panose="020F0502020204030204" pitchFamily="34" charset="0"/>
-                <a:cs typeface="Times New Roman" panose="02020603050405020304" pitchFamily="18" charset="0"/>
-              </a:rPr>
-              <a:t>and </a:t>
-            </a:r>
-            <a:r>
-              <a:rPr lang="en-IE" sz="2400" b="0" dirty="0">
-                <a:solidFill>
-                  <a:srgbClr val="0070C0"/>
-                </a:solidFill>
-                <a:effectLst/>
-                <a:latin typeface="Calibri" panose="020F0502020204030204" pitchFamily="34" charset="0"/>
-                <a:ea typeface="Calibri" panose="020F0502020204030204" pitchFamily="34" charset="0"/>
-                <a:cs typeface="Times New Roman" panose="02020603050405020304" pitchFamily="18" charset="0"/>
-              </a:rPr>
-              <a:t>[independent interval </a:t>
-            </a:r>
-            <a:r>
-              <a:rPr lang="en-IE" sz="2400" b="0" dirty="0">
-                <a:effectLst/>
-                <a:latin typeface="Calibri" panose="020F0502020204030204" pitchFamily="34" charset="0"/>
-                <a:ea typeface="Calibri" panose="020F0502020204030204" pitchFamily="34" charset="0"/>
-                <a:cs typeface="Times New Roman" panose="02020603050405020304" pitchFamily="18" charset="0"/>
-              </a:rPr>
-              <a:t>or</a:t>
-            </a:r>
-            <a:r>
-              <a:rPr lang="en-IE" sz="2400" b="0" dirty="0">
-                <a:solidFill>
-                  <a:srgbClr val="0070C0"/>
-                </a:solidFill>
-                <a:effectLst/>
-                <a:latin typeface="Calibri" panose="020F0502020204030204" pitchFamily="34" charset="0"/>
-                <a:ea typeface="Calibri" panose="020F0502020204030204" pitchFamily="34" charset="0"/>
-                <a:cs typeface="Times New Roman" panose="02020603050405020304" pitchFamily="18" charset="0"/>
-              </a:rPr>
-              <a:t> ordinal variable?]”</a:t>
-            </a:r>
-            <a:r>
-              <a:rPr lang="en-IE" sz="2400" b="0" dirty="0">
-                <a:effectLst/>
-                <a:latin typeface="Calibri" panose="020F0502020204030204" pitchFamily="34" charset="0"/>
-                <a:ea typeface="Calibri" panose="020F0502020204030204" pitchFamily="34" charset="0"/>
-                <a:cs typeface="Times New Roman" panose="02020603050405020304" pitchFamily="18" charset="0"/>
-              </a:rPr>
-              <a:t>. </a:t>
-            </a:r>
-            <a:br>
-              <a:rPr lang="en-IE" sz="2400" dirty="0">
-                <a:effectLst/>
-                <a:latin typeface="Calibri" panose="020F0502020204030204" pitchFamily="34" charset="0"/>
-                <a:ea typeface="Calibri" panose="020F0502020204030204" pitchFamily="34" charset="0"/>
-                <a:cs typeface="Times New Roman" panose="02020603050405020304" pitchFamily="18" charset="0"/>
-              </a:rPr>
-            </a:br>
-            <a:br>
-              <a:rPr lang="en-IE" sz="2400" dirty="0">
-                <a:effectLst/>
-                <a:latin typeface="Calibri" panose="020F0502020204030204" pitchFamily="34" charset="0"/>
-                <a:ea typeface="Calibri" panose="020F0502020204030204" pitchFamily="34" charset="0"/>
-                <a:cs typeface="Times New Roman" panose="02020603050405020304" pitchFamily="18" charset="0"/>
-              </a:rPr>
-            </a:br>
-            <a:r>
-              <a:rPr lang="en-IE" sz="2400" dirty="0">
-                <a:effectLst/>
-                <a:latin typeface="Calibri" panose="020F0502020204030204" pitchFamily="34" charset="0"/>
-                <a:ea typeface="Calibri" panose="020F0502020204030204" pitchFamily="34" charset="0"/>
-                <a:cs typeface="Times New Roman" panose="02020603050405020304" pitchFamily="18" charset="0"/>
-              </a:rPr>
-              <a:t>Template</a:t>
-            </a:r>
-            <a:r>
-              <a:rPr lang="en-IE" sz="2400" baseline="30000" dirty="0">
-                <a:effectLst/>
-                <a:latin typeface="Calibri" panose="020F0502020204030204" pitchFamily="34" charset="0"/>
-                <a:ea typeface="Calibri" panose="020F0502020204030204" pitchFamily="34" charset="0"/>
-                <a:cs typeface="Times New Roman" panose="02020603050405020304" pitchFamily="18" charset="0"/>
-              </a:rPr>
-              <a:t>2</a:t>
-            </a:r>
-            <a:r>
-              <a:rPr lang="en-IE" sz="2400" dirty="0">
-                <a:effectLst/>
-                <a:latin typeface="Calibri" panose="020F0502020204030204" pitchFamily="34" charset="0"/>
-                <a:ea typeface="Calibri" panose="020F0502020204030204" pitchFamily="34" charset="0"/>
-                <a:cs typeface="Times New Roman" panose="02020603050405020304" pitchFamily="18" charset="0"/>
-              </a:rPr>
-              <a:t> :</a:t>
-            </a:r>
-            <a:r>
-              <a:rPr lang="en-IE" sz="2400" b="0" dirty="0">
-                <a:effectLst/>
-                <a:latin typeface="Calibri" panose="020F0502020204030204" pitchFamily="34" charset="0"/>
-                <a:ea typeface="Calibri" panose="020F0502020204030204" pitchFamily="34" charset="0"/>
-                <a:cs typeface="Times New Roman" panose="02020603050405020304" pitchFamily="18" charset="0"/>
-              </a:rPr>
-              <a:t>Interval/Ordinal vs Nominal. data “Is there a difference in the mean of </a:t>
-            </a:r>
-            <a:r>
-              <a:rPr lang="en-IE" sz="2400" b="0" dirty="0">
-                <a:solidFill>
-                  <a:srgbClr val="0070C0"/>
-                </a:solidFill>
-                <a:effectLst/>
-                <a:latin typeface="Calibri" panose="020F0502020204030204" pitchFamily="34" charset="0"/>
-                <a:ea typeface="Calibri" panose="020F0502020204030204" pitchFamily="34" charset="0"/>
-                <a:cs typeface="Times New Roman" panose="02020603050405020304" pitchFamily="18" charset="0"/>
-              </a:rPr>
-              <a:t>[dependent interval variable </a:t>
-            </a:r>
-            <a:r>
-              <a:rPr lang="en-IE" sz="2400" b="0" dirty="0">
-                <a:solidFill>
-                  <a:srgbClr val="0070C0"/>
-                </a:solidFill>
-                <a:latin typeface="Calibri" panose="020F0502020204030204" pitchFamily="34" charset="0"/>
-                <a:ea typeface="Calibri" panose="020F0502020204030204" pitchFamily="34" charset="0"/>
-                <a:cs typeface="Times New Roman" panose="02020603050405020304" pitchFamily="18" charset="0"/>
-              </a:rPr>
-              <a:t> </a:t>
-            </a:r>
-            <a:r>
-              <a:rPr lang="en-IE" sz="2400" b="0" dirty="0">
-                <a:latin typeface="Calibri" panose="020F0502020204030204" pitchFamily="34" charset="0"/>
-                <a:ea typeface="Calibri" panose="020F0502020204030204" pitchFamily="34" charset="0"/>
-                <a:cs typeface="Times New Roman" panose="02020603050405020304" pitchFamily="18" charset="0"/>
-              </a:rPr>
-              <a:t>or</a:t>
-            </a:r>
-            <a:r>
-              <a:rPr lang="en-IE" sz="2400" b="0" dirty="0">
-                <a:effectLst/>
-                <a:latin typeface="Calibri" panose="020F0502020204030204" pitchFamily="34" charset="0"/>
-                <a:ea typeface="Calibri" panose="020F0502020204030204" pitchFamily="34" charset="0"/>
-                <a:cs typeface="Times New Roman" panose="02020603050405020304" pitchFamily="18" charset="0"/>
-              </a:rPr>
-              <a:t> </a:t>
-            </a:r>
-            <a:r>
-              <a:rPr lang="en-IE" sz="2400" b="0" dirty="0">
-                <a:solidFill>
-                  <a:srgbClr val="0070C0"/>
-                </a:solidFill>
-                <a:effectLst/>
-                <a:latin typeface="Calibri" panose="020F0502020204030204" pitchFamily="34" charset="0"/>
-                <a:ea typeface="Calibri" panose="020F0502020204030204" pitchFamily="34" charset="0"/>
-                <a:cs typeface="Times New Roman" panose="02020603050405020304" pitchFamily="18" charset="0"/>
-              </a:rPr>
-              <a:t> dependent ordinal variable] </a:t>
-            </a:r>
-            <a:r>
-              <a:rPr lang="en-IE" sz="2400" b="0" dirty="0">
-                <a:effectLst/>
-                <a:latin typeface="Calibri" panose="020F0502020204030204" pitchFamily="34" charset="0"/>
-                <a:ea typeface="Calibri" panose="020F0502020204030204" pitchFamily="34" charset="0"/>
-                <a:cs typeface="Times New Roman" panose="02020603050405020304" pitchFamily="18" charset="0"/>
-              </a:rPr>
-              <a:t>between </a:t>
-            </a:r>
-            <a:r>
-              <a:rPr lang="en-IE" sz="2400" b="0" dirty="0">
-                <a:solidFill>
-                  <a:srgbClr val="0070C0"/>
-                </a:solidFill>
-                <a:effectLst/>
-                <a:latin typeface="Calibri" panose="020F0502020204030204" pitchFamily="34" charset="0"/>
-                <a:ea typeface="Calibri" panose="020F0502020204030204" pitchFamily="34" charset="0"/>
-                <a:cs typeface="Times New Roman" panose="02020603050405020304" pitchFamily="18" charset="0"/>
-              </a:rPr>
-              <a:t>[independent nominal variable] and [independent nominal variable?]</a:t>
-            </a:r>
-            <a:r>
-              <a:rPr lang="en-IE" sz="2400" b="0" dirty="0">
-                <a:effectLst/>
-                <a:latin typeface="Calibri" panose="020F0502020204030204" pitchFamily="34" charset="0"/>
-                <a:ea typeface="Calibri" panose="020F0502020204030204" pitchFamily="34" charset="0"/>
-                <a:cs typeface="Times New Roman" panose="02020603050405020304" pitchFamily="18" charset="0"/>
-              </a:rPr>
-              <a:t>”.</a:t>
-            </a:r>
-            <a:br>
-              <a:rPr lang="en-GB" sz="2400" b="0" dirty="0">
-                <a:effectLst/>
-                <a:latin typeface="Calibri" panose="020F0502020204030204" pitchFamily="34" charset="0"/>
-                <a:ea typeface="Calibri" panose="020F0502020204030204" pitchFamily="34" charset="0"/>
-                <a:cs typeface="Times New Roman" panose="02020603050405020304" pitchFamily="18" charset="0"/>
-              </a:rPr>
-            </a:br>
-            <a:br>
-              <a:rPr lang="en-IE" sz="2400" dirty="0">
-                <a:solidFill>
-                  <a:srgbClr val="000000"/>
-                </a:solidFill>
-                <a:effectLst/>
-                <a:latin typeface="Calibri" panose="020F0502020204030204" pitchFamily="34" charset="0"/>
-                <a:ea typeface="Calibri" panose="020F0502020204030204" pitchFamily="34" charset="0"/>
-                <a:cs typeface="Times New Roman" panose="02020603050405020304" pitchFamily="18" charset="0"/>
-              </a:rPr>
-            </a:br>
-            <a:r>
-              <a:rPr lang="en-IE" sz="2400" dirty="0">
-                <a:solidFill>
-                  <a:srgbClr val="000000"/>
-                </a:solidFill>
-                <a:effectLst/>
-                <a:latin typeface="Calibri" panose="020F0502020204030204" pitchFamily="34" charset="0"/>
-                <a:ea typeface="Calibri" panose="020F0502020204030204" pitchFamily="34" charset="0"/>
-                <a:cs typeface="Times New Roman" panose="02020603050405020304" pitchFamily="18" charset="0"/>
-              </a:rPr>
-              <a:t>Template </a:t>
-            </a:r>
-            <a:r>
-              <a:rPr lang="en-IE" sz="2400" baseline="30000" dirty="0">
-                <a:solidFill>
-                  <a:srgbClr val="000000"/>
-                </a:solidFill>
-                <a:effectLst/>
-                <a:latin typeface="Calibri" panose="020F0502020204030204" pitchFamily="34" charset="0"/>
-                <a:ea typeface="Calibri" panose="020F0502020204030204" pitchFamily="34" charset="0"/>
-                <a:cs typeface="Times New Roman" panose="02020603050405020304" pitchFamily="18" charset="0"/>
-              </a:rPr>
-              <a:t>3</a:t>
-            </a:r>
-            <a:r>
-              <a:rPr lang="en-IE" sz="2400" dirty="0">
-                <a:solidFill>
-                  <a:srgbClr val="000000"/>
-                </a:solidFill>
-                <a:effectLst/>
-                <a:latin typeface="Calibri" panose="020F0502020204030204" pitchFamily="34" charset="0"/>
-                <a:ea typeface="Calibri" panose="020F0502020204030204" pitchFamily="34" charset="0"/>
-                <a:cs typeface="Times New Roman" panose="02020603050405020304" pitchFamily="18" charset="0"/>
-              </a:rPr>
-              <a:t>:  </a:t>
-            </a:r>
-            <a:r>
-              <a:rPr lang="en-IE" sz="2400" b="0" dirty="0">
-                <a:solidFill>
-                  <a:srgbClr val="000000"/>
-                </a:solidFill>
-                <a:effectLst/>
-                <a:latin typeface="Calibri" panose="020F0502020204030204" pitchFamily="34" charset="0"/>
-                <a:ea typeface="Calibri" panose="020F0502020204030204" pitchFamily="34" charset="0"/>
-                <a:cs typeface="Times New Roman" panose="02020603050405020304" pitchFamily="18" charset="0"/>
-              </a:rPr>
-              <a:t>Nominal vs Nominal  data (frequencies): “</a:t>
-            </a:r>
-            <a:r>
-              <a:rPr lang="en-IE" sz="2400" b="0" dirty="0">
-                <a:effectLst/>
-                <a:latin typeface="Calibri" panose="020F0502020204030204" pitchFamily="34" charset="0"/>
-                <a:ea typeface="Calibri" panose="020F0502020204030204" pitchFamily="34" charset="0"/>
-                <a:cs typeface="Times New Roman" panose="02020603050405020304" pitchFamily="18" charset="0"/>
-              </a:rPr>
-              <a:t>Is there a difference in proportions of </a:t>
-            </a:r>
-            <a:r>
-              <a:rPr lang="en-IE" sz="2400" b="0" dirty="0">
-                <a:solidFill>
-                  <a:srgbClr val="0070C0"/>
-                </a:solidFill>
-                <a:effectLst/>
-                <a:latin typeface="Calibri" panose="020F0502020204030204" pitchFamily="34" charset="0"/>
-                <a:ea typeface="Calibri" panose="020F0502020204030204" pitchFamily="34" charset="0"/>
-                <a:cs typeface="Times New Roman" panose="02020603050405020304" pitchFamily="18" charset="0"/>
-              </a:rPr>
-              <a:t>[dependent nominal variable] </a:t>
-            </a:r>
-            <a:r>
-              <a:rPr lang="en-IE" sz="2400" b="0" dirty="0">
-                <a:effectLst/>
-                <a:latin typeface="Calibri" panose="020F0502020204030204" pitchFamily="34" charset="0"/>
-                <a:ea typeface="Calibri" panose="020F0502020204030204" pitchFamily="34" charset="0"/>
-                <a:cs typeface="Times New Roman" panose="02020603050405020304" pitchFamily="18" charset="0"/>
-              </a:rPr>
-              <a:t>between </a:t>
-            </a:r>
-            <a:r>
-              <a:rPr lang="en-IE" sz="2400" b="0" dirty="0">
-                <a:solidFill>
-                  <a:srgbClr val="0070C0"/>
-                </a:solidFill>
-                <a:effectLst/>
-                <a:latin typeface="Calibri" panose="020F0502020204030204" pitchFamily="34" charset="0"/>
-                <a:ea typeface="Calibri" panose="020F0502020204030204" pitchFamily="34" charset="0"/>
-                <a:cs typeface="Times New Roman" panose="02020603050405020304" pitchFamily="18" charset="0"/>
-              </a:rPr>
-              <a:t>[independent nominal variable] </a:t>
-            </a:r>
-            <a:r>
-              <a:rPr lang="en-IE" sz="2400" b="0" dirty="0">
-                <a:effectLst/>
-                <a:latin typeface="Calibri" panose="020F0502020204030204" pitchFamily="34" charset="0"/>
-                <a:ea typeface="Calibri" panose="020F0502020204030204" pitchFamily="34" charset="0"/>
-                <a:cs typeface="Times New Roman" panose="02020603050405020304" pitchFamily="18" charset="0"/>
-              </a:rPr>
-              <a:t>and </a:t>
-            </a:r>
-            <a:r>
-              <a:rPr lang="en-IE" sz="2400" b="0" dirty="0">
-                <a:solidFill>
-                  <a:srgbClr val="0070C0"/>
-                </a:solidFill>
-                <a:effectLst/>
-                <a:latin typeface="Calibri" panose="020F0502020204030204" pitchFamily="34" charset="0"/>
-                <a:ea typeface="Calibri" panose="020F0502020204030204" pitchFamily="34" charset="0"/>
-                <a:cs typeface="Times New Roman" panose="02020603050405020304" pitchFamily="18" charset="0"/>
-              </a:rPr>
-              <a:t>[independent nominal variable]?”</a:t>
-            </a:r>
-            <a:br>
-              <a:rPr lang="en-GB" sz="2400" dirty="0">
-                <a:effectLst/>
-                <a:latin typeface="Calibri" panose="020F0502020204030204" pitchFamily="34" charset="0"/>
-                <a:ea typeface="Calibri" panose="020F0502020204030204" pitchFamily="34" charset="0"/>
-                <a:cs typeface="Times New Roman" panose="02020603050405020304" pitchFamily="18" charset="0"/>
-              </a:rPr>
-            </a:br>
-            <a:endParaRPr lang="en-GB" sz="2400" dirty="0">
-              <a:solidFill>
-                <a:srgbClr val="FF0000"/>
-              </a:solidFill>
-            </a:endParaRPr>
-          </a:p>
-        </p:txBody>
-      </p:sp>
-      <p:sp>
-        <p:nvSpPr>
-          <p:cNvPr id="7" name="TextBox 6">
-            <a:extLst>
-              <a:ext uri="{FF2B5EF4-FFF2-40B4-BE49-F238E27FC236}">
-                <a16:creationId xmlns:a16="http://schemas.microsoft.com/office/drawing/2014/main" id="{F7FEA660-7B39-BC91-3B96-7298CCF66DE1}"/>
-              </a:ext>
-            </a:extLst>
-          </p:cNvPr>
-          <p:cNvSpPr txBox="1"/>
-          <p:nvPr/>
-        </p:nvSpPr>
-        <p:spPr>
-          <a:xfrm>
-            <a:off x="623945" y="5297755"/>
-            <a:ext cx="11440040" cy="1477328"/>
-          </a:xfrm>
-          <a:prstGeom prst="rect">
-            <a:avLst/>
-          </a:prstGeom>
-          <a:solidFill>
-            <a:schemeClr val="bg1">
-              <a:lumMod val="95000"/>
-            </a:schemeClr>
-          </a:solidFill>
-        </p:spPr>
-        <p:txBody>
-          <a:bodyPr wrap="square" lIns="91440" tIns="45720" rIns="91440" bIns="45720" rtlCol="0" anchor="t">
-            <a:spAutoFit/>
-          </a:bodyPr>
-          <a:lstStyle/>
-          <a:p>
-            <a:r>
-              <a:rPr lang="en-GB" baseline="30000" dirty="0"/>
-              <a:t>1</a:t>
-            </a:r>
-            <a:r>
-              <a:rPr lang="en-GB" b="1" dirty="0">
-                <a:latin typeface="Calibri"/>
-                <a:cs typeface="Calibri"/>
-              </a:rPr>
-              <a:t>Correlation</a:t>
-            </a:r>
-            <a:r>
-              <a:rPr lang="en-GB" dirty="0"/>
-              <a:t> (</a:t>
-            </a:r>
-            <a:r>
-              <a:rPr lang="en-IE" sz="1800" dirty="0">
-                <a:effectLst/>
-                <a:latin typeface="Calibri"/>
-                <a:ea typeface="Calibri" panose="020F0502020204030204" pitchFamily="34" charset="0"/>
-                <a:cs typeface="Times New Roman"/>
-              </a:rPr>
-              <a:t>Analysis of how </a:t>
-            </a:r>
-            <a:r>
-              <a:rPr lang="en-IE" sz="1800" dirty="0">
-                <a:solidFill>
-                  <a:srgbClr val="FF0000"/>
-                </a:solidFill>
-                <a:effectLst/>
-                <a:latin typeface="Calibri"/>
-                <a:ea typeface="Calibri" panose="020F0502020204030204" pitchFamily="34" charset="0"/>
-                <a:cs typeface="Times New Roman"/>
-              </a:rPr>
-              <a:t>ordinal</a:t>
-            </a:r>
-            <a:r>
-              <a:rPr lang="en-IE" dirty="0">
-                <a:solidFill>
-                  <a:srgbClr val="FF0000"/>
-                </a:solidFill>
-                <a:latin typeface="Calibri"/>
-                <a:ea typeface="Calibri" panose="020F0502020204030204" pitchFamily="34" charset="0"/>
-                <a:cs typeface="Times New Roman"/>
-              </a:rPr>
-              <a:t>/</a:t>
-            </a:r>
-            <a:r>
-              <a:rPr lang="en-IE" sz="1800" dirty="0">
-                <a:solidFill>
-                  <a:srgbClr val="FF0000"/>
-                </a:solidFill>
-                <a:effectLst/>
-                <a:latin typeface="Calibri"/>
-                <a:ea typeface="Calibri" panose="020F0502020204030204" pitchFamily="34" charset="0"/>
-                <a:cs typeface="Times New Roman"/>
-              </a:rPr>
-              <a:t>interval </a:t>
-            </a:r>
-            <a:r>
-              <a:rPr lang="en-IE" sz="1800" dirty="0">
-                <a:solidFill>
-                  <a:srgbClr val="00B050"/>
-                </a:solidFill>
-                <a:effectLst/>
-                <a:latin typeface="Calibri"/>
-                <a:ea typeface="Calibri" panose="020F0502020204030204" pitchFamily="34" charset="0"/>
-                <a:cs typeface="Times New Roman"/>
-              </a:rPr>
-              <a:t>dependent var</a:t>
-            </a:r>
-            <a:r>
-              <a:rPr lang="en-IE" sz="1800" dirty="0">
-                <a:effectLst/>
-                <a:latin typeface="Calibri"/>
-                <a:ea typeface="Calibri" panose="020F0502020204030204" pitchFamily="34" charset="0"/>
-                <a:cs typeface="Times New Roman"/>
-              </a:rPr>
-              <a:t> </a:t>
-            </a:r>
-            <a:r>
-              <a:rPr lang="en-IE" dirty="0">
-                <a:latin typeface="Calibri"/>
-                <a:ea typeface="Calibri" panose="020F0502020204030204" pitchFamily="34" charset="0"/>
-                <a:cs typeface="Times New Roman"/>
-              </a:rPr>
-              <a:t>correlates </a:t>
-            </a:r>
-            <a:r>
-              <a:rPr lang="en-IE" sz="1800" dirty="0">
-                <a:effectLst/>
-                <a:latin typeface="Calibri"/>
-                <a:ea typeface="Calibri" panose="020F0502020204030204" pitchFamily="34" charset="0"/>
-                <a:cs typeface="Times New Roman"/>
-              </a:rPr>
-              <a:t>to an </a:t>
-            </a:r>
-            <a:r>
-              <a:rPr lang="en-IE" sz="1800" dirty="0">
-                <a:solidFill>
-                  <a:srgbClr val="FF0000"/>
-                </a:solidFill>
-                <a:effectLst/>
-                <a:latin typeface="Calibri"/>
-                <a:ea typeface="Calibri" panose="020F0502020204030204" pitchFamily="34" charset="0"/>
-                <a:cs typeface="Times New Roman"/>
-              </a:rPr>
-              <a:t>ordinal/interval </a:t>
-            </a:r>
-            <a:r>
-              <a:rPr lang="en-IE" sz="1800" dirty="0">
-                <a:solidFill>
-                  <a:srgbClr val="00B050"/>
-                </a:solidFill>
-                <a:effectLst/>
-                <a:latin typeface="Calibri"/>
-                <a:ea typeface="Calibri" panose="020F0502020204030204" pitchFamily="34" charset="0"/>
-                <a:cs typeface="Times New Roman"/>
-              </a:rPr>
-              <a:t>independent variable)</a:t>
-            </a:r>
-            <a:endParaRPr lang="en-GB" dirty="0">
-              <a:latin typeface="Calibri"/>
-              <a:cs typeface="Times New Roman"/>
-            </a:endParaRPr>
-          </a:p>
-          <a:p>
-            <a:r>
-              <a:rPr lang="en-IE" sz="1800" b="1" baseline="30000" dirty="0">
-                <a:effectLst/>
-                <a:latin typeface="Calibri" panose="020F0502020204030204" pitchFamily="34" charset="0"/>
-                <a:ea typeface="Calibri" panose="020F0502020204030204" pitchFamily="34" charset="0"/>
-                <a:cs typeface="Times New Roman" panose="02020603050405020304" pitchFamily="18" charset="0"/>
-              </a:rPr>
-              <a:t>2</a:t>
-            </a:r>
-            <a:r>
-              <a:rPr lang="en-IE" sz="1800" b="1" dirty="0">
-                <a:effectLst/>
-                <a:latin typeface="Calibri" panose="020F0502020204030204" pitchFamily="34" charset="0"/>
-                <a:ea typeface="Calibri" panose="020F0502020204030204" pitchFamily="34" charset="0"/>
-                <a:cs typeface="Times New Roman" panose="02020603050405020304" pitchFamily="18" charset="0"/>
-              </a:rPr>
-              <a:t>Comparison of means</a:t>
-            </a:r>
-            <a:r>
-              <a:rPr lang="en-IE" sz="1800" dirty="0">
-                <a:effectLst/>
-                <a:latin typeface="Calibri" panose="020F0502020204030204" pitchFamily="34" charset="0"/>
-                <a:ea typeface="Calibri" panose="020F0502020204030204" pitchFamily="34" charset="0"/>
-                <a:cs typeface="Times New Roman" panose="02020603050405020304" pitchFamily="18" charset="0"/>
-              </a:rPr>
-              <a:t> (or medians): Analysis of the difference between the mean (or median) value of a characteristic shared by members of two different populations.</a:t>
-            </a:r>
-          </a:p>
-          <a:p>
-            <a:r>
-              <a:rPr lang="en-IE" sz="1800" b="1" baseline="30000" dirty="0">
-                <a:effectLst/>
-                <a:latin typeface="Calibri" panose="020F0502020204030204" pitchFamily="34" charset="0"/>
-                <a:ea typeface="Calibri" panose="020F0502020204030204" pitchFamily="34" charset="0"/>
-                <a:cs typeface="Times New Roman" panose="02020603050405020304" pitchFamily="18" charset="0"/>
-              </a:rPr>
-              <a:t>3</a:t>
-            </a:r>
-            <a:r>
-              <a:rPr lang="en-IE" sz="1800" b="1" dirty="0">
-                <a:effectLst/>
-                <a:latin typeface="Calibri" panose="020F0502020204030204" pitchFamily="34" charset="0"/>
-                <a:ea typeface="Calibri" panose="020F0502020204030204" pitchFamily="34" charset="0"/>
-                <a:cs typeface="Times New Roman" panose="02020603050405020304" pitchFamily="18" charset="0"/>
-              </a:rPr>
-              <a:t>Comparison of proportions:</a:t>
-            </a:r>
-            <a:r>
-              <a:rPr lang="en-IE" sz="1800" dirty="0">
-                <a:effectLst/>
-                <a:latin typeface="Calibri" panose="020F0502020204030204" pitchFamily="34" charset="0"/>
-                <a:ea typeface="Calibri" panose="020F0502020204030204" pitchFamily="34" charset="0"/>
-                <a:cs typeface="Times New Roman" panose="02020603050405020304" pitchFamily="18" charset="0"/>
-              </a:rPr>
-              <a:t> Analysis of the difference in proportions of a characteristic shared by members of two different populations. </a:t>
-            </a:r>
-            <a:endParaRPr lang="en-GB" dirty="0"/>
-          </a:p>
-        </p:txBody>
-      </p:sp>
-    </p:spTree>
-    <p:extLst>
-      <p:ext uri="{BB962C8B-B14F-4D97-AF65-F5344CB8AC3E}">
-        <p14:creationId xmlns:p14="http://schemas.microsoft.com/office/powerpoint/2010/main" val="32494612"/>
-      </p:ext>
-    </p:extLst>
-  </p:cSld>
-  <p:clrMapOvr>
-    <a:masterClrMapping/>
-  </p:clrMapOvr>
-</p:sld>
-</file>
-
-<file path=ppt/slides/slide8.xml><?xml version="1.0" encoding="utf-8"?>
 <p:sld xmlns:a="http://schemas.openxmlformats.org/drawingml/2006/main" xmlns:r="http://schemas.openxmlformats.org/officeDocument/2006/relationships" xmlns:p="http://schemas.openxmlformats.org/presentationml/2006/main">
   <p:cSld>
     <p:spTree>
@@ -8033,6 +7779,23 @@
 </file>
 
 <file path=customXml/item1.xml><?xml version="1.0" encoding="utf-8"?>
+<?mso-contentType ?>
+<FormTemplates xmlns="http://schemas.microsoft.com/sharepoint/v3/contenttype/forms">
+  <Display>DocumentLibraryForm</Display>
+  <Edit>DocumentLibraryForm</Edit>
+  <New>DocumentLibraryForm</New>
+</FormTemplates>
+</file>
+
+<file path=customXml/item2.xml><?xml version="1.0" encoding="utf-8"?>
+<p:properties xmlns:p="http://schemas.microsoft.com/office/2006/metadata/properties" xmlns:xsi="http://www.w3.org/2001/XMLSchema-instance" xmlns:pc="http://schemas.microsoft.com/office/infopath/2007/PartnerControls">
+  <documentManagement>
+    <Information xmlns="4ad138b4-2b68-4b70-945d-07f8f18b1c9a" xsi:nil="true"/>
+  </documentManagement>
+</p:properties>
+</file>
+
+<file path=customXml/item3.xml><?xml version="1.0" encoding="utf-8"?>
 <ct:contentTypeSchema xmlns:ct="http://schemas.microsoft.com/office/2006/metadata/contentType" xmlns:ma="http://schemas.microsoft.com/office/2006/metadata/properties/metaAttributes" ct:_="" ma:_="" ma:contentTypeName="Document" ma:contentTypeID="0x01010026DBA85F447B164191BB36C258697B67" ma:contentTypeVersion="14" ma:contentTypeDescription="Create a new document." ma:contentTypeScope="" ma:versionID="ea511d05ca7f895fe9556935b5c9af34">
   <xsd:schema xmlns:xsd="http://www.w3.org/2001/XMLSchema" xmlns:xs="http://www.w3.org/2001/XMLSchema" xmlns:p="http://schemas.microsoft.com/office/2006/metadata/properties" xmlns:ns2="4ad138b4-2b68-4b70-945d-07f8f18b1c9a" xmlns:ns3="3c474641-ec36-472f-b125-6b1b0910eaa4" targetNamespace="http://schemas.microsoft.com/office/2006/metadata/properties" ma:root="true" ma:fieldsID="662270106d7a7e100bcac2c5f8d29899" ns2:_="" ns3:_="">
     <xsd:import namespace="4ad138b4-2b68-4b70-945d-07f8f18b1c9a"/>
@@ -8257,38 +8020,10 @@
 </ct:contentTypeSchema>
 </file>
 
-<file path=customXml/item2.xml><?xml version="1.0" encoding="utf-8"?>
-<p:properties xmlns:p="http://schemas.microsoft.com/office/2006/metadata/properties" xmlns:xsi="http://www.w3.org/2001/XMLSchema-instance" xmlns:pc="http://schemas.microsoft.com/office/infopath/2007/PartnerControls">
-  <documentManagement>
-    <Information xmlns="4ad138b4-2b68-4b70-945d-07f8f18b1c9a" xsi:nil="true"/>
-  </documentManagement>
-</p:properties>
-</file>
-
-<file path=customXml/item3.xml><?xml version="1.0" encoding="utf-8"?>
-<?mso-contentType ?>
-<FormTemplates xmlns="http://schemas.microsoft.com/sharepoint/v3/contenttype/forms">
-  <Display>DocumentLibraryForm</Display>
-  <Edit>DocumentLibraryForm</Edit>
-  <New>DocumentLibraryForm</New>
-</FormTemplates>
-</file>
-
 <file path=customXml/itemProps1.xml><?xml version="1.0" encoding="utf-8"?>
-<ds:datastoreItem xmlns:ds="http://schemas.openxmlformats.org/officeDocument/2006/customXml" ds:itemID="{421B8C57-903D-4D0E-8336-7B512F760CD1}">
+<ds:datastoreItem xmlns:ds="http://schemas.openxmlformats.org/officeDocument/2006/customXml" ds:itemID="{91C521DD-2673-4EE6-BB9B-DC5C3320FFBB}">
   <ds:schemaRefs>
-    <ds:schemaRef ds:uri="http://schemas.microsoft.com/office/2006/metadata/contentType"/>
-    <ds:schemaRef ds:uri="http://schemas.microsoft.com/office/2006/metadata/properties/metaAttributes"/>
-    <ds:schemaRef ds:uri="http://www.w3.org/2001/XMLSchema"/>
-    <ds:schemaRef ds:uri="http://schemas.microsoft.com/office/2006/metadata/properties"/>
-    <ds:schemaRef ds:uri="4ad138b4-2b68-4b70-945d-07f8f18b1c9a"/>
-    <ds:schemaRef ds:uri="3c474641-ec36-472f-b125-6b1b0910eaa4"/>
-    <ds:schemaRef ds:uri="http://schemas.microsoft.com/office/2006/documentManagement/types"/>
-    <ds:schemaRef ds:uri="http://schemas.microsoft.com/office/infopath/2007/PartnerControls"/>
-    <ds:schemaRef ds:uri="http://schemas.openxmlformats.org/package/2006/metadata/core-properties"/>
-    <ds:schemaRef ds:uri="http://purl.org/dc/elements/1.1/"/>
-    <ds:schemaRef ds:uri="http://purl.org/dc/terms/"/>
-    <ds:schemaRef ds:uri="http://schemas.microsoft.com/internal/obd"/>
+    <ds:schemaRef ds:uri="http://schemas.microsoft.com/sharepoint/v3/contenttype/forms"/>
   </ds:schemaRefs>
 </ds:datastoreItem>
 </file>
@@ -8311,9 +8046,20 @@
 </file>
 
 <file path=customXml/itemProps3.xml><?xml version="1.0" encoding="utf-8"?>
-<ds:datastoreItem xmlns:ds="http://schemas.openxmlformats.org/officeDocument/2006/customXml" ds:itemID="{91C521DD-2673-4EE6-BB9B-DC5C3320FFBB}">
+<ds:datastoreItem xmlns:ds="http://schemas.openxmlformats.org/officeDocument/2006/customXml" ds:itemID="{421B8C57-903D-4D0E-8336-7B512F760CD1}">
   <ds:schemaRefs>
-    <ds:schemaRef ds:uri="http://schemas.microsoft.com/sharepoint/v3/contenttype/forms"/>
+    <ds:schemaRef ds:uri="http://schemas.microsoft.com/office/2006/metadata/contentType"/>
+    <ds:schemaRef ds:uri="http://schemas.microsoft.com/office/2006/metadata/properties/metaAttributes"/>
+    <ds:schemaRef ds:uri="http://www.w3.org/2001/XMLSchema"/>
+    <ds:schemaRef ds:uri="http://schemas.microsoft.com/office/2006/metadata/properties"/>
+    <ds:schemaRef ds:uri="4ad138b4-2b68-4b70-945d-07f8f18b1c9a"/>
+    <ds:schemaRef ds:uri="3c474641-ec36-472f-b125-6b1b0910eaa4"/>
+    <ds:schemaRef ds:uri="http://schemas.microsoft.com/office/2006/documentManagement/types"/>
+    <ds:schemaRef ds:uri="http://schemas.microsoft.com/office/infopath/2007/PartnerControls"/>
+    <ds:schemaRef ds:uri="http://schemas.openxmlformats.org/package/2006/metadata/core-properties"/>
+    <ds:schemaRef ds:uri="http://purl.org/dc/elements/1.1/"/>
+    <ds:schemaRef ds:uri="http://purl.org/dc/terms/"/>
+    <ds:schemaRef ds:uri="http://schemas.microsoft.com/internal/obd"/>
   </ds:schemaRefs>
 </ds:datastoreItem>
 </file>
--- a/researchQuestion.pptx
+++ b/researchQuestion.pptx
@@ -5,18 +5,17 @@
     <p:sldMasterId id="2147483648" r:id="rId4"/>
   </p:sldMasterIdLst>
   <p:notesMasterIdLst>
-    <p:notesMasterId r:id="rId11"/>
+    <p:notesMasterId r:id="rId10"/>
   </p:notesMasterIdLst>
   <p:handoutMasterIdLst>
-    <p:handoutMasterId r:id="rId12"/>
+    <p:handoutMasterId r:id="rId11"/>
   </p:handoutMasterIdLst>
   <p:sldIdLst>
     <p:sldId id="289" r:id="rId5"/>
     <p:sldId id="339" r:id="rId6"/>
     <p:sldId id="329" r:id="rId7"/>
     <p:sldId id="336" r:id="rId8"/>
-    <p:sldId id="341" r:id="rId9"/>
-    <p:sldId id="338" r:id="rId10"/>
+    <p:sldId id="338" r:id="rId9"/>
   </p:sldIdLst>
   <p:sldSz cx="12192000" cy="6858000"/>
   <p:notesSz cx="6858000" cy="9144000"/>
@@ -951,7 +950,7 @@
             <a:fld id="{30370952-48CC-46D7-9FCD-59FAD40CC025}" type="slidenum">
               <a:rPr lang="en-GB" smtClean="0"/>
               <a:pPr/>
-              <a:t>6</a:t>
+              <a:t>5</a:t>
             </a:fld>
             <a:endParaRPr lang="en-GB"/>
           </a:p>
@@ -5479,14 +5478,11 @@
               <a:rPr lang="en-GB" dirty="0"/>
               <a:t>Our Research Question is </a:t>
             </a:r>
-            <a:r>
-              <a:rPr lang="en-GB" sz="1800" dirty="0">
-                <a:solidFill>
-                  <a:srgbClr val="FF0000"/>
-                </a:solidFill>
-              </a:rPr>
-              <a:t>Choose ONE of the three templates below replacing the blue text with your variables – then add hypotheses as shown in next slide:</a:t>
-            </a:r>
+            <a:endParaRPr lang="en-GB" sz="1800" dirty="0">
+              <a:solidFill>
+                <a:srgbClr val="FF0000"/>
+              </a:solidFill>
+            </a:endParaRPr>
           </a:p>
         </p:txBody>
       </p:sp>
@@ -5619,19 +5615,16 @@
                 <a:ea typeface="Calibri" panose="020F0502020204030204" pitchFamily="34" charset="0"/>
                 <a:cs typeface="Times New Roman" panose="02020603050405020304" pitchFamily="18" charset="0"/>
               </a:rPr>
-              <a:t>Interval/Ordinal vs Interval/Ordinal: “Is there a correlation between </a:t>
-            </a:r>
-            <a:r>
-              <a:rPr lang="en-IE" sz="2400" b="0" dirty="0">
-                <a:solidFill>
-                  <a:srgbClr val="0070C0"/>
-                </a:solidFill>
+              <a:t>Interval/Ordinal vs Interval/Ordinal: Is there a correlation between </a:t>
+            </a:r>
+            <a:r>
+              <a:rPr lang="en-IE" sz="2400" b="0" dirty="0" err="1">
                 <a:effectLst/>
                 <a:latin typeface="Calibri" panose="020F0502020204030204" pitchFamily="34" charset="0"/>
                 <a:ea typeface="Calibri" panose="020F0502020204030204" pitchFamily="34" charset="0"/>
                 <a:cs typeface="Times New Roman" panose="02020603050405020304" pitchFamily="18" charset="0"/>
               </a:rPr>
-              <a:t>[dependent interval </a:t>
+              <a:t>TeamId</a:t>
             </a:r>
             <a:r>
               <a:rPr lang="en-IE" sz="2400" b="0" dirty="0">
@@ -5640,70 +5633,7 @@
                 <a:ea typeface="Calibri" panose="020F0502020204030204" pitchFamily="34" charset="0"/>
                 <a:cs typeface="Times New Roman" panose="02020603050405020304" pitchFamily="18" charset="0"/>
               </a:rPr>
-              <a:t>or</a:t>
-            </a:r>
-            <a:r>
-              <a:rPr lang="en-IE" sz="2400" b="0" dirty="0">
-                <a:solidFill>
-                  <a:srgbClr val="0070C0"/>
-                </a:solidFill>
-                <a:effectLst/>
-                <a:latin typeface="Calibri" panose="020F0502020204030204" pitchFamily="34" charset="0"/>
-                <a:ea typeface="Calibri" panose="020F0502020204030204" pitchFamily="34" charset="0"/>
-                <a:cs typeface="Times New Roman" panose="02020603050405020304" pitchFamily="18" charset="0"/>
-              </a:rPr>
-              <a:t> ordinal variable] </a:t>
-            </a:r>
-            <a:r>
-              <a:rPr lang="en-IE" sz="2400" b="0" dirty="0">
-                <a:effectLst/>
-                <a:latin typeface="Calibri" panose="020F0502020204030204" pitchFamily="34" charset="0"/>
-                <a:ea typeface="Calibri" panose="020F0502020204030204" pitchFamily="34" charset="0"/>
-                <a:cs typeface="Times New Roman" panose="02020603050405020304" pitchFamily="18" charset="0"/>
-              </a:rPr>
-              <a:t>and </a:t>
-            </a:r>
-            <a:r>
-              <a:rPr lang="en-IE" sz="2400" b="0" dirty="0">
-                <a:solidFill>
-                  <a:srgbClr val="0070C0"/>
-                </a:solidFill>
-                <a:effectLst/>
-                <a:latin typeface="Calibri" panose="020F0502020204030204" pitchFamily="34" charset="0"/>
-                <a:ea typeface="Calibri" panose="020F0502020204030204" pitchFamily="34" charset="0"/>
-                <a:cs typeface="Times New Roman" panose="02020603050405020304" pitchFamily="18" charset="0"/>
-              </a:rPr>
-              <a:t>[independent interval </a:t>
-            </a:r>
-            <a:r>
-              <a:rPr lang="en-IE" sz="2400" b="0" dirty="0">
-                <a:effectLst/>
-                <a:latin typeface="Calibri" panose="020F0502020204030204" pitchFamily="34" charset="0"/>
-                <a:ea typeface="Calibri" panose="020F0502020204030204" pitchFamily="34" charset="0"/>
-                <a:cs typeface="Times New Roman" panose="02020603050405020304" pitchFamily="18" charset="0"/>
-              </a:rPr>
-              <a:t>or</a:t>
-            </a:r>
-            <a:r>
-              <a:rPr lang="en-IE" sz="2400" b="0" dirty="0">
-                <a:solidFill>
-                  <a:srgbClr val="0070C0"/>
-                </a:solidFill>
-                <a:effectLst/>
-                <a:latin typeface="Calibri" panose="020F0502020204030204" pitchFamily="34" charset="0"/>
-                <a:ea typeface="Calibri" panose="020F0502020204030204" pitchFamily="34" charset="0"/>
-                <a:cs typeface="Times New Roman" panose="02020603050405020304" pitchFamily="18" charset="0"/>
-              </a:rPr>
-              <a:t> ordinal variable?]”</a:t>
-            </a:r>
-            <a:r>
-              <a:rPr lang="en-IE" sz="2400" b="0" dirty="0">
-                <a:effectLst/>
-                <a:latin typeface="Calibri" panose="020F0502020204030204" pitchFamily="34" charset="0"/>
-                <a:ea typeface="Calibri" panose="020F0502020204030204" pitchFamily="34" charset="0"/>
-                <a:cs typeface="Times New Roman" panose="02020603050405020304" pitchFamily="18" charset="0"/>
-              </a:rPr>
-              <a:t>. </a:t>
+              <a:t> and 538Rating . </a:t>
             </a:r>
             <a:br>
               <a:rPr lang="en-IE" sz="2400" dirty="0">
@@ -5721,254 +5651,6 @@
                 <a:cs typeface="Times New Roman" panose="02020603050405020304" pitchFamily="18" charset="0"/>
               </a:rPr>
             </a:br>
-            <a:r>
-              <a:rPr lang="en-IE" sz="2400" dirty="0">
-                <a:effectLst/>
-                <a:latin typeface="Calibri" panose="020F0502020204030204" pitchFamily="34" charset="0"/>
-                <a:ea typeface="Calibri" panose="020F0502020204030204" pitchFamily="34" charset="0"/>
-                <a:cs typeface="Times New Roman" panose="02020603050405020304" pitchFamily="18" charset="0"/>
-              </a:rPr>
-              <a:t>Template</a:t>
-            </a:r>
-            <a:r>
-              <a:rPr lang="en-IE" sz="2400" baseline="30000" dirty="0">
-                <a:effectLst/>
-                <a:latin typeface="Calibri" panose="020F0502020204030204" pitchFamily="34" charset="0"/>
-                <a:ea typeface="Calibri" panose="020F0502020204030204" pitchFamily="34" charset="0"/>
-                <a:cs typeface="Times New Roman" panose="02020603050405020304" pitchFamily="18" charset="0"/>
-              </a:rPr>
-              <a:t>2</a:t>
-            </a:r>
-            <a:r>
-              <a:rPr lang="en-IE" sz="2400" dirty="0">
-                <a:effectLst/>
-                <a:latin typeface="Calibri" panose="020F0502020204030204" pitchFamily="34" charset="0"/>
-                <a:ea typeface="Calibri" panose="020F0502020204030204" pitchFamily="34" charset="0"/>
-                <a:cs typeface="Times New Roman" panose="02020603050405020304" pitchFamily="18" charset="0"/>
-              </a:rPr>
-              <a:t> :</a:t>
-            </a:r>
-            <a:r>
-              <a:rPr lang="en-IE" sz="2400" b="0" dirty="0">
-                <a:effectLst/>
-                <a:latin typeface="Calibri" panose="020F0502020204030204" pitchFamily="34" charset="0"/>
-                <a:ea typeface="Calibri" panose="020F0502020204030204" pitchFamily="34" charset="0"/>
-                <a:cs typeface="Times New Roman" panose="02020603050405020304" pitchFamily="18" charset="0"/>
-              </a:rPr>
-              <a:t>Interval/Ordinal vs Nominal. data “Is there a difference in the mean of </a:t>
-            </a:r>
-            <a:r>
-              <a:rPr lang="en-IE" sz="2400" b="0" dirty="0">
-                <a:solidFill>
-                  <a:srgbClr val="0070C0"/>
-                </a:solidFill>
-                <a:effectLst/>
-                <a:latin typeface="Calibri" panose="020F0502020204030204" pitchFamily="34" charset="0"/>
-                <a:ea typeface="Calibri" panose="020F0502020204030204" pitchFamily="34" charset="0"/>
-                <a:cs typeface="Times New Roman" panose="02020603050405020304" pitchFamily="18" charset="0"/>
-              </a:rPr>
-              <a:t>[dependent interval variable </a:t>
-            </a:r>
-            <a:r>
-              <a:rPr lang="en-IE" sz="2400" b="0" dirty="0">
-                <a:solidFill>
-                  <a:srgbClr val="0070C0"/>
-                </a:solidFill>
-                <a:latin typeface="Calibri" panose="020F0502020204030204" pitchFamily="34" charset="0"/>
-                <a:ea typeface="Calibri" panose="020F0502020204030204" pitchFamily="34" charset="0"/>
-                <a:cs typeface="Times New Roman" panose="02020603050405020304" pitchFamily="18" charset="0"/>
-              </a:rPr>
-              <a:t> </a:t>
-            </a:r>
-            <a:r>
-              <a:rPr lang="en-IE" sz="2400" b="0" dirty="0">
-                <a:latin typeface="Calibri" panose="020F0502020204030204" pitchFamily="34" charset="0"/>
-                <a:ea typeface="Calibri" panose="020F0502020204030204" pitchFamily="34" charset="0"/>
-                <a:cs typeface="Times New Roman" panose="02020603050405020304" pitchFamily="18" charset="0"/>
-              </a:rPr>
-              <a:t>or</a:t>
-            </a:r>
-            <a:r>
-              <a:rPr lang="en-IE" sz="2400" b="0" dirty="0">
-                <a:effectLst/>
-                <a:latin typeface="Calibri" panose="020F0502020204030204" pitchFamily="34" charset="0"/>
-                <a:ea typeface="Calibri" panose="020F0502020204030204" pitchFamily="34" charset="0"/>
-                <a:cs typeface="Times New Roman" panose="02020603050405020304" pitchFamily="18" charset="0"/>
-              </a:rPr>
-              <a:t> </a:t>
-            </a:r>
-            <a:r>
-              <a:rPr lang="en-IE" sz="2400" b="0" dirty="0">
-                <a:solidFill>
-                  <a:srgbClr val="0070C0"/>
-                </a:solidFill>
-                <a:effectLst/>
-                <a:latin typeface="Calibri" panose="020F0502020204030204" pitchFamily="34" charset="0"/>
-                <a:ea typeface="Calibri" panose="020F0502020204030204" pitchFamily="34" charset="0"/>
-                <a:cs typeface="Times New Roman" panose="02020603050405020304" pitchFamily="18" charset="0"/>
-              </a:rPr>
-              <a:t> dependent ordinal variable] </a:t>
-            </a:r>
-            <a:r>
-              <a:rPr lang="en-IE" sz="2400" b="0" dirty="0">
-                <a:effectLst/>
-                <a:latin typeface="Calibri" panose="020F0502020204030204" pitchFamily="34" charset="0"/>
-                <a:ea typeface="Calibri" panose="020F0502020204030204" pitchFamily="34" charset="0"/>
-                <a:cs typeface="Times New Roman" panose="02020603050405020304" pitchFamily="18" charset="0"/>
-              </a:rPr>
-              <a:t>between </a:t>
-            </a:r>
-            <a:r>
-              <a:rPr lang="en-IE" sz="2400" b="0" dirty="0">
-                <a:solidFill>
-                  <a:srgbClr val="0070C0"/>
-                </a:solidFill>
-                <a:effectLst/>
-                <a:latin typeface="Calibri" panose="020F0502020204030204" pitchFamily="34" charset="0"/>
-                <a:ea typeface="Calibri" panose="020F0502020204030204" pitchFamily="34" charset="0"/>
-                <a:cs typeface="Times New Roman" panose="02020603050405020304" pitchFamily="18" charset="0"/>
-              </a:rPr>
-              <a:t>[independent nominal variable] and [independent nominal variable?]</a:t>
-            </a:r>
-            <a:r>
-              <a:rPr lang="en-IE" sz="2400" b="0" dirty="0">
-                <a:effectLst/>
-                <a:latin typeface="Calibri" panose="020F0502020204030204" pitchFamily="34" charset="0"/>
-                <a:ea typeface="Calibri" panose="020F0502020204030204" pitchFamily="34" charset="0"/>
-                <a:cs typeface="Times New Roman" panose="02020603050405020304" pitchFamily="18" charset="0"/>
-              </a:rPr>
-              <a:t>”.</a:t>
-            </a:r>
-            <a:br>
-              <a:rPr lang="en-GB" sz="2400" b="0" dirty="0">
-                <a:effectLst/>
-                <a:latin typeface="Calibri" panose="020F0502020204030204" pitchFamily="34" charset="0"/>
-                <a:ea typeface="Calibri" panose="020F0502020204030204" pitchFamily="34" charset="0"/>
-                <a:cs typeface="Times New Roman" panose="02020603050405020304" pitchFamily="18" charset="0"/>
-              </a:rPr>
-            </a:br>
-            <a:br>
-              <a:rPr lang="en-IE" sz="2400" dirty="0">
-                <a:solidFill>
-                  <a:srgbClr val="000000"/>
-                </a:solidFill>
-                <a:effectLst/>
-                <a:latin typeface="Calibri" panose="020F0502020204030204" pitchFamily="34" charset="0"/>
-                <a:ea typeface="Calibri" panose="020F0502020204030204" pitchFamily="34" charset="0"/>
-                <a:cs typeface="Times New Roman" panose="02020603050405020304" pitchFamily="18" charset="0"/>
-              </a:rPr>
-            </a:br>
-            <a:r>
-              <a:rPr lang="en-IE" sz="2400" dirty="0">
-                <a:solidFill>
-                  <a:srgbClr val="000000"/>
-                </a:solidFill>
-                <a:effectLst/>
-                <a:latin typeface="Calibri" panose="020F0502020204030204" pitchFamily="34" charset="0"/>
-                <a:ea typeface="Calibri" panose="020F0502020204030204" pitchFamily="34" charset="0"/>
-                <a:cs typeface="Times New Roman" panose="02020603050405020304" pitchFamily="18" charset="0"/>
-              </a:rPr>
-              <a:t>Template </a:t>
-            </a:r>
-            <a:r>
-              <a:rPr lang="en-IE" sz="2400" baseline="30000" dirty="0">
-                <a:solidFill>
-                  <a:srgbClr val="000000"/>
-                </a:solidFill>
-                <a:effectLst/>
-                <a:latin typeface="Calibri" panose="020F0502020204030204" pitchFamily="34" charset="0"/>
-                <a:ea typeface="Calibri" panose="020F0502020204030204" pitchFamily="34" charset="0"/>
-                <a:cs typeface="Times New Roman" panose="02020603050405020304" pitchFamily="18" charset="0"/>
-              </a:rPr>
-              <a:t>3</a:t>
-            </a:r>
-            <a:r>
-              <a:rPr lang="en-IE" sz="2400" dirty="0">
-                <a:solidFill>
-                  <a:srgbClr val="000000"/>
-                </a:solidFill>
-                <a:effectLst/>
-                <a:latin typeface="Calibri" panose="020F0502020204030204" pitchFamily="34" charset="0"/>
-                <a:ea typeface="Calibri" panose="020F0502020204030204" pitchFamily="34" charset="0"/>
-                <a:cs typeface="Times New Roman" panose="02020603050405020304" pitchFamily="18" charset="0"/>
-              </a:rPr>
-              <a:t>:  </a:t>
-            </a:r>
-            <a:r>
-              <a:rPr lang="en-IE" sz="2400" b="0" dirty="0">
-                <a:solidFill>
-                  <a:srgbClr val="000000"/>
-                </a:solidFill>
-                <a:effectLst/>
-                <a:latin typeface="Calibri" panose="020F0502020204030204" pitchFamily="34" charset="0"/>
-                <a:ea typeface="Calibri" panose="020F0502020204030204" pitchFamily="34" charset="0"/>
-                <a:cs typeface="Times New Roman" panose="02020603050405020304" pitchFamily="18" charset="0"/>
-              </a:rPr>
-              <a:t>Nominal vs Nominal  data (frequencies): “</a:t>
-            </a:r>
-            <a:r>
-              <a:rPr lang="en-IE" sz="2400" b="0" dirty="0">
-                <a:effectLst/>
-                <a:latin typeface="Calibri" panose="020F0502020204030204" pitchFamily="34" charset="0"/>
-                <a:ea typeface="Calibri" panose="020F0502020204030204" pitchFamily="34" charset="0"/>
-                <a:cs typeface="Times New Roman" panose="02020603050405020304" pitchFamily="18" charset="0"/>
-              </a:rPr>
-              <a:t>Is there a difference in proportions of </a:t>
-            </a:r>
-            <a:r>
-              <a:rPr lang="en-IE" sz="2400" b="0" dirty="0">
-                <a:solidFill>
-                  <a:srgbClr val="0070C0"/>
-                </a:solidFill>
-                <a:effectLst/>
-                <a:latin typeface="Calibri" panose="020F0502020204030204" pitchFamily="34" charset="0"/>
-                <a:ea typeface="Calibri" panose="020F0502020204030204" pitchFamily="34" charset="0"/>
-                <a:cs typeface="Times New Roman" panose="02020603050405020304" pitchFamily="18" charset="0"/>
-              </a:rPr>
-              <a:t>[dependent nominal variable] </a:t>
-            </a:r>
-            <a:r>
-              <a:rPr lang="en-IE" sz="2400" b="0" dirty="0">
-                <a:effectLst/>
-                <a:latin typeface="Calibri" panose="020F0502020204030204" pitchFamily="34" charset="0"/>
-                <a:ea typeface="Calibri" panose="020F0502020204030204" pitchFamily="34" charset="0"/>
-                <a:cs typeface="Times New Roman" panose="02020603050405020304" pitchFamily="18" charset="0"/>
-              </a:rPr>
-              <a:t>between </a:t>
-            </a:r>
-            <a:r>
-              <a:rPr lang="en-IE" sz="2400" b="0" dirty="0">
-                <a:solidFill>
-                  <a:srgbClr val="0070C0"/>
-                </a:solidFill>
-                <a:effectLst/>
-                <a:latin typeface="Calibri" panose="020F0502020204030204" pitchFamily="34" charset="0"/>
-                <a:ea typeface="Calibri" panose="020F0502020204030204" pitchFamily="34" charset="0"/>
-                <a:cs typeface="Times New Roman" panose="02020603050405020304" pitchFamily="18" charset="0"/>
-              </a:rPr>
-              <a:t>[independent nominal variable] </a:t>
-            </a:r>
-            <a:r>
-              <a:rPr lang="en-IE" sz="2400" b="0" dirty="0">
-                <a:effectLst/>
-                <a:latin typeface="Calibri" panose="020F0502020204030204" pitchFamily="34" charset="0"/>
-                <a:ea typeface="Calibri" panose="020F0502020204030204" pitchFamily="34" charset="0"/>
-                <a:cs typeface="Times New Roman" panose="02020603050405020304" pitchFamily="18" charset="0"/>
-              </a:rPr>
-              <a:t>and </a:t>
-            </a:r>
-            <a:r>
-              <a:rPr lang="en-IE" sz="2400" b="0" dirty="0">
-                <a:solidFill>
-                  <a:srgbClr val="0070C0"/>
-                </a:solidFill>
-                <a:effectLst/>
-                <a:latin typeface="Calibri" panose="020F0502020204030204" pitchFamily="34" charset="0"/>
-                <a:ea typeface="Calibri" panose="020F0502020204030204" pitchFamily="34" charset="0"/>
-                <a:cs typeface="Times New Roman" panose="02020603050405020304" pitchFamily="18" charset="0"/>
-              </a:rPr>
-              <a:t>[independent nominal variable]?”</a:t>
-            </a:r>
             <a:br>
               <a:rPr lang="en-GB" sz="2400" dirty="0">
                 <a:effectLst/>
@@ -5982,225 +5664,6 @@
                 <a:srgbClr val="FF0000"/>
               </a:solidFill>
             </a:endParaRPr>
-          </a:p>
-        </p:txBody>
-      </p:sp>
-      <p:sp>
-        <p:nvSpPr>
-          <p:cNvPr id="7" name="TextBox 6">
-            <a:extLst>
-              <a:ext uri="{FF2B5EF4-FFF2-40B4-BE49-F238E27FC236}">
-                <a16:creationId xmlns:a16="http://schemas.microsoft.com/office/drawing/2014/main" id="{F7FEA660-7B39-BC91-3B96-7298CCF66DE1}"/>
-              </a:ext>
-            </a:extLst>
-          </p:cNvPr>
-          <p:cNvSpPr txBox="1"/>
-          <p:nvPr/>
-        </p:nvSpPr>
-        <p:spPr>
-          <a:xfrm>
-            <a:off x="623945" y="5297755"/>
-            <a:ext cx="11440040" cy="1477328"/>
-          </a:xfrm>
-          <a:prstGeom prst="rect">
-            <a:avLst/>
-          </a:prstGeom>
-          <a:solidFill>
-            <a:schemeClr val="bg1">
-              <a:lumMod val="95000"/>
-            </a:schemeClr>
-          </a:solidFill>
-        </p:spPr>
-        <p:txBody>
-          <a:bodyPr wrap="square" lIns="91440" tIns="45720" rIns="91440" bIns="45720" rtlCol="0" anchor="t">
-            <a:spAutoFit/>
-          </a:bodyPr>
-          <a:lstStyle/>
-          <a:p>
-            <a:r>
-              <a:rPr lang="en-GB" baseline="30000" dirty="0"/>
-              <a:t>1</a:t>
-            </a:r>
-            <a:r>
-              <a:rPr lang="en-GB" b="1" dirty="0">
-                <a:latin typeface="Calibri"/>
-                <a:cs typeface="Calibri"/>
-              </a:rPr>
-              <a:t>Correlation</a:t>
-            </a:r>
-            <a:r>
-              <a:rPr lang="en-GB" dirty="0"/>
-              <a:t> (</a:t>
-            </a:r>
-            <a:r>
-              <a:rPr lang="en-IE" sz="1800" dirty="0">
-                <a:effectLst/>
-                <a:latin typeface="Calibri"/>
-                <a:ea typeface="Calibri" panose="020F0502020204030204" pitchFamily="34" charset="0"/>
-                <a:cs typeface="Times New Roman"/>
-              </a:rPr>
-              <a:t>Analysis of how </a:t>
-            </a:r>
-            <a:r>
-              <a:rPr lang="en-IE" sz="1800" dirty="0">
-                <a:solidFill>
-                  <a:srgbClr val="FF0000"/>
-                </a:solidFill>
-                <a:effectLst/>
-                <a:latin typeface="Calibri"/>
-                <a:ea typeface="Calibri" panose="020F0502020204030204" pitchFamily="34" charset="0"/>
-                <a:cs typeface="Times New Roman"/>
-              </a:rPr>
-              <a:t>ordinal</a:t>
-            </a:r>
-            <a:r>
-              <a:rPr lang="en-IE" dirty="0">
-                <a:solidFill>
-                  <a:srgbClr val="FF0000"/>
-                </a:solidFill>
-                <a:latin typeface="Calibri"/>
-                <a:ea typeface="Calibri" panose="020F0502020204030204" pitchFamily="34" charset="0"/>
-                <a:cs typeface="Times New Roman"/>
-              </a:rPr>
-              <a:t>/</a:t>
-            </a:r>
-            <a:r>
-              <a:rPr lang="en-IE" sz="1800" dirty="0">
-                <a:solidFill>
-                  <a:srgbClr val="FF0000"/>
-                </a:solidFill>
-                <a:effectLst/>
-                <a:latin typeface="Calibri"/>
-                <a:ea typeface="Calibri" panose="020F0502020204030204" pitchFamily="34" charset="0"/>
-                <a:cs typeface="Times New Roman"/>
-              </a:rPr>
-              <a:t>interval </a:t>
-            </a:r>
-            <a:r>
-              <a:rPr lang="en-IE" sz="1800" dirty="0">
-                <a:solidFill>
-                  <a:srgbClr val="00B050"/>
-                </a:solidFill>
-                <a:effectLst/>
-                <a:latin typeface="Calibri"/>
-                <a:ea typeface="Calibri" panose="020F0502020204030204" pitchFamily="34" charset="0"/>
-                <a:cs typeface="Times New Roman"/>
-              </a:rPr>
-              <a:t>dependent var</a:t>
-            </a:r>
-            <a:r>
-              <a:rPr lang="en-IE" sz="1800" dirty="0">
-                <a:effectLst/>
-                <a:latin typeface="Calibri"/>
-                <a:ea typeface="Calibri" panose="020F0502020204030204" pitchFamily="34" charset="0"/>
-                <a:cs typeface="Times New Roman"/>
-              </a:rPr>
-              <a:t> </a:t>
-            </a:r>
-            <a:r>
-              <a:rPr lang="en-IE" dirty="0">
-                <a:latin typeface="Calibri"/>
-                <a:ea typeface="Calibri" panose="020F0502020204030204" pitchFamily="34" charset="0"/>
-                <a:cs typeface="Times New Roman"/>
-              </a:rPr>
-              <a:t>correlates </a:t>
-            </a:r>
-            <a:r>
-              <a:rPr lang="en-IE" sz="1800" dirty="0">
-                <a:effectLst/>
-                <a:latin typeface="Calibri"/>
-                <a:ea typeface="Calibri" panose="020F0502020204030204" pitchFamily="34" charset="0"/>
-                <a:cs typeface="Times New Roman"/>
-              </a:rPr>
-              <a:t>to an </a:t>
-            </a:r>
-            <a:r>
-              <a:rPr lang="en-IE" sz="1800" dirty="0">
-                <a:solidFill>
-                  <a:srgbClr val="FF0000"/>
-                </a:solidFill>
-                <a:effectLst/>
-                <a:latin typeface="Calibri"/>
-                <a:ea typeface="Calibri" panose="020F0502020204030204" pitchFamily="34" charset="0"/>
-                <a:cs typeface="Times New Roman"/>
-              </a:rPr>
-              <a:t>ordinal/interval </a:t>
-            </a:r>
-            <a:r>
-              <a:rPr lang="en-IE" sz="1800" dirty="0">
-                <a:solidFill>
-                  <a:srgbClr val="00B050"/>
-                </a:solidFill>
-                <a:effectLst/>
-                <a:latin typeface="Calibri"/>
-                <a:ea typeface="Calibri" panose="020F0502020204030204" pitchFamily="34" charset="0"/>
-                <a:cs typeface="Times New Roman"/>
-              </a:rPr>
-              <a:t>independent variable)</a:t>
-            </a:r>
-            <a:endParaRPr lang="en-GB" dirty="0">
-              <a:latin typeface="Calibri"/>
-              <a:cs typeface="Times New Roman"/>
-            </a:endParaRPr>
-          </a:p>
-          <a:p>
-            <a:r>
-              <a:rPr lang="en-IE" sz="1800" b="1" baseline="30000" dirty="0">
-                <a:effectLst/>
-                <a:latin typeface="Calibri" panose="020F0502020204030204" pitchFamily="34" charset="0"/>
-                <a:ea typeface="Calibri" panose="020F0502020204030204" pitchFamily="34" charset="0"/>
-                <a:cs typeface="Times New Roman" panose="02020603050405020304" pitchFamily="18" charset="0"/>
-              </a:rPr>
-              <a:t>2</a:t>
-            </a:r>
-            <a:r>
-              <a:rPr lang="en-IE" sz="1800" b="1" dirty="0">
-                <a:effectLst/>
-                <a:latin typeface="Calibri" panose="020F0502020204030204" pitchFamily="34" charset="0"/>
-                <a:ea typeface="Calibri" panose="020F0502020204030204" pitchFamily="34" charset="0"/>
-                <a:cs typeface="Times New Roman" panose="02020603050405020304" pitchFamily="18" charset="0"/>
-              </a:rPr>
-              <a:t>Comparison of means</a:t>
-            </a:r>
-            <a:r>
-              <a:rPr lang="en-IE" sz="1800" dirty="0">
-                <a:effectLst/>
-                <a:latin typeface="Calibri" panose="020F0502020204030204" pitchFamily="34" charset="0"/>
-                <a:ea typeface="Calibri" panose="020F0502020204030204" pitchFamily="34" charset="0"/>
-                <a:cs typeface="Times New Roman" panose="02020603050405020304" pitchFamily="18" charset="0"/>
-              </a:rPr>
-              <a:t> (or medians): Analysis of the difference between the mean (or median) value of a characteristic shared by members of two different populations.</a:t>
-            </a:r>
-          </a:p>
-          <a:p>
-            <a:r>
-              <a:rPr lang="en-IE" sz="1800" b="1" baseline="30000" dirty="0">
-                <a:effectLst/>
-                <a:latin typeface="Calibri" panose="020F0502020204030204" pitchFamily="34" charset="0"/>
-                <a:ea typeface="Calibri" panose="020F0502020204030204" pitchFamily="34" charset="0"/>
-                <a:cs typeface="Times New Roman" panose="02020603050405020304" pitchFamily="18" charset="0"/>
-              </a:rPr>
-              <a:t>3</a:t>
-            </a:r>
-            <a:r>
-              <a:rPr lang="en-IE" sz="1800" b="1" dirty="0">
-                <a:effectLst/>
-                <a:latin typeface="Calibri" panose="020F0502020204030204" pitchFamily="34" charset="0"/>
-                <a:ea typeface="Calibri" panose="020F0502020204030204" pitchFamily="34" charset="0"/>
-                <a:cs typeface="Times New Roman" panose="02020603050405020304" pitchFamily="18" charset="0"/>
-              </a:rPr>
-              <a:t>Comparison of proportions:</a:t>
-            </a:r>
-            <a:r>
-              <a:rPr lang="en-IE" sz="1800" dirty="0">
-                <a:effectLst/>
-                <a:latin typeface="Calibri" panose="020F0502020204030204" pitchFamily="34" charset="0"/>
-                <a:ea typeface="Calibri" panose="020F0502020204030204" pitchFamily="34" charset="0"/>
-                <a:cs typeface="Times New Roman" panose="02020603050405020304" pitchFamily="18" charset="0"/>
-              </a:rPr>
-              <a:t> Analysis of the difference in proportions of a characteristic shared by members of two different populations. </a:t>
-            </a:r>
-            <a:endParaRPr lang="en-GB" dirty="0"/>
           </a:p>
         </p:txBody>
       </p:sp>
@@ -6218,148 +5681,6 @@
 </file>
 
 <file path=ppt/slides/slide5.xml><?xml version="1.0" encoding="utf-8"?>
-<p:sld xmlns:a="http://schemas.openxmlformats.org/drawingml/2006/main" xmlns:r="http://schemas.openxmlformats.org/officeDocument/2006/relationships" xmlns:p="http://schemas.openxmlformats.org/presentationml/2006/main">
-  <p:cSld>
-    <p:spTree>
-      <p:nvGrpSpPr>
-        <p:cNvPr id="1" name=""/>
-        <p:cNvGrpSpPr/>
-        <p:nvPr/>
-      </p:nvGrpSpPr>
-      <p:grpSpPr>
-        <a:xfrm>
-          <a:off x="0" y="0"/>
-          <a:ext cx="0" cy="0"/>
-          <a:chOff x="0" y="0"/>
-          <a:chExt cx="0" cy="0"/>
-        </a:xfrm>
-      </p:grpSpPr>
-      <p:sp>
-        <p:nvSpPr>
-          <p:cNvPr id="2" name="Subtitle 1">
-            <a:extLst>
-              <a:ext uri="{FF2B5EF4-FFF2-40B4-BE49-F238E27FC236}">
-                <a16:creationId xmlns:a16="http://schemas.microsoft.com/office/drawing/2014/main" id="{DADAB720-117B-482A-8DB4-A7D665A25175}"/>
-              </a:ext>
-            </a:extLst>
-          </p:cNvPr>
-          <p:cNvSpPr>
-            <a:spLocks noGrp="1"/>
-          </p:cNvSpPr>
-          <p:nvPr>
-            <p:ph type="subTitle" idx="1"/>
-          </p:nvPr>
-        </p:nvSpPr>
-        <p:spPr/>
-        <p:txBody>
-          <a:bodyPr/>
-          <a:lstStyle/>
-          <a:p>
-            <a:r>
-              <a:rPr lang="en-GB" dirty="0"/>
-              <a:t>Our Research Question is:</a:t>
-            </a:r>
-          </a:p>
-        </p:txBody>
-      </p:sp>
-      <p:sp>
-        <p:nvSpPr>
-          <p:cNvPr id="3" name="Footer Placeholder 2">
-            <a:extLst>
-              <a:ext uri="{FF2B5EF4-FFF2-40B4-BE49-F238E27FC236}">
-                <a16:creationId xmlns:a16="http://schemas.microsoft.com/office/drawing/2014/main" id="{D2FFFBBC-8447-4D06-968C-5E4627FBED90}"/>
-              </a:ext>
-            </a:extLst>
-          </p:cNvPr>
-          <p:cNvSpPr>
-            <a:spLocks noGrp="1"/>
-          </p:cNvSpPr>
-          <p:nvPr>
-            <p:ph type="ftr" sz="quarter" idx="11"/>
-          </p:nvPr>
-        </p:nvSpPr>
-        <p:spPr/>
-        <p:txBody>
-          <a:bodyPr/>
-          <a:lstStyle/>
-          <a:p>
-            <a:r>
-              <a:rPr lang="en-GB"/>
-              <a:t>PRESENTATION TITLE (ADD VIA INSERT, HEADER &amp; FOOTER)</a:t>
-            </a:r>
-            <a:endParaRPr lang="en-GB" dirty="0"/>
-          </a:p>
-        </p:txBody>
-      </p:sp>
-      <p:sp>
-        <p:nvSpPr>
-          <p:cNvPr id="4" name="Slide Number Placeholder 3">
-            <a:extLst>
-              <a:ext uri="{FF2B5EF4-FFF2-40B4-BE49-F238E27FC236}">
-                <a16:creationId xmlns:a16="http://schemas.microsoft.com/office/drawing/2014/main" id="{44672B0E-77BB-47B8-9666-BD59D7BAB3B8}"/>
-              </a:ext>
-            </a:extLst>
-          </p:cNvPr>
-          <p:cNvSpPr>
-            <a:spLocks noGrp="1"/>
-          </p:cNvSpPr>
-          <p:nvPr>
-            <p:ph type="sldNum" sz="quarter" idx="12"/>
-          </p:nvPr>
-        </p:nvSpPr>
-        <p:spPr/>
-        <p:txBody>
-          <a:bodyPr/>
-          <a:lstStyle/>
-          <a:p>
-            <a:fld id="{E4D355CA-84B7-41B1-B164-8BB439CC7C6B}" type="slidenum">
-              <a:rPr lang="en-GB" smtClean="0"/>
-              <a:pPr/>
-              <a:t>5</a:t>
-            </a:fld>
-            <a:endParaRPr lang="en-GB" dirty="0"/>
-          </a:p>
-        </p:txBody>
-      </p:sp>
-      <p:sp>
-        <p:nvSpPr>
-          <p:cNvPr id="5" name="Title 4">
-            <a:extLst>
-              <a:ext uri="{FF2B5EF4-FFF2-40B4-BE49-F238E27FC236}">
-                <a16:creationId xmlns:a16="http://schemas.microsoft.com/office/drawing/2014/main" id="{F355DC64-F4B7-423B-90D1-A286C35E7CA6}"/>
-              </a:ext>
-            </a:extLst>
-          </p:cNvPr>
-          <p:cNvSpPr>
-            <a:spLocks noGrp="1"/>
-          </p:cNvSpPr>
-          <p:nvPr>
-            <p:ph type="ctrTitle"/>
-          </p:nvPr>
-        </p:nvSpPr>
-        <p:spPr/>
-        <p:txBody>
-          <a:bodyPr/>
-          <a:lstStyle/>
-          <a:p>
-            <a:endParaRPr lang="en-GB"/>
-          </a:p>
-        </p:txBody>
-      </p:sp>
-    </p:spTree>
-    <p:extLst>
-      <p:ext uri="{BB962C8B-B14F-4D97-AF65-F5344CB8AC3E}">
-        <p14:creationId xmlns:p14="http://schemas.microsoft.com/office/powerpoint/2010/main" val="644063045"/>
-      </p:ext>
-    </p:extLst>
-  </p:cSld>
-  <p:clrMapOvr>
-    <a:masterClrMapping/>
-  </p:clrMapOvr>
-</p:sld>
-</file>
-
-<file path=ppt/slides/slide6.xml><?xml version="1.0" encoding="utf-8"?>
 <p:sld xmlns:a="http://schemas.openxmlformats.org/drawingml/2006/main" xmlns:r="http://schemas.openxmlformats.org/officeDocument/2006/relationships" xmlns:p="http://schemas.openxmlformats.org/presentationml/2006/main">
   <p:cSld>
     <p:spTree>
@@ -7779,23 +7100,6 @@
 </file>
 
 <file path=customXml/item1.xml><?xml version="1.0" encoding="utf-8"?>
-<?mso-contentType ?>
-<FormTemplates xmlns="http://schemas.microsoft.com/sharepoint/v3/contenttype/forms">
-  <Display>DocumentLibraryForm</Display>
-  <Edit>DocumentLibraryForm</Edit>
-  <New>DocumentLibraryForm</New>
-</FormTemplates>
-</file>
-
-<file path=customXml/item2.xml><?xml version="1.0" encoding="utf-8"?>
-<p:properties xmlns:p="http://schemas.microsoft.com/office/2006/metadata/properties" xmlns:xsi="http://www.w3.org/2001/XMLSchema-instance" xmlns:pc="http://schemas.microsoft.com/office/infopath/2007/PartnerControls">
-  <documentManagement>
-    <Information xmlns="4ad138b4-2b68-4b70-945d-07f8f18b1c9a" xsi:nil="true"/>
-  </documentManagement>
-</p:properties>
-</file>
-
-<file path=customXml/item3.xml><?xml version="1.0" encoding="utf-8"?>
 <ct:contentTypeSchema xmlns:ct="http://schemas.microsoft.com/office/2006/metadata/contentType" xmlns:ma="http://schemas.microsoft.com/office/2006/metadata/properties/metaAttributes" ct:_="" ma:_="" ma:contentTypeName="Document" ma:contentTypeID="0x01010026DBA85F447B164191BB36C258697B67" ma:contentTypeVersion="14" ma:contentTypeDescription="Create a new document." ma:contentTypeScope="" ma:versionID="ea511d05ca7f895fe9556935b5c9af34">
   <xsd:schema xmlns:xsd="http://www.w3.org/2001/XMLSchema" xmlns:xs="http://www.w3.org/2001/XMLSchema" xmlns:p="http://schemas.microsoft.com/office/2006/metadata/properties" xmlns:ns2="4ad138b4-2b68-4b70-945d-07f8f18b1c9a" xmlns:ns3="3c474641-ec36-472f-b125-6b1b0910eaa4" targetNamespace="http://schemas.microsoft.com/office/2006/metadata/properties" ma:root="true" ma:fieldsID="662270106d7a7e100bcac2c5f8d29899" ns2:_="" ns3:_="">
     <xsd:import namespace="4ad138b4-2b68-4b70-945d-07f8f18b1c9a"/>
@@ -8020,10 +7324,38 @@
 </ct:contentTypeSchema>
 </file>
 
+<file path=customXml/item2.xml><?xml version="1.0" encoding="utf-8"?>
+<p:properties xmlns:p="http://schemas.microsoft.com/office/2006/metadata/properties" xmlns:xsi="http://www.w3.org/2001/XMLSchema-instance" xmlns:pc="http://schemas.microsoft.com/office/infopath/2007/PartnerControls">
+  <documentManagement>
+    <Information xmlns="4ad138b4-2b68-4b70-945d-07f8f18b1c9a" xsi:nil="true"/>
+  </documentManagement>
+</p:properties>
+</file>
+
+<file path=customXml/item3.xml><?xml version="1.0" encoding="utf-8"?>
+<?mso-contentType ?>
+<FormTemplates xmlns="http://schemas.microsoft.com/sharepoint/v3/contenttype/forms">
+  <Display>DocumentLibraryForm</Display>
+  <Edit>DocumentLibraryForm</Edit>
+  <New>DocumentLibraryForm</New>
+</FormTemplates>
+</file>
+
 <file path=customXml/itemProps1.xml><?xml version="1.0" encoding="utf-8"?>
-<ds:datastoreItem xmlns:ds="http://schemas.openxmlformats.org/officeDocument/2006/customXml" ds:itemID="{91C521DD-2673-4EE6-BB9B-DC5C3320FFBB}">
+<ds:datastoreItem xmlns:ds="http://schemas.openxmlformats.org/officeDocument/2006/customXml" ds:itemID="{421B8C57-903D-4D0E-8336-7B512F760CD1}">
   <ds:schemaRefs>
-    <ds:schemaRef ds:uri="http://schemas.microsoft.com/sharepoint/v3/contenttype/forms"/>
+    <ds:schemaRef ds:uri="http://schemas.microsoft.com/office/2006/metadata/contentType"/>
+    <ds:schemaRef ds:uri="http://schemas.microsoft.com/office/2006/metadata/properties/metaAttributes"/>
+    <ds:schemaRef ds:uri="http://www.w3.org/2001/XMLSchema"/>
+    <ds:schemaRef ds:uri="http://schemas.microsoft.com/office/2006/metadata/properties"/>
+    <ds:schemaRef ds:uri="4ad138b4-2b68-4b70-945d-07f8f18b1c9a"/>
+    <ds:schemaRef ds:uri="3c474641-ec36-472f-b125-6b1b0910eaa4"/>
+    <ds:schemaRef ds:uri="http://schemas.microsoft.com/office/2006/documentManagement/types"/>
+    <ds:schemaRef ds:uri="http://schemas.microsoft.com/office/infopath/2007/PartnerControls"/>
+    <ds:schemaRef ds:uri="http://schemas.openxmlformats.org/package/2006/metadata/core-properties"/>
+    <ds:schemaRef ds:uri="http://purl.org/dc/elements/1.1/"/>
+    <ds:schemaRef ds:uri="http://purl.org/dc/terms/"/>
+    <ds:schemaRef ds:uri="http://schemas.microsoft.com/internal/obd"/>
   </ds:schemaRefs>
 </ds:datastoreItem>
 </file>
@@ -8046,20 +7378,9 @@
 </file>
 
 <file path=customXml/itemProps3.xml><?xml version="1.0" encoding="utf-8"?>
-<ds:datastoreItem xmlns:ds="http://schemas.openxmlformats.org/officeDocument/2006/customXml" ds:itemID="{421B8C57-903D-4D0E-8336-7B512F760CD1}">
+<ds:datastoreItem xmlns:ds="http://schemas.openxmlformats.org/officeDocument/2006/customXml" ds:itemID="{91C521DD-2673-4EE6-BB9B-DC5C3320FFBB}">
   <ds:schemaRefs>
-    <ds:schemaRef ds:uri="http://schemas.microsoft.com/office/2006/metadata/contentType"/>
-    <ds:schemaRef ds:uri="http://schemas.microsoft.com/office/2006/metadata/properties/metaAttributes"/>
-    <ds:schemaRef ds:uri="http://www.w3.org/2001/XMLSchema"/>
-    <ds:schemaRef ds:uri="http://schemas.microsoft.com/office/2006/metadata/properties"/>
-    <ds:schemaRef ds:uri="4ad138b4-2b68-4b70-945d-07f8f18b1c9a"/>
-    <ds:schemaRef ds:uri="3c474641-ec36-472f-b125-6b1b0910eaa4"/>
-    <ds:schemaRef ds:uri="http://schemas.microsoft.com/office/2006/documentManagement/types"/>
-    <ds:schemaRef ds:uri="http://schemas.microsoft.com/office/infopath/2007/PartnerControls"/>
-    <ds:schemaRef ds:uri="http://schemas.openxmlformats.org/package/2006/metadata/core-properties"/>
-    <ds:schemaRef ds:uri="http://purl.org/dc/elements/1.1/"/>
-    <ds:schemaRef ds:uri="http://purl.org/dc/terms/"/>
-    <ds:schemaRef ds:uri="http://schemas.microsoft.com/internal/obd"/>
+    <ds:schemaRef ds:uri="http://schemas.microsoft.com/sharepoint/v3/contenttype/forms"/>
   </ds:schemaRefs>
 </ds:datastoreItem>
 </file>
--- a/researchQuestion.pptx
+++ b/researchQuestion.pptx
@@ -5731,61 +5731,44 @@
               </a:lnSpc>
             </a:pPr>
             <a:r>
-              <a:rPr lang="en-GB" sz="2400" b="0" dirty="0">
-                <a:latin typeface="Calibri"/>
-                <a:cs typeface="Calibri"/>
-              </a:rPr>
-              <a:t>Add your </a:t>
-            </a:r>
-            <a:r>
               <a:rPr lang="en-GB" sz="2400" dirty="0">
                 <a:latin typeface="Calibri"/>
                 <a:cs typeface="Calibri"/>
               </a:rPr>
-              <a:t>Hypotheses</a:t>
-            </a:r>
-            <a:r>
-              <a:rPr lang="en-GB" sz="2400" b="0" dirty="0">
-                <a:latin typeface="Calibri"/>
-                <a:cs typeface="Calibri"/>
-              </a:rPr>
-              <a:t> to the previous RQ Slide  (both the Null and Alternative Hypotheses).  Here are definitions and examples. </a:t>
-            </a:r>
-            <a:r>
-              <a:rPr lang="en-GB" sz="2400" dirty="0">
-                <a:latin typeface="Calibri"/>
-                <a:cs typeface="Calibri"/>
-              </a:rPr>
-              <a:t>Your wording will come directly from your RQ</a:t>
-            </a:r>
-            <a:r>
-              <a:rPr lang="en-GB" sz="2400" b="0" dirty="0">
-                <a:latin typeface="Calibri"/>
-                <a:cs typeface="Calibri"/>
-              </a:rPr>
-              <a:t>. This is the formal way of reporting the results of your inferential test statistics,  in which we report the </a:t>
-            </a:r>
-            <a:r>
-              <a:rPr lang="en-GB" sz="2400" b="0" i="1" dirty="0">
-                <a:latin typeface="Calibri"/>
-                <a:cs typeface="Calibri"/>
-              </a:rPr>
-              <a:t>effect</a:t>
-            </a:r>
-            <a:r>
-              <a:rPr lang="en-GB" sz="2400" b="0" dirty="0">
-                <a:latin typeface="Calibri"/>
-                <a:cs typeface="Calibri"/>
-              </a:rPr>
-              <a:t> the independent variable has on the dependent variable – </a:t>
-            </a:r>
-          </a:p>
-          <a:p>
-            <a:pPr marL="457200" indent="-457200">
+              <a:t>Hypothesis:</a:t>
+            </a:r>
+            <a:endParaRPr lang="en-GB" sz="2400" b="0" dirty="0">
+              <a:latin typeface="Calibri"/>
+              <a:cs typeface="Calibri"/>
+            </a:endParaRPr>
+          </a:p>
+          <a:p>
+            <a:pPr>
               <a:lnSpc>
                 <a:spcPct val="100000"/>
               </a:lnSpc>
-              <a:buAutoNum type="arabicPeriod"/>
+            </a:pPr>
+            <a:endParaRPr lang="en-GB" sz="2400" b="0" dirty="0">
+              <a:latin typeface="Calibri"/>
+              <a:cs typeface="Calibri"/>
+            </a:endParaRPr>
+          </a:p>
+          <a:p>
+            <a:pPr>
+              <a:lnSpc>
+                <a:spcPct val="100000"/>
+              </a:lnSpc>
+            </a:pPr>
+            <a:endParaRPr lang="en-GB" sz="2400" b="0" dirty="0">
+              <a:latin typeface="Calibri"/>
+              <a:cs typeface="Calibri"/>
+            </a:endParaRPr>
+          </a:p>
+          <a:p>
+            <a:pPr>
+              <a:lnSpc>
+                <a:spcPct val="100000"/>
+              </a:lnSpc>
             </a:pPr>
             <a:r>
               <a:rPr lang="en-GB" sz="2000" b="0" dirty="0">
@@ -5820,7 +5803,21 @@
                 <a:latin typeface="Arial"/>
                 <a:cs typeface="Arial"/>
               </a:rPr>
-              <a:t>effect on the population – so you write one of the following:  </a:t>
+              <a:t>difference in the mean of the </a:t>
+            </a:r>
+            <a:r>
+              <a:rPr lang="en-GB" sz="2000" b="0" dirty="0" err="1">
+                <a:latin typeface="Arial"/>
+                <a:cs typeface="Arial"/>
+              </a:rPr>
+              <a:t>teamID</a:t>
+            </a:r>
+            <a:r>
+              <a:rPr lang="en-GB" sz="2000" b="0" dirty="0">
+                <a:latin typeface="Arial"/>
+                <a:cs typeface="Arial"/>
+              </a:rPr>
+              <a:t> among 538Rating.</a:t>
             </a:r>
           </a:p>
           <a:p>
@@ -5829,66 +5826,10 @@
                 <a:spcPct val="100000"/>
               </a:lnSpc>
             </a:pPr>
-            <a:r>
-              <a:rPr lang="en-GB" sz="2000" b="0" dirty="0">
-                <a:solidFill>
-                  <a:srgbClr val="FF0000"/>
-                </a:solidFill>
-                <a:latin typeface="Arial"/>
-                <a:cs typeface="Arial"/>
-              </a:rPr>
-              <a:t>Null hypothesis (H</a:t>
-            </a:r>
-            <a:r>
-              <a:rPr lang="en-GB" sz="2000" b="0" baseline="-25000" dirty="0">
-                <a:solidFill>
-                  <a:srgbClr val="FF0000"/>
-                </a:solidFill>
-                <a:latin typeface="Arial"/>
-                <a:cs typeface="Arial"/>
-              </a:rPr>
-              <a:t>0</a:t>
-            </a:r>
-            <a:r>
-              <a:rPr lang="en-GB" sz="2000" b="0" dirty="0">
-                <a:solidFill>
-                  <a:srgbClr val="FF0000"/>
-                </a:solidFill>
-                <a:latin typeface="Arial"/>
-                <a:cs typeface="Arial"/>
-              </a:rPr>
-              <a:t>): There is </a:t>
-            </a:r>
-            <a:r>
-              <a:rPr lang="en-GB" sz="2000" dirty="0">
-                <a:solidFill>
-                  <a:srgbClr val="FF0000"/>
-                </a:solidFill>
-                <a:latin typeface="Arial"/>
-                <a:cs typeface="Arial"/>
-              </a:rPr>
-              <a:t>no</a:t>
-            </a:r>
-            <a:r>
-              <a:rPr lang="en-GB" sz="2000" b="0" dirty="0">
-                <a:solidFill>
-                  <a:srgbClr val="FF0000"/>
-                </a:solidFill>
-                <a:latin typeface="Arial"/>
-                <a:cs typeface="Arial"/>
-              </a:rPr>
-              <a:t> difference in the mean/median of the [dependent variable] between/among [subsets of the independent variable].              </a:t>
-            </a:r>
-            <a:r>
-              <a:rPr lang="en-GB" sz="2000" b="0" dirty="0">
-                <a:solidFill>
-                  <a:schemeClr val="tx1"/>
-                </a:solidFill>
-                <a:latin typeface="Arial"/>
-                <a:cs typeface="Arial"/>
-              </a:rPr>
-              <a:t>or</a:t>
-            </a:r>
+            <a:endParaRPr lang="en-GB" sz="2000" b="0" dirty="0">
+              <a:latin typeface="Arial"/>
+              <a:cs typeface="Arial"/>
+            </a:endParaRPr>
           </a:p>
           <a:p>
             <a:pPr>
@@ -5898,134 +5839,10 @@
             </a:pPr>
             <a:r>
               <a:rPr lang="en-GB" sz="2000" b="0" dirty="0">
-                <a:solidFill>
-                  <a:srgbClr val="FF0000"/>
-                </a:solidFill>
                 <a:latin typeface="Arial"/>
                 <a:cs typeface="Arial"/>
               </a:rPr>
-              <a:t>Null hypothesis (H</a:t>
-            </a:r>
-            <a:r>
-              <a:rPr lang="en-GB" sz="2000" b="0" baseline="-25000" dirty="0">
-                <a:solidFill>
-                  <a:srgbClr val="FF0000"/>
-                </a:solidFill>
-                <a:latin typeface="Arial"/>
-                <a:cs typeface="Arial"/>
-              </a:rPr>
-              <a:t>0</a:t>
-            </a:r>
-            <a:r>
-              <a:rPr lang="en-GB" sz="2000" b="0" dirty="0">
-                <a:solidFill>
-                  <a:srgbClr val="FF0000"/>
-                </a:solidFill>
-                <a:latin typeface="Arial"/>
-                <a:cs typeface="Arial"/>
-              </a:rPr>
-              <a:t>):  There is </a:t>
-            </a:r>
-            <a:r>
-              <a:rPr lang="en-GB" sz="2000" dirty="0">
-                <a:solidFill>
-                  <a:srgbClr val="FF0000"/>
-                </a:solidFill>
-                <a:latin typeface="Arial"/>
-                <a:cs typeface="Arial"/>
-              </a:rPr>
-              <a:t>no</a:t>
-            </a:r>
-            <a:r>
-              <a:rPr lang="en-GB" sz="2000" b="0" dirty="0">
-                <a:solidFill>
-                  <a:srgbClr val="FF0000"/>
-                </a:solidFill>
-                <a:latin typeface="Arial"/>
-                <a:cs typeface="Arial"/>
-              </a:rPr>
-              <a:t> difference in the proportions(s)of [subset(s) of dependent variable] between/among [subsets of independent variable].                     </a:t>
-            </a:r>
-            <a:r>
-              <a:rPr lang="en-GB" sz="2000" b="0" dirty="0">
-                <a:solidFill>
-                  <a:schemeClr val="tx1"/>
-                </a:solidFill>
-                <a:latin typeface="Arial"/>
-                <a:cs typeface="Arial"/>
-              </a:rPr>
-              <a:t>or</a:t>
-            </a:r>
-          </a:p>
-          <a:p>
-            <a:pPr>
-              <a:lnSpc>
-                <a:spcPct val="100000"/>
-              </a:lnSpc>
-            </a:pPr>
-            <a:r>
-              <a:rPr lang="en-GB" sz="2000" b="0" dirty="0">
-                <a:solidFill>
-                  <a:srgbClr val="FF0000"/>
-                </a:solidFill>
-                <a:latin typeface="Arial"/>
-                <a:cs typeface="Arial"/>
-              </a:rPr>
-              <a:t>Null hypothesis (H</a:t>
-            </a:r>
-            <a:r>
-              <a:rPr lang="en-GB" sz="2000" b="0" baseline="-25000" dirty="0">
-                <a:solidFill>
-                  <a:srgbClr val="FF0000"/>
-                </a:solidFill>
-                <a:latin typeface="Arial"/>
-                <a:cs typeface="Arial"/>
-              </a:rPr>
-              <a:t>0</a:t>
-            </a:r>
-            <a:r>
-              <a:rPr lang="en-GB" sz="2000" b="0" dirty="0">
-                <a:solidFill>
-                  <a:srgbClr val="FF0000"/>
-                </a:solidFill>
-                <a:latin typeface="Arial"/>
-                <a:cs typeface="Arial"/>
-              </a:rPr>
-              <a:t>): There is </a:t>
-            </a:r>
-            <a:r>
-              <a:rPr lang="en-GB" sz="2000" dirty="0">
-                <a:solidFill>
-                  <a:srgbClr val="FF0000"/>
-                </a:solidFill>
-                <a:latin typeface="Arial"/>
-                <a:cs typeface="Arial"/>
-              </a:rPr>
-              <a:t>no</a:t>
-            </a:r>
-            <a:r>
-              <a:rPr lang="en-GB" sz="2000" b="0" dirty="0">
-                <a:solidFill>
-                  <a:srgbClr val="FF0000"/>
-                </a:solidFill>
-                <a:latin typeface="Arial"/>
-                <a:cs typeface="Arial"/>
-              </a:rPr>
-              <a:t> correlation between [dependent variable] and [independent variable].</a:t>
-            </a:r>
-          </a:p>
-          <a:p>
-            <a:pPr>
-              <a:lnSpc>
-                <a:spcPct val="100000"/>
-              </a:lnSpc>
-            </a:pPr>
-            <a:r>
-              <a:rPr lang="en-GB" sz="2000" b="0" dirty="0">
-                <a:latin typeface="Arial"/>
-                <a:cs typeface="Arial"/>
-              </a:rPr>
-              <a:t>2. Alternative hypothesis (H</a:t>
+              <a:t>Alternative hypothesis (H</a:t>
             </a:r>
             <a:r>
               <a:rPr lang="en-GB" sz="2000" b="0" baseline="-25000" dirty="0">
@@ -6039,78 +5856,37 @@
                 <a:latin typeface="Arial"/>
                 <a:cs typeface="Arial"/>
               </a:rPr>
-              <a:t>):  There appears to be an effect on the population – so you copy what you wrote for the Null hypothesis but remove the ‘no’ and replace with ‘</a:t>
-            </a:r>
-            <a:r>
-              <a:rPr lang="en-GB" sz="2000" dirty="0">
-                <a:latin typeface="Arial"/>
+              <a:t>):  </a:t>
+            </a:r>
+            <a:r>
+              <a:rPr lang="en-GB" sz="2000" b="0" dirty="0">
                 <a:cs typeface="Arial"/>
               </a:rPr>
-              <a:t>a’  </a:t>
-            </a:r>
-            <a:r>
-              <a:rPr lang="en-GB" sz="2000" b="0" dirty="0">
-                <a:latin typeface="Arial"/>
+              <a:t>There is </a:t>
+            </a:r>
+            <a:r>
+              <a:rPr lang="en-GB" sz="2000" dirty="0">
                 <a:cs typeface="Arial"/>
               </a:rPr>
-              <a:t>For example:</a:t>
-            </a:r>
-          </a:p>
-          <a:p>
-            <a:pPr>
-              <a:lnSpc>
-                <a:spcPct val="100000"/>
-              </a:lnSpc>
-            </a:pPr>
+              <a:t>a </a:t>
+            </a:r>
             <a:r>
               <a:rPr lang="en-GB" sz="2000" b="0" dirty="0">
-                <a:solidFill>
-                  <a:srgbClr val="FF0000"/>
-                </a:solidFill>
-                <a:latin typeface="Arial"/>
                 <a:cs typeface="Arial"/>
               </a:rPr>
-              <a:t>Alt hypothesis (H</a:t>
-            </a:r>
-            <a:r>
-              <a:rPr lang="en-GB" sz="2000" b="0" baseline="-25000" dirty="0">
-                <a:solidFill>
-                  <a:srgbClr val="FF0000"/>
-                </a:solidFill>
-                <a:latin typeface="Arial"/>
+              <a:t>difference in the mean of the </a:t>
+            </a:r>
+            <a:r>
+              <a:rPr lang="en-GB" sz="2000" b="0" dirty="0" err="1">
                 <a:cs typeface="Arial"/>
               </a:rPr>
-              <a:t>1</a:t>
+              <a:t>teamID</a:t>
             </a:r>
             <a:r>
               <a:rPr lang="en-GB" sz="2000" b="0" dirty="0">
-                <a:solidFill>
-                  <a:srgbClr val="FF0000"/>
-                </a:solidFill>
-                <a:latin typeface="Arial"/>
                 <a:cs typeface="Arial"/>
               </a:rPr>
-              <a:t>): There is </a:t>
-            </a:r>
-            <a:r>
-              <a:rPr lang="en-GB" sz="2000" dirty="0">
-                <a:solidFill>
-                  <a:srgbClr val="FF0000"/>
-                </a:solidFill>
-                <a:latin typeface="Arial"/>
-                <a:cs typeface="Arial"/>
-              </a:rPr>
-              <a:t>a</a:t>
-            </a:r>
-            <a:r>
-              <a:rPr lang="en-GB" sz="2000" b="0" dirty="0">
-                <a:solidFill>
-                  <a:srgbClr val="FF0000"/>
-                </a:solidFill>
-                <a:latin typeface="Arial"/>
-                <a:cs typeface="Arial"/>
-              </a:rPr>
-              <a:t> correlation between [dependent variable] and [independent variable].</a:t>
+              <a:t> among 538Rating.</a:t>
             </a:r>
           </a:p>
         </p:txBody>

--- a/researchQuestion.pptx
+++ b/researchQuestion.pptx
@@ -5,10 +5,10 @@
     <p:sldMasterId id="2147483648" r:id="rId4"/>
   </p:sldMasterIdLst>
   <p:notesMasterIdLst>
-    <p:notesMasterId r:id="rId10"/>
+    <p:notesMasterId r:id="rId11"/>
   </p:notesMasterIdLst>
   <p:handoutMasterIdLst>
-    <p:handoutMasterId r:id="rId11"/>
+    <p:handoutMasterId r:id="rId12"/>
   </p:handoutMasterIdLst>
   <p:sldIdLst>
     <p:sldId id="289" r:id="rId5"/>
@@ -16,6 +16,7 @@
     <p:sldId id="329" r:id="rId7"/>
     <p:sldId id="336" r:id="rId8"/>
     <p:sldId id="338" r:id="rId9"/>
+    <p:sldId id="341" r:id="rId10"/>
   </p:sldIdLst>
   <p:sldSz cx="12192000" cy="6858000"/>
   <p:notesSz cx="6858000" cy="9144000"/>
@@ -5478,11 +5479,14 @@
               <a:rPr lang="en-GB" dirty="0"/>
               <a:t>Our Research Question is </a:t>
             </a:r>
-            <a:endParaRPr lang="en-GB" sz="1800" dirty="0">
-              <a:solidFill>
-                <a:srgbClr val="FF0000"/>
-              </a:solidFill>
-            </a:endParaRPr>
+            <a:r>
+              <a:rPr lang="en-GB" sz="1800" dirty="0">
+                <a:solidFill>
+                  <a:srgbClr val="FF0000"/>
+                </a:solidFill>
+              </a:rPr>
+              <a:t>Choose ONE of the three templates below replacing the blue text with your variables – then add hypotheses as shown in next slide:</a:t>
+            </a:r>
           </a:p>
         </p:txBody>
       </p:sp>
@@ -5615,16 +5619,19 @@
                 <a:ea typeface="Calibri" panose="020F0502020204030204" pitchFamily="34" charset="0"/>
                 <a:cs typeface="Times New Roman" panose="02020603050405020304" pitchFamily="18" charset="0"/>
               </a:rPr>
-              <a:t>Interval/Ordinal vs Interval/Ordinal: Is there a correlation between </a:t>
-            </a:r>
-            <a:r>
-              <a:rPr lang="en-IE" sz="2400" b="0" dirty="0" err="1">
+              <a:t>Interval/Ordinal vs Interval/Ordinal: “Is there a correlation between </a:t>
+            </a:r>
+            <a:r>
+              <a:rPr lang="en-IE" sz="2400" b="0" dirty="0">
+                <a:solidFill>
+                  <a:srgbClr val="0070C0"/>
+                </a:solidFill>
                 <a:effectLst/>
                 <a:latin typeface="Calibri" panose="020F0502020204030204" pitchFamily="34" charset="0"/>
                 <a:ea typeface="Calibri" panose="020F0502020204030204" pitchFamily="34" charset="0"/>
                 <a:cs typeface="Times New Roman" panose="02020603050405020304" pitchFamily="18" charset="0"/>
               </a:rPr>
-              <a:t>TeamId</a:t>
+              <a:t>[dependent interval </a:t>
             </a:r>
             <a:r>
               <a:rPr lang="en-IE" sz="2400" b="0" dirty="0">
@@ -5633,7 +5640,70 @@
                 <a:ea typeface="Calibri" panose="020F0502020204030204" pitchFamily="34" charset="0"/>
                 <a:cs typeface="Times New Roman" panose="02020603050405020304" pitchFamily="18" charset="0"/>
               </a:rPr>
-              <a:t> and 538Rating . </a:t>
+              <a:t>or</a:t>
+            </a:r>
+            <a:r>
+              <a:rPr lang="en-IE" sz="2400" b="0" dirty="0">
+                <a:solidFill>
+                  <a:srgbClr val="0070C0"/>
+                </a:solidFill>
+                <a:effectLst/>
+                <a:latin typeface="Calibri" panose="020F0502020204030204" pitchFamily="34" charset="0"/>
+                <a:ea typeface="Calibri" panose="020F0502020204030204" pitchFamily="34" charset="0"/>
+                <a:cs typeface="Times New Roman" panose="02020603050405020304" pitchFamily="18" charset="0"/>
+              </a:rPr>
+              <a:t> ordinal variable] </a:t>
+            </a:r>
+            <a:r>
+              <a:rPr lang="en-IE" sz="2400" b="0" dirty="0">
+                <a:effectLst/>
+                <a:latin typeface="Calibri" panose="020F0502020204030204" pitchFamily="34" charset="0"/>
+                <a:ea typeface="Calibri" panose="020F0502020204030204" pitchFamily="34" charset="0"/>
+                <a:cs typeface="Times New Roman" panose="02020603050405020304" pitchFamily="18" charset="0"/>
+              </a:rPr>
+              <a:t>and </a:t>
+            </a:r>
+            <a:r>
+              <a:rPr lang="en-IE" sz="2400" b="0" dirty="0">
+                <a:solidFill>
+                  <a:srgbClr val="0070C0"/>
+                </a:solidFill>
+                <a:effectLst/>
+                <a:latin typeface="Calibri" panose="020F0502020204030204" pitchFamily="34" charset="0"/>
+                <a:ea typeface="Calibri" panose="020F0502020204030204" pitchFamily="34" charset="0"/>
+                <a:cs typeface="Times New Roman" panose="02020603050405020304" pitchFamily="18" charset="0"/>
+              </a:rPr>
+              <a:t>[independent interval </a:t>
+            </a:r>
+            <a:r>
+              <a:rPr lang="en-IE" sz="2400" b="0" dirty="0">
+                <a:effectLst/>
+                <a:latin typeface="Calibri" panose="020F0502020204030204" pitchFamily="34" charset="0"/>
+                <a:ea typeface="Calibri" panose="020F0502020204030204" pitchFamily="34" charset="0"/>
+                <a:cs typeface="Times New Roman" panose="02020603050405020304" pitchFamily="18" charset="0"/>
+              </a:rPr>
+              <a:t>or</a:t>
+            </a:r>
+            <a:r>
+              <a:rPr lang="en-IE" sz="2400" b="0" dirty="0">
+                <a:solidFill>
+                  <a:srgbClr val="0070C0"/>
+                </a:solidFill>
+                <a:effectLst/>
+                <a:latin typeface="Calibri" panose="020F0502020204030204" pitchFamily="34" charset="0"/>
+                <a:ea typeface="Calibri" panose="020F0502020204030204" pitchFamily="34" charset="0"/>
+                <a:cs typeface="Times New Roman" panose="02020603050405020304" pitchFamily="18" charset="0"/>
+              </a:rPr>
+              <a:t> ordinal variable?]”</a:t>
+            </a:r>
+            <a:r>
+              <a:rPr lang="en-IE" sz="2400" b="0" dirty="0">
+                <a:effectLst/>
+                <a:latin typeface="Calibri" panose="020F0502020204030204" pitchFamily="34" charset="0"/>
+                <a:ea typeface="Calibri" panose="020F0502020204030204" pitchFamily="34" charset="0"/>
+                <a:cs typeface="Times New Roman" panose="02020603050405020304" pitchFamily="18" charset="0"/>
+              </a:rPr>
+              <a:t>. </a:t>
             </a:r>
             <a:br>
               <a:rPr lang="en-IE" sz="2400" dirty="0">
@@ -5651,6 +5721,254 @@
                 <a:cs typeface="Times New Roman" panose="02020603050405020304" pitchFamily="18" charset="0"/>
               </a:rPr>
             </a:br>
+            <a:r>
+              <a:rPr lang="en-IE" sz="2400" dirty="0">
+                <a:effectLst/>
+                <a:latin typeface="Calibri" panose="020F0502020204030204" pitchFamily="34" charset="0"/>
+                <a:ea typeface="Calibri" panose="020F0502020204030204" pitchFamily="34" charset="0"/>
+                <a:cs typeface="Times New Roman" panose="02020603050405020304" pitchFamily="18" charset="0"/>
+              </a:rPr>
+              <a:t>Template</a:t>
+            </a:r>
+            <a:r>
+              <a:rPr lang="en-IE" sz="2400" baseline="30000" dirty="0">
+                <a:effectLst/>
+                <a:latin typeface="Calibri" panose="020F0502020204030204" pitchFamily="34" charset="0"/>
+                <a:ea typeface="Calibri" panose="020F0502020204030204" pitchFamily="34" charset="0"/>
+                <a:cs typeface="Times New Roman" panose="02020603050405020304" pitchFamily="18" charset="0"/>
+              </a:rPr>
+              <a:t>2</a:t>
+            </a:r>
+            <a:r>
+              <a:rPr lang="en-IE" sz="2400" dirty="0">
+                <a:effectLst/>
+                <a:latin typeface="Calibri" panose="020F0502020204030204" pitchFamily="34" charset="0"/>
+                <a:ea typeface="Calibri" panose="020F0502020204030204" pitchFamily="34" charset="0"/>
+                <a:cs typeface="Times New Roman" panose="02020603050405020304" pitchFamily="18" charset="0"/>
+              </a:rPr>
+              <a:t> :</a:t>
+            </a:r>
+            <a:r>
+              <a:rPr lang="en-IE" sz="2400" b="0" dirty="0">
+                <a:effectLst/>
+                <a:latin typeface="Calibri" panose="020F0502020204030204" pitchFamily="34" charset="0"/>
+                <a:ea typeface="Calibri" panose="020F0502020204030204" pitchFamily="34" charset="0"/>
+                <a:cs typeface="Times New Roman" panose="02020603050405020304" pitchFamily="18" charset="0"/>
+              </a:rPr>
+              <a:t>Interval/Ordinal vs Nominal. data “Is there a difference in the mean of </a:t>
+            </a:r>
+            <a:r>
+              <a:rPr lang="en-IE" sz="2400" b="0" dirty="0">
+                <a:solidFill>
+                  <a:srgbClr val="0070C0"/>
+                </a:solidFill>
+                <a:effectLst/>
+                <a:latin typeface="Calibri" panose="020F0502020204030204" pitchFamily="34" charset="0"/>
+                <a:ea typeface="Calibri" panose="020F0502020204030204" pitchFamily="34" charset="0"/>
+                <a:cs typeface="Times New Roman" panose="02020603050405020304" pitchFamily="18" charset="0"/>
+              </a:rPr>
+              <a:t>[dependent interval variable </a:t>
+            </a:r>
+            <a:r>
+              <a:rPr lang="en-IE" sz="2400" b="0" dirty="0">
+                <a:solidFill>
+                  <a:srgbClr val="0070C0"/>
+                </a:solidFill>
+                <a:latin typeface="Calibri" panose="020F0502020204030204" pitchFamily="34" charset="0"/>
+                <a:ea typeface="Calibri" panose="020F0502020204030204" pitchFamily="34" charset="0"/>
+                <a:cs typeface="Times New Roman" panose="02020603050405020304" pitchFamily="18" charset="0"/>
+              </a:rPr>
+              <a:t> </a:t>
+            </a:r>
+            <a:r>
+              <a:rPr lang="en-IE" sz="2400" b="0" dirty="0">
+                <a:latin typeface="Calibri" panose="020F0502020204030204" pitchFamily="34" charset="0"/>
+                <a:ea typeface="Calibri" panose="020F0502020204030204" pitchFamily="34" charset="0"/>
+                <a:cs typeface="Times New Roman" panose="02020603050405020304" pitchFamily="18" charset="0"/>
+              </a:rPr>
+              <a:t>or</a:t>
+            </a:r>
+            <a:r>
+              <a:rPr lang="en-IE" sz="2400" b="0" dirty="0">
+                <a:effectLst/>
+                <a:latin typeface="Calibri" panose="020F0502020204030204" pitchFamily="34" charset="0"/>
+                <a:ea typeface="Calibri" panose="020F0502020204030204" pitchFamily="34" charset="0"/>
+                <a:cs typeface="Times New Roman" panose="02020603050405020304" pitchFamily="18" charset="0"/>
+              </a:rPr>
+              <a:t> </a:t>
+            </a:r>
+            <a:r>
+              <a:rPr lang="en-IE" sz="2400" b="0" dirty="0">
+                <a:solidFill>
+                  <a:srgbClr val="0070C0"/>
+                </a:solidFill>
+                <a:effectLst/>
+                <a:latin typeface="Calibri" panose="020F0502020204030204" pitchFamily="34" charset="0"/>
+                <a:ea typeface="Calibri" panose="020F0502020204030204" pitchFamily="34" charset="0"/>
+                <a:cs typeface="Times New Roman" panose="02020603050405020304" pitchFamily="18" charset="0"/>
+              </a:rPr>
+              <a:t> dependent ordinal variable] </a:t>
+            </a:r>
+            <a:r>
+              <a:rPr lang="en-IE" sz="2400" b="0" dirty="0">
+                <a:effectLst/>
+                <a:latin typeface="Calibri" panose="020F0502020204030204" pitchFamily="34" charset="0"/>
+                <a:ea typeface="Calibri" panose="020F0502020204030204" pitchFamily="34" charset="0"/>
+                <a:cs typeface="Times New Roman" panose="02020603050405020304" pitchFamily="18" charset="0"/>
+              </a:rPr>
+              <a:t>between </a:t>
+            </a:r>
+            <a:r>
+              <a:rPr lang="en-IE" sz="2400" b="0" dirty="0">
+                <a:solidFill>
+                  <a:srgbClr val="0070C0"/>
+                </a:solidFill>
+                <a:effectLst/>
+                <a:latin typeface="Calibri" panose="020F0502020204030204" pitchFamily="34" charset="0"/>
+                <a:ea typeface="Calibri" panose="020F0502020204030204" pitchFamily="34" charset="0"/>
+                <a:cs typeface="Times New Roman" panose="02020603050405020304" pitchFamily="18" charset="0"/>
+              </a:rPr>
+              <a:t>[independent nominal variable] and [independent nominal variable?]</a:t>
+            </a:r>
+            <a:r>
+              <a:rPr lang="en-IE" sz="2400" b="0" dirty="0">
+                <a:effectLst/>
+                <a:latin typeface="Calibri" panose="020F0502020204030204" pitchFamily="34" charset="0"/>
+                <a:ea typeface="Calibri" panose="020F0502020204030204" pitchFamily="34" charset="0"/>
+                <a:cs typeface="Times New Roman" panose="02020603050405020304" pitchFamily="18" charset="0"/>
+              </a:rPr>
+              <a:t>”.</a:t>
+            </a:r>
+            <a:br>
+              <a:rPr lang="en-GB" sz="2400" b="0" dirty="0">
+                <a:effectLst/>
+                <a:latin typeface="Calibri" panose="020F0502020204030204" pitchFamily="34" charset="0"/>
+                <a:ea typeface="Calibri" panose="020F0502020204030204" pitchFamily="34" charset="0"/>
+                <a:cs typeface="Times New Roman" panose="02020603050405020304" pitchFamily="18" charset="0"/>
+              </a:rPr>
+            </a:br>
+            <a:br>
+              <a:rPr lang="en-IE" sz="2400" dirty="0">
+                <a:solidFill>
+                  <a:srgbClr val="000000"/>
+                </a:solidFill>
+                <a:effectLst/>
+                <a:latin typeface="Calibri" panose="020F0502020204030204" pitchFamily="34" charset="0"/>
+                <a:ea typeface="Calibri" panose="020F0502020204030204" pitchFamily="34" charset="0"/>
+                <a:cs typeface="Times New Roman" panose="02020603050405020304" pitchFamily="18" charset="0"/>
+              </a:rPr>
+            </a:br>
+            <a:r>
+              <a:rPr lang="en-IE" sz="2400" dirty="0">
+                <a:solidFill>
+                  <a:srgbClr val="000000"/>
+                </a:solidFill>
+                <a:effectLst/>
+                <a:latin typeface="Calibri" panose="020F0502020204030204" pitchFamily="34" charset="0"/>
+                <a:ea typeface="Calibri" panose="020F0502020204030204" pitchFamily="34" charset="0"/>
+                <a:cs typeface="Times New Roman" panose="02020603050405020304" pitchFamily="18" charset="0"/>
+              </a:rPr>
+              <a:t>Template </a:t>
+            </a:r>
+            <a:r>
+              <a:rPr lang="en-IE" sz="2400" baseline="30000" dirty="0">
+                <a:solidFill>
+                  <a:srgbClr val="000000"/>
+                </a:solidFill>
+                <a:effectLst/>
+                <a:latin typeface="Calibri" panose="020F0502020204030204" pitchFamily="34" charset="0"/>
+                <a:ea typeface="Calibri" panose="020F0502020204030204" pitchFamily="34" charset="0"/>
+                <a:cs typeface="Times New Roman" panose="02020603050405020304" pitchFamily="18" charset="0"/>
+              </a:rPr>
+              <a:t>3</a:t>
+            </a:r>
+            <a:r>
+              <a:rPr lang="en-IE" sz="2400" dirty="0">
+                <a:solidFill>
+                  <a:srgbClr val="000000"/>
+                </a:solidFill>
+                <a:effectLst/>
+                <a:latin typeface="Calibri" panose="020F0502020204030204" pitchFamily="34" charset="0"/>
+                <a:ea typeface="Calibri" panose="020F0502020204030204" pitchFamily="34" charset="0"/>
+                <a:cs typeface="Times New Roman" panose="02020603050405020304" pitchFamily="18" charset="0"/>
+              </a:rPr>
+              <a:t>:  </a:t>
+            </a:r>
+            <a:r>
+              <a:rPr lang="en-IE" sz="2400" b="0" dirty="0">
+                <a:solidFill>
+                  <a:srgbClr val="000000"/>
+                </a:solidFill>
+                <a:effectLst/>
+                <a:latin typeface="Calibri" panose="020F0502020204030204" pitchFamily="34" charset="0"/>
+                <a:ea typeface="Calibri" panose="020F0502020204030204" pitchFamily="34" charset="0"/>
+                <a:cs typeface="Times New Roman" panose="02020603050405020304" pitchFamily="18" charset="0"/>
+              </a:rPr>
+              <a:t>Nominal vs Nominal  data (frequencies): “</a:t>
+            </a:r>
+            <a:r>
+              <a:rPr lang="en-IE" sz="2400" b="0" dirty="0">
+                <a:effectLst/>
+                <a:latin typeface="Calibri" panose="020F0502020204030204" pitchFamily="34" charset="0"/>
+                <a:ea typeface="Calibri" panose="020F0502020204030204" pitchFamily="34" charset="0"/>
+                <a:cs typeface="Times New Roman" panose="02020603050405020304" pitchFamily="18" charset="0"/>
+              </a:rPr>
+              <a:t>Is there a difference in proportions of </a:t>
+            </a:r>
+            <a:r>
+              <a:rPr lang="en-IE" sz="2400" b="0" dirty="0">
+                <a:solidFill>
+                  <a:srgbClr val="0070C0"/>
+                </a:solidFill>
+                <a:effectLst/>
+                <a:latin typeface="Calibri" panose="020F0502020204030204" pitchFamily="34" charset="0"/>
+                <a:ea typeface="Calibri" panose="020F0502020204030204" pitchFamily="34" charset="0"/>
+                <a:cs typeface="Times New Roman" panose="02020603050405020304" pitchFamily="18" charset="0"/>
+              </a:rPr>
+              <a:t>[dependent nominal variable] </a:t>
+            </a:r>
+            <a:r>
+              <a:rPr lang="en-IE" sz="2400" b="0" dirty="0">
+                <a:effectLst/>
+                <a:latin typeface="Calibri" panose="020F0502020204030204" pitchFamily="34" charset="0"/>
+                <a:ea typeface="Calibri" panose="020F0502020204030204" pitchFamily="34" charset="0"/>
+                <a:cs typeface="Times New Roman" panose="02020603050405020304" pitchFamily="18" charset="0"/>
+              </a:rPr>
+              <a:t>between </a:t>
+            </a:r>
+            <a:r>
+              <a:rPr lang="en-IE" sz="2400" b="0" dirty="0">
+                <a:solidFill>
+                  <a:srgbClr val="0070C0"/>
+                </a:solidFill>
+                <a:effectLst/>
+                <a:latin typeface="Calibri" panose="020F0502020204030204" pitchFamily="34" charset="0"/>
+                <a:ea typeface="Calibri" panose="020F0502020204030204" pitchFamily="34" charset="0"/>
+                <a:cs typeface="Times New Roman" panose="02020603050405020304" pitchFamily="18" charset="0"/>
+              </a:rPr>
+              <a:t>[independent nominal variable] </a:t>
+            </a:r>
+            <a:r>
+              <a:rPr lang="en-IE" sz="2400" b="0" dirty="0">
+                <a:effectLst/>
+                <a:latin typeface="Calibri" panose="020F0502020204030204" pitchFamily="34" charset="0"/>
+                <a:ea typeface="Calibri" panose="020F0502020204030204" pitchFamily="34" charset="0"/>
+                <a:cs typeface="Times New Roman" panose="02020603050405020304" pitchFamily="18" charset="0"/>
+              </a:rPr>
+              <a:t>and </a:t>
+            </a:r>
+            <a:r>
+              <a:rPr lang="en-IE" sz="2400" b="0" dirty="0">
+                <a:solidFill>
+                  <a:srgbClr val="0070C0"/>
+                </a:solidFill>
+                <a:effectLst/>
+                <a:latin typeface="Calibri" panose="020F0502020204030204" pitchFamily="34" charset="0"/>
+                <a:ea typeface="Calibri" panose="020F0502020204030204" pitchFamily="34" charset="0"/>
+                <a:cs typeface="Times New Roman" panose="02020603050405020304" pitchFamily="18" charset="0"/>
+              </a:rPr>
+              <a:t>[independent nominal variable]?”</a:t>
+            </a:r>
             <a:br>
               <a:rPr lang="en-GB" sz="2400" dirty="0">
                 <a:effectLst/>
@@ -5664,6 +5982,225 @@
                 <a:srgbClr val="FF0000"/>
               </a:solidFill>
             </a:endParaRPr>
+          </a:p>
+        </p:txBody>
+      </p:sp>
+      <p:sp>
+        <p:nvSpPr>
+          <p:cNvPr id="7" name="TextBox 6">
+            <a:extLst>
+              <a:ext uri="{FF2B5EF4-FFF2-40B4-BE49-F238E27FC236}">
+                <a16:creationId xmlns:a16="http://schemas.microsoft.com/office/drawing/2014/main" id="{F7FEA660-7B39-BC91-3B96-7298CCF66DE1}"/>
+              </a:ext>
+            </a:extLst>
+          </p:cNvPr>
+          <p:cNvSpPr txBox="1"/>
+          <p:nvPr/>
+        </p:nvSpPr>
+        <p:spPr>
+          <a:xfrm>
+            <a:off x="623945" y="5297755"/>
+            <a:ext cx="11440040" cy="1477328"/>
+          </a:xfrm>
+          <a:prstGeom prst="rect">
+            <a:avLst/>
+          </a:prstGeom>
+          <a:solidFill>
+            <a:schemeClr val="bg1">
+              <a:lumMod val="95000"/>
+            </a:schemeClr>
+          </a:solidFill>
+        </p:spPr>
+        <p:txBody>
+          <a:bodyPr wrap="square" lIns="91440" tIns="45720" rIns="91440" bIns="45720" rtlCol="0" anchor="t">
+            <a:spAutoFit/>
+          </a:bodyPr>
+          <a:lstStyle/>
+          <a:p>
+            <a:r>
+              <a:rPr lang="en-GB" baseline="30000" dirty="0"/>
+              <a:t>1</a:t>
+            </a:r>
+            <a:r>
+              <a:rPr lang="en-GB" b="1" dirty="0">
+                <a:latin typeface="Calibri"/>
+                <a:cs typeface="Calibri"/>
+              </a:rPr>
+              <a:t>Correlation</a:t>
+            </a:r>
+            <a:r>
+              <a:rPr lang="en-GB" dirty="0"/>
+              <a:t> (</a:t>
+            </a:r>
+            <a:r>
+              <a:rPr lang="en-IE" sz="1800" dirty="0">
+                <a:effectLst/>
+                <a:latin typeface="Calibri"/>
+                <a:ea typeface="Calibri" panose="020F0502020204030204" pitchFamily="34" charset="0"/>
+                <a:cs typeface="Times New Roman"/>
+              </a:rPr>
+              <a:t>Analysis of how </a:t>
+            </a:r>
+            <a:r>
+              <a:rPr lang="en-IE" sz="1800" dirty="0">
+                <a:solidFill>
+                  <a:srgbClr val="FF0000"/>
+                </a:solidFill>
+                <a:effectLst/>
+                <a:latin typeface="Calibri"/>
+                <a:ea typeface="Calibri" panose="020F0502020204030204" pitchFamily="34" charset="0"/>
+                <a:cs typeface="Times New Roman"/>
+              </a:rPr>
+              <a:t>ordinal</a:t>
+            </a:r>
+            <a:r>
+              <a:rPr lang="en-IE" dirty="0">
+                <a:solidFill>
+                  <a:srgbClr val="FF0000"/>
+                </a:solidFill>
+                <a:latin typeface="Calibri"/>
+                <a:ea typeface="Calibri" panose="020F0502020204030204" pitchFamily="34" charset="0"/>
+                <a:cs typeface="Times New Roman"/>
+              </a:rPr>
+              <a:t>/</a:t>
+            </a:r>
+            <a:r>
+              <a:rPr lang="en-IE" sz="1800" dirty="0">
+                <a:solidFill>
+                  <a:srgbClr val="FF0000"/>
+                </a:solidFill>
+                <a:effectLst/>
+                <a:latin typeface="Calibri"/>
+                <a:ea typeface="Calibri" panose="020F0502020204030204" pitchFamily="34" charset="0"/>
+                <a:cs typeface="Times New Roman"/>
+              </a:rPr>
+              <a:t>interval </a:t>
+            </a:r>
+            <a:r>
+              <a:rPr lang="en-IE" sz="1800" dirty="0">
+                <a:solidFill>
+                  <a:srgbClr val="00B050"/>
+                </a:solidFill>
+                <a:effectLst/>
+                <a:latin typeface="Calibri"/>
+                <a:ea typeface="Calibri" panose="020F0502020204030204" pitchFamily="34" charset="0"/>
+                <a:cs typeface="Times New Roman"/>
+              </a:rPr>
+              <a:t>dependent var</a:t>
+            </a:r>
+            <a:r>
+              <a:rPr lang="en-IE" sz="1800" dirty="0">
+                <a:effectLst/>
+                <a:latin typeface="Calibri"/>
+                <a:ea typeface="Calibri" panose="020F0502020204030204" pitchFamily="34" charset="0"/>
+                <a:cs typeface="Times New Roman"/>
+              </a:rPr>
+              <a:t> </a:t>
+            </a:r>
+            <a:r>
+              <a:rPr lang="en-IE" dirty="0">
+                <a:latin typeface="Calibri"/>
+                <a:ea typeface="Calibri" panose="020F0502020204030204" pitchFamily="34" charset="0"/>
+                <a:cs typeface="Times New Roman"/>
+              </a:rPr>
+              <a:t>correlates </a:t>
+            </a:r>
+            <a:r>
+              <a:rPr lang="en-IE" sz="1800" dirty="0">
+                <a:effectLst/>
+                <a:latin typeface="Calibri"/>
+                <a:ea typeface="Calibri" panose="020F0502020204030204" pitchFamily="34" charset="0"/>
+                <a:cs typeface="Times New Roman"/>
+              </a:rPr>
+              <a:t>to an </a:t>
+            </a:r>
+            <a:r>
+              <a:rPr lang="en-IE" sz="1800" dirty="0">
+                <a:solidFill>
+                  <a:srgbClr val="FF0000"/>
+                </a:solidFill>
+                <a:effectLst/>
+                <a:latin typeface="Calibri"/>
+                <a:ea typeface="Calibri" panose="020F0502020204030204" pitchFamily="34" charset="0"/>
+                <a:cs typeface="Times New Roman"/>
+              </a:rPr>
+              <a:t>ordinal/interval </a:t>
+            </a:r>
+            <a:r>
+              <a:rPr lang="en-IE" sz="1800" dirty="0">
+                <a:solidFill>
+                  <a:srgbClr val="00B050"/>
+                </a:solidFill>
+                <a:effectLst/>
+                <a:latin typeface="Calibri"/>
+                <a:ea typeface="Calibri" panose="020F0502020204030204" pitchFamily="34" charset="0"/>
+                <a:cs typeface="Times New Roman"/>
+              </a:rPr>
+              <a:t>independent variable)</a:t>
+            </a:r>
+            <a:endParaRPr lang="en-GB" dirty="0">
+              <a:latin typeface="Calibri"/>
+              <a:cs typeface="Times New Roman"/>
+            </a:endParaRPr>
+          </a:p>
+          <a:p>
+            <a:r>
+              <a:rPr lang="en-IE" sz="1800" b="1" baseline="30000" dirty="0">
+                <a:effectLst/>
+                <a:latin typeface="Calibri" panose="020F0502020204030204" pitchFamily="34" charset="0"/>
+                <a:ea typeface="Calibri" panose="020F0502020204030204" pitchFamily="34" charset="0"/>
+                <a:cs typeface="Times New Roman" panose="02020603050405020304" pitchFamily="18" charset="0"/>
+              </a:rPr>
+              <a:t>2</a:t>
+            </a:r>
+            <a:r>
+              <a:rPr lang="en-IE" sz="1800" b="1" dirty="0">
+                <a:effectLst/>
+                <a:latin typeface="Calibri" panose="020F0502020204030204" pitchFamily="34" charset="0"/>
+                <a:ea typeface="Calibri" panose="020F0502020204030204" pitchFamily="34" charset="0"/>
+                <a:cs typeface="Times New Roman" panose="02020603050405020304" pitchFamily="18" charset="0"/>
+              </a:rPr>
+              <a:t>Comparison of means</a:t>
+            </a:r>
+            <a:r>
+              <a:rPr lang="en-IE" sz="1800" dirty="0">
+                <a:effectLst/>
+                <a:latin typeface="Calibri" panose="020F0502020204030204" pitchFamily="34" charset="0"/>
+                <a:ea typeface="Calibri" panose="020F0502020204030204" pitchFamily="34" charset="0"/>
+                <a:cs typeface="Times New Roman" panose="02020603050405020304" pitchFamily="18" charset="0"/>
+              </a:rPr>
+              <a:t> (or medians): Analysis of the difference between the mean (or median) value of a characteristic shared by members of two different populations.</a:t>
+            </a:r>
+          </a:p>
+          <a:p>
+            <a:r>
+              <a:rPr lang="en-IE" sz="1800" b="1" baseline="30000" dirty="0">
+                <a:effectLst/>
+                <a:latin typeface="Calibri" panose="020F0502020204030204" pitchFamily="34" charset="0"/>
+                <a:ea typeface="Calibri" panose="020F0502020204030204" pitchFamily="34" charset="0"/>
+                <a:cs typeface="Times New Roman" panose="02020603050405020304" pitchFamily="18" charset="0"/>
+              </a:rPr>
+              <a:t>3</a:t>
+            </a:r>
+            <a:r>
+              <a:rPr lang="en-IE" sz="1800" b="1" dirty="0">
+                <a:effectLst/>
+                <a:latin typeface="Calibri" panose="020F0502020204030204" pitchFamily="34" charset="0"/>
+                <a:ea typeface="Calibri" panose="020F0502020204030204" pitchFamily="34" charset="0"/>
+                <a:cs typeface="Times New Roman" panose="02020603050405020304" pitchFamily="18" charset="0"/>
+              </a:rPr>
+              <a:t>Comparison of proportions:</a:t>
+            </a:r>
+            <a:r>
+              <a:rPr lang="en-IE" sz="1800" dirty="0">
+                <a:effectLst/>
+                <a:latin typeface="Calibri" panose="020F0502020204030204" pitchFamily="34" charset="0"/>
+                <a:ea typeface="Calibri" panose="020F0502020204030204" pitchFamily="34" charset="0"/>
+                <a:cs typeface="Times New Roman" panose="02020603050405020304" pitchFamily="18" charset="0"/>
+              </a:rPr>
+              <a:t> Analysis of the difference in proportions of a characteristic shared by members of two different populations. </a:t>
+            </a:r>
+            <a:endParaRPr lang="en-GB" dirty="0"/>
           </a:p>
         </p:txBody>
       </p:sp>
@@ -5731,16 +6268,97 @@
               </a:lnSpc>
             </a:pPr>
             <a:r>
+              <a:rPr lang="en-GB" sz="2400" b="0" dirty="0">
+                <a:latin typeface="Calibri"/>
+                <a:cs typeface="Calibri"/>
+              </a:rPr>
+              <a:t>Add your </a:t>
+            </a:r>
+            <a:r>
               <a:rPr lang="en-GB" sz="2400" dirty="0">
                 <a:latin typeface="Calibri"/>
                 <a:cs typeface="Calibri"/>
               </a:rPr>
-              <a:t>Hypothesis:</a:t>
-            </a:r>
-            <a:endParaRPr lang="en-GB" sz="2400" b="0" dirty="0">
-              <a:latin typeface="Calibri"/>
-              <a:cs typeface="Calibri"/>
-            </a:endParaRPr>
+              <a:t>Hypotheses</a:t>
+            </a:r>
+            <a:r>
+              <a:rPr lang="en-GB" sz="2400" b="0" dirty="0">
+                <a:latin typeface="Calibri"/>
+                <a:cs typeface="Calibri"/>
+              </a:rPr>
+              <a:t> to the previous RQ Slide  (both the Null and Alternative Hypotheses).  Here are definitions and examples. </a:t>
+            </a:r>
+            <a:r>
+              <a:rPr lang="en-GB" sz="2400" dirty="0">
+                <a:latin typeface="Calibri"/>
+                <a:cs typeface="Calibri"/>
+              </a:rPr>
+              <a:t>Your wording will come directly from your RQ</a:t>
+            </a:r>
+            <a:r>
+              <a:rPr lang="en-GB" sz="2400" b="0" dirty="0">
+                <a:latin typeface="Calibri"/>
+                <a:cs typeface="Calibri"/>
+              </a:rPr>
+              <a:t>. This is the formal way of reporting the results of your inferential test statistics,  in which we report the </a:t>
+            </a:r>
+            <a:r>
+              <a:rPr lang="en-GB" sz="2400" b="0" i="1" dirty="0">
+                <a:latin typeface="Calibri"/>
+                <a:cs typeface="Calibri"/>
+              </a:rPr>
+              <a:t>effect</a:t>
+            </a:r>
+            <a:r>
+              <a:rPr lang="en-GB" sz="2400" b="0" dirty="0">
+                <a:latin typeface="Calibri"/>
+                <a:cs typeface="Calibri"/>
+              </a:rPr>
+              <a:t> the independent variable has on the dependent variable – </a:t>
+            </a:r>
+          </a:p>
+          <a:p>
+            <a:pPr marL="457200" indent="-457200">
+              <a:lnSpc>
+                <a:spcPct val="100000"/>
+              </a:lnSpc>
+              <a:buAutoNum type="arabicPeriod"/>
+            </a:pPr>
+            <a:r>
+              <a:rPr lang="en-GB" sz="2000" b="0" dirty="0">
+                <a:latin typeface="Arial"/>
+                <a:cs typeface="Arial"/>
+              </a:rPr>
+              <a:t>Null hypothesis (H</a:t>
+            </a:r>
+            <a:r>
+              <a:rPr lang="en-GB" sz="2000" b="0" baseline="-25000" dirty="0">
+                <a:latin typeface="Arial"/>
+                <a:cs typeface="Arial"/>
+              </a:rPr>
+              <a:t>0</a:t>
+            </a:r>
+            <a:r>
+              <a:rPr lang="en-GB" sz="2000" b="0" dirty="0">
+                <a:latin typeface="Arial"/>
+                <a:cs typeface="Arial"/>
+              </a:rPr>
+              <a:t>): There is </a:t>
+            </a:r>
+            <a:r>
+              <a:rPr lang="en-GB" sz="2000" dirty="0">
+                <a:latin typeface="Arial"/>
+                <a:cs typeface="Arial"/>
+              </a:rPr>
+              <a:t>no </a:t>
+            </a:r>
+            <a:r>
+              <a:rPr lang="en-GB" sz="2000" b="0" dirty="0">
+                <a:latin typeface="Arial"/>
+                <a:cs typeface="Arial"/>
+              </a:rPr>
+              <a:t>effect on the population – so you write one of the following:  </a:t>
+            </a:r>
           </a:p>
           <a:p>
             <a:pPr>
@@ -5748,10 +6366,66 @@
                 <a:spcPct val="100000"/>
               </a:lnSpc>
             </a:pPr>
-            <a:endParaRPr lang="en-GB" sz="2400" b="0" dirty="0">
-              <a:latin typeface="Calibri"/>
-              <a:cs typeface="Calibri"/>
-            </a:endParaRPr>
+            <a:r>
+              <a:rPr lang="en-GB" sz="2000" b="0" dirty="0">
+                <a:solidFill>
+                  <a:srgbClr val="FF0000"/>
+                </a:solidFill>
+                <a:latin typeface="Arial"/>
+                <a:cs typeface="Arial"/>
+              </a:rPr>
+              <a:t>Null hypothesis (H</a:t>
+            </a:r>
+            <a:r>
+              <a:rPr lang="en-GB" sz="2000" b="0" baseline="-25000" dirty="0">
+                <a:solidFill>
+                  <a:srgbClr val="FF0000"/>
+                </a:solidFill>
+                <a:latin typeface="Arial"/>
+                <a:cs typeface="Arial"/>
+              </a:rPr>
+              <a:t>0</a:t>
+            </a:r>
+            <a:r>
+              <a:rPr lang="en-GB" sz="2000" b="0" dirty="0">
+                <a:solidFill>
+                  <a:srgbClr val="FF0000"/>
+                </a:solidFill>
+                <a:latin typeface="Arial"/>
+                <a:cs typeface="Arial"/>
+              </a:rPr>
+              <a:t>): There is </a:t>
+            </a:r>
+            <a:r>
+              <a:rPr lang="en-GB" sz="2000" dirty="0">
+                <a:solidFill>
+                  <a:srgbClr val="FF0000"/>
+                </a:solidFill>
+                <a:latin typeface="Arial"/>
+                <a:cs typeface="Arial"/>
+              </a:rPr>
+              <a:t>no</a:t>
+            </a:r>
+            <a:r>
+              <a:rPr lang="en-GB" sz="2000" b="0" dirty="0">
+                <a:solidFill>
+                  <a:srgbClr val="FF0000"/>
+                </a:solidFill>
+                <a:latin typeface="Arial"/>
+                <a:cs typeface="Arial"/>
+              </a:rPr>
+              <a:t> difference in the mean/median of the [dependent variable] between/among [subsets of the independent variable].              </a:t>
+            </a:r>
+            <a:r>
+              <a:rPr lang="en-GB" sz="2000" b="0" dirty="0">
+                <a:solidFill>
+                  <a:schemeClr val="tx1"/>
+                </a:solidFill>
+                <a:latin typeface="Arial"/>
+                <a:cs typeface="Arial"/>
+              </a:rPr>
+              <a:t>or</a:t>
+            </a:r>
           </a:p>
           <a:p>
             <a:pPr>
@@ -5759,10 +6433,66 @@
                 <a:spcPct val="100000"/>
               </a:lnSpc>
             </a:pPr>
-            <a:endParaRPr lang="en-GB" sz="2400" b="0" dirty="0">
-              <a:latin typeface="Calibri"/>
-              <a:cs typeface="Calibri"/>
-            </a:endParaRPr>
+            <a:r>
+              <a:rPr lang="en-GB" sz="2000" b="0" dirty="0">
+                <a:solidFill>
+                  <a:srgbClr val="FF0000"/>
+                </a:solidFill>
+                <a:latin typeface="Arial"/>
+                <a:cs typeface="Arial"/>
+              </a:rPr>
+              <a:t>Null hypothesis (H</a:t>
+            </a:r>
+            <a:r>
+              <a:rPr lang="en-GB" sz="2000" b="0" baseline="-25000" dirty="0">
+                <a:solidFill>
+                  <a:srgbClr val="FF0000"/>
+                </a:solidFill>
+                <a:latin typeface="Arial"/>
+                <a:cs typeface="Arial"/>
+              </a:rPr>
+              <a:t>0</a:t>
+            </a:r>
+            <a:r>
+              <a:rPr lang="en-GB" sz="2000" b="0" dirty="0">
+                <a:solidFill>
+                  <a:srgbClr val="FF0000"/>
+                </a:solidFill>
+                <a:latin typeface="Arial"/>
+                <a:cs typeface="Arial"/>
+              </a:rPr>
+              <a:t>):  There is </a:t>
+            </a:r>
+            <a:r>
+              <a:rPr lang="en-GB" sz="2000" dirty="0">
+                <a:solidFill>
+                  <a:srgbClr val="FF0000"/>
+                </a:solidFill>
+                <a:latin typeface="Arial"/>
+                <a:cs typeface="Arial"/>
+              </a:rPr>
+              <a:t>no</a:t>
+            </a:r>
+            <a:r>
+              <a:rPr lang="en-GB" sz="2000" b="0" dirty="0">
+                <a:solidFill>
+                  <a:srgbClr val="FF0000"/>
+                </a:solidFill>
+                <a:latin typeface="Arial"/>
+                <a:cs typeface="Arial"/>
+              </a:rPr>
+              <a:t> difference in the proportions(s)of [subset(s) of dependent variable] between/among [subsets of independent variable].                     </a:t>
+            </a:r>
+            <a:r>
+              <a:rPr lang="en-GB" sz="2000" b="0" dirty="0">
+                <a:solidFill>
+                  <a:schemeClr val="tx1"/>
+                </a:solidFill>
+                <a:latin typeface="Arial"/>
+                <a:cs typeface="Arial"/>
+              </a:rPr>
+              <a:t>or</a:t>
+            </a:r>
           </a:p>
           <a:p>
             <a:pPr>
@@ -5772,6 +6502,9 @@
             </a:pPr>
             <a:r>
               <a:rPr lang="en-GB" sz="2000" b="0" dirty="0">
+                <a:solidFill>
+                  <a:srgbClr val="FF0000"/>
+                </a:solidFill>
                 <a:latin typeface="Arial"/>
                 <a:cs typeface="Arial"/>
               </a:rPr>
@@ -5779,6 +6512,9 @@
             </a:r>
             <a:r>
               <a:rPr lang="en-GB" sz="2000" b="0" baseline="-25000" dirty="0">
+                <a:solidFill>
+                  <a:srgbClr val="FF0000"/>
+                </a:solidFill>
                 <a:latin typeface="Arial"/>
                 <a:cs typeface="Arial"/>
               </a:rPr>
@@ -5786,6 +6522,9 @@
             </a:r>
             <a:r>
               <a:rPr lang="en-GB" sz="2000" b="0" dirty="0">
+                <a:solidFill>
+                  <a:srgbClr val="FF0000"/>
+                </a:solidFill>
                 <a:latin typeface="Arial"/>
                 <a:cs typeface="Arial"/>
               </a:rPr>
@@ -5793,31 +6532,23 @@
             </a:r>
             <a:r>
               <a:rPr lang="en-GB" sz="2000" dirty="0">
+                <a:solidFill>
+                  <a:srgbClr val="FF0000"/>
+                </a:solidFill>
                 <a:latin typeface="Arial"/>
                 <a:cs typeface="Arial"/>
               </a:rPr>
-              <a:t>no </a:t>
+              <a:t>no</a:t>
             </a:r>
             <a:r>
               <a:rPr lang="en-GB" sz="2000" b="0" dirty="0">
+                <a:solidFill>
+                  <a:srgbClr val="FF0000"/>
+                </a:solidFill>
                 <a:latin typeface="Arial"/>
                 <a:cs typeface="Arial"/>
               </a:rPr>
-              <a:t>difference in the mean of the </a:t>
-            </a:r>
-            <a:r>
-              <a:rPr lang="en-GB" sz="2000" b="0" dirty="0" err="1">
-                <a:latin typeface="Arial"/>
-                <a:cs typeface="Arial"/>
-              </a:rPr>
-              <a:t>teamID</a:t>
-            </a:r>
-            <a:r>
-              <a:rPr lang="en-GB" sz="2000" b="0" dirty="0">
-                <a:latin typeface="Arial"/>
-                <a:cs typeface="Arial"/>
-              </a:rPr>
-              <a:t> among 538Rating.</a:t>
+              <a:t> correlation between [dependent variable] and [independent variable].</a:t>
             </a:r>
           </a:p>
           <a:p>
@@ -5826,10 +6557,41 @@
                 <a:spcPct val="100000"/>
               </a:lnSpc>
             </a:pPr>
-            <a:endParaRPr lang="en-GB" sz="2000" b="0" dirty="0">
-              <a:latin typeface="Arial"/>
-              <a:cs typeface="Arial"/>
-            </a:endParaRPr>
+            <a:r>
+              <a:rPr lang="en-GB" sz="2000" b="0" dirty="0">
+                <a:latin typeface="Arial"/>
+                <a:cs typeface="Arial"/>
+              </a:rPr>
+              <a:t>2. Alternative hypothesis (H</a:t>
+            </a:r>
+            <a:r>
+              <a:rPr lang="en-GB" sz="2000" b="0" baseline="-25000" dirty="0">
+                <a:latin typeface="Arial"/>
+                <a:cs typeface="Arial"/>
+              </a:rPr>
+              <a:t>1</a:t>
+            </a:r>
+            <a:r>
+              <a:rPr lang="en-GB" sz="2000" b="0" dirty="0">
+                <a:latin typeface="Arial"/>
+                <a:cs typeface="Arial"/>
+              </a:rPr>
+              <a:t>):  There appears to be an effect on the population – so you copy what you wrote for the Null hypothesis but remove the ‘no’ and replace with ‘</a:t>
+            </a:r>
+            <a:r>
+              <a:rPr lang="en-GB" sz="2000" dirty="0">
+                <a:latin typeface="Arial"/>
+                <a:cs typeface="Arial"/>
+              </a:rPr>
+              <a:t>a’  </a:t>
+            </a:r>
+            <a:r>
+              <a:rPr lang="en-GB" sz="2000" b="0" dirty="0">
+                <a:latin typeface="Arial"/>
+                <a:cs typeface="Arial"/>
+              </a:rPr>
+              <a:t>For example:</a:t>
+            </a:r>
           </a:p>
           <a:p>
             <a:pPr>
@@ -5839,13 +6601,19 @@
             </a:pPr>
             <a:r>
               <a:rPr lang="en-GB" sz="2000" b="0" dirty="0">
+                <a:solidFill>
+                  <a:srgbClr val="FF0000"/>
+                </a:solidFill>
                 <a:latin typeface="Arial"/>
                 <a:cs typeface="Arial"/>
               </a:rPr>
-              <a:t>Alternative hypothesis (H</a:t>
+              <a:t>Alt hypothesis (H</a:t>
             </a:r>
             <a:r>
               <a:rPr lang="en-GB" sz="2000" b="0" baseline="-25000" dirty="0">
+                <a:solidFill>
+                  <a:srgbClr val="FF0000"/>
+                </a:solidFill>
                 <a:latin typeface="Arial"/>
                 <a:cs typeface="Arial"/>
               </a:rPr>
@@ -5853,40 +6621,33 @@
             </a:r>
             <a:r>
               <a:rPr lang="en-GB" sz="2000" b="0" dirty="0">
+                <a:solidFill>
+                  <a:srgbClr val="FF0000"/>
+                </a:solidFill>
                 <a:latin typeface="Arial"/>
                 <a:cs typeface="Arial"/>
               </a:rPr>
-              <a:t>):  </a:t>
+              <a:t>): There is </a:t>
+            </a:r>
+            <a:r>
+              <a:rPr lang="en-GB" sz="2000" dirty="0">
+                <a:solidFill>
+                  <a:srgbClr val="FF0000"/>
+                </a:solidFill>
+                <a:latin typeface="Arial"/>
+                <a:cs typeface="Arial"/>
+              </a:rPr>
+              <a:t>a</a:t>
             </a:r>
             <a:r>
               <a:rPr lang="en-GB" sz="2000" b="0" dirty="0">
+                <a:solidFill>
+                  <a:srgbClr val="FF0000"/>
+                </a:solidFill>
+                <a:latin typeface="Arial"/>
                 <a:cs typeface="Arial"/>
               </a:rPr>
-              <a:t>There is </a:t>
-            </a:r>
-            <a:r>
-              <a:rPr lang="en-GB" sz="2000" dirty="0">
-                <a:cs typeface="Arial"/>
-              </a:rPr>
-              <a:t>a </a:t>
-            </a:r>
-            <a:r>
-              <a:rPr lang="en-GB" sz="2000" b="0" dirty="0">
-                <a:cs typeface="Arial"/>
-              </a:rPr>
-              <a:t>difference in the mean of the </a:t>
-            </a:r>
-            <a:r>
-              <a:rPr lang="en-GB" sz="2000" b="0" dirty="0" err="1">
-                <a:cs typeface="Arial"/>
-              </a:rPr>
-              <a:t>teamID</a:t>
-            </a:r>
-            <a:r>
-              <a:rPr lang="en-GB" sz="2000" b="0" dirty="0">
-                <a:cs typeface="Arial"/>
-              </a:rPr>
-              <a:t> among 538Rating.</a:t>
+              <a:t> correlation between [dependent variable] and [independent variable].</a:t>
             </a:r>
           </a:p>
         </p:txBody>
@@ -6015,6 +6776,148 @@
     <p:extLst>
       <p:ext uri="{BB962C8B-B14F-4D97-AF65-F5344CB8AC3E}">
         <p14:creationId xmlns:p14="http://schemas.microsoft.com/office/powerpoint/2010/main" val="1833041803"/>
+      </p:ext>
+    </p:extLst>
+  </p:cSld>
+  <p:clrMapOvr>
+    <a:masterClrMapping/>
+  </p:clrMapOvr>
+</p:sld>
+</file>
+
+<file path=ppt/slides/slide6.xml><?xml version="1.0" encoding="utf-8"?>
+<p:sld xmlns:a="http://schemas.openxmlformats.org/drawingml/2006/main" xmlns:r="http://schemas.openxmlformats.org/officeDocument/2006/relationships" xmlns:p="http://schemas.openxmlformats.org/presentationml/2006/main">
+  <p:cSld>
+    <p:spTree>
+      <p:nvGrpSpPr>
+        <p:cNvPr id="1" name=""/>
+        <p:cNvGrpSpPr/>
+        <p:nvPr/>
+      </p:nvGrpSpPr>
+      <p:grpSpPr>
+        <a:xfrm>
+          <a:off x="0" y="0"/>
+          <a:ext cx="0" cy="0"/>
+          <a:chOff x="0" y="0"/>
+          <a:chExt cx="0" cy="0"/>
+        </a:xfrm>
+      </p:grpSpPr>
+      <p:sp>
+        <p:nvSpPr>
+          <p:cNvPr id="2" name="Subtitle 1">
+            <a:extLst>
+              <a:ext uri="{FF2B5EF4-FFF2-40B4-BE49-F238E27FC236}">
+                <a16:creationId xmlns:a16="http://schemas.microsoft.com/office/drawing/2014/main" id="{DADAB720-117B-482A-8DB4-A7D665A25175}"/>
+              </a:ext>
+            </a:extLst>
+          </p:cNvPr>
+          <p:cNvSpPr>
+            <a:spLocks noGrp="1"/>
+          </p:cNvSpPr>
+          <p:nvPr>
+            <p:ph type="subTitle" idx="1"/>
+          </p:nvPr>
+        </p:nvSpPr>
+        <p:spPr/>
+        <p:txBody>
+          <a:bodyPr/>
+          <a:lstStyle/>
+          <a:p>
+            <a:r>
+              <a:rPr lang="en-GB" dirty="0"/>
+              <a:t>Our Research Question is:</a:t>
+            </a:r>
+          </a:p>
+        </p:txBody>
+      </p:sp>
+      <p:sp>
+        <p:nvSpPr>
+          <p:cNvPr id="3" name="Footer Placeholder 2">
+            <a:extLst>
+              <a:ext uri="{FF2B5EF4-FFF2-40B4-BE49-F238E27FC236}">
+                <a16:creationId xmlns:a16="http://schemas.microsoft.com/office/drawing/2014/main" id="{D2FFFBBC-8447-4D06-968C-5E4627FBED90}"/>
+              </a:ext>
+            </a:extLst>
+          </p:cNvPr>
+          <p:cNvSpPr>
+            <a:spLocks noGrp="1"/>
+          </p:cNvSpPr>
+          <p:nvPr>
+            <p:ph type="ftr" sz="quarter" idx="11"/>
+          </p:nvPr>
+        </p:nvSpPr>
+        <p:spPr/>
+        <p:txBody>
+          <a:bodyPr/>
+          <a:lstStyle/>
+          <a:p>
+            <a:r>
+              <a:rPr lang="en-GB"/>
+              <a:t>PRESENTATION TITLE (ADD VIA INSERT, HEADER &amp; FOOTER)</a:t>
+            </a:r>
+            <a:endParaRPr lang="en-GB" dirty="0"/>
+          </a:p>
+        </p:txBody>
+      </p:sp>
+      <p:sp>
+        <p:nvSpPr>
+          <p:cNvPr id="4" name="Slide Number Placeholder 3">
+            <a:extLst>
+              <a:ext uri="{FF2B5EF4-FFF2-40B4-BE49-F238E27FC236}">
+                <a16:creationId xmlns:a16="http://schemas.microsoft.com/office/drawing/2014/main" id="{44672B0E-77BB-47B8-9666-BD59D7BAB3B8}"/>
+              </a:ext>
+            </a:extLst>
+          </p:cNvPr>
+          <p:cNvSpPr>
+            <a:spLocks noGrp="1"/>
+          </p:cNvSpPr>
+          <p:nvPr>
+            <p:ph type="sldNum" sz="quarter" idx="12"/>
+          </p:nvPr>
+        </p:nvSpPr>
+        <p:spPr/>
+        <p:txBody>
+          <a:bodyPr/>
+          <a:lstStyle/>
+          <a:p>
+            <a:fld id="{E4D355CA-84B7-41B1-B164-8BB439CC7C6B}" type="slidenum">
+              <a:rPr lang="en-GB" smtClean="0"/>
+              <a:pPr/>
+              <a:t>6</a:t>
+            </a:fld>
+            <a:endParaRPr lang="en-GB" dirty="0"/>
+          </a:p>
+        </p:txBody>
+      </p:sp>
+      <p:sp>
+        <p:nvSpPr>
+          <p:cNvPr id="5" name="Title 4">
+            <a:extLst>
+              <a:ext uri="{FF2B5EF4-FFF2-40B4-BE49-F238E27FC236}">
+                <a16:creationId xmlns:a16="http://schemas.microsoft.com/office/drawing/2014/main" id="{F355DC64-F4B7-423B-90D1-A286C35E7CA6}"/>
+              </a:ext>
+            </a:extLst>
+          </p:cNvPr>
+          <p:cNvSpPr>
+            <a:spLocks noGrp="1"/>
+          </p:cNvSpPr>
+          <p:nvPr>
+            <p:ph type="ctrTitle"/>
+          </p:nvPr>
+        </p:nvSpPr>
+        <p:spPr/>
+        <p:txBody>
+          <a:bodyPr/>
+          <a:lstStyle/>
+          <a:p>
+            <a:endParaRPr lang="en-GB"/>
+          </a:p>
+        </p:txBody>
+      </p:sp>
+    </p:spTree>
+    <p:extLst>
+      <p:ext uri="{BB962C8B-B14F-4D97-AF65-F5344CB8AC3E}">
+        <p14:creationId xmlns:p14="http://schemas.microsoft.com/office/powerpoint/2010/main" val="644063045"/>
       </p:ext>
     </p:extLst>
   </p:cSld>
@@ -6876,6 +7779,23 @@
 </file>
 
 <file path=customXml/item1.xml><?xml version="1.0" encoding="utf-8"?>
+<?mso-contentType ?>
+<FormTemplates xmlns="http://schemas.microsoft.com/sharepoint/v3/contenttype/forms">
+  <Display>DocumentLibraryForm</Display>
+  <Edit>DocumentLibraryForm</Edit>
+  <New>DocumentLibraryForm</New>
+</FormTemplates>
+</file>
+
+<file path=customXml/item2.xml><?xml version="1.0" encoding="utf-8"?>
+<p:properties xmlns:p="http://schemas.microsoft.com/office/2006/metadata/properties" xmlns:xsi="http://www.w3.org/2001/XMLSchema-instance" xmlns:pc="http://schemas.microsoft.com/office/infopath/2007/PartnerControls">
+  <documentManagement>
+    <Information xmlns="4ad138b4-2b68-4b70-945d-07f8f18b1c9a" xsi:nil="true"/>
+  </documentManagement>
+</p:properties>
+</file>
+
+<file path=customXml/item3.xml><?xml version="1.0" encoding="utf-8"?>
 <ct:contentTypeSchema xmlns:ct="http://schemas.microsoft.com/office/2006/metadata/contentType" xmlns:ma="http://schemas.microsoft.com/office/2006/metadata/properties/metaAttributes" ct:_="" ma:_="" ma:contentTypeName="Document" ma:contentTypeID="0x01010026DBA85F447B164191BB36C258697B67" ma:contentTypeVersion="14" ma:contentTypeDescription="Create a new document." ma:contentTypeScope="" ma:versionID="ea511d05ca7f895fe9556935b5c9af34">
   <xsd:schema xmlns:xsd="http://www.w3.org/2001/XMLSchema" xmlns:xs="http://www.w3.org/2001/XMLSchema" xmlns:p="http://schemas.microsoft.com/office/2006/metadata/properties" xmlns:ns2="4ad138b4-2b68-4b70-945d-07f8f18b1c9a" xmlns:ns3="3c474641-ec36-472f-b125-6b1b0910eaa4" targetNamespace="http://schemas.microsoft.com/office/2006/metadata/properties" ma:root="true" ma:fieldsID="662270106d7a7e100bcac2c5f8d29899" ns2:_="" ns3:_="">
     <xsd:import namespace="4ad138b4-2b68-4b70-945d-07f8f18b1c9a"/>
@@ -7100,38 +8020,10 @@
 </ct:contentTypeSchema>
 </file>
 
-<file path=customXml/item2.xml><?xml version="1.0" encoding="utf-8"?>
-<p:properties xmlns:p="http://schemas.microsoft.com/office/2006/metadata/properties" xmlns:xsi="http://www.w3.org/2001/XMLSchema-instance" xmlns:pc="http://schemas.microsoft.com/office/infopath/2007/PartnerControls">
-  <documentManagement>
-    <Information xmlns="4ad138b4-2b68-4b70-945d-07f8f18b1c9a" xsi:nil="true"/>
-  </documentManagement>
-</p:properties>
-</file>
-
-<file path=customXml/item3.xml><?xml version="1.0" encoding="utf-8"?>
-<?mso-contentType ?>
-<FormTemplates xmlns="http://schemas.microsoft.com/sharepoint/v3/contenttype/forms">
-  <Display>DocumentLibraryForm</Display>
-  <Edit>DocumentLibraryForm</Edit>
-  <New>DocumentLibraryForm</New>
-</FormTemplates>
-</file>
-
 <file path=customXml/itemProps1.xml><?xml version="1.0" encoding="utf-8"?>
-<ds:datastoreItem xmlns:ds="http://schemas.openxmlformats.org/officeDocument/2006/customXml" ds:itemID="{421B8C57-903D-4D0E-8336-7B512F760CD1}">
+<ds:datastoreItem xmlns:ds="http://schemas.openxmlformats.org/officeDocument/2006/customXml" ds:itemID="{91C521DD-2673-4EE6-BB9B-DC5C3320FFBB}">
   <ds:schemaRefs>
-    <ds:schemaRef ds:uri="http://schemas.microsoft.com/office/2006/metadata/contentType"/>
-    <ds:schemaRef ds:uri="http://schemas.microsoft.com/office/2006/metadata/properties/metaAttributes"/>
-    <ds:schemaRef ds:uri="http://www.w3.org/2001/XMLSchema"/>
-    <ds:schemaRef ds:uri="http://schemas.microsoft.com/office/2006/metadata/properties"/>
-    <ds:schemaRef ds:uri="4ad138b4-2b68-4b70-945d-07f8f18b1c9a"/>
-    <ds:schemaRef ds:uri="3c474641-ec36-472f-b125-6b1b0910eaa4"/>
-    <ds:schemaRef ds:uri="http://schemas.microsoft.com/office/2006/documentManagement/types"/>
-    <ds:schemaRef ds:uri="http://schemas.microsoft.com/office/infopath/2007/PartnerControls"/>
-    <ds:schemaRef ds:uri="http://schemas.openxmlformats.org/package/2006/metadata/core-properties"/>
-    <ds:schemaRef ds:uri="http://purl.org/dc/elements/1.1/"/>
-    <ds:schemaRef ds:uri="http://purl.org/dc/terms/"/>
-    <ds:schemaRef ds:uri="http://schemas.microsoft.com/internal/obd"/>
+    <ds:schemaRef ds:uri="http://schemas.microsoft.com/sharepoint/v3/contenttype/forms"/>
   </ds:schemaRefs>
 </ds:datastoreItem>
 </file>
@@ -7154,9 +8046,20 @@
 </file>
 
 <file path=customXml/itemProps3.xml><?xml version="1.0" encoding="utf-8"?>
-<ds:datastoreItem xmlns:ds="http://schemas.openxmlformats.org/officeDocument/2006/customXml" ds:itemID="{91C521DD-2673-4EE6-BB9B-DC5C3320FFBB}">
+<ds:datastoreItem xmlns:ds="http://schemas.openxmlformats.org/officeDocument/2006/customXml" ds:itemID="{421B8C57-903D-4D0E-8336-7B512F760CD1}">
   <ds:schemaRefs>
-    <ds:schemaRef ds:uri="http://schemas.microsoft.com/sharepoint/v3/contenttype/forms"/>
+    <ds:schemaRef ds:uri="http://schemas.microsoft.com/office/2006/metadata/contentType"/>
+    <ds:schemaRef ds:uri="http://schemas.microsoft.com/office/2006/metadata/properties/metaAttributes"/>
+    <ds:schemaRef ds:uri="http://www.w3.org/2001/XMLSchema"/>
+    <ds:schemaRef ds:uri="http://schemas.microsoft.com/office/2006/metadata/properties"/>
+    <ds:schemaRef ds:uri="4ad138b4-2b68-4b70-945d-07f8f18b1c9a"/>
+    <ds:schemaRef ds:uri="3c474641-ec36-472f-b125-6b1b0910eaa4"/>
+    <ds:schemaRef ds:uri="http://schemas.microsoft.com/office/2006/documentManagement/types"/>
+    <ds:schemaRef ds:uri="http://schemas.microsoft.com/office/infopath/2007/PartnerControls"/>
+    <ds:schemaRef ds:uri="http://schemas.openxmlformats.org/package/2006/metadata/core-properties"/>
+    <ds:schemaRef ds:uri="http://purl.org/dc/elements/1.1/"/>
+    <ds:schemaRef ds:uri="http://purl.org/dc/terms/"/>
+    <ds:schemaRef ds:uri="http://schemas.microsoft.com/internal/obd"/>
   </ds:schemaRefs>
 </ds:datastoreItem>
 </file>
--- a/researchQuestion.pptx
+++ b/researchQuestion.pptx
@@ -5,10 +5,10 @@
     <p:sldMasterId id="2147483648" r:id="rId4"/>
   </p:sldMasterIdLst>
   <p:notesMasterIdLst>
-    <p:notesMasterId r:id="rId11"/>
+    <p:notesMasterId r:id="rId10"/>
   </p:notesMasterIdLst>
   <p:handoutMasterIdLst>
-    <p:handoutMasterId r:id="rId12"/>
+    <p:handoutMasterId r:id="rId11"/>
   </p:handoutMasterIdLst>
   <p:sldIdLst>
     <p:sldId id="289" r:id="rId5"/>
@@ -16,7 +16,6 @@
     <p:sldId id="329" r:id="rId7"/>
     <p:sldId id="336" r:id="rId8"/>
     <p:sldId id="338" r:id="rId9"/>
-    <p:sldId id="341" r:id="rId10"/>
   </p:sldIdLst>
   <p:sldSz cx="12192000" cy="6858000"/>
   <p:notesSz cx="6858000" cy="9144000"/>
@@ -5373,47 +5372,6 @@
           </a:p>
         </p:txBody>
       </p:sp>
-      <p:sp>
-        <p:nvSpPr>
-          <p:cNvPr id="6" name="TextBox 5">
-            <a:extLst>
-              <a:ext uri="{FF2B5EF4-FFF2-40B4-BE49-F238E27FC236}">
-                <a16:creationId xmlns:a16="http://schemas.microsoft.com/office/drawing/2014/main" id="{732D6C0D-D649-2AA9-7741-835F3E841A25}"/>
-              </a:ext>
-            </a:extLst>
-          </p:cNvPr>
-          <p:cNvSpPr txBox="1"/>
-          <p:nvPr/>
-        </p:nvSpPr>
-        <p:spPr>
-          <a:xfrm>
-            <a:off x="6766560" y="5385816"/>
-            <a:ext cx="4187952" cy="1200329"/>
-          </a:xfrm>
-          <a:prstGeom prst="rect">
-            <a:avLst/>
-          </a:prstGeom>
-          <a:noFill/>
-        </p:spPr>
-        <p:txBody>
-          <a:bodyPr wrap="square" rtlCol="0">
-            <a:spAutoFit/>
-          </a:bodyPr>
-          <a:lstStyle/>
-          <a:p>
-            <a:r>
-              <a:rPr lang="en-GB" dirty="0">
-                <a:solidFill>
-                  <a:schemeClr val="accent2">
-                    <a:lumMod val="75000"/>
-                  </a:schemeClr>
-                </a:solidFill>
-              </a:rPr>
-              <a:t>*For comparison of two nominal variables and for comparison of proportions you use two (or more) independent variables (see next slide)</a:t>
-            </a:r>
-          </a:p>
-        </p:txBody>
-      </p:sp>
     </p:spTree>
     <p:extLst>
       <p:ext uri="{BB962C8B-B14F-4D97-AF65-F5344CB8AC3E}">
@@ -5479,14 +5437,11 @@
               <a:rPr lang="en-GB" dirty="0"/>
               <a:t>Our Research Question is </a:t>
             </a:r>
-            <a:r>
-              <a:rPr lang="en-GB" sz="1800" dirty="0">
-                <a:solidFill>
-                  <a:srgbClr val="FF0000"/>
-                </a:solidFill>
-              </a:rPr>
-              <a:t>Choose ONE of the three templates below replacing the blue text with your variables – then add hypotheses as shown in next slide:</a:t>
-            </a:r>
+            <a:endParaRPr lang="en-GB" sz="1800" dirty="0">
+              <a:solidFill>
+                <a:srgbClr val="FF0000"/>
+              </a:solidFill>
+            </a:endParaRPr>
           </a:p>
         </p:txBody>
       </p:sp>
@@ -5619,19 +5574,16 @@
                 <a:ea typeface="Calibri" panose="020F0502020204030204" pitchFamily="34" charset="0"/>
                 <a:cs typeface="Times New Roman" panose="02020603050405020304" pitchFamily="18" charset="0"/>
               </a:rPr>
-              <a:t>Interval/Ordinal vs Interval/Ordinal: “Is there a correlation between </a:t>
-            </a:r>
-            <a:r>
-              <a:rPr lang="en-IE" sz="2400" b="0" dirty="0">
-                <a:solidFill>
-                  <a:srgbClr val="0070C0"/>
-                </a:solidFill>
+              <a:t>Interval/Ordinal vs Interval/Ordinal: Is there a correlation between </a:t>
+            </a:r>
+            <a:r>
+              <a:rPr lang="en-IE" sz="2400" b="0" dirty="0" err="1">
                 <a:effectLst/>
                 <a:latin typeface="Calibri" panose="020F0502020204030204" pitchFamily="34" charset="0"/>
                 <a:ea typeface="Calibri" panose="020F0502020204030204" pitchFamily="34" charset="0"/>
                 <a:cs typeface="Times New Roman" panose="02020603050405020304" pitchFamily="18" charset="0"/>
               </a:rPr>
-              <a:t>[dependent interval </a:t>
+              <a:t>TeamId</a:t>
             </a:r>
             <a:r>
               <a:rPr lang="en-IE" sz="2400" b="0" dirty="0">
@@ -5640,70 +5592,7 @@
                 <a:ea typeface="Calibri" panose="020F0502020204030204" pitchFamily="34" charset="0"/>
                 <a:cs typeface="Times New Roman" panose="02020603050405020304" pitchFamily="18" charset="0"/>
               </a:rPr>
-              <a:t>or</a:t>
-            </a:r>
-            <a:r>
-              <a:rPr lang="en-IE" sz="2400" b="0" dirty="0">
-                <a:solidFill>
-                  <a:srgbClr val="0070C0"/>
-                </a:solidFill>
-                <a:effectLst/>
-                <a:latin typeface="Calibri" panose="020F0502020204030204" pitchFamily="34" charset="0"/>
-                <a:ea typeface="Calibri" panose="020F0502020204030204" pitchFamily="34" charset="0"/>
-                <a:cs typeface="Times New Roman" panose="02020603050405020304" pitchFamily="18" charset="0"/>
-              </a:rPr>
-              <a:t> ordinal variable] </a:t>
-            </a:r>
-            <a:r>
-              <a:rPr lang="en-IE" sz="2400" b="0" dirty="0">
-                <a:effectLst/>
-                <a:latin typeface="Calibri" panose="020F0502020204030204" pitchFamily="34" charset="0"/>
-                <a:ea typeface="Calibri" panose="020F0502020204030204" pitchFamily="34" charset="0"/>
-                <a:cs typeface="Times New Roman" panose="02020603050405020304" pitchFamily="18" charset="0"/>
-              </a:rPr>
-              <a:t>and </a:t>
-            </a:r>
-            <a:r>
-              <a:rPr lang="en-IE" sz="2400" b="0" dirty="0">
-                <a:solidFill>
-                  <a:srgbClr val="0070C0"/>
-                </a:solidFill>
-                <a:effectLst/>
-                <a:latin typeface="Calibri" panose="020F0502020204030204" pitchFamily="34" charset="0"/>
-                <a:ea typeface="Calibri" panose="020F0502020204030204" pitchFamily="34" charset="0"/>
-                <a:cs typeface="Times New Roman" panose="02020603050405020304" pitchFamily="18" charset="0"/>
-              </a:rPr>
-              <a:t>[independent interval </a:t>
-            </a:r>
-            <a:r>
-              <a:rPr lang="en-IE" sz="2400" b="0" dirty="0">
-                <a:effectLst/>
-                <a:latin typeface="Calibri" panose="020F0502020204030204" pitchFamily="34" charset="0"/>
-                <a:ea typeface="Calibri" panose="020F0502020204030204" pitchFamily="34" charset="0"/>
-                <a:cs typeface="Times New Roman" panose="02020603050405020304" pitchFamily="18" charset="0"/>
-              </a:rPr>
-              <a:t>or</a:t>
-            </a:r>
-            <a:r>
-              <a:rPr lang="en-IE" sz="2400" b="0" dirty="0">
-                <a:solidFill>
-                  <a:srgbClr val="0070C0"/>
-                </a:solidFill>
-                <a:effectLst/>
-                <a:latin typeface="Calibri" panose="020F0502020204030204" pitchFamily="34" charset="0"/>
-                <a:ea typeface="Calibri" panose="020F0502020204030204" pitchFamily="34" charset="0"/>
-                <a:cs typeface="Times New Roman" panose="02020603050405020304" pitchFamily="18" charset="0"/>
-              </a:rPr>
-              <a:t> ordinal variable?]”</a:t>
-            </a:r>
-            <a:r>
-              <a:rPr lang="en-IE" sz="2400" b="0" dirty="0">
-                <a:effectLst/>
-                <a:latin typeface="Calibri" panose="020F0502020204030204" pitchFamily="34" charset="0"/>
-                <a:ea typeface="Calibri" panose="020F0502020204030204" pitchFamily="34" charset="0"/>
-                <a:cs typeface="Times New Roman" panose="02020603050405020304" pitchFamily="18" charset="0"/>
-              </a:rPr>
-              <a:t>. </a:t>
+              <a:t> and 538Rating . </a:t>
             </a:r>
             <a:br>
               <a:rPr lang="en-IE" sz="2400" dirty="0">
@@ -5721,254 +5610,6 @@
                 <a:cs typeface="Times New Roman" panose="02020603050405020304" pitchFamily="18" charset="0"/>
               </a:rPr>
             </a:br>
-            <a:r>
-              <a:rPr lang="en-IE" sz="2400" dirty="0">
-                <a:effectLst/>
-                <a:latin typeface="Calibri" panose="020F0502020204030204" pitchFamily="34" charset="0"/>
-                <a:ea typeface="Calibri" panose="020F0502020204030204" pitchFamily="34" charset="0"/>
-                <a:cs typeface="Times New Roman" panose="02020603050405020304" pitchFamily="18" charset="0"/>
-              </a:rPr>
-              <a:t>Template</a:t>
-            </a:r>
-            <a:r>
-              <a:rPr lang="en-IE" sz="2400" baseline="30000" dirty="0">
-                <a:effectLst/>
-                <a:latin typeface="Calibri" panose="020F0502020204030204" pitchFamily="34" charset="0"/>
-                <a:ea typeface="Calibri" panose="020F0502020204030204" pitchFamily="34" charset="0"/>
-                <a:cs typeface="Times New Roman" panose="02020603050405020304" pitchFamily="18" charset="0"/>
-              </a:rPr>
-              <a:t>2</a:t>
-            </a:r>
-            <a:r>
-              <a:rPr lang="en-IE" sz="2400" dirty="0">
-                <a:effectLst/>
-                <a:latin typeface="Calibri" panose="020F0502020204030204" pitchFamily="34" charset="0"/>
-                <a:ea typeface="Calibri" panose="020F0502020204030204" pitchFamily="34" charset="0"/>
-                <a:cs typeface="Times New Roman" panose="02020603050405020304" pitchFamily="18" charset="0"/>
-              </a:rPr>
-              <a:t> :</a:t>
-            </a:r>
-            <a:r>
-              <a:rPr lang="en-IE" sz="2400" b="0" dirty="0">
-                <a:effectLst/>
-                <a:latin typeface="Calibri" panose="020F0502020204030204" pitchFamily="34" charset="0"/>
-                <a:ea typeface="Calibri" panose="020F0502020204030204" pitchFamily="34" charset="0"/>
-                <a:cs typeface="Times New Roman" panose="02020603050405020304" pitchFamily="18" charset="0"/>
-              </a:rPr>
-              <a:t>Interval/Ordinal vs Nominal. data “Is there a difference in the mean of </a:t>
-            </a:r>
-            <a:r>
-              <a:rPr lang="en-IE" sz="2400" b="0" dirty="0">
-                <a:solidFill>
-                  <a:srgbClr val="0070C0"/>
-                </a:solidFill>
-                <a:effectLst/>
-                <a:latin typeface="Calibri" panose="020F0502020204030204" pitchFamily="34" charset="0"/>
-                <a:ea typeface="Calibri" panose="020F0502020204030204" pitchFamily="34" charset="0"/>
-                <a:cs typeface="Times New Roman" panose="02020603050405020304" pitchFamily="18" charset="0"/>
-              </a:rPr>
-              <a:t>[dependent interval variable </a:t>
-            </a:r>
-            <a:r>
-              <a:rPr lang="en-IE" sz="2400" b="0" dirty="0">
-                <a:solidFill>
-                  <a:srgbClr val="0070C0"/>
-                </a:solidFill>
-                <a:latin typeface="Calibri" panose="020F0502020204030204" pitchFamily="34" charset="0"/>
-                <a:ea typeface="Calibri" panose="020F0502020204030204" pitchFamily="34" charset="0"/>
-                <a:cs typeface="Times New Roman" panose="02020603050405020304" pitchFamily="18" charset="0"/>
-              </a:rPr>
-              <a:t> </a:t>
-            </a:r>
-            <a:r>
-              <a:rPr lang="en-IE" sz="2400" b="0" dirty="0">
-                <a:latin typeface="Calibri" panose="020F0502020204030204" pitchFamily="34" charset="0"/>
-                <a:ea typeface="Calibri" panose="020F0502020204030204" pitchFamily="34" charset="0"/>
-                <a:cs typeface="Times New Roman" panose="02020603050405020304" pitchFamily="18" charset="0"/>
-              </a:rPr>
-              <a:t>or</a:t>
-            </a:r>
-            <a:r>
-              <a:rPr lang="en-IE" sz="2400" b="0" dirty="0">
-                <a:effectLst/>
-                <a:latin typeface="Calibri" panose="020F0502020204030204" pitchFamily="34" charset="0"/>
-                <a:ea typeface="Calibri" panose="020F0502020204030204" pitchFamily="34" charset="0"/>
-                <a:cs typeface="Times New Roman" panose="02020603050405020304" pitchFamily="18" charset="0"/>
-              </a:rPr>
-              <a:t> </a:t>
-            </a:r>
-            <a:r>
-              <a:rPr lang="en-IE" sz="2400" b="0" dirty="0">
-                <a:solidFill>
-                  <a:srgbClr val="0070C0"/>
-                </a:solidFill>
-                <a:effectLst/>
-                <a:latin typeface="Calibri" panose="020F0502020204030204" pitchFamily="34" charset="0"/>
-                <a:ea typeface="Calibri" panose="020F0502020204030204" pitchFamily="34" charset="0"/>
-                <a:cs typeface="Times New Roman" panose="02020603050405020304" pitchFamily="18" charset="0"/>
-              </a:rPr>
-              <a:t> dependent ordinal variable] </a:t>
-            </a:r>
-            <a:r>
-              <a:rPr lang="en-IE" sz="2400" b="0" dirty="0">
-                <a:effectLst/>
-                <a:latin typeface="Calibri" panose="020F0502020204030204" pitchFamily="34" charset="0"/>
-                <a:ea typeface="Calibri" panose="020F0502020204030204" pitchFamily="34" charset="0"/>
-                <a:cs typeface="Times New Roman" panose="02020603050405020304" pitchFamily="18" charset="0"/>
-              </a:rPr>
-              <a:t>between </a:t>
-            </a:r>
-            <a:r>
-              <a:rPr lang="en-IE" sz="2400" b="0" dirty="0">
-                <a:solidFill>
-                  <a:srgbClr val="0070C0"/>
-                </a:solidFill>
-                <a:effectLst/>
-                <a:latin typeface="Calibri" panose="020F0502020204030204" pitchFamily="34" charset="0"/>
-                <a:ea typeface="Calibri" panose="020F0502020204030204" pitchFamily="34" charset="0"/>
-                <a:cs typeface="Times New Roman" panose="02020603050405020304" pitchFamily="18" charset="0"/>
-              </a:rPr>
-              <a:t>[independent nominal variable] and [independent nominal variable?]</a:t>
-            </a:r>
-            <a:r>
-              <a:rPr lang="en-IE" sz="2400" b="0" dirty="0">
-                <a:effectLst/>
-                <a:latin typeface="Calibri" panose="020F0502020204030204" pitchFamily="34" charset="0"/>
-                <a:ea typeface="Calibri" panose="020F0502020204030204" pitchFamily="34" charset="0"/>
-                <a:cs typeface="Times New Roman" panose="02020603050405020304" pitchFamily="18" charset="0"/>
-              </a:rPr>
-              <a:t>”.</a:t>
-            </a:r>
-            <a:br>
-              <a:rPr lang="en-GB" sz="2400" b="0" dirty="0">
-                <a:effectLst/>
-                <a:latin typeface="Calibri" panose="020F0502020204030204" pitchFamily="34" charset="0"/>
-                <a:ea typeface="Calibri" panose="020F0502020204030204" pitchFamily="34" charset="0"/>
-                <a:cs typeface="Times New Roman" panose="02020603050405020304" pitchFamily="18" charset="0"/>
-              </a:rPr>
-            </a:br>
-            <a:br>
-              <a:rPr lang="en-IE" sz="2400" dirty="0">
-                <a:solidFill>
-                  <a:srgbClr val="000000"/>
-                </a:solidFill>
-                <a:effectLst/>
-                <a:latin typeface="Calibri" panose="020F0502020204030204" pitchFamily="34" charset="0"/>
-                <a:ea typeface="Calibri" panose="020F0502020204030204" pitchFamily="34" charset="0"/>
-                <a:cs typeface="Times New Roman" panose="02020603050405020304" pitchFamily="18" charset="0"/>
-              </a:rPr>
-            </a:br>
-            <a:r>
-              <a:rPr lang="en-IE" sz="2400" dirty="0">
-                <a:solidFill>
-                  <a:srgbClr val="000000"/>
-                </a:solidFill>
-                <a:effectLst/>
-                <a:latin typeface="Calibri" panose="020F0502020204030204" pitchFamily="34" charset="0"/>
-                <a:ea typeface="Calibri" panose="020F0502020204030204" pitchFamily="34" charset="0"/>
-                <a:cs typeface="Times New Roman" panose="02020603050405020304" pitchFamily="18" charset="0"/>
-              </a:rPr>
-              <a:t>Template </a:t>
-            </a:r>
-            <a:r>
-              <a:rPr lang="en-IE" sz="2400" baseline="30000" dirty="0">
-                <a:solidFill>
-                  <a:srgbClr val="000000"/>
-                </a:solidFill>
-                <a:effectLst/>
-                <a:latin typeface="Calibri" panose="020F0502020204030204" pitchFamily="34" charset="0"/>
-                <a:ea typeface="Calibri" panose="020F0502020204030204" pitchFamily="34" charset="0"/>
-                <a:cs typeface="Times New Roman" panose="02020603050405020304" pitchFamily="18" charset="0"/>
-              </a:rPr>
-              <a:t>3</a:t>
-            </a:r>
-            <a:r>
-              <a:rPr lang="en-IE" sz="2400" dirty="0">
-                <a:solidFill>
-                  <a:srgbClr val="000000"/>
-                </a:solidFill>
-                <a:effectLst/>
-                <a:latin typeface="Calibri" panose="020F0502020204030204" pitchFamily="34" charset="0"/>
-                <a:ea typeface="Calibri" panose="020F0502020204030204" pitchFamily="34" charset="0"/>
-                <a:cs typeface="Times New Roman" panose="02020603050405020304" pitchFamily="18" charset="0"/>
-              </a:rPr>
-              <a:t>:  </a:t>
-            </a:r>
-            <a:r>
-              <a:rPr lang="en-IE" sz="2400" b="0" dirty="0">
-                <a:solidFill>
-                  <a:srgbClr val="000000"/>
-                </a:solidFill>
-                <a:effectLst/>
-                <a:latin typeface="Calibri" panose="020F0502020204030204" pitchFamily="34" charset="0"/>
-                <a:ea typeface="Calibri" panose="020F0502020204030204" pitchFamily="34" charset="0"/>
-                <a:cs typeface="Times New Roman" panose="02020603050405020304" pitchFamily="18" charset="0"/>
-              </a:rPr>
-              <a:t>Nominal vs Nominal  data (frequencies): “</a:t>
-            </a:r>
-            <a:r>
-              <a:rPr lang="en-IE" sz="2400" b="0" dirty="0">
-                <a:effectLst/>
-                <a:latin typeface="Calibri" panose="020F0502020204030204" pitchFamily="34" charset="0"/>
-                <a:ea typeface="Calibri" panose="020F0502020204030204" pitchFamily="34" charset="0"/>
-                <a:cs typeface="Times New Roman" panose="02020603050405020304" pitchFamily="18" charset="0"/>
-              </a:rPr>
-              <a:t>Is there a difference in proportions of </a:t>
-            </a:r>
-            <a:r>
-              <a:rPr lang="en-IE" sz="2400" b="0" dirty="0">
-                <a:solidFill>
-                  <a:srgbClr val="0070C0"/>
-                </a:solidFill>
-                <a:effectLst/>
-                <a:latin typeface="Calibri" panose="020F0502020204030204" pitchFamily="34" charset="0"/>
-                <a:ea typeface="Calibri" panose="020F0502020204030204" pitchFamily="34" charset="0"/>
-                <a:cs typeface="Times New Roman" panose="02020603050405020304" pitchFamily="18" charset="0"/>
-              </a:rPr>
-              <a:t>[dependent nominal variable] </a:t>
-            </a:r>
-            <a:r>
-              <a:rPr lang="en-IE" sz="2400" b="0" dirty="0">
-                <a:effectLst/>
-                <a:latin typeface="Calibri" panose="020F0502020204030204" pitchFamily="34" charset="0"/>
-                <a:ea typeface="Calibri" panose="020F0502020204030204" pitchFamily="34" charset="0"/>
-                <a:cs typeface="Times New Roman" panose="02020603050405020304" pitchFamily="18" charset="0"/>
-              </a:rPr>
-              <a:t>between </a:t>
-            </a:r>
-            <a:r>
-              <a:rPr lang="en-IE" sz="2400" b="0" dirty="0">
-                <a:solidFill>
-                  <a:srgbClr val="0070C0"/>
-                </a:solidFill>
-                <a:effectLst/>
-                <a:latin typeface="Calibri" panose="020F0502020204030204" pitchFamily="34" charset="0"/>
-                <a:ea typeface="Calibri" panose="020F0502020204030204" pitchFamily="34" charset="0"/>
-                <a:cs typeface="Times New Roman" panose="02020603050405020304" pitchFamily="18" charset="0"/>
-              </a:rPr>
-              <a:t>[independent nominal variable] </a:t>
-            </a:r>
-            <a:r>
-              <a:rPr lang="en-IE" sz="2400" b="0" dirty="0">
-                <a:effectLst/>
-                <a:latin typeface="Calibri" panose="020F0502020204030204" pitchFamily="34" charset="0"/>
-                <a:ea typeface="Calibri" panose="020F0502020204030204" pitchFamily="34" charset="0"/>
-                <a:cs typeface="Times New Roman" panose="02020603050405020304" pitchFamily="18" charset="0"/>
-              </a:rPr>
-              <a:t>and </a:t>
-            </a:r>
-            <a:r>
-              <a:rPr lang="en-IE" sz="2400" b="0" dirty="0">
-                <a:solidFill>
-                  <a:srgbClr val="0070C0"/>
-                </a:solidFill>
-                <a:effectLst/>
-                <a:latin typeface="Calibri" panose="020F0502020204030204" pitchFamily="34" charset="0"/>
-                <a:ea typeface="Calibri" panose="020F0502020204030204" pitchFamily="34" charset="0"/>
-                <a:cs typeface="Times New Roman" panose="02020603050405020304" pitchFamily="18" charset="0"/>
-              </a:rPr>
-              <a:t>[independent nominal variable]?”</a:t>
-            </a:r>
             <a:br>
               <a:rPr lang="en-GB" sz="2400" dirty="0">
                 <a:effectLst/>
@@ -5982,225 +5623,6 @@
                 <a:srgbClr val="FF0000"/>
               </a:solidFill>
             </a:endParaRPr>
-          </a:p>
-        </p:txBody>
-      </p:sp>
-      <p:sp>
-        <p:nvSpPr>
-          <p:cNvPr id="7" name="TextBox 6">
-            <a:extLst>
-              <a:ext uri="{FF2B5EF4-FFF2-40B4-BE49-F238E27FC236}">
-                <a16:creationId xmlns:a16="http://schemas.microsoft.com/office/drawing/2014/main" id="{F7FEA660-7B39-BC91-3B96-7298CCF66DE1}"/>
-              </a:ext>
-            </a:extLst>
-          </p:cNvPr>
-          <p:cNvSpPr txBox="1"/>
-          <p:nvPr/>
-        </p:nvSpPr>
-        <p:spPr>
-          <a:xfrm>
-            <a:off x="623945" y="5297755"/>
-            <a:ext cx="11440040" cy="1477328"/>
-          </a:xfrm>
-          <a:prstGeom prst="rect">
-            <a:avLst/>
-          </a:prstGeom>
-          <a:solidFill>
-            <a:schemeClr val="bg1">
-              <a:lumMod val="95000"/>
-            </a:schemeClr>
-          </a:solidFill>
-        </p:spPr>
-        <p:txBody>
-          <a:bodyPr wrap="square" lIns="91440" tIns="45720" rIns="91440" bIns="45720" rtlCol="0" anchor="t">
-            <a:spAutoFit/>
-          </a:bodyPr>
-          <a:lstStyle/>
-          <a:p>
-            <a:r>
-              <a:rPr lang="en-GB" baseline="30000" dirty="0"/>
-              <a:t>1</a:t>
-            </a:r>
-            <a:r>
-              <a:rPr lang="en-GB" b="1" dirty="0">
-                <a:latin typeface="Calibri"/>
-                <a:cs typeface="Calibri"/>
-              </a:rPr>
-              <a:t>Correlation</a:t>
-            </a:r>
-            <a:r>
-              <a:rPr lang="en-GB" dirty="0"/>
-              <a:t> (</a:t>
-            </a:r>
-            <a:r>
-              <a:rPr lang="en-IE" sz="1800" dirty="0">
-                <a:effectLst/>
-                <a:latin typeface="Calibri"/>
-                <a:ea typeface="Calibri" panose="020F0502020204030204" pitchFamily="34" charset="0"/>
-                <a:cs typeface="Times New Roman"/>
-              </a:rPr>
-              <a:t>Analysis of how </a:t>
-            </a:r>
-            <a:r>
-              <a:rPr lang="en-IE" sz="1800" dirty="0">
-                <a:solidFill>
-                  <a:srgbClr val="FF0000"/>
-                </a:solidFill>
-                <a:effectLst/>
-                <a:latin typeface="Calibri"/>
-                <a:ea typeface="Calibri" panose="020F0502020204030204" pitchFamily="34" charset="0"/>
-                <a:cs typeface="Times New Roman"/>
-              </a:rPr>
-              <a:t>ordinal</a:t>
-            </a:r>
-            <a:r>
-              <a:rPr lang="en-IE" dirty="0">
-                <a:solidFill>
-                  <a:srgbClr val="FF0000"/>
-                </a:solidFill>
-                <a:latin typeface="Calibri"/>
-                <a:ea typeface="Calibri" panose="020F0502020204030204" pitchFamily="34" charset="0"/>
-                <a:cs typeface="Times New Roman"/>
-              </a:rPr>
-              <a:t>/</a:t>
-            </a:r>
-            <a:r>
-              <a:rPr lang="en-IE" sz="1800" dirty="0">
-                <a:solidFill>
-                  <a:srgbClr val="FF0000"/>
-                </a:solidFill>
-                <a:effectLst/>
-                <a:latin typeface="Calibri"/>
-                <a:ea typeface="Calibri" panose="020F0502020204030204" pitchFamily="34" charset="0"/>
-                <a:cs typeface="Times New Roman"/>
-              </a:rPr>
-              <a:t>interval </a:t>
-            </a:r>
-            <a:r>
-              <a:rPr lang="en-IE" sz="1800" dirty="0">
-                <a:solidFill>
-                  <a:srgbClr val="00B050"/>
-                </a:solidFill>
-                <a:effectLst/>
-                <a:latin typeface="Calibri"/>
-                <a:ea typeface="Calibri" panose="020F0502020204030204" pitchFamily="34" charset="0"/>
-                <a:cs typeface="Times New Roman"/>
-              </a:rPr>
-              <a:t>dependent var</a:t>
-            </a:r>
-            <a:r>
-              <a:rPr lang="en-IE" sz="1800" dirty="0">
-                <a:effectLst/>
-                <a:latin typeface="Calibri"/>
-                <a:ea typeface="Calibri" panose="020F0502020204030204" pitchFamily="34" charset="0"/>
-                <a:cs typeface="Times New Roman"/>
-              </a:rPr>
-              <a:t> </a:t>
-            </a:r>
-            <a:r>
-              <a:rPr lang="en-IE" dirty="0">
-                <a:latin typeface="Calibri"/>
-                <a:ea typeface="Calibri" panose="020F0502020204030204" pitchFamily="34" charset="0"/>
-                <a:cs typeface="Times New Roman"/>
-              </a:rPr>
-              <a:t>correlates </a:t>
-            </a:r>
-            <a:r>
-              <a:rPr lang="en-IE" sz="1800" dirty="0">
-                <a:effectLst/>
-                <a:latin typeface="Calibri"/>
-                <a:ea typeface="Calibri" panose="020F0502020204030204" pitchFamily="34" charset="0"/>
-                <a:cs typeface="Times New Roman"/>
-              </a:rPr>
-              <a:t>to an </a:t>
-            </a:r>
-            <a:r>
-              <a:rPr lang="en-IE" sz="1800" dirty="0">
-                <a:solidFill>
-                  <a:srgbClr val="FF0000"/>
-                </a:solidFill>
-                <a:effectLst/>
-                <a:latin typeface="Calibri"/>
-                <a:ea typeface="Calibri" panose="020F0502020204030204" pitchFamily="34" charset="0"/>
-                <a:cs typeface="Times New Roman"/>
-              </a:rPr>
-              <a:t>ordinal/interval </a:t>
-            </a:r>
-            <a:r>
-              <a:rPr lang="en-IE" sz="1800" dirty="0">
-                <a:solidFill>
-                  <a:srgbClr val="00B050"/>
-                </a:solidFill>
-                <a:effectLst/>
-                <a:latin typeface="Calibri"/>
-                <a:ea typeface="Calibri" panose="020F0502020204030204" pitchFamily="34" charset="0"/>
-                <a:cs typeface="Times New Roman"/>
-              </a:rPr>
-              <a:t>independent variable)</a:t>
-            </a:r>
-            <a:endParaRPr lang="en-GB" dirty="0">
-              <a:latin typeface="Calibri"/>
-              <a:cs typeface="Times New Roman"/>
-            </a:endParaRPr>
-          </a:p>
-          <a:p>
-            <a:r>
-              <a:rPr lang="en-IE" sz="1800" b="1" baseline="30000" dirty="0">
-                <a:effectLst/>
-                <a:latin typeface="Calibri" panose="020F0502020204030204" pitchFamily="34" charset="0"/>
-                <a:ea typeface="Calibri" panose="020F0502020204030204" pitchFamily="34" charset="0"/>
-                <a:cs typeface="Times New Roman" panose="02020603050405020304" pitchFamily="18" charset="0"/>
-              </a:rPr>
-              <a:t>2</a:t>
-            </a:r>
-            <a:r>
-              <a:rPr lang="en-IE" sz="1800" b="1" dirty="0">
-                <a:effectLst/>
-                <a:latin typeface="Calibri" panose="020F0502020204030204" pitchFamily="34" charset="0"/>
-                <a:ea typeface="Calibri" panose="020F0502020204030204" pitchFamily="34" charset="0"/>
-                <a:cs typeface="Times New Roman" panose="02020603050405020304" pitchFamily="18" charset="0"/>
-              </a:rPr>
-              <a:t>Comparison of means</a:t>
-            </a:r>
-            <a:r>
-              <a:rPr lang="en-IE" sz="1800" dirty="0">
-                <a:effectLst/>
-                <a:latin typeface="Calibri" panose="020F0502020204030204" pitchFamily="34" charset="0"/>
-                <a:ea typeface="Calibri" panose="020F0502020204030204" pitchFamily="34" charset="0"/>
-                <a:cs typeface="Times New Roman" panose="02020603050405020304" pitchFamily="18" charset="0"/>
-              </a:rPr>
-              <a:t> (or medians): Analysis of the difference between the mean (or median) value of a characteristic shared by members of two different populations.</a:t>
-            </a:r>
-          </a:p>
-          <a:p>
-            <a:r>
-              <a:rPr lang="en-IE" sz="1800" b="1" baseline="30000" dirty="0">
-                <a:effectLst/>
-                <a:latin typeface="Calibri" panose="020F0502020204030204" pitchFamily="34" charset="0"/>
-                <a:ea typeface="Calibri" panose="020F0502020204030204" pitchFamily="34" charset="0"/>
-                <a:cs typeface="Times New Roman" panose="02020603050405020304" pitchFamily="18" charset="0"/>
-              </a:rPr>
-              <a:t>3</a:t>
-            </a:r>
-            <a:r>
-              <a:rPr lang="en-IE" sz="1800" b="1" dirty="0">
-                <a:effectLst/>
-                <a:latin typeface="Calibri" panose="020F0502020204030204" pitchFamily="34" charset="0"/>
-                <a:ea typeface="Calibri" panose="020F0502020204030204" pitchFamily="34" charset="0"/>
-                <a:cs typeface="Times New Roman" panose="02020603050405020304" pitchFamily="18" charset="0"/>
-              </a:rPr>
-              <a:t>Comparison of proportions:</a:t>
-            </a:r>
-            <a:r>
-              <a:rPr lang="en-IE" sz="1800" dirty="0">
-                <a:effectLst/>
-                <a:latin typeface="Calibri" panose="020F0502020204030204" pitchFamily="34" charset="0"/>
-                <a:ea typeface="Calibri" panose="020F0502020204030204" pitchFamily="34" charset="0"/>
-                <a:cs typeface="Times New Roman" panose="02020603050405020304" pitchFamily="18" charset="0"/>
-              </a:rPr>
-              <a:t> Analysis of the difference in proportions of a characteristic shared by members of two different populations. </a:t>
-            </a:r>
-            <a:endParaRPr lang="en-GB" dirty="0"/>
           </a:p>
         </p:txBody>
       </p:sp>
@@ -6268,61 +5690,44 @@
               </a:lnSpc>
             </a:pPr>
             <a:r>
-              <a:rPr lang="en-GB" sz="2400" b="0" dirty="0">
-                <a:latin typeface="Calibri"/>
-                <a:cs typeface="Calibri"/>
-              </a:rPr>
-              <a:t>Add your </a:t>
-            </a:r>
-            <a:r>
               <a:rPr lang="en-GB" sz="2400" dirty="0">
                 <a:latin typeface="Calibri"/>
                 <a:cs typeface="Calibri"/>
               </a:rPr>
-              <a:t>Hypotheses</a:t>
-            </a:r>
-            <a:r>
-              <a:rPr lang="en-GB" sz="2400" b="0" dirty="0">
-                <a:latin typeface="Calibri"/>
-                <a:cs typeface="Calibri"/>
-              </a:rPr>
-              <a:t> to the previous RQ Slide  (both the Null and Alternative Hypotheses).  Here are definitions and examples. </a:t>
-            </a:r>
-            <a:r>
-              <a:rPr lang="en-GB" sz="2400" dirty="0">
-                <a:latin typeface="Calibri"/>
-                <a:cs typeface="Calibri"/>
-              </a:rPr>
-              <a:t>Your wording will come directly from your RQ</a:t>
-            </a:r>
-            <a:r>
-              <a:rPr lang="en-GB" sz="2400" b="0" dirty="0">
-                <a:latin typeface="Calibri"/>
-                <a:cs typeface="Calibri"/>
-              </a:rPr>
-              <a:t>. This is the formal way of reporting the results of your inferential test statistics,  in which we report the </a:t>
-            </a:r>
-            <a:r>
-              <a:rPr lang="en-GB" sz="2400" b="0" i="1" dirty="0">
-                <a:latin typeface="Calibri"/>
-                <a:cs typeface="Calibri"/>
-              </a:rPr>
-              <a:t>effect</a:t>
-            </a:r>
-            <a:r>
-              <a:rPr lang="en-GB" sz="2400" b="0" dirty="0">
-                <a:latin typeface="Calibri"/>
-                <a:cs typeface="Calibri"/>
-              </a:rPr>
-              <a:t> the independent variable has on the dependent variable – </a:t>
-            </a:r>
-          </a:p>
-          <a:p>
-            <a:pPr marL="457200" indent="-457200">
+              <a:t>Hypothesis:</a:t>
+            </a:r>
+            <a:endParaRPr lang="en-GB" sz="2400" b="0" dirty="0">
+              <a:latin typeface="Calibri"/>
+              <a:cs typeface="Calibri"/>
+            </a:endParaRPr>
+          </a:p>
+          <a:p>
+            <a:pPr>
               <a:lnSpc>
                 <a:spcPct val="100000"/>
               </a:lnSpc>
-              <a:buAutoNum type="arabicPeriod"/>
+            </a:pPr>
+            <a:endParaRPr lang="en-GB" sz="2400" b="0" dirty="0">
+              <a:latin typeface="Calibri"/>
+              <a:cs typeface="Calibri"/>
+            </a:endParaRPr>
+          </a:p>
+          <a:p>
+            <a:pPr>
+              <a:lnSpc>
+                <a:spcPct val="100000"/>
+              </a:lnSpc>
+            </a:pPr>
+            <a:endParaRPr lang="en-GB" sz="2400" b="0" dirty="0">
+              <a:latin typeface="Calibri"/>
+              <a:cs typeface="Calibri"/>
+            </a:endParaRPr>
+          </a:p>
+          <a:p>
+            <a:pPr>
+              <a:lnSpc>
+                <a:spcPct val="100000"/>
+              </a:lnSpc>
             </a:pPr>
             <a:r>
               <a:rPr lang="en-GB" sz="2000" b="0" dirty="0">
@@ -6357,7 +5762,21 @@
                 <a:latin typeface="Arial"/>
                 <a:cs typeface="Arial"/>
               </a:rPr>
-              <a:t>effect on the population – so you write one of the following:  </a:t>
+              <a:t>difference in the mean of the </a:t>
+            </a:r>
+            <a:r>
+              <a:rPr lang="en-GB" sz="2000" b="0" dirty="0" err="1">
+                <a:latin typeface="Arial"/>
+                <a:cs typeface="Arial"/>
+              </a:rPr>
+              <a:t>teamID</a:t>
+            </a:r>
+            <a:r>
+              <a:rPr lang="en-GB" sz="2000" b="0" dirty="0">
+                <a:latin typeface="Arial"/>
+                <a:cs typeface="Arial"/>
+              </a:rPr>
+              <a:t> among 538Rating.</a:t>
             </a:r>
           </a:p>
           <a:p>
@@ -6366,66 +5785,10 @@
                 <a:spcPct val="100000"/>
               </a:lnSpc>
             </a:pPr>
-            <a:r>
-              <a:rPr lang="en-GB" sz="2000" b="0" dirty="0">
-                <a:solidFill>
-                  <a:srgbClr val="FF0000"/>
-                </a:solidFill>
-                <a:latin typeface="Arial"/>
-                <a:cs typeface="Arial"/>
-              </a:rPr>
-              <a:t>Null hypothesis (H</a:t>
-            </a:r>
-            <a:r>
-              <a:rPr lang="en-GB" sz="2000" b="0" baseline="-25000" dirty="0">
-                <a:solidFill>
-                  <a:srgbClr val="FF0000"/>
-                </a:solidFill>
-                <a:latin typeface="Arial"/>
-                <a:cs typeface="Arial"/>
-              </a:rPr>
-              <a:t>0</a:t>
-            </a:r>
-            <a:r>
-              <a:rPr lang="en-GB" sz="2000" b="0" dirty="0">
-                <a:solidFill>
-                  <a:srgbClr val="FF0000"/>
-                </a:solidFill>
-                <a:latin typeface="Arial"/>
-                <a:cs typeface="Arial"/>
-              </a:rPr>
-              <a:t>): There is </a:t>
-            </a:r>
-            <a:r>
-              <a:rPr lang="en-GB" sz="2000" dirty="0">
-                <a:solidFill>
-                  <a:srgbClr val="FF0000"/>
-                </a:solidFill>
-                <a:latin typeface="Arial"/>
-                <a:cs typeface="Arial"/>
-              </a:rPr>
-              <a:t>no</a:t>
-            </a:r>
-            <a:r>
-              <a:rPr lang="en-GB" sz="2000" b="0" dirty="0">
-                <a:solidFill>
-                  <a:srgbClr val="FF0000"/>
-                </a:solidFill>
-                <a:latin typeface="Arial"/>
-                <a:cs typeface="Arial"/>
-              </a:rPr>
-              <a:t> difference in the mean/median of the [dependent variable] between/among [subsets of the independent variable].              </a:t>
-            </a:r>
-            <a:r>
-              <a:rPr lang="en-GB" sz="2000" b="0" dirty="0">
-                <a:solidFill>
-                  <a:schemeClr val="tx1"/>
-                </a:solidFill>
-                <a:latin typeface="Arial"/>
-                <a:cs typeface="Arial"/>
-              </a:rPr>
-              <a:t>or</a:t>
-            </a:r>
+            <a:endParaRPr lang="en-GB" sz="2000" b="0" dirty="0">
+              <a:latin typeface="Arial"/>
+              <a:cs typeface="Arial"/>
+            </a:endParaRPr>
           </a:p>
           <a:p>
             <a:pPr>
@@ -6435,134 +5798,10 @@
             </a:pPr>
             <a:r>
               <a:rPr lang="en-GB" sz="2000" b="0" dirty="0">
-                <a:solidFill>
-                  <a:srgbClr val="FF0000"/>
-                </a:solidFill>
                 <a:latin typeface="Arial"/>
                 <a:cs typeface="Arial"/>
               </a:rPr>
-              <a:t>Null hypothesis (H</a:t>
-            </a:r>
-            <a:r>
-              <a:rPr lang="en-GB" sz="2000" b="0" baseline="-25000" dirty="0">
-                <a:solidFill>
-                  <a:srgbClr val="FF0000"/>
-                </a:solidFill>
-                <a:latin typeface="Arial"/>
-                <a:cs typeface="Arial"/>
-              </a:rPr>
-              <a:t>0</a:t>
-            </a:r>
-            <a:r>
-              <a:rPr lang="en-GB" sz="2000" b="0" dirty="0">
-                <a:solidFill>
-                  <a:srgbClr val="FF0000"/>
-                </a:solidFill>
-                <a:latin typeface="Arial"/>
-                <a:cs typeface="Arial"/>
-              </a:rPr>
-              <a:t>):  There is </a:t>
-            </a:r>
-            <a:r>
-              <a:rPr lang="en-GB" sz="2000" dirty="0">
-                <a:solidFill>
-                  <a:srgbClr val="FF0000"/>
-                </a:solidFill>
-                <a:latin typeface="Arial"/>
-                <a:cs typeface="Arial"/>
-              </a:rPr>
-              <a:t>no</a:t>
-            </a:r>
-            <a:r>
-              <a:rPr lang="en-GB" sz="2000" b="0" dirty="0">
-                <a:solidFill>
-                  <a:srgbClr val="FF0000"/>
-                </a:solidFill>
-                <a:latin typeface="Arial"/>
-                <a:cs typeface="Arial"/>
-              </a:rPr>
-              <a:t> difference in the proportions(s)of [subset(s) of dependent variable] between/among [subsets of independent variable].                     </a:t>
-            </a:r>
-            <a:r>
-              <a:rPr lang="en-GB" sz="2000" b="0" dirty="0">
-                <a:solidFill>
-                  <a:schemeClr val="tx1"/>
-                </a:solidFill>
-                <a:latin typeface="Arial"/>
-                <a:cs typeface="Arial"/>
-              </a:rPr>
-              <a:t>or</a:t>
-            </a:r>
-          </a:p>
-          <a:p>
-            <a:pPr>
-              <a:lnSpc>
-                <a:spcPct val="100000"/>
-              </a:lnSpc>
-            </a:pPr>
-            <a:r>
-              <a:rPr lang="en-GB" sz="2000" b="0" dirty="0">
-                <a:solidFill>
-                  <a:srgbClr val="FF0000"/>
-                </a:solidFill>
-                <a:latin typeface="Arial"/>
-                <a:cs typeface="Arial"/>
-              </a:rPr>
-              <a:t>Null hypothesis (H</a:t>
-            </a:r>
-            <a:r>
-              <a:rPr lang="en-GB" sz="2000" b="0" baseline="-25000" dirty="0">
-                <a:solidFill>
-                  <a:srgbClr val="FF0000"/>
-                </a:solidFill>
-                <a:latin typeface="Arial"/>
-                <a:cs typeface="Arial"/>
-              </a:rPr>
-              <a:t>0</a:t>
-            </a:r>
-            <a:r>
-              <a:rPr lang="en-GB" sz="2000" b="0" dirty="0">
-                <a:solidFill>
-                  <a:srgbClr val="FF0000"/>
-                </a:solidFill>
-                <a:latin typeface="Arial"/>
-                <a:cs typeface="Arial"/>
-              </a:rPr>
-              <a:t>): There is </a:t>
-            </a:r>
-            <a:r>
-              <a:rPr lang="en-GB" sz="2000" dirty="0">
-                <a:solidFill>
-                  <a:srgbClr val="FF0000"/>
-                </a:solidFill>
-                <a:latin typeface="Arial"/>
-                <a:cs typeface="Arial"/>
-              </a:rPr>
-              <a:t>no</a:t>
-            </a:r>
-            <a:r>
-              <a:rPr lang="en-GB" sz="2000" b="0" dirty="0">
-                <a:solidFill>
-                  <a:srgbClr val="FF0000"/>
-                </a:solidFill>
-                <a:latin typeface="Arial"/>
-                <a:cs typeface="Arial"/>
-              </a:rPr>
-              <a:t> correlation between [dependent variable] and [independent variable].</a:t>
-            </a:r>
-          </a:p>
-          <a:p>
-            <a:pPr>
-              <a:lnSpc>
-                <a:spcPct val="100000"/>
-              </a:lnSpc>
-            </a:pPr>
-            <a:r>
-              <a:rPr lang="en-GB" sz="2000" b="0" dirty="0">
-                <a:latin typeface="Arial"/>
-                <a:cs typeface="Arial"/>
-              </a:rPr>
-              <a:t>2. Alternative hypothesis (H</a:t>
+              <a:t>Alternative hypothesis (H</a:t>
             </a:r>
             <a:r>
               <a:rPr lang="en-GB" sz="2000" b="0" baseline="-25000" dirty="0">
@@ -6576,78 +5815,37 @@
                 <a:latin typeface="Arial"/>
                 <a:cs typeface="Arial"/>
               </a:rPr>
-              <a:t>):  There appears to be an effect on the population – so you copy what you wrote for the Null hypothesis but remove the ‘no’ and replace with ‘</a:t>
-            </a:r>
-            <a:r>
-              <a:rPr lang="en-GB" sz="2000" dirty="0">
-                <a:latin typeface="Arial"/>
+              <a:t>):  </a:t>
+            </a:r>
+            <a:r>
+              <a:rPr lang="en-GB" sz="2000" b="0" dirty="0">
                 <a:cs typeface="Arial"/>
               </a:rPr>
-              <a:t>a’  </a:t>
-            </a:r>
-            <a:r>
-              <a:rPr lang="en-GB" sz="2000" b="0" dirty="0">
-                <a:latin typeface="Arial"/>
+              <a:t>There is </a:t>
+            </a:r>
+            <a:r>
+              <a:rPr lang="en-GB" sz="2000" dirty="0">
                 <a:cs typeface="Arial"/>
               </a:rPr>
-              <a:t>For example:</a:t>
-            </a:r>
-          </a:p>
-          <a:p>
-            <a:pPr>
-              <a:lnSpc>
-                <a:spcPct val="100000"/>
-              </a:lnSpc>
-            </a:pPr>
+              <a:t>a </a:t>
+            </a:r>
             <a:r>
               <a:rPr lang="en-GB" sz="2000" b="0" dirty="0">
-                <a:solidFill>
-                  <a:srgbClr val="FF0000"/>
-                </a:solidFill>
-                <a:latin typeface="Arial"/>
                 <a:cs typeface="Arial"/>
               </a:rPr>
-              <a:t>Alt hypothesis (H</a:t>
-            </a:r>
-            <a:r>
-              <a:rPr lang="en-GB" sz="2000" b="0" baseline="-25000" dirty="0">
-                <a:solidFill>
-                  <a:srgbClr val="FF0000"/>
-                </a:solidFill>
-                <a:latin typeface="Arial"/>
+              <a:t>difference in the mean of the </a:t>
+            </a:r>
+            <a:r>
+              <a:rPr lang="en-GB" sz="2000" b="0" dirty="0" err="1">
                 <a:cs typeface="Arial"/>
               </a:rPr>
-              <a:t>1</a:t>
+              <a:t>teamID</a:t>
             </a:r>
             <a:r>
               <a:rPr lang="en-GB" sz="2000" b="0" dirty="0">
-                <a:solidFill>
-                  <a:srgbClr val="FF0000"/>
-                </a:solidFill>
-                <a:latin typeface="Arial"/>
                 <a:cs typeface="Arial"/>
               </a:rPr>
-              <a:t>): There is </a:t>
-            </a:r>
-            <a:r>
-              <a:rPr lang="en-GB" sz="2000" dirty="0">
-                <a:solidFill>
-                  <a:srgbClr val="FF0000"/>
-                </a:solidFill>
-                <a:latin typeface="Arial"/>
-                <a:cs typeface="Arial"/>
-              </a:rPr>
-              <a:t>a</a:t>
-            </a:r>
-            <a:r>
-              <a:rPr lang="en-GB" sz="2000" b="0" dirty="0">
-                <a:solidFill>
-                  <a:srgbClr val="FF0000"/>
-                </a:solidFill>
-                <a:latin typeface="Arial"/>
-                <a:cs typeface="Arial"/>
-              </a:rPr>
-              <a:t> correlation between [dependent variable] and [independent variable].</a:t>
+              <a:t> among 538Rating.</a:t>
             </a:r>
           </a:p>
         </p:txBody>
@@ -6686,238 +5884,10 @@
           </a:p>
         </p:txBody>
       </p:sp>
-      <p:sp>
-        <p:nvSpPr>
-          <p:cNvPr id="6" name="TextBox 5">
-            <a:extLst>
-              <a:ext uri="{FF2B5EF4-FFF2-40B4-BE49-F238E27FC236}">
-                <a16:creationId xmlns:a16="http://schemas.microsoft.com/office/drawing/2014/main" id="{1841CE34-1B2E-88D5-0C3F-506E8C37BB7B}"/>
-              </a:ext>
-            </a:extLst>
-          </p:cNvPr>
-          <p:cNvSpPr txBox="1"/>
-          <p:nvPr/>
-        </p:nvSpPr>
-        <p:spPr>
-          <a:xfrm>
-            <a:off x="3356146" y="5298491"/>
-            <a:ext cx="7811780" cy="1477328"/>
-          </a:xfrm>
-          <a:prstGeom prst="rect">
-            <a:avLst/>
-          </a:prstGeom>
-          <a:noFill/>
-        </p:spPr>
-        <p:txBody>
-          <a:bodyPr wrap="square" lIns="91440" tIns="45720" rIns="91440" bIns="45720" anchor="t">
-            <a:spAutoFit/>
-          </a:bodyPr>
-          <a:lstStyle/>
-          <a:p>
-            <a:r>
-              <a:rPr lang="en-GB" dirty="0"/>
-              <a:t>L</a:t>
-            </a:r>
-            <a:r>
-              <a:rPr lang="en-GB" sz="1800" b="0" dirty="0"/>
-              <a:t>eave the hypotheses as </a:t>
-            </a:r>
-            <a:r>
-              <a:rPr lang="en-GB" dirty="0"/>
-              <a:t>two </a:t>
-            </a:r>
-            <a:r>
-              <a:rPr lang="en-GB" sz="1800" b="0" dirty="0"/>
-              <a:t>statements for now – after your </a:t>
-            </a:r>
-            <a:r>
-              <a:rPr lang="en-GB" dirty="0"/>
-              <a:t>statistical </a:t>
-            </a:r>
-            <a:r>
-              <a:rPr lang="en-GB" sz="1800" b="0" dirty="0"/>
-              <a:t>analysis </a:t>
-            </a:r>
-            <a:r>
-              <a:rPr lang="en-GB" dirty="0"/>
-              <a:t>test, </a:t>
-            </a:r>
-            <a:r>
-              <a:rPr lang="en-GB" sz="1800" b="0" dirty="0"/>
-              <a:t>you </a:t>
-            </a:r>
-            <a:r>
-              <a:rPr lang="en-GB" dirty="0"/>
-              <a:t>will </a:t>
-            </a:r>
-            <a:r>
-              <a:rPr lang="en-GB" sz="1800" b="0" dirty="0"/>
-              <a:t>choose one or the other.</a:t>
-            </a:r>
-            <a:r>
-              <a:rPr lang="en-GB" dirty="0"/>
-              <a:t> (</a:t>
-            </a:r>
-            <a:r>
-              <a:rPr lang="en-GB" i="1" dirty="0"/>
-              <a:t>You will report: "We fail to reject the null hypothesis" with no significant result, or if you do have significance [p-value = &lt; 0.05] you can state "We reject the null hypothesis".   More guidance on hypothesis testing is given in the lectures</a:t>
-            </a:r>
-            <a:r>
-              <a:rPr lang="en-GB" dirty="0"/>
-              <a:t>.)</a:t>
-            </a:r>
-            <a:endParaRPr lang="en-GB" dirty="0">
-              <a:cs typeface="Arial"/>
-            </a:endParaRPr>
-          </a:p>
-        </p:txBody>
-      </p:sp>
     </p:spTree>
     <p:extLst>
       <p:ext uri="{BB962C8B-B14F-4D97-AF65-F5344CB8AC3E}">
         <p14:creationId xmlns:p14="http://schemas.microsoft.com/office/powerpoint/2010/main" val="1833041803"/>
-      </p:ext>
-    </p:extLst>
-  </p:cSld>
-  <p:clrMapOvr>
-    <a:masterClrMapping/>
-  </p:clrMapOvr>
-</p:sld>
-</file>
-
-<file path=ppt/slides/slide6.xml><?xml version="1.0" encoding="utf-8"?>
-<p:sld xmlns:a="http://schemas.openxmlformats.org/drawingml/2006/main" xmlns:r="http://schemas.openxmlformats.org/officeDocument/2006/relationships" xmlns:p="http://schemas.openxmlformats.org/presentationml/2006/main">
-  <p:cSld>
-    <p:spTree>
-      <p:nvGrpSpPr>
-        <p:cNvPr id="1" name=""/>
-        <p:cNvGrpSpPr/>
-        <p:nvPr/>
-      </p:nvGrpSpPr>
-      <p:grpSpPr>
-        <a:xfrm>
-          <a:off x="0" y="0"/>
-          <a:ext cx="0" cy="0"/>
-          <a:chOff x="0" y="0"/>
-          <a:chExt cx="0" cy="0"/>
-        </a:xfrm>
-      </p:grpSpPr>
-      <p:sp>
-        <p:nvSpPr>
-          <p:cNvPr id="2" name="Subtitle 1">
-            <a:extLst>
-              <a:ext uri="{FF2B5EF4-FFF2-40B4-BE49-F238E27FC236}">
-                <a16:creationId xmlns:a16="http://schemas.microsoft.com/office/drawing/2014/main" id="{DADAB720-117B-482A-8DB4-A7D665A25175}"/>
-              </a:ext>
-            </a:extLst>
-          </p:cNvPr>
-          <p:cNvSpPr>
-            <a:spLocks noGrp="1"/>
-          </p:cNvSpPr>
-          <p:nvPr>
-            <p:ph type="subTitle" idx="1"/>
-          </p:nvPr>
-        </p:nvSpPr>
-        <p:spPr/>
-        <p:txBody>
-          <a:bodyPr/>
-          <a:lstStyle/>
-          <a:p>
-            <a:r>
-              <a:rPr lang="en-GB" dirty="0"/>
-              <a:t>Our Research Question is:</a:t>
-            </a:r>
-          </a:p>
-        </p:txBody>
-      </p:sp>
-      <p:sp>
-        <p:nvSpPr>
-          <p:cNvPr id="3" name="Footer Placeholder 2">
-            <a:extLst>
-              <a:ext uri="{FF2B5EF4-FFF2-40B4-BE49-F238E27FC236}">
-                <a16:creationId xmlns:a16="http://schemas.microsoft.com/office/drawing/2014/main" id="{D2FFFBBC-8447-4D06-968C-5E4627FBED90}"/>
-              </a:ext>
-            </a:extLst>
-          </p:cNvPr>
-          <p:cNvSpPr>
-            <a:spLocks noGrp="1"/>
-          </p:cNvSpPr>
-          <p:nvPr>
-            <p:ph type="ftr" sz="quarter" idx="11"/>
-          </p:nvPr>
-        </p:nvSpPr>
-        <p:spPr/>
-        <p:txBody>
-          <a:bodyPr/>
-          <a:lstStyle/>
-          <a:p>
-            <a:r>
-              <a:rPr lang="en-GB"/>
-              <a:t>PRESENTATION TITLE (ADD VIA INSERT, HEADER &amp; FOOTER)</a:t>
-            </a:r>
-            <a:endParaRPr lang="en-GB" dirty="0"/>
-          </a:p>
-        </p:txBody>
-      </p:sp>
-      <p:sp>
-        <p:nvSpPr>
-          <p:cNvPr id="4" name="Slide Number Placeholder 3">
-            <a:extLst>
-              <a:ext uri="{FF2B5EF4-FFF2-40B4-BE49-F238E27FC236}">
-                <a16:creationId xmlns:a16="http://schemas.microsoft.com/office/drawing/2014/main" id="{44672B0E-77BB-47B8-9666-BD59D7BAB3B8}"/>
-              </a:ext>
-            </a:extLst>
-          </p:cNvPr>
-          <p:cNvSpPr>
-            <a:spLocks noGrp="1"/>
-          </p:cNvSpPr>
-          <p:nvPr>
-            <p:ph type="sldNum" sz="quarter" idx="12"/>
-          </p:nvPr>
-        </p:nvSpPr>
-        <p:spPr/>
-        <p:txBody>
-          <a:bodyPr/>
-          <a:lstStyle/>
-          <a:p>
-            <a:fld id="{E4D355CA-84B7-41B1-B164-8BB439CC7C6B}" type="slidenum">
-              <a:rPr lang="en-GB" smtClean="0"/>
-              <a:pPr/>
-              <a:t>6</a:t>
-            </a:fld>
-            <a:endParaRPr lang="en-GB" dirty="0"/>
-          </a:p>
-        </p:txBody>
-      </p:sp>
-      <p:sp>
-        <p:nvSpPr>
-          <p:cNvPr id="5" name="Title 4">
-            <a:extLst>
-              <a:ext uri="{FF2B5EF4-FFF2-40B4-BE49-F238E27FC236}">
-                <a16:creationId xmlns:a16="http://schemas.microsoft.com/office/drawing/2014/main" id="{F355DC64-F4B7-423B-90D1-A286C35E7CA6}"/>
-              </a:ext>
-            </a:extLst>
-          </p:cNvPr>
-          <p:cNvSpPr>
-            <a:spLocks noGrp="1"/>
-          </p:cNvSpPr>
-          <p:nvPr>
-            <p:ph type="ctrTitle"/>
-          </p:nvPr>
-        </p:nvSpPr>
-        <p:spPr/>
-        <p:txBody>
-          <a:bodyPr/>
-          <a:lstStyle/>
-          <a:p>
-            <a:endParaRPr lang="en-GB"/>
-          </a:p>
-        </p:txBody>
-      </p:sp>
-    </p:spTree>
-    <p:extLst>
-      <p:ext uri="{BB962C8B-B14F-4D97-AF65-F5344CB8AC3E}">
-        <p14:creationId xmlns:p14="http://schemas.microsoft.com/office/powerpoint/2010/main" val="644063045"/>
       </p:ext>
     </p:extLst>
   </p:cSld>
@@ -7779,15 +6749,6 @@
 </file>
 
 <file path=customXml/item1.xml><?xml version="1.0" encoding="utf-8"?>
-<?mso-contentType ?>
-<FormTemplates xmlns="http://schemas.microsoft.com/sharepoint/v3/contenttype/forms">
-  <Display>DocumentLibraryForm</Display>
-  <Edit>DocumentLibraryForm</Edit>
-  <New>DocumentLibraryForm</New>
-</FormTemplates>
-</file>
-
-<file path=customXml/item2.xml><?xml version="1.0" encoding="utf-8"?>
 <p:properties xmlns:p="http://schemas.microsoft.com/office/2006/metadata/properties" xmlns:xsi="http://www.w3.org/2001/XMLSchema-instance" xmlns:pc="http://schemas.microsoft.com/office/infopath/2007/PartnerControls">
   <documentManagement>
     <Information xmlns="4ad138b4-2b68-4b70-945d-07f8f18b1c9a" xsi:nil="true"/>
@@ -7795,7 +6756,7 @@
 </p:properties>
 </file>
 
-<file path=customXml/item3.xml><?xml version="1.0" encoding="utf-8"?>
+<file path=customXml/item2.xml><?xml version="1.0" encoding="utf-8"?>
 <ct:contentTypeSchema xmlns:ct="http://schemas.microsoft.com/office/2006/metadata/contentType" xmlns:ma="http://schemas.microsoft.com/office/2006/metadata/properties/metaAttributes" ct:_="" ma:_="" ma:contentTypeName="Document" ma:contentTypeID="0x01010026DBA85F447B164191BB36C258697B67" ma:contentTypeVersion="14" ma:contentTypeDescription="Create a new document." ma:contentTypeScope="" ma:versionID="ea511d05ca7f895fe9556935b5c9af34">
   <xsd:schema xmlns:xsd="http://www.w3.org/2001/XMLSchema" xmlns:xs="http://www.w3.org/2001/XMLSchema" xmlns:p="http://schemas.microsoft.com/office/2006/metadata/properties" xmlns:ns2="4ad138b4-2b68-4b70-945d-07f8f18b1c9a" xmlns:ns3="3c474641-ec36-472f-b125-6b1b0910eaa4" targetNamespace="http://schemas.microsoft.com/office/2006/metadata/properties" ma:root="true" ma:fieldsID="662270106d7a7e100bcac2c5f8d29899" ns2:_="" ns3:_="">
     <xsd:import namespace="4ad138b4-2b68-4b70-945d-07f8f18b1c9a"/>
@@ -8020,15 +6981,16 @@
 </ct:contentTypeSchema>
 </file>
 
-<file path=customXml/itemProps1.xml><?xml version="1.0" encoding="utf-8"?>
-<ds:datastoreItem xmlns:ds="http://schemas.openxmlformats.org/officeDocument/2006/customXml" ds:itemID="{91C521DD-2673-4EE6-BB9B-DC5C3320FFBB}">
-  <ds:schemaRefs>
-    <ds:schemaRef ds:uri="http://schemas.microsoft.com/sharepoint/v3/contenttype/forms"/>
-  </ds:schemaRefs>
-</ds:datastoreItem>
+<file path=customXml/item3.xml><?xml version="1.0" encoding="utf-8"?>
+<?mso-contentType ?>
+<FormTemplates xmlns="http://schemas.microsoft.com/sharepoint/v3/contenttype/forms">
+  <Display>DocumentLibraryForm</Display>
+  <Edit>DocumentLibraryForm</Edit>
+  <New>DocumentLibraryForm</New>
+</FormTemplates>
 </file>
 
-<file path=customXml/itemProps2.xml><?xml version="1.0" encoding="utf-8"?>
+<file path=customXml/itemProps1.xml><?xml version="1.0" encoding="utf-8"?>
 <ds:datastoreItem xmlns:ds="http://schemas.openxmlformats.org/officeDocument/2006/customXml" ds:itemID="{EDD1FC41-23C7-41B0-B5F9-BF4CD38AD2ED}">
   <ds:schemaRefs>
     <ds:schemaRef ds:uri="http://schemas.microsoft.com/office/infopath/2007/PartnerControls"/>
@@ -8045,7 +7007,7 @@
 </ds:datastoreItem>
 </file>
 
-<file path=customXml/itemProps3.xml><?xml version="1.0" encoding="utf-8"?>
+<file path=customXml/itemProps2.xml><?xml version="1.0" encoding="utf-8"?>
 <ds:datastoreItem xmlns:ds="http://schemas.openxmlformats.org/officeDocument/2006/customXml" ds:itemID="{421B8C57-903D-4D0E-8336-7B512F760CD1}">
   <ds:schemaRefs>
     <ds:schemaRef ds:uri="http://schemas.microsoft.com/office/2006/metadata/contentType"/>
@@ -8062,4 +7024,12 @@
     <ds:schemaRef ds:uri="http://schemas.microsoft.com/internal/obd"/>
   </ds:schemaRefs>
 </ds:datastoreItem>
+</file>
+
+<file path=customXml/itemProps3.xml><?xml version="1.0" encoding="utf-8"?>
+<ds:datastoreItem xmlns:ds="http://schemas.openxmlformats.org/officeDocument/2006/customXml" ds:itemID="{91C521DD-2673-4EE6-BB9B-DC5C3320FFBB}">
+  <ds:schemaRefs>
+    <ds:schemaRef ds:uri="http://schemas.microsoft.com/sharepoint/v3/contenttype/forms"/>
+  </ds:schemaRefs>
+</ds:datastoreItem>
 </file>
--- a/researchQuestion.pptx
+++ b/researchQuestion.pptx
@@ -4997,7 +4997,19 @@
             </a:pPr>
             <a:r>
               <a:rPr lang="en-GB" sz="2000" b="0" dirty="0"/>
-              <a:t>The columns we are using are Team Id, Rating.</a:t>
+              <a:t>The columns we are using are Team Id, </a:t>
+            </a:r>
+            <a:r>
+              <a:rPr lang="en-IE" sz="2000" b="0" dirty="0" err="1">
+                <a:latin typeface="Calibri" panose="020F0502020204030204" pitchFamily="34" charset="0"/>
+                <a:ea typeface="Calibri" panose="020F0502020204030204" pitchFamily="34" charset="0"/>
+                <a:cs typeface="Times New Roman" panose="02020603050405020304" pitchFamily="18" charset="0"/>
+              </a:rPr>
+              <a:t>TeamRating</a:t>
+            </a:r>
+            <a:r>
+              <a:rPr lang="en-GB" sz="2000" b="0" dirty="0"/>
+              <a:t>.</a:t>
             </a:r>
           </a:p>
           <a:p>
@@ -5327,7 +5339,14 @@
                 <a:latin typeface="Calibri"/>
                 <a:cs typeface="Calibri"/>
               </a:rPr>
-              <a:t>Our Dependent variable is: 538Rating</a:t>
+              <a:t>Our Dependent variable is: </a:t>
+            </a:r>
+            <a:r>
+              <a:rPr lang="en-US" sz="2400" b="0" dirty="0" err="1">
+                <a:latin typeface="Calibri"/>
+                <a:cs typeface="Calibri"/>
+              </a:rPr>
+              <a:t>TeamRating</a:t>
             </a:r>
             <a:br>
               <a:rPr lang="en-US" sz="2400" b="0" dirty="0">
@@ -5592,7 +5611,25 @@
                 <a:ea typeface="Calibri" panose="020F0502020204030204" pitchFamily="34" charset="0"/>
                 <a:cs typeface="Times New Roman" panose="02020603050405020304" pitchFamily="18" charset="0"/>
               </a:rPr>
-              <a:t> and 538Rating . </a:t>
+              <a:t> and </a:t>
+            </a:r>
+            <a:r>
+              <a:rPr lang="en-IE" sz="2400" b="0" dirty="0" err="1">
+                <a:effectLst/>
+                <a:latin typeface="Calibri" panose="020F0502020204030204" pitchFamily="34" charset="0"/>
+                <a:ea typeface="Calibri" panose="020F0502020204030204" pitchFamily="34" charset="0"/>
+                <a:cs typeface="Times New Roman" panose="02020603050405020304" pitchFamily="18" charset="0"/>
+              </a:rPr>
+              <a:t>TeamRating</a:t>
+            </a:r>
+            <a:r>
+              <a:rPr lang="en-IE" sz="2400" b="0" dirty="0">
+                <a:effectLst/>
+                <a:latin typeface="Calibri" panose="020F0502020204030204" pitchFamily="34" charset="0"/>
+                <a:ea typeface="Calibri" panose="020F0502020204030204" pitchFamily="34" charset="0"/>
+                <a:cs typeface="Times New Roman" panose="02020603050405020304" pitchFamily="18" charset="0"/>
+              </a:rPr>
+              <a:t> . </a:t>
             </a:r>
             <a:br>
               <a:rPr lang="en-IE" sz="2400" dirty="0">
@@ -5776,7 +5813,22 @@
                 <a:latin typeface="Arial"/>
                 <a:cs typeface="Arial"/>
               </a:rPr>
-              <a:t> among 538Rating.</a:t>
+              <a:t> among </a:t>
+            </a:r>
+            <a:r>
+              <a:rPr lang="en-IE" sz="2000" b="0" dirty="0" err="1">
+                <a:latin typeface="Calibri" panose="020F0502020204030204" pitchFamily="34" charset="0"/>
+                <a:ea typeface="Calibri" panose="020F0502020204030204" pitchFamily="34" charset="0"/>
+                <a:cs typeface="Times New Roman" panose="02020603050405020304" pitchFamily="18" charset="0"/>
+              </a:rPr>
+              <a:t>TeamRating</a:t>
+            </a:r>
+            <a:r>
+              <a:rPr lang="en-GB" sz="2000" b="0" dirty="0">
+                <a:latin typeface="Arial"/>
+                <a:cs typeface="Arial"/>
+              </a:rPr>
+              <a:t>.</a:t>
             </a:r>
           </a:p>
           <a:p>
@@ -5845,7 +5897,21 @@
               <a:rPr lang="en-GB" sz="2000" b="0" dirty="0">
                 <a:cs typeface="Arial"/>
               </a:rPr>
-              <a:t> among 538Rating.</a:t>
+              <a:t> among </a:t>
+            </a:r>
+            <a:r>
+              <a:rPr lang="en-IE" sz="2000" b="0" dirty="0" err="1">
+                <a:latin typeface="Calibri" panose="020F0502020204030204" pitchFamily="34" charset="0"/>
+                <a:ea typeface="Calibri" panose="020F0502020204030204" pitchFamily="34" charset="0"/>
+                <a:cs typeface="Times New Roman" panose="02020603050405020304" pitchFamily="18" charset="0"/>
+              </a:rPr>
+              <a:t>TeamRating</a:t>
+            </a:r>
+            <a:r>
+              <a:rPr lang="en-GB" sz="2000" b="0" dirty="0">
+                <a:cs typeface="Arial"/>
+              </a:rPr>
+              <a:t>.</a:t>
             </a:r>
           </a:p>
         </p:txBody>
@@ -6749,11 +6815,12 @@
 </file>
 
 <file path=customXml/item1.xml><?xml version="1.0" encoding="utf-8"?>
-<p:properties xmlns:p="http://schemas.microsoft.com/office/2006/metadata/properties" xmlns:xsi="http://www.w3.org/2001/XMLSchema-instance" xmlns:pc="http://schemas.microsoft.com/office/infopath/2007/PartnerControls">
-  <documentManagement>
-    <Information xmlns="4ad138b4-2b68-4b70-945d-07f8f18b1c9a" xsi:nil="true"/>
-  </documentManagement>
-</p:properties>
+<?mso-contentType ?>
+<FormTemplates xmlns="http://schemas.microsoft.com/sharepoint/v3/contenttype/forms">
+  <Display>DocumentLibraryForm</Display>
+  <Edit>DocumentLibraryForm</Edit>
+  <New>DocumentLibraryForm</New>
+</FormTemplates>
 </file>
 
 <file path=customXml/item2.xml><?xml version="1.0" encoding="utf-8"?>
@@ -6982,27 +7049,17 @@
 </file>
 
 <file path=customXml/item3.xml><?xml version="1.0" encoding="utf-8"?>
-<?mso-contentType ?>
-<FormTemplates xmlns="http://schemas.microsoft.com/sharepoint/v3/contenttype/forms">
-  <Display>DocumentLibraryForm</Display>
-  <Edit>DocumentLibraryForm</Edit>
-  <New>DocumentLibraryForm</New>
-</FormTemplates>
+<p:properties xmlns:p="http://schemas.microsoft.com/office/2006/metadata/properties" xmlns:xsi="http://www.w3.org/2001/XMLSchema-instance" xmlns:pc="http://schemas.microsoft.com/office/infopath/2007/PartnerControls">
+  <documentManagement>
+    <Information xmlns="4ad138b4-2b68-4b70-945d-07f8f18b1c9a" xsi:nil="true"/>
+  </documentManagement>
+</p:properties>
 </file>
 
 <file path=customXml/itemProps1.xml><?xml version="1.0" encoding="utf-8"?>
-<ds:datastoreItem xmlns:ds="http://schemas.openxmlformats.org/officeDocument/2006/customXml" ds:itemID="{EDD1FC41-23C7-41B0-B5F9-BF4CD38AD2ED}">
+<ds:datastoreItem xmlns:ds="http://schemas.openxmlformats.org/officeDocument/2006/customXml" ds:itemID="{91C521DD-2673-4EE6-BB9B-DC5C3320FFBB}">
   <ds:schemaRefs>
-    <ds:schemaRef ds:uri="http://schemas.microsoft.com/office/infopath/2007/PartnerControls"/>
-    <ds:schemaRef ds:uri="3c474641-ec36-472f-b125-6b1b0910eaa4"/>
-    <ds:schemaRef ds:uri="http://purl.org/dc/terms/"/>
-    <ds:schemaRef ds:uri="http://schemas.microsoft.com/office/2006/documentManagement/types"/>
-    <ds:schemaRef ds:uri="http://www.w3.org/XML/1998/namespace"/>
-    <ds:schemaRef ds:uri="http://purl.org/dc/elements/1.1/"/>
-    <ds:schemaRef ds:uri="http://schemas.openxmlformats.org/package/2006/metadata/core-properties"/>
-    <ds:schemaRef ds:uri="4ad138b4-2b68-4b70-945d-07f8f18b1c9a"/>
-    <ds:schemaRef ds:uri="http://schemas.microsoft.com/office/2006/metadata/properties"/>
-    <ds:schemaRef ds:uri="http://purl.org/dc/dcmitype/"/>
+    <ds:schemaRef ds:uri="http://schemas.microsoft.com/sharepoint/v3/contenttype/forms"/>
   </ds:schemaRefs>
 </ds:datastoreItem>
 </file>
@@ -7027,9 +7084,18 @@
 </file>
 
 <file path=customXml/itemProps3.xml><?xml version="1.0" encoding="utf-8"?>
-<ds:datastoreItem xmlns:ds="http://schemas.openxmlformats.org/officeDocument/2006/customXml" ds:itemID="{91C521DD-2673-4EE6-BB9B-DC5C3320FFBB}">
+<ds:datastoreItem xmlns:ds="http://schemas.openxmlformats.org/officeDocument/2006/customXml" ds:itemID="{EDD1FC41-23C7-41B0-B5F9-BF4CD38AD2ED}">
   <ds:schemaRefs>
-    <ds:schemaRef ds:uri="http://schemas.microsoft.com/sharepoint/v3/contenttype/forms"/>
+    <ds:schemaRef ds:uri="http://schemas.microsoft.com/office/infopath/2007/PartnerControls"/>
+    <ds:schemaRef ds:uri="3c474641-ec36-472f-b125-6b1b0910eaa4"/>
+    <ds:schemaRef ds:uri="http://purl.org/dc/terms/"/>
+    <ds:schemaRef ds:uri="http://schemas.microsoft.com/office/2006/documentManagement/types"/>
+    <ds:schemaRef ds:uri="http://www.w3.org/XML/1998/namespace"/>
+    <ds:schemaRef ds:uri="http://purl.org/dc/elements/1.1/"/>
+    <ds:schemaRef ds:uri="http://schemas.openxmlformats.org/package/2006/metadata/core-properties"/>
+    <ds:schemaRef ds:uri="4ad138b4-2b68-4b70-945d-07f8f18b1c9a"/>
+    <ds:schemaRef ds:uri="http://schemas.microsoft.com/office/2006/metadata/properties"/>
+    <ds:schemaRef ds:uri="http://purl.org/dc/dcmitype/"/>
   </ds:schemaRefs>
 </ds:datastoreItem>
 </file>
--- a/researchQuestion.pptx
+++ b/researchQuestion.pptx
@@ -5,17 +5,18 @@
     <p:sldMasterId id="2147483648" r:id="rId4"/>
   </p:sldMasterIdLst>
   <p:notesMasterIdLst>
-    <p:notesMasterId r:id="rId10"/>
+    <p:notesMasterId r:id="rId11"/>
   </p:notesMasterIdLst>
   <p:handoutMasterIdLst>
-    <p:handoutMasterId r:id="rId11"/>
+    <p:handoutMasterId r:id="rId12"/>
   </p:handoutMasterIdLst>
   <p:sldIdLst>
     <p:sldId id="289" r:id="rId5"/>
     <p:sldId id="339" r:id="rId6"/>
     <p:sldId id="329" r:id="rId7"/>
     <p:sldId id="336" r:id="rId8"/>
-    <p:sldId id="338" r:id="rId9"/>
+    <p:sldId id="340" r:id="rId9"/>
+    <p:sldId id="338" r:id="rId10"/>
   </p:sldIdLst>
   <p:sldSz cx="12192000" cy="6858000"/>
   <p:notesSz cx="6858000" cy="9144000"/>
@@ -950,7 +951,7 @@
             <a:fld id="{30370952-48CC-46D7-9FCD-59FAD40CC025}" type="slidenum">
               <a:rPr lang="en-GB" smtClean="0"/>
               <a:pPr/>
-              <a:t>5</a:t>
+              <a:t>6</a:t>
             </a:fld>
             <a:endParaRPr lang="en-GB"/>
           </a:p>
@@ -5677,6 +5678,160 @@
 </file>
 
 <file path=ppt/slides/slide5.xml><?xml version="1.0" encoding="utf-8"?>
+<p:sld xmlns:a="http://schemas.openxmlformats.org/drawingml/2006/main" xmlns:r="http://schemas.openxmlformats.org/officeDocument/2006/relationships" xmlns:p="http://schemas.openxmlformats.org/presentationml/2006/main">
+  <p:cSld>
+    <p:spTree>
+      <p:nvGrpSpPr>
+        <p:cNvPr id="1" name=""/>
+        <p:cNvGrpSpPr/>
+        <p:nvPr/>
+      </p:nvGrpSpPr>
+      <p:grpSpPr>
+        <a:xfrm>
+          <a:off x="0" y="0"/>
+          <a:ext cx="0" cy="0"/>
+          <a:chOff x="0" y="0"/>
+          <a:chExt cx="0" cy="0"/>
+        </a:xfrm>
+      </p:grpSpPr>
+      <p:sp>
+        <p:nvSpPr>
+          <p:cNvPr id="2" name="Subtitle 1">
+            <a:extLst>
+              <a:ext uri="{FF2B5EF4-FFF2-40B4-BE49-F238E27FC236}">
+                <a16:creationId xmlns:a16="http://schemas.microsoft.com/office/drawing/2014/main" id="{9606E791-B26C-4553-9480-93A1FDA4AC01}"/>
+              </a:ext>
+            </a:extLst>
+          </p:cNvPr>
+          <p:cNvSpPr>
+            <a:spLocks noGrp="1"/>
+          </p:cNvSpPr>
+          <p:nvPr>
+            <p:ph type="subTitle" idx="1"/>
+          </p:nvPr>
+        </p:nvSpPr>
+        <p:spPr>
+          <a:xfrm>
+            <a:off x="716608" y="967791"/>
+            <a:ext cx="7200000" cy="360000"/>
+          </a:xfrm>
+        </p:spPr>
+        <p:txBody>
+          <a:bodyPr/>
+          <a:lstStyle/>
+          <a:p>
+            <a:r>
+              <a:rPr lang="en-GB" dirty="0"/>
+              <a:t>Histogram</a:t>
+            </a:r>
+          </a:p>
+        </p:txBody>
+      </p:sp>
+      <p:sp>
+        <p:nvSpPr>
+          <p:cNvPr id="4" name="Slide Number Placeholder 3">
+            <a:extLst>
+              <a:ext uri="{FF2B5EF4-FFF2-40B4-BE49-F238E27FC236}">
+                <a16:creationId xmlns:a16="http://schemas.microsoft.com/office/drawing/2014/main" id="{567E3285-088D-4CE9-9D8A-2546B74BC0A3}"/>
+              </a:ext>
+            </a:extLst>
+          </p:cNvPr>
+          <p:cNvSpPr>
+            <a:spLocks noGrp="1"/>
+          </p:cNvSpPr>
+          <p:nvPr>
+            <p:ph type="sldNum" sz="quarter" idx="12"/>
+          </p:nvPr>
+        </p:nvSpPr>
+        <p:spPr/>
+        <p:txBody>
+          <a:bodyPr/>
+          <a:lstStyle/>
+          <a:p>
+            <a:fld id="{E4D355CA-84B7-41B1-B164-8BB439CC7C6B}" type="slidenum">
+              <a:rPr lang="en-GB" smtClean="0"/>
+              <a:pPr/>
+              <a:t>5</a:t>
+            </a:fld>
+            <a:endParaRPr lang="en-GB" dirty="0"/>
+          </a:p>
+        </p:txBody>
+      </p:sp>
+      <p:sp>
+        <p:nvSpPr>
+          <p:cNvPr id="5" name="Title 4">
+            <a:extLst>
+              <a:ext uri="{FF2B5EF4-FFF2-40B4-BE49-F238E27FC236}">
+                <a16:creationId xmlns:a16="http://schemas.microsoft.com/office/drawing/2014/main" id="{227EE4DE-95BC-408A-8C44-5C96611F04BB}"/>
+              </a:ext>
+            </a:extLst>
+          </p:cNvPr>
+          <p:cNvSpPr>
+            <a:spLocks noGrp="1"/>
+          </p:cNvSpPr>
+          <p:nvPr>
+            <p:ph type="ctrTitle"/>
+          </p:nvPr>
+        </p:nvSpPr>
+        <p:spPr/>
+        <p:txBody>
+          <a:bodyPr/>
+          <a:lstStyle/>
+          <a:p>
+            <a:endParaRPr lang="en-GB" dirty="0"/>
+          </a:p>
+        </p:txBody>
+      </p:sp>
+      <p:pic>
+        <p:nvPicPr>
+          <p:cNvPr id="7" name="Picture 6">
+            <a:extLst>
+              <a:ext uri="{FF2B5EF4-FFF2-40B4-BE49-F238E27FC236}">
+                <a16:creationId xmlns:a16="http://schemas.microsoft.com/office/drawing/2014/main" id="{C27C390C-2E9F-41AA-B5DB-315BE0A95D48}"/>
+              </a:ext>
+            </a:extLst>
+          </p:cNvPr>
+          <p:cNvPicPr>
+            <a:picLocks noChangeAspect="1"/>
+          </p:cNvPicPr>
+          <p:nvPr/>
+        </p:nvPicPr>
+        <p:blipFill>
+          <a:blip r:embed="rId2">
+            <a:extLst>
+              <a:ext uri="{28A0092B-C50C-407E-A947-70E740481C1C}">
+                <a14:useLocalDpi xmlns:a14="http://schemas.microsoft.com/office/drawing/2010/main" val="0"/>
+              </a:ext>
+            </a:extLst>
+          </a:blip>
+          <a:stretch>
+            <a:fillRect/>
+          </a:stretch>
+        </p:blipFill>
+        <p:spPr>
+          <a:xfrm>
+            <a:off x="448407" y="1610502"/>
+            <a:ext cx="11605846" cy="3411924"/>
+          </a:xfrm>
+          <a:prstGeom prst="rect">
+            <a:avLst/>
+          </a:prstGeom>
+        </p:spPr>
+      </p:pic>
+    </p:spTree>
+    <p:extLst>
+      <p:ext uri="{BB962C8B-B14F-4D97-AF65-F5344CB8AC3E}">
+        <p14:creationId xmlns:p14="http://schemas.microsoft.com/office/powerpoint/2010/main" val="2279070678"/>
+      </p:ext>
+    </p:extLst>
+  </p:cSld>
+  <p:clrMapOvr>
+    <a:masterClrMapping/>
+  </p:clrMapOvr>
+</p:sld>
+</file>
+
+<file path=ppt/slides/slide6.xml><?xml version="1.0" encoding="utf-8"?>
 <p:sld xmlns:a="http://schemas.openxmlformats.org/drawingml/2006/main" xmlns:r="http://schemas.openxmlformats.org/officeDocument/2006/relationships" xmlns:p="http://schemas.openxmlformats.org/presentationml/2006/main">
   <p:cSld>
     <p:spTree>
@@ -6815,12 +6970,11 @@
 </file>
 
 <file path=customXml/item1.xml><?xml version="1.0" encoding="utf-8"?>
-<?mso-contentType ?>
-<FormTemplates xmlns="http://schemas.microsoft.com/sharepoint/v3/contenttype/forms">
-  <Display>DocumentLibraryForm</Display>
-  <Edit>DocumentLibraryForm</Edit>
-  <New>DocumentLibraryForm</New>
-</FormTemplates>
+<p:properties xmlns:p="http://schemas.microsoft.com/office/2006/metadata/properties" xmlns:xsi="http://www.w3.org/2001/XMLSchema-instance" xmlns:pc="http://schemas.microsoft.com/office/infopath/2007/PartnerControls">
+  <documentManagement>
+    <Information xmlns="4ad138b4-2b68-4b70-945d-07f8f18b1c9a" xsi:nil="true"/>
+  </documentManagement>
+</p:properties>
 </file>
 
 <file path=customXml/item2.xml><?xml version="1.0" encoding="utf-8"?>
@@ -7049,17 +7203,27 @@
 </file>
 
 <file path=customXml/item3.xml><?xml version="1.0" encoding="utf-8"?>
-<p:properties xmlns:p="http://schemas.microsoft.com/office/2006/metadata/properties" xmlns:xsi="http://www.w3.org/2001/XMLSchema-instance" xmlns:pc="http://schemas.microsoft.com/office/infopath/2007/PartnerControls">
-  <documentManagement>
-    <Information xmlns="4ad138b4-2b68-4b70-945d-07f8f18b1c9a" xsi:nil="true"/>
-  </documentManagement>
-</p:properties>
+<?mso-contentType ?>
+<FormTemplates xmlns="http://schemas.microsoft.com/sharepoint/v3/contenttype/forms">
+  <Display>DocumentLibraryForm</Display>
+  <Edit>DocumentLibraryForm</Edit>
+  <New>DocumentLibraryForm</New>
+</FormTemplates>
 </file>
 
 <file path=customXml/itemProps1.xml><?xml version="1.0" encoding="utf-8"?>
-<ds:datastoreItem xmlns:ds="http://schemas.openxmlformats.org/officeDocument/2006/customXml" ds:itemID="{91C521DD-2673-4EE6-BB9B-DC5C3320FFBB}">
+<ds:datastoreItem xmlns:ds="http://schemas.openxmlformats.org/officeDocument/2006/customXml" ds:itemID="{EDD1FC41-23C7-41B0-B5F9-BF4CD38AD2ED}">
   <ds:schemaRefs>
-    <ds:schemaRef ds:uri="http://schemas.microsoft.com/sharepoint/v3/contenttype/forms"/>
+    <ds:schemaRef ds:uri="http://schemas.microsoft.com/office/infopath/2007/PartnerControls"/>
+    <ds:schemaRef ds:uri="3c474641-ec36-472f-b125-6b1b0910eaa4"/>
+    <ds:schemaRef ds:uri="http://purl.org/dc/terms/"/>
+    <ds:schemaRef ds:uri="http://schemas.microsoft.com/office/2006/documentManagement/types"/>
+    <ds:schemaRef ds:uri="http://www.w3.org/XML/1998/namespace"/>
+    <ds:schemaRef ds:uri="http://purl.org/dc/elements/1.1/"/>
+    <ds:schemaRef ds:uri="http://schemas.openxmlformats.org/package/2006/metadata/core-properties"/>
+    <ds:schemaRef ds:uri="4ad138b4-2b68-4b70-945d-07f8f18b1c9a"/>
+    <ds:schemaRef ds:uri="http://schemas.microsoft.com/office/2006/metadata/properties"/>
+    <ds:schemaRef ds:uri="http://purl.org/dc/dcmitype/"/>
   </ds:schemaRefs>
 </ds:datastoreItem>
 </file>
@@ -7084,18 +7248,9 @@
 </file>
 
 <file path=customXml/itemProps3.xml><?xml version="1.0" encoding="utf-8"?>
-<ds:datastoreItem xmlns:ds="http://schemas.openxmlformats.org/officeDocument/2006/customXml" ds:itemID="{EDD1FC41-23C7-41B0-B5F9-BF4CD38AD2ED}">
+<ds:datastoreItem xmlns:ds="http://schemas.openxmlformats.org/officeDocument/2006/customXml" ds:itemID="{91C521DD-2673-4EE6-BB9B-DC5C3320FFBB}">
   <ds:schemaRefs>
-    <ds:schemaRef ds:uri="http://schemas.microsoft.com/office/infopath/2007/PartnerControls"/>
-    <ds:schemaRef ds:uri="3c474641-ec36-472f-b125-6b1b0910eaa4"/>
-    <ds:schemaRef ds:uri="http://purl.org/dc/terms/"/>
-    <ds:schemaRef ds:uri="http://schemas.microsoft.com/office/2006/documentManagement/types"/>
-    <ds:schemaRef ds:uri="http://www.w3.org/XML/1998/namespace"/>
-    <ds:schemaRef ds:uri="http://purl.org/dc/elements/1.1/"/>
-    <ds:schemaRef ds:uri="http://schemas.openxmlformats.org/package/2006/metadata/core-properties"/>
-    <ds:schemaRef ds:uri="4ad138b4-2b68-4b70-945d-07f8f18b1c9a"/>
-    <ds:schemaRef ds:uri="http://schemas.microsoft.com/office/2006/metadata/properties"/>
-    <ds:schemaRef ds:uri="http://purl.org/dc/dcmitype/"/>
+    <ds:schemaRef ds:uri="http://schemas.microsoft.com/sharepoint/v3/contenttype/forms"/>
   </ds:schemaRefs>
 </ds:datastoreItem>
 </file>